--- a/assets/GitFlow.pptx
+++ b/assets/GitFlow.pptx
@@ -257,7 +257,7 @@
       </p15:sldGuideLst>
     </p:ext>
     <p:ext uri="GoogleSlidesCustomDataVersion2">
-      <go:slidesCustomData xmlns:go="http://customooxmlschemas.google.com/" xmlns:ahyp="http://schemas.microsoft.com/office/drawing/2018/hyperlinkcolor" xmlns:p15="http://schemas.microsoft.com/office/powerpoint/2012/main" xmlns:p14="http://schemas.microsoft.com/office/powerpoint/2010/main" xmlns:com="http://schemas.openxmlformats.org/drawingml/2006/compatibility" xmlns:pvml="urn:schemas-microsoft-com:office:powerpoint" xmlns:v="urn:schemas-microsoft-com:vml" xmlns:o="urn:schemas-microsoft-com:office:office" xmlns:dgm="http://schemas.openxmlformats.org/drawingml/2006/diagram" xmlns:c="http://schemas.openxmlformats.org/drawingml/2006/chart" xmlns:mv="urn:schemas-microsoft-com:mac:vml" xmlns:mc="http://schemas.openxmlformats.org/markup-compatibility/2006" xmlns="" r:id="rId37" roundtripDataSignature="AMtx7mgNpvLgIKuCb3di2fCv9iBndn6Ckg=="/>
+      <go:slidesCustomData xmlns="" xmlns:mc="http://schemas.openxmlformats.org/markup-compatibility/2006" xmlns:mv="urn:schemas-microsoft-com:mac:vml" xmlns:c="http://schemas.openxmlformats.org/drawingml/2006/chart" xmlns:dgm="http://schemas.openxmlformats.org/drawingml/2006/diagram" xmlns:o="urn:schemas-microsoft-com:office:office" xmlns:v="urn:schemas-microsoft-com:vml" xmlns:pvml="urn:schemas-microsoft-com:office:powerpoint" xmlns:com="http://schemas.openxmlformats.org/drawingml/2006/compatibility" xmlns:p14="http://schemas.microsoft.com/office/powerpoint/2010/main" xmlns:p15="http://schemas.microsoft.com/office/powerpoint/2012/main" xmlns:ahyp="http://schemas.microsoft.com/office/drawing/2018/hyperlinkcolor" xmlns:go="http://customooxmlschemas.google.com/" r:id="rId37" roundtripDataSignature="AMtx7mgNpvLgIKuCb3di2fCv9iBndn6Ckg=="/>
     </p:ext>
   </p:extLst>
 </p:presentation>
@@ -276,7 +276,7 @@
   <pc:docChgLst>
     <pc:chgData name="Teresa Swarthout" userId="2501f1c4df9ee7ad" providerId="LiveId" clId="{58353AB5-4D4B-49C1-8F0A-8861E7CF575F}"/>
     <pc:docChg chg="undo custSel addSld delSld modSld">
-      <pc:chgData name="Teresa Swarthout" userId="2501f1c4df9ee7ad" providerId="LiveId" clId="{58353AB5-4D4B-49C1-8F0A-8861E7CF575F}" dt="2025-09-02T16:17:55.344" v="181"/>
+      <pc:chgData name="Teresa Swarthout" userId="2501f1c4df9ee7ad" providerId="LiveId" clId="{58353AB5-4D4B-49C1-8F0A-8861E7CF575F}" dt="2025-09-02T17:34:41.241" v="192" actId="20577"/>
       <pc:docMkLst>
         <pc:docMk/>
       </pc:docMkLst>
@@ -572,7 +572,7 @@
         </pc:sldMkLst>
       </pc:sldChg>
       <pc:sldChg chg="addSp delSp modSp add mod">
-        <pc:chgData name="Teresa Swarthout" userId="2501f1c4df9ee7ad" providerId="LiveId" clId="{58353AB5-4D4B-49C1-8F0A-8861E7CF575F}" dt="2025-09-02T16:17:55.344" v="181"/>
+        <pc:chgData name="Teresa Swarthout" userId="2501f1c4df9ee7ad" providerId="LiveId" clId="{58353AB5-4D4B-49C1-8F0A-8861E7CF575F}" dt="2025-09-02T17:34:41.241" v="192" actId="20577"/>
         <pc:sldMkLst>
           <pc:docMk/>
           <pc:sldMk cId="391909219" sldId="269"/>
@@ -586,11 +586,51 @@
           </ac:spMkLst>
         </pc:spChg>
         <pc:spChg chg="mod">
+          <ac:chgData name="Teresa Swarthout" userId="2501f1c4df9ee7ad" providerId="LiveId" clId="{58353AB5-4D4B-49C1-8F0A-8861E7CF575F}" dt="2025-09-02T17:34:26.764" v="186" actId="20577"/>
+          <ac:spMkLst>
+            <pc:docMk/>
+            <pc:sldMk cId="391909219" sldId="269"/>
+            <ac:spMk id="46" creationId="{D590FD66-1B4F-CE3E-97E5-88C8F33954EC}"/>
+          </ac:spMkLst>
+        </pc:spChg>
+        <pc:spChg chg="mod">
+          <ac:chgData name="Teresa Swarthout" userId="2501f1c4df9ee7ad" providerId="LiveId" clId="{58353AB5-4D4B-49C1-8F0A-8861E7CF575F}" dt="2025-09-02T17:34:37.289" v="190" actId="20577"/>
+          <ac:spMkLst>
+            <pc:docMk/>
+            <pc:sldMk cId="391909219" sldId="269"/>
+            <ac:spMk id="47" creationId="{2ED71E5D-810D-28CA-C1BB-1ABF27D4F62F}"/>
+          </ac:spMkLst>
+        </pc:spChg>
+        <pc:spChg chg="mod">
           <ac:chgData name="Teresa Swarthout" userId="2501f1c4df9ee7ad" providerId="LiveId" clId="{58353AB5-4D4B-49C1-8F0A-8861E7CF575F}" dt="2025-09-02T16:17:55.344" v="181"/>
           <ac:spMkLst>
             <pc:docMk/>
             <pc:sldMk cId="391909219" sldId="269"/>
             <ac:spMk id="48" creationId="{11492B93-A874-8689-C136-51C94B1B22B0}"/>
+          </ac:spMkLst>
+        </pc:spChg>
+        <pc:spChg chg="mod">
+          <ac:chgData name="Teresa Swarthout" userId="2501f1c4df9ee7ad" providerId="LiveId" clId="{58353AB5-4D4B-49C1-8F0A-8861E7CF575F}" dt="2025-09-02T17:34:41.241" v="192" actId="20577"/>
+          <ac:spMkLst>
+            <pc:docMk/>
+            <pc:sldMk cId="391909219" sldId="269"/>
+            <ac:spMk id="51" creationId="{772A3449-787B-0E48-DF56-DE863C2C8F6E}"/>
+          </ac:spMkLst>
+        </pc:spChg>
+        <pc:spChg chg="mod">
+          <ac:chgData name="Teresa Swarthout" userId="2501f1c4df9ee7ad" providerId="LiveId" clId="{58353AB5-4D4B-49C1-8F0A-8861E7CF575F}" dt="2025-09-02T17:34:33.943" v="188" actId="20577"/>
+          <ac:spMkLst>
+            <pc:docMk/>
+            <pc:sldMk cId="391909219" sldId="269"/>
+            <ac:spMk id="137" creationId="{7C70B1A8-0C69-D895-AFFE-C22ED2405CA5}"/>
+          </ac:spMkLst>
+        </pc:spChg>
+        <pc:spChg chg="mod">
+          <ac:chgData name="Teresa Swarthout" userId="2501f1c4df9ee7ad" providerId="LiveId" clId="{58353AB5-4D4B-49C1-8F0A-8861E7CF575F}" dt="2025-09-02T17:34:22.623" v="184" actId="20577"/>
+          <ac:spMkLst>
+            <pc:docMk/>
+            <pc:sldMk cId="391909219" sldId="269"/>
+            <ac:spMk id="140" creationId="{1EEA735C-0984-35C4-2114-73111FA0138D}"/>
           </ac:spMkLst>
         </pc:spChg>
       </pc:sldChg>
@@ -8635,36 +8675,8 @@
                 <a:cs typeface="Arial"/>
                 <a:sym typeface="Arial"/>
               </a:rPr>
-              <a:t>User’s</a:t>
+              <a:t>User’s </a:t>
             </a:r>
-            <a:endParaRPr sz="1200" b="0" i="0" u="none" strike="noStrike" cap="none" dirty="0">
-              <a:solidFill>
-                <a:srgbClr val="000000"/>
-              </a:solidFill>
-              <a:latin typeface="Arial"/>
-              <a:ea typeface="Arial"/>
-              <a:cs typeface="Arial"/>
-              <a:sym typeface="Arial"/>
-            </a:endParaRPr>
-          </a:p>
-          <a:p>
-            <a:pPr marL="0" marR="0" lvl="0" indent="0" algn="ctr" rtl="0">
-              <a:lnSpc>
-                <a:spcPct val="100000"/>
-              </a:lnSpc>
-              <a:spcBef>
-                <a:spcPts val="0"/>
-              </a:spcBef>
-              <a:spcAft>
-                <a:spcPts val="0"/>
-              </a:spcAft>
-              <a:buClr>
-                <a:srgbClr val="000000"/>
-              </a:buClr>
-              <a:buSzPts val="1400"/>
-              <a:buFont typeface="Arial"/>
-              <a:buNone/>
-            </a:pPr>
             <a:r>
               <a:rPr lang="en-US" sz="1200" b="0" i="0" u="none" strike="noStrike" cap="none" dirty="0" err="1">
                 <a:solidFill>
@@ -8901,7 +8913,7 @@
               <a:buNone/>
             </a:pPr>
             <a:r>
-              <a:rPr lang="en-US" sz="1400" b="0" i="0" u="none" strike="noStrike" cap="none" dirty="0">
+              <a:rPr lang="en-US" sz="1200" b="0" i="0" u="none" strike="noStrike" cap="none" dirty="0">
                 <a:solidFill>
                   <a:schemeClr val="lt1"/>
                 </a:solidFill>
@@ -8910,47 +8922,7 @@
                 <a:cs typeface="Arial"/>
                 <a:sym typeface="Arial"/>
               </a:rPr>
-              <a:t>User’s</a:t>
-            </a:r>
-            <a:endParaRPr sz="1400" b="0" i="0" u="none" strike="noStrike" cap="none" dirty="0">
-              <a:solidFill>
-                <a:srgbClr val="000000"/>
-              </a:solidFill>
-              <a:latin typeface="Arial"/>
-              <a:ea typeface="Arial"/>
-              <a:cs typeface="Arial"/>
-              <a:sym typeface="Arial"/>
-            </a:endParaRPr>
-          </a:p>
-          <a:p>
-            <a:pPr marL="0" marR="0" lvl="0" indent="0" algn="ctr" rtl="0">
-              <a:lnSpc>
-                <a:spcPct val="100000"/>
-              </a:lnSpc>
-              <a:spcBef>
-                <a:spcPts val="0"/>
-              </a:spcBef>
-              <a:spcAft>
-                <a:spcPts val="0"/>
-              </a:spcAft>
-              <a:buClr>
-                <a:srgbClr val="000000"/>
-              </a:buClr>
-              <a:buSzPts val="1400"/>
-              <a:buFont typeface="Arial"/>
-              <a:buNone/>
-            </a:pPr>
-            <a:r>
-              <a:rPr lang="en-US" sz="1400" b="0" i="0" u="none" strike="noStrike" cap="none" dirty="0">
-                <a:solidFill>
-                  <a:schemeClr val="lt1"/>
-                </a:solidFill>
-                <a:latin typeface="Arial"/>
-                <a:ea typeface="Arial"/>
-                <a:cs typeface="Arial"/>
-                <a:sym typeface="Arial"/>
-              </a:rPr>
-              <a:t>Local Repo</a:t>
+              <a:t>User’s Local Repo</a:t>
             </a:r>
           </a:p>
           <a:p>
@@ -8958,14 +8930,14 @@
               <a:buSzPts val="1400"/>
             </a:pPr>
             <a:r>
-              <a:rPr lang="en-US" dirty="0">
+              <a:rPr lang="en-US" sz="1200" dirty="0">
                 <a:solidFill>
                   <a:schemeClr val="lt1"/>
                 </a:solidFill>
               </a:rPr>
               <a:t>(main)</a:t>
             </a:r>
-            <a:endParaRPr sz="1400" b="0" i="0" u="none" strike="noStrike" cap="none" dirty="0">
+            <a:endParaRPr sz="1200" b="0" i="0" u="none" strike="noStrike" cap="none" dirty="0">
               <a:solidFill>
                 <a:srgbClr val="000000"/>
               </a:solidFill>
@@ -9905,47 +9877,7 @@
                 <a:cs typeface="Arial"/>
                 <a:sym typeface="Arial"/>
               </a:rPr>
-              <a:t>User’s</a:t>
-            </a:r>
-            <a:endParaRPr sz="1200" b="0" i="0" u="none" strike="noStrike" cap="none" dirty="0">
-              <a:solidFill>
-                <a:srgbClr val="000000"/>
-              </a:solidFill>
-              <a:latin typeface="Arial"/>
-              <a:ea typeface="Arial"/>
-              <a:cs typeface="Arial"/>
-              <a:sym typeface="Arial"/>
-            </a:endParaRPr>
-          </a:p>
-          <a:p>
-            <a:pPr marL="0" marR="0" lvl="0" indent="0" algn="ctr" rtl="0">
-              <a:lnSpc>
-                <a:spcPct val="100000"/>
-              </a:lnSpc>
-              <a:spcBef>
-                <a:spcPts val="0"/>
-              </a:spcBef>
-              <a:spcAft>
-                <a:spcPts val="0"/>
-              </a:spcAft>
-              <a:buClr>
-                <a:srgbClr val="000000"/>
-              </a:buClr>
-              <a:buSzPts val="1400"/>
-              <a:buFont typeface="Arial"/>
-              <a:buNone/>
-            </a:pPr>
-            <a:r>
-              <a:rPr lang="en-US" sz="1200" b="0" i="0" u="none" strike="noStrike" cap="none" dirty="0">
-                <a:solidFill>
-                  <a:schemeClr val="lt1"/>
-                </a:solidFill>
-                <a:latin typeface="Arial"/>
-                <a:ea typeface="Arial"/>
-                <a:cs typeface="Arial"/>
-                <a:sym typeface="Arial"/>
-              </a:rPr>
-              <a:t>Local Repo</a:t>
+              <a:t>User’s Local Repo</a:t>
             </a:r>
             <a:endParaRPr sz="1200" b="0" i="0" u="none" strike="noStrike" cap="none" dirty="0">
               <a:solidFill>
@@ -10067,36 +9999,8 @@
                 <a:cs typeface="Arial"/>
                 <a:sym typeface="Arial"/>
               </a:rPr>
-              <a:t>User’s</a:t>
+              <a:t>User’s </a:t>
             </a:r>
-            <a:endParaRPr sz="1200" b="0" i="0" u="none" strike="noStrike" cap="none" dirty="0">
-              <a:solidFill>
-                <a:srgbClr val="000000"/>
-              </a:solidFill>
-              <a:latin typeface="Arial"/>
-              <a:ea typeface="Arial"/>
-              <a:cs typeface="Arial"/>
-              <a:sym typeface="Arial"/>
-            </a:endParaRPr>
-          </a:p>
-          <a:p>
-            <a:pPr marL="0" marR="0" lvl="0" indent="0" algn="ctr" rtl="0">
-              <a:lnSpc>
-                <a:spcPct val="100000"/>
-              </a:lnSpc>
-              <a:spcBef>
-                <a:spcPts val="0"/>
-              </a:spcBef>
-              <a:spcAft>
-                <a:spcPts val="0"/>
-              </a:spcAft>
-              <a:buClr>
-                <a:srgbClr val="000000"/>
-              </a:buClr>
-              <a:buSzPts val="1400"/>
-              <a:buFont typeface="Arial"/>
-              <a:buNone/>
-            </a:pPr>
             <a:r>
               <a:rPr lang="en-US" sz="1200" b="0" i="0" u="none" strike="noStrike" cap="none" dirty="0" err="1">
                 <a:solidFill>
@@ -10514,36 +10418,8 @@
                 <a:cs typeface="Arial"/>
                 <a:sym typeface="Arial"/>
               </a:rPr>
-              <a:t>User’s</a:t>
+              <a:t>User’s </a:t>
             </a:r>
-            <a:endParaRPr sz="1200" b="0" i="0" u="none" strike="noStrike" cap="none" dirty="0">
-              <a:solidFill>
-                <a:srgbClr val="000000"/>
-              </a:solidFill>
-              <a:latin typeface="Arial"/>
-              <a:ea typeface="Arial"/>
-              <a:cs typeface="Arial"/>
-              <a:sym typeface="Arial"/>
-            </a:endParaRPr>
-          </a:p>
-          <a:p>
-            <a:pPr marL="0" marR="0" lvl="0" indent="0" algn="ctr" rtl="0">
-              <a:lnSpc>
-                <a:spcPct val="100000"/>
-              </a:lnSpc>
-              <a:spcBef>
-                <a:spcPts val="0"/>
-              </a:spcBef>
-              <a:spcAft>
-                <a:spcPts val="0"/>
-              </a:spcAft>
-              <a:buClr>
-                <a:srgbClr val="000000"/>
-              </a:buClr>
-              <a:buSzPts val="1400"/>
-              <a:buFont typeface="Arial"/>
-              <a:buNone/>
-            </a:pPr>
             <a:r>
               <a:rPr lang="en-US" sz="1200" b="0" i="0" u="none" strike="noStrike" cap="none" dirty="0" err="1">
                 <a:solidFill>

--- a/assets/GitFlow.pptx
+++ b/assets/GitFlow.pptx
@@ -5,10 +5,12 @@
     <p:sldMasterId id="2147483648" r:id="rId1"/>
   </p:sldMasterIdLst>
   <p:notesMasterIdLst>
-    <p:notesMasterId r:id="rId3"/>
+    <p:notesMasterId r:id="rId5"/>
   </p:notesMasterIdLst>
   <p:sldIdLst>
     <p:sldId id="269" r:id="rId2"/>
+    <p:sldId id="270" r:id="rId3"/>
+    <p:sldId id="271" r:id="rId4"/>
   </p:sldIdLst>
   <p:sldSz cx="9144000" cy="5143500" type="screen16x9"/>
   <p:notesSz cx="6858000" cy="9144000"/>
@@ -257,7 +259,7 @@
       </p15:sldGuideLst>
     </p:ext>
     <p:ext uri="GoogleSlidesCustomDataVersion2">
-      <go:slidesCustomData xmlns="" xmlns:mc="http://schemas.openxmlformats.org/markup-compatibility/2006" xmlns:mv="urn:schemas-microsoft-com:mac:vml" xmlns:c="http://schemas.openxmlformats.org/drawingml/2006/chart" xmlns:dgm="http://schemas.openxmlformats.org/drawingml/2006/diagram" xmlns:o="urn:schemas-microsoft-com:office:office" xmlns:v="urn:schemas-microsoft-com:vml" xmlns:pvml="urn:schemas-microsoft-com:office:powerpoint" xmlns:com="http://schemas.openxmlformats.org/drawingml/2006/compatibility" xmlns:p14="http://schemas.microsoft.com/office/powerpoint/2010/main" xmlns:p15="http://schemas.microsoft.com/office/powerpoint/2012/main" xmlns:ahyp="http://schemas.microsoft.com/office/drawing/2018/hyperlinkcolor" xmlns:go="http://customooxmlschemas.google.com/" r:id="rId37" roundtripDataSignature="AMtx7mgNpvLgIKuCb3di2fCv9iBndn6Ckg=="/>
+      <go:slidesCustomData xmlns:go="http://customooxmlschemas.google.com/" xmlns:ahyp="http://schemas.microsoft.com/office/drawing/2018/hyperlinkcolor" xmlns:p15="http://schemas.microsoft.com/office/powerpoint/2012/main" xmlns:p14="http://schemas.microsoft.com/office/powerpoint/2010/main" xmlns:com="http://schemas.openxmlformats.org/drawingml/2006/compatibility" xmlns:pvml="urn:schemas-microsoft-com:office:powerpoint" xmlns:v="urn:schemas-microsoft-com:vml" xmlns:o="urn:schemas-microsoft-com:office:office" xmlns:dgm="http://schemas.openxmlformats.org/drawingml/2006/diagram" xmlns:c="http://schemas.openxmlformats.org/drawingml/2006/chart" xmlns:mv="urn:schemas-microsoft-com:mac:vml" xmlns:mc="http://schemas.openxmlformats.org/markup-compatibility/2006" xmlns="" r:id="rId37" roundtripDataSignature="AMtx7mgNpvLgIKuCb3di2fCv9iBndn6Ckg=="/>
     </p:ext>
   </p:extLst>
 </p:presentation>
@@ -266,7 +268,7 @@
 <file path=ppt/revisionInfo.xml><?xml version="1.0" encoding="utf-8"?>
 <p1510:revInfo xmlns:a="http://schemas.openxmlformats.org/drawingml/2006/main" xmlns:r="http://schemas.openxmlformats.org/officeDocument/2006/relationships" xmlns:p1510="http://schemas.microsoft.com/office/powerpoint/2015/10/main">
   <p1510:revLst>
-    <p1510:client id="{58353AB5-4D4B-49C1-8F0A-8861E7CF575F}" v="5" dt="2025-09-02T16:17:55.344"/>
+    <p1510:client id="{49D13036-AAB8-42C0-AA20-7CE5571B80DE}" v="21" dt="2025-10-05T17:31:39.926"/>
   </p1510:revLst>
 </p1510:revInfo>
 </file>
@@ -363,206 +365,6 @@
           <pc:docMk/>
           <pc:sldMk cId="0" sldId="268"/>
         </pc:sldMkLst>
-        <pc:spChg chg="mod">
-          <ac:chgData name="Teresa Swarthout" userId="2501f1c4df9ee7ad" providerId="LiveId" clId="{58353AB5-4D4B-49C1-8F0A-8861E7CF575F}" dt="2025-09-02T16:12:30.636" v="164" actId="1076"/>
-          <ac:spMkLst>
-            <pc:docMk/>
-            <pc:sldMk cId="0" sldId="268"/>
-            <ac:spMk id="16" creationId="{53BB8599-602B-C3B3-483B-C9732D9827E7}"/>
-          </ac:spMkLst>
-        </pc:spChg>
-        <pc:spChg chg="mod">
-          <ac:chgData name="Teresa Swarthout" userId="2501f1c4df9ee7ad" providerId="LiveId" clId="{58353AB5-4D4B-49C1-8F0A-8861E7CF575F}" dt="2025-09-02T15:32:22.382" v="75" actId="1076"/>
-          <ac:spMkLst>
-            <pc:docMk/>
-            <pc:sldMk cId="0" sldId="268"/>
-            <ac:spMk id="18" creationId="{F9271276-0F2E-DDD1-2D4F-4264C84E6CC1}"/>
-          </ac:spMkLst>
-        </pc:spChg>
-        <pc:spChg chg="mod">
-          <ac:chgData name="Teresa Swarthout" userId="2501f1c4df9ee7ad" providerId="LiveId" clId="{58353AB5-4D4B-49C1-8F0A-8861E7CF575F}" dt="2025-09-02T15:32:18.647" v="74" actId="1076"/>
-          <ac:spMkLst>
-            <pc:docMk/>
-            <pc:sldMk cId="0" sldId="268"/>
-            <ac:spMk id="20" creationId="{2801187D-0B96-97D0-641D-7C8977F02415}"/>
-          </ac:spMkLst>
-        </pc:spChg>
-        <pc:spChg chg="mod">
-          <ac:chgData name="Teresa Swarthout" userId="2501f1c4df9ee7ad" providerId="LiveId" clId="{58353AB5-4D4B-49C1-8F0A-8861E7CF575F}" dt="2025-09-02T16:15:58.500" v="170" actId="255"/>
-          <ac:spMkLst>
-            <pc:docMk/>
-            <pc:sldMk cId="0" sldId="268"/>
-            <ac:spMk id="46" creationId="{EB6C5A70-5D6F-13C1-26C0-33BD6C725B94}"/>
-          </ac:spMkLst>
-        </pc:spChg>
-        <pc:spChg chg="mod">
-          <ac:chgData name="Teresa Swarthout" userId="2501f1c4df9ee7ad" providerId="LiveId" clId="{58353AB5-4D4B-49C1-8F0A-8861E7CF575F}" dt="2025-09-02T16:11:15.316" v="113" actId="255"/>
-          <ac:spMkLst>
-            <pc:docMk/>
-            <pc:sldMk cId="0" sldId="268"/>
-            <ac:spMk id="47" creationId="{1A06B223-4996-98FA-D637-60C4FE047E0C}"/>
-          </ac:spMkLst>
-        </pc:spChg>
-        <pc:spChg chg="mod">
-          <ac:chgData name="Teresa Swarthout" userId="2501f1c4df9ee7ad" providerId="LiveId" clId="{58353AB5-4D4B-49C1-8F0A-8861E7CF575F}" dt="2025-09-02T16:15:48.334" v="165" actId="255"/>
-          <ac:spMkLst>
-            <pc:docMk/>
-            <pc:sldMk cId="0" sldId="268"/>
-            <ac:spMk id="48" creationId="{B8B89263-B953-DB22-E4E0-956F17B0907A}"/>
-          </ac:spMkLst>
-        </pc:spChg>
-        <pc:spChg chg="mod">
-          <ac:chgData name="Teresa Swarthout" userId="2501f1c4df9ee7ad" providerId="LiveId" clId="{58353AB5-4D4B-49C1-8F0A-8861E7CF575F}" dt="2025-09-02T15:30:04.097" v="47" actId="1076"/>
-          <ac:spMkLst>
-            <pc:docMk/>
-            <pc:sldMk cId="0" sldId="268"/>
-            <ac:spMk id="50" creationId="{35B7F0A0-A133-893F-389D-0A2792F57A8A}"/>
-          </ac:spMkLst>
-        </pc:spChg>
-        <pc:spChg chg="mod">
-          <ac:chgData name="Teresa Swarthout" userId="2501f1c4df9ee7ad" providerId="LiveId" clId="{58353AB5-4D4B-49C1-8F0A-8861E7CF575F}" dt="2025-09-02T16:11:20.687" v="114" actId="255"/>
-          <ac:spMkLst>
-            <pc:docMk/>
-            <pc:sldMk cId="0" sldId="268"/>
-            <ac:spMk id="51" creationId="{DC715302-41CE-038F-3E3A-2B58A26EAE45}"/>
-          </ac:spMkLst>
-        </pc:spChg>
-        <pc:spChg chg="mod">
-          <ac:chgData name="Teresa Swarthout" userId="2501f1c4df9ee7ad" providerId="LiveId" clId="{58353AB5-4D4B-49C1-8F0A-8861E7CF575F}" dt="2025-09-02T15:28:20.413" v="12" actId="1076"/>
-          <ac:spMkLst>
-            <pc:docMk/>
-            <pc:sldMk cId="0" sldId="268"/>
-            <ac:spMk id="53" creationId="{5ED099AA-B1E8-9F24-60F4-F8E2522EC2A2}"/>
-          </ac:spMkLst>
-        </pc:spChg>
-        <pc:spChg chg="del mod">
-          <ac:chgData name="Teresa Swarthout" userId="2501f1c4df9ee7ad" providerId="LiveId" clId="{58353AB5-4D4B-49C1-8F0A-8861E7CF575F}" dt="2025-09-02T15:29:34.699" v="37" actId="478"/>
-          <ac:spMkLst>
-            <pc:docMk/>
-            <pc:sldMk cId="0" sldId="268"/>
-            <ac:spMk id="55" creationId="{DFB01DE9-310F-D825-83A6-3FD192721DCC}"/>
-          </ac:spMkLst>
-        </pc:spChg>
-        <pc:spChg chg="mod">
-          <ac:chgData name="Teresa Swarthout" userId="2501f1c4df9ee7ad" providerId="LiveId" clId="{58353AB5-4D4B-49C1-8F0A-8861E7CF575F}" dt="2025-09-02T16:11:10.596" v="112" actId="255"/>
-          <ac:spMkLst>
-            <pc:docMk/>
-            <pc:sldMk cId="0" sldId="268"/>
-            <ac:spMk id="137" creationId="{00000000-0000-0000-0000-000000000000}"/>
-          </ac:spMkLst>
-        </pc:spChg>
-        <pc:spChg chg="mod">
-          <ac:chgData name="Teresa Swarthout" userId="2501f1c4df9ee7ad" providerId="LiveId" clId="{58353AB5-4D4B-49C1-8F0A-8861E7CF575F}" dt="2025-09-02T16:11:02.205" v="111"/>
-          <ac:spMkLst>
-            <pc:docMk/>
-            <pc:sldMk cId="0" sldId="268"/>
-            <ac:spMk id="140" creationId="{00000000-0000-0000-0000-000000000000}"/>
-          </ac:spMkLst>
-        </pc:spChg>
-        <pc:spChg chg="mod">
-          <ac:chgData name="Teresa Swarthout" userId="2501f1c4df9ee7ad" providerId="LiveId" clId="{58353AB5-4D4B-49C1-8F0A-8861E7CF575F}" dt="2025-09-02T15:30:54.691" v="60" actId="1076"/>
-          <ac:spMkLst>
-            <pc:docMk/>
-            <pc:sldMk cId="0" sldId="268"/>
-            <ac:spMk id="142" creationId="{00000000-0000-0000-0000-000000000000}"/>
-          </ac:spMkLst>
-        </pc:spChg>
-        <pc:spChg chg="mod">
-          <ac:chgData name="Teresa Swarthout" userId="2501f1c4df9ee7ad" providerId="LiveId" clId="{58353AB5-4D4B-49C1-8F0A-8861E7CF575F}" dt="2025-09-02T16:12:03.026" v="146" actId="20577"/>
-          <ac:spMkLst>
-            <pc:docMk/>
-            <pc:sldMk cId="0" sldId="268"/>
-            <ac:spMk id="143" creationId="{00000000-0000-0000-0000-000000000000}"/>
-          </ac:spMkLst>
-        </pc:spChg>
-        <pc:spChg chg="mod">
-          <ac:chgData name="Teresa Swarthout" userId="2501f1c4df9ee7ad" providerId="LiveId" clId="{58353AB5-4D4B-49C1-8F0A-8861E7CF575F}" dt="2025-09-02T15:32:26.640" v="76" actId="1076"/>
-          <ac:spMkLst>
-            <pc:docMk/>
-            <pc:sldMk cId="0" sldId="268"/>
-            <ac:spMk id="145" creationId="{00000000-0000-0000-0000-000000000000}"/>
-          </ac:spMkLst>
-        </pc:spChg>
-        <pc:spChg chg="mod">
-          <ac:chgData name="Teresa Swarthout" userId="2501f1c4df9ee7ad" providerId="LiveId" clId="{58353AB5-4D4B-49C1-8F0A-8861E7CF575F}" dt="2025-09-02T15:28:00.671" v="9" actId="552"/>
-          <ac:spMkLst>
-            <pc:docMk/>
-            <pc:sldMk cId="0" sldId="268"/>
-            <ac:spMk id="146" creationId="{00000000-0000-0000-0000-000000000000}"/>
-          </ac:spMkLst>
-        </pc:spChg>
-        <pc:spChg chg="add mod">
-          <ac:chgData name="Teresa Swarthout" userId="2501f1c4df9ee7ad" providerId="LiveId" clId="{58353AB5-4D4B-49C1-8F0A-8861E7CF575F}" dt="2025-09-02T15:29:52.597" v="45" actId="1076"/>
-          <ac:spMkLst>
-            <pc:docMk/>
-            <pc:sldMk cId="0" sldId="268"/>
-            <ac:spMk id="154" creationId="{3E95C043-7DB0-1AD5-8959-6D625AE12DBC}"/>
-          </ac:spMkLst>
-        </pc:spChg>
-        <pc:cxnChg chg="mod">
-          <ac:chgData name="Teresa Swarthout" userId="2501f1c4df9ee7ad" providerId="LiveId" clId="{58353AB5-4D4B-49C1-8F0A-8861E7CF575F}" dt="2025-09-02T16:12:30.636" v="164" actId="1076"/>
-          <ac:cxnSpMkLst>
-            <pc:docMk/>
-            <pc:sldMk cId="0" sldId="268"/>
-            <ac:cxnSpMk id="17" creationId="{0A77511F-C147-E0AA-54B3-3BF791EE86C1}"/>
-          </ac:cxnSpMkLst>
-        </pc:cxnChg>
-        <pc:cxnChg chg="mod">
-          <ac:chgData name="Teresa Swarthout" userId="2501f1c4df9ee7ad" providerId="LiveId" clId="{58353AB5-4D4B-49C1-8F0A-8861E7CF575F}" dt="2025-09-02T16:12:30.636" v="164" actId="1076"/>
-          <ac:cxnSpMkLst>
-            <pc:docMk/>
-            <pc:sldMk cId="0" sldId="268"/>
-            <ac:cxnSpMk id="19" creationId="{D11C9022-58DD-983A-D9EF-FB7C4550604E}"/>
-          </ac:cxnSpMkLst>
-        </pc:cxnChg>
-        <pc:cxnChg chg="mod">
-          <ac:chgData name="Teresa Swarthout" userId="2501f1c4df9ee7ad" providerId="LiveId" clId="{58353AB5-4D4B-49C1-8F0A-8861E7CF575F}" dt="2025-09-02T15:31:54.842" v="69" actId="553"/>
-          <ac:cxnSpMkLst>
-            <pc:docMk/>
-            <pc:sldMk cId="0" sldId="268"/>
-            <ac:cxnSpMk id="49" creationId="{0D6E6141-18F0-9256-5223-25B6619729E5}"/>
-          </ac:cxnSpMkLst>
-        </pc:cxnChg>
-        <pc:cxnChg chg="mod">
-          <ac:chgData name="Teresa Swarthout" userId="2501f1c4df9ee7ad" providerId="LiveId" clId="{58353AB5-4D4B-49C1-8F0A-8861E7CF575F}" dt="2025-09-02T15:28:14.599" v="11" actId="12788"/>
-          <ac:cxnSpMkLst>
-            <pc:docMk/>
-            <pc:sldMk cId="0" sldId="268"/>
-            <ac:cxnSpMk id="52" creationId="{C4FFD6A0-3694-8B33-19BF-1D0F5A3287AF}"/>
-          </ac:cxnSpMkLst>
-        </pc:cxnChg>
-        <pc:cxnChg chg="mod">
-          <ac:chgData name="Teresa Swarthout" userId="2501f1c4df9ee7ad" providerId="LiveId" clId="{58353AB5-4D4B-49C1-8F0A-8861E7CF575F}" dt="2025-09-02T15:29:48.542" v="44" actId="14100"/>
-          <ac:cxnSpMkLst>
-            <pc:docMk/>
-            <pc:sldMk cId="0" sldId="268"/>
-            <ac:cxnSpMk id="54" creationId="{60CC8BEB-751D-C1B0-775B-4036A10FE0D1}"/>
-          </ac:cxnSpMkLst>
-        </pc:cxnChg>
-        <pc:cxnChg chg="mod">
-          <ac:chgData name="Teresa Swarthout" userId="2501f1c4df9ee7ad" providerId="LiveId" clId="{58353AB5-4D4B-49C1-8F0A-8861E7CF575F}" dt="2025-09-02T15:29:12.397" v="31" actId="1076"/>
-          <ac:cxnSpMkLst>
-            <pc:docMk/>
-            <pc:sldMk cId="0" sldId="268"/>
-            <ac:cxnSpMk id="138" creationId="{00000000-0000-0000-0000-000000000000}"/>
-          </ac:cxnSpMkLst>
-        </pc:cxnChg>
-        <pc:cxnChg chg="mod">
-          <ac:chgData name="Teresa Swarthout" userId="2501f1c4df9ee7ad" providerId="LiveId" clId="{58353AB5-4D4B-49C1-8F0A-8861E7CF575F}" dt="2025-09-02T15:30:49.814" v="59" actId="1076"/>
-          <ac:cxnSpMkLst>
-            <pc:docMk/>
-            <pc:sldMk cId="0" sldId="268"/>
-            <ac:cxnSpMk id="141" creationId="{00000000-0000-0000-0000-000000000000}"/>
-          </ac:cxnSpMkLst>
-        </pc:cxnChg>
-        <pc:cxnChg chg="mod">
-          <ac:chgData name="Teresa Swarthout" userId="2501f1c4df9ee7ad" providerId="LiveId" clId="{58353AB5-4D4B-49C1-8F0A-8861E7CF575F}" dt="2025-09-02T16:11:37.568" v="127" actId="1076"/>
-          <ac:cxnSpMkLst>
-            <pc:docMk/>
-            <pc:sldMk cId="0" sldId="268"/>
-            <ac:cxnSpMk id="144" creationId="{00000000-0000-0000-0000-000000000000}"/>
-          </ac:cxnSpMkLst>
-        </pc:cxnChg>
       </pc:sldChg>
       <pc:sldChg chg="del">
         <pc:chgData name="Teresa Swarthout" userId="2501f1c4df9ee7ad" providerId="LiveId" clId="{58353AB5-4D4B-49C1-8F0A-8861E7CF575F}" dt="2025-09-02T15:26:58.337" v="1" actId="2696"/>
@@ -577,62 +379,6 @@
           <pc:docMk/>
           <pc:sldMk cId="391909219" sldId="269"/>
         </pc:sldMkLst>
-        <pc:spChg chg="add del mod">
-          <ac:chgData name="Teresa Swarthout" userId="2501f1c4df9ee7ad" providerId="LiveId" clId="{58353AB5-4D4B-49C1-8F0A-8861E7CF575F}" dt="2025-09-02T16:17:41.231" v="179" actId="478"/>
-          <ac:spMkLst>
-            <pc:docMk/>
-            <pc:sldMk cId="391909219" sldId="269"/>
-            <ac:spMk id="2" creationId="{20EF374B-991D-836A-491F-79BF58989664}"/>
-          </ac:spMkLst>
-        </pc:spChg>
-        <pc:spChg chg="mod">
-          <ac:chgData name="Teresa Swarthout" userId="2501f1c4df9ee7ad" providerId="LiveId" clId="{58353AB5-4D4B-49C1-8F0A-8861E7CF575F}" dt="2025-09-02T17:34:26.764" v="186" actId="20577"/>
-          <ac:spMkLst>
-            <pc:docMk/>
-            <pc:sldMk cId="391909219" sldId="269"/>
-            <ac:spMk id="46" creationId="{D590FD66-1B4F-CE3E-97E5-88C8F33954EC}"/>
-          </ac:spMkLst>
-        </pc:spChg>
-        <pc:spChg chg="mod">
-          <ac:chgData name="Teresa Swarthout" userId="2501f1c4df9ee7ad" providerId="LiveId" clId="{58353AB5-4D4B-49C1-8F0A-8861E7CF575F}" dt="2025-09-02T17:34:37.289" v="190" actId="20577"/>
-          <ac:spMkLst>
-            <pc:docMk/>
-            <pc:sldMk cId="391909219" sldId="269"/>
-            <ac:spMk id="47" creationId="{2ED71E5D-810D-28CA-C1BB-1ABF27D4F62F}"/>
-          </ac:spMkLst>
-        </pc:spChg>
-        <pc:spChg chg="mod">
-          <ac:chgData name="Teresa Swarthout" userId="2501f1c4df9ee7ad" providerId="LiveId" clId="{58353AB5-4D4B-49C1-8F0A-8861E7CF575F}" dt="2025-09-02T16:17:55.344" v="181"/>
-          <ac:spMkLst>
-            <pc:docMk/>
-            <pc:sldMk cId="391909219" sldId="269"/>
-            <ac:spMk id="48" creationId="{11492B93-A874-8689-C136-51C94B1B22B0}"/>
-          </ac:spMkLst>
-        </pc:spChg>
-        <pc:spChg chg="mod">
-          <ac:chgData name="Teresa Swarthout" userId="2501f1c4df9ee7ad" providerId="LiveId" clId="{58353AB5-4D4B-49C1-8F0A-8861E7CF575F}" dt="2025-09-02T17:34:41.241" v="192" actId="20577"/>
-          <ac:spMkLst>
-            <pc:docMk/>
-            <pc:sldMk cId="391909219" sldId="269"/>
-            <ac:spMk id="51" creationId="{772A3449-787B-0E48-DF56-DE863C2C8F6E}"/>
-          </ac:spMkLst>
-        </pc:spChg>
-        <pc:spChg chg="mod">
-          <ac:chgData name="Teresa Swarthout" userId="2501f1c4df9ee7ad" providerId="LiveId" clId="{58353AB5-4D4B-49C1-8F0A-8861E7CF575F}" dt="2025-09-02T17:34:33.943" v="188" actId="20577"/>
-          <ac:spMkLst>
-            <pc:docMk/>
-            <pc:sldMk cId="391909219" sldId="269"/>
-            <ac:spMk id="137" creationId="{7C70B1A8-0C69-D895-AFFE-C22ED2405CA5}"/>
-          </ac:spMkLst>
-        </pc:spChg>
-        <pc:spChg chg="mod">
-          <ac:chgData name="Teresa Swarthout" userId="2501f1c4df9ee7ad" providerId="LiveId" clId="{58353AB5-4D4B-49C1-8F0A-8861E7CF575F}" dt="2025-09-02T17:34:22.623" v="184" actId="20577"/>
-          <ac:spMkLst>
-            <pc:docMk/>
-            <pc:sldMk cId="391909219" sldId="269"/>
-            <ac:spMk id="140" creationId="{1EEA735C-0984-35C4-2114-73111FA0138D}"/>
-          </ac:spMkLst>
-        </pc:spChg>
       </pc:sldChg>
       <pc:sldChg chg="del">
         <pc:chgData name="Teresa Swarthout" userId="2501f1c4df9ee7ad" providerId="LiveId" clId="{58353AB5-4D4B-49C1-8F0A-8861E7CF575F}" dt="2025-09-02T15:26:58.337" v="1" actId="2696"/>
@@ -719,6 +465,397 @@
           </pc:sldLayoutMkLst>
         </pc:sldLayoutChg>
       </pc:sldMasterChg>
+    </pc:docChg>
+  </pc:docChgLst>
+  <pc:docChgLst>
+    <pc:chgData name="Teresa Swarthout" userId="2501f1c4df9ee7ad" providerId="LiveId" clId="{24F98B00-3D5F-4008-B75D-17C9EF4F9B72}"/>
+    <pc:docChg chg="undo custSel addSld modSld">
+      <pc:chgData name="Teresa Swarthout" userId="2501f1c4df9ee7ad" providerId="LiveId" clId="{24F98B00-3D5F-4008-B75D-17C9EF4F9B72}" dt="2025-10-05T17:33:53.761" v="536" actId="20577"/>
+      <pc:docMkLst>
+        <pc:docMk/>
+      </pc:docMkLst>
+      <pc:sldChg chg="addSp delSp modSp add mod">
+        <pc:chgData name="Teresa Swarthout" userId="2501f1c4df9ee7ad" providerId="LiveId" clId="{24F98B00-3D5F-4008-B75D-17C9EF4F9B72}" dt="2025-10-05T17:31:05.036" v="391" actId="14100"/>
+        <pc:sldMkLst>
+          <pc:docMk/>
+          <pc:sldMk cId="2577660865" sldId="270"/>
+        </pc:sldMkLst>
+        <pc:spChg chg="add mod">
+          <ac:chgData name="Teresa Swarthout" userId="2501f1c4df9ee7ad" providerId="LiveId" clId="{24F98B00-3D5F-4008-B75D-17C9EF4F9B72}" dt="2025-10-05T17:30:41.497" v="389" actId="20577"/>
+          <ac:spMkLst>
+            <pc:docMk/>
+            <pc:sldMk cId="2577660865" sldId="270"/>
+            <ac:spMk id="3" creationId="{FA7F0C7B-A9D2-C9EC-FE45-4AF32EC8B793}"/>
+          </ac:spMkLst>
+        </pc:spChg>
+        <pc:spChg chg="add mod">
+          <ac:chgData name="Teresa Swarthout" userId="2501f1c4df9ee7ad" providerId="LiveId" clId="{24F98B00-3D5F-4008-B75D-17C9EF4F9B72}" dt="2025-10-05T17:28:48.408" v="301" actId="20577"/>
+          <ac:spMkLst>
+            <pc:docMk/>
+            <pc:sldMk cId="2577660865" sldId="270"/>
+            <ac:spMk id="4" creationId="{9878474B-C0C8-4FD1-CC90-9D2CCA457CF4}"/>
+          </ac:spMkLst>
+        </pc:spChg>
+        <pc:spChg chg="add del mod">
+          <ac:chgData name="Teresa Swarthout" userId="2501f1c4df9ee7ad" providerId="LiveId" clId="{24F98B00-3D5F-4008-B75D-17C9EF4F9B72}" dt="2025-10-05T17:29:15.192" v="304" actId="478"/>
+          <ac:spMkLst>
+            <pc:docMk/>
+            <pc:sldMk cId="2577660865" sldId="270"/>
+            <ac:spMk id="6" creationId="{2D1725A1-E463-B7A0-EBC1-B268DD02DF2E}"/>
+          </ac:spMkLst>
+        </pc:spChg>
+        <pc:spChg chg="add mod">
+          <ac:chgData name="Teresa Swarthout" userId="2501f1c4df9ee7ad" providerId="LiveId" clId="{24F98B00-3D5F-4008-B75D-17C9EF4F9B72}" dt="2025-10-05T17:17:11.977" v="74" actId="571"/>
+          <ac:spMkLst>
+            <pc:docMk/>
+            <pc:sldMk cId="2577660865" sldId="270"/>
+            <ac:spMk id="9" creationId="{4AD8FEF2-95C9-A998-0C13-DB2A98E96E6B}"/>
+          </ac:spMkLst>
+        </pc:spChg>
+        <pc:spChg chg="add mod">
+          <ac:chgData name="Teresa Swarthout" userId="2501f1c4df9ee7ad" providerId="LiveId" clId="{24F98B00-3D5F-4008-B75D-17C9EF4F9B72}" dt="2025-10-05T17:29:54.625" v="328" actId="1076"/>
+          <ac:spMkLst>
+            <pc:docMk/>
+            <pc:sldMk cId="2577660865" sldId="270"/>
+            <ac:spMk id="10" creationId="{C9CB3FC5-DBE4-A576-5280-9722BDC76DB5}"/>
+          </ac:spMkLst>
+        </pc:spChg>
+        <pc:spChg chg="add mod">
+          <ac:chgData name="Teresa Swarthout" userId="2501f1c4df9ee7ad" providerId="LiveId" clId="{24F98B00-3D5F-4008-B75D-17C9EF4F9B72}" dt="2025-10-05T17:18:24.962" v="148"/>
+          <ac:spMkLst>
+            <pc:docMk/>
+            <pc:sldMk cId="2577660865" sldId="270"/>
+            <ac:spMk id="11" creationId="{C789FF4B-052B-36FD-102B-4CF58CC9AE98}"/>
+          </ac:spMkLst>
+        </pc:spChg>
+        <pc:spChg chg="add mod">
+          <ac:chgData name="Teresa Swarthout" userId="2501f1c4df9ee7ad" providerId="LiveId" clId="{24F98B00-3D5F-4008-B75D-17C9EF4F9B72}" dt="2025-10-05T17:30:26.451" v="355" actId="20577"/>
+          <ac:spMkLst>
+            <pc:docMk/>
+            <pc:sldMk cId="2577660865" sldId="270"/>
+            <ac:spMk id="12" creationId="{4D107AD4-AC25-0D8C-98C9-82C227D6B286}"/>
+          </ac:spMkLst>
+        </pc:spChg>
+        <pc:spChg chg="add mod">
+          <ac:chgData name="Teresa Swarthout" userId="2501f1c4df9ee7ad" providerId="LiveId" clId="{24F98B00-3D5F-4008-B75D-17C9EF4F9B72}" dt="2025-10-05T17:18:56.952" v="175" actId="571"/>
+          <ac:spMkLst>
+            <pc:docMk/>
+            <pc:sldMk cId="2577660865" sldId="270"/>
+            <ac:spMk id="13" creationId="{CBC30999-F5FB-B254-EDFA-CD90E59AC0DE}"/>
+          </ac:spMkLst>
+        </pc:spChg>
+        <pc:spChg chg="add del mod">
+          <ac:chgData name="Teresa Swarthout" userId="2501f1c4df9ee7ad" providerId="LiveId" clId="{24F98B00-3D5F-4008-B75D-17C9EF4F9B72}" dt="2025-10-05T17:29:56.560" v="329" actId="478"/>
+          <ac:spMkLst>
+            <pc:docMk/>
+            <pc:sldMk cId="2577660865" sldId="270"/>
+            <ac:spMk id="14" creationId="{2AB925E3-A59C-050A-87E8-5C2B4823432A}"/>
+          </ac:spMkLst>
+        </pc:spChg>
+        <pc:spChg chg="del">
+          <ac:chgData name="Teresa Swarthout" userId="2501f1c4df9ee7ad" providerId="LiveId" clId="{24F98B00-3D5F-4008-B75D-17C9EF4F9B72}" dt="2025-10-05T17:13:31.335" v="3" actId="478"/>
+          <ac:spMkLst>
+            <pc:docMk/>
+            <pc:sldMk cId="2577660865" sldId="270"/>
+            <ac:spMk id="16" creationId="{FA72A20D-3172-52DA-BC73-E6AB1D72B8EF}"/>
+          </ac:spMkLst>
+        </pc:spChg>
+        <pc:spChg chg="del">
+          <ac:chgData name="Teresa Swarthout" userId="2501f1c4df9ee7ad" providerId="LiveId" clId="{24F98B00-3D5F-4008-B75D-17C9EF4F9B72}" dt="2025-10-05T17:13:31.335" v="3" actId="478"/>
+          <ac:spMkLst>
+            <pc:docMk/>
+            <pc:sldMk cId="2577660865" sldId="270"/>
+            <ac:spMk id="18" creationId="{0A9601C4-8D6C-AA11-BD78-F1A8971C1A44}"/>
+          </ac:spMkLst>
+        </pc:spChg>
+        <pc:spChg chg="del">
+          <ac:chgData name="Teresa Swarthout" userId="2501f1c4df9ee7ad" providerId="LiveId" clId="{24F98B00-3D5F-4008-B75D-17C9EF4F9B72}" dt="2025-10-05T17:13:31.335" v="3" actId="478"/>
+          <ac:spMkLst>
+            <pc:docMk/>
+            <pc:sldMk cId="2577660865" sldId="270"/>
+            <ac:spMk id="20" creationId="{046F124B-7BE6-EE08-DCB9-D8F0A7062C04}"/>
+          </ac:spMkLst>
+        </pc:spChg>
+        <pc:spChg chg="add mod">
+          <ac:chgData name="Teresa Swarthout" userId="2501f1c4df9ee7ad" providerId="LiveId" clId="{24F98B00-3D5F-4008-B75D-17C9EF4F9B72}" dt="2025-10-05T17:30:03.437" v="330" actId="1076"/>
+          <ac:spMkLst>
+            <pc:docMk/>
+            <pc:sldMk cId="2577660865" sldId="270"/>
+            <ac:spMk id="23" creationId="{3681EED3-B338-5764-8941-E1E02292132D}"/>
+          </ac:spMkLst>
+        </pc:spChg>
+        <pc:spChg chg="add mod">
+          <ac:chgData name="Teresa Swarthout" userId="2501f1c4df9ee7ad" providerId="LiveId" clId="{24F98B00-3D5F-4008-B75D-17C9EF4F9B72}" dt="2025-10-05T17:29:54.625" v="328" actId="1076"/>
+          <ac:spMkLst>
+            <pc:docMk/>
+            <pc:sldMk cId="2577660865" sldId="270"/>
+            <ac:spMk id="24" creationId="{3DEFA680-8417-2CFA-ED1A-17430226F6D6}"/>
+          </ac:spMkLst>
+        </pc:spChg>
+        <pc:spChg chg="add mod">
+          <ac:chgData name="Teresa Swarthout" userId="2501f1c4df9ee7ad" providerId="LiveId" clId="{24F98B00-3D5F-4008-B75D-17C9EF4F9B72}" dt="2025-10-05T17:30:08.751" v="331"/>
+          <ac:spMkLst>
+            <pc:docMk/>
+            <pc:sldMk cId="2577660865" sldId="270"/>
+            <ac:spMk id="25" creationId="{EA31DF96-BC6A-43D8-8B67-521CE6E5CCA0}"/>
+          </ac:spMkLst>
+        </pc:spChg>
+        <pc:spChg chg="add mod">
+          <ac:chgData name="Teresa Swarthout" userId="2501f1c4df9ee7ad" providerId="LiveId" clId="{24F98B00-3D5F-4008-B75D-17C9EF4F9B72}" dt="2025-10-05T17:30:10.794" v="333" actId="571"/>
+          <ac:spMkLst>
+            <pc:docMk/>
+            <pc:sldMk cId="2577660865" sldId="270"/>
+            <ac:spMk id="26" creationId="{FC1422F5-E1E5-7F36-3551-0AD43D36B246}"/>
+          </ac:spMkLst>
+        </pc:spChg>
+        <pc:spChg chg="add mod">
+          <ac:chgData name="Teresa Swarthout" userId="2501f1c4df9ee7ad" providerId="LiveId" clId="{24F98B00-3D5F-4008-B75D-17C9EF4F9B72}" dt="2025-10-05T17:30:53.283" v="390" actId="1076"/>
+          <ac:spMkLst>
+            <pc:docMk/>
+            <pc:sldMk cId="2577660865" sldId="270"/>
+            <ac:spMk id="27" creationId="{427CD2BA-86AC-4EF9-F386-AC55B1D5145C}"/>
+          </ac:spMkLst>
+        </pc:spChg>
+        <pc:spChg chg="del">
+          <ac:chgData name="Teresa Swarthout" userId="2501f1c4df9ee7ad" providerId="LiveId" clId="{24F98B00-3D5F-4008-B75D-17C9EF4F9B72}" dt="2025-10-05T17:13:31.335" v="3" actId="478"/>
+          <ac:spMkLst>
+            <pc:docMk/>
+            <pc:sldMk cId="2577660865" sldId="270"/>
+            <ac:spMk id="46" creationId="{59F81F27-CE57-B00E-2475-802832D22B6B}"/>
+          </ac:spMkLst>
+        </pc:spChg>
+        <pc:spChg chg="del">
+          <ac:chgData name="Teresa Swarthout" userId="2501f1c4df9ee7ad" providerId="LiveId" clId="{24F98B00-3D5F-4008-B75D-17C9EF4F9B72}" dt="2025-10-05T17:15:01.087" v="35" actId="478"/>
+          <ac:spMkLst>
+            <pc:docMk/>
+            <pc:sldMk cId="2577660865" sldId="270"/>
+            <ac:spMk id="47" creationId="{F270C9E7-2F80-5181-E9C1-3849147E6A0C}"/>
+          </ac:spMkLst>
+        </pc:spChg>
+        <pc:spChg chg="del">
+          <ac:chgData name="Teresa Swarthout" userId="2501f1c4df9ee7ad" providerId="LiveId" clId="{24F98B00-3D5F-4008-B75D-17C9EF4F9B72}" dt="2025-10-05T17:13:31.335" v="3" actId="478"/>
+          <ac:spMkLst>
+            <pc:docMk/>
+            <pc:sldMk cId="2577660865" sldId="270"/>
+            <ac:spMk id="48" creationId="{4D3A61BF-976B-45C7-2964-B1B301A3AE4D}"/>
+          </ac:spMkLst>
+        </pc:spChg>
+        <pc:spChg chg="del">
+          <ac:chgData name="Teresa Swarthout" userId="2501f1c4df9ee7ad" providerId="LiveId" clId="{24F98B00-3D5F-4008-B75D-17C9EF4F9B72}" dt="2025-10-05T17:13:31.335" v="3" actId="478"/>
+          <ac:spMkLst>
+            <pc:docMk/>
+            <pc:sldMk cId="2577660865" sldId="270"/>
+            <ac:spMk id="50" creationId="{9284F623-8AA1-1F83-03C2-30872CBAA879}"/>
+          </ac:spMkLst>
+        </pc:spChg>
+        <pc:spChg chg="del">
+          <ac:chgData name="Teresa Swarthout" userId="2501f1c4df9ee7ad" providerId="LiveId" clId="{24F98B00-3D5F-4008-B75D-17C9EF4F9B72}" dt="2025-10-05T17:15:11.031" v="38" actId="478"/>
+          <ac:spMkLst>
+            <pc:docMk/>
+            <pc:sldMk cId="2577660865" sldId="270"/>
+            <ac:spMk id="51" creationId="{D3078065-4E43-65BA-5E12-547E77E8FFB9}"/>
+          </ac:spMkLst>
+        </pc:spChg>
+        <pc:spChg chg="del">
+          <ac:chgData name="Teresa Swarthout" userId="2501f1c4df9ee7ad" providerId="LiveId" clId="{24F98B00-3D5F-4008-B75D-17C9EF4F9B72}" dt="2025-10-05T17:15:09.550" v="37" actId="478"/>
+          <ac:spMkLst>
+            <pc:docMk/>
+            <pc:sldMk cId="2577660865" sldId="270"/>
+            <ac:spMk id="53" creationId="{D17BF77D-0B4F-3675-3258-1E722DD4FE85}"/>
+          </ac:spMkLst>
+        </pc:spChg>
+        <pc:spChg chg="mod">
+          <ac:chgData name="Teresa Swarthout" userId="2501f1c4df9ee7ad" providerId="LiveId" clId="{24F98B00-3D5F-4008-B75D-17C9EF4F9B72}" dt="2025-10-05T17:15:23.830" v="42" actId="1076"/>
+          <ac:spMkLst>
+            <pc:docMk/>
+            <pc:sldMk cId="2577660865" sldId="270"/>
+            <ac:spMk id="137" creationId="{03B887C9-F1D8-8BC5-1C49-43068E82784E}"/>
+          </ac:spMkLst>
+        </pc:spChg>
+        <pc:spChg chg="del">
+          <ac:chgData name="Teresa Swarthout" userId="2501f1c4df9ee7ad" providerId="LiveId" clId="{24F98B00-3D5F-4008-B75D-17C9EF4F9B72}" dt="2025-10-05T17:13:31.335" v="3" actId="478"/>
+          <ac:spMkLst>
+            <pc:docMk/>
+            <pc:sldMk cId="2577660865" sldId="270"/>
+            <ac:spMk id="139" creationId="{9760AD23-21AB-1028-EB5C-7ED5DD0BA042}"/>
+          </ac:spMkLst>
+        </pc:spChg>
+        <pc:spChg chg="del">
+          <ac:chgData name="Teresa Swarthout" userId="2501f1c4df9ee7ad" providerId="LiveId" clId="{24F98B00-3D5F-4008-B75D-17C9EF4F9B72}" dt="2025-10-05T17:13:27.001" v="2" actId="478"/>
+          <ac:spMkLst>
+            <pc:docMk/>
+            <pc:sldMk cId="2577660865" sldId="270"/>
+            <ac:spMk id="140" creationId="{A4D750F9-1097-F642-0BC9-1FB04558262B}"/>
+          </ac:spMkLst>
+        </pc:spChg>
+        <pc:spChg chg="del mod">
+          <ac:chgData name="Teresa Swarthout" userId="2501f1c4df9ee7ad" providerId="LiveId" clId="{24F98B00-3D5F-4008-B75D-17C9EF4F9B72}" dt="2025-10-05T17:13:46.159" v="7" actId="478"/>
+          <ac:spMkLst>
+            <pc:docMk/>
+            <pc:sldMk cId="2577660865" sldId="270"/>
+            <ac:spMk id="142" creationId="{8C31AB7B-E9BA-D3EA-F6BA-5CFD05DA82E4}"/>
+          </ac:spMkLst>
+        </pc:spChg>
+        <pc:spChg chg="del">
+          <ac:chgData name="Teresa Swarthout" userId="2501f1c4df9ee7ad" providerId="LiveId" clId="{24F98B00-3D5F-4008-B75D-17C9EF4F9B72}" dt="2025-10-05T17:13:31.335" v="3" actId="478"/>
+          <ac:spMkLst>
+            <pc:docMk/>
+            <pc:sldMk cId="2577660865" sldId="270"/>
+            <ac:spMk id="143" creationId="{C214A2E5-AA53-54E9-8FBC-7173C2133869}"/>
+          </ac:spMkLst>
+        </pc:spChg>
+        <pc:spChg chg="del">
+          <ac:chgData name="Teresa Swarthout" userId="2501f1c4df9ee7ad" providerId="LiveId" clId="{24F98B00-3D5F-4008-B75D-17C9EF4F9B72}" dt="2025-10-05T17:13:31.335" v="3" actId="478"/>
+          <ac:spMkLst>
+            <pc:docMk/>
+            <pc:sldMk cId="2577660865" sldId="270"/>
+            <ac:spMk id="145" creationId="{FF4695C6-F7AA-7E40-DE92-AFF573C4222D}"/>
+          </ac:spMkLst>
+        </pc:spChg>
+        <pc:spChg chg="del mod">
+          <ac:chgData name="Teresa Swarthout" userId="2501f1c4df9ee7ad" providerId="LiveId" clId="{24F98B00-3D5F-4008-B75D-17C9EF4F9B72}" dt="2025-10-05T17:13:34.271" v="4" actId="478"/>
+          <ac:spMkLst>
+            <pc:docMk/>
+            <pc:sldMk cId="2577660865" sldId="270"/>
+            <ac:spMk id="146" creationId="{6DF3841B-C96E-B5F6-877B-AA91CBF65A71}"/>
+          </ac:spMkLst>
+        </pc:spChg>
+        <pc:spChg chg="del">
+          <ac:chgData name="Teresa Swarthout" userId="2501f1c4df9ee7ad" providerId="LiveId" clId="{24F98B00-3D5F-4008-B75D-17C9EF4F9B72}" dt="2025-10-05T17:15:05.481" v="36" actId="478"/>
+          <ac:spMkLst>
+            <pc:docMk/>
+            <pc:sldMk cId="2577660865" sldId="270"/>
+            <ac:spMk id="154" creationId="{9A0997FF-7324-B97A-F45A-AB6D05C0510E}"/>
+          </ac:spMkLst>
+        </pc:spChg>
+        <pc:cxnChg chg="add mod">
+          <ac:chgData name="Teresa Swarthout" userId="2501f1c4df9ee7ad" providerId="LiveId" clId="{24F98B00-3D5F-4008-B75D-17C9EF4F9B72}" dt="2025-10-05T17:31:05.036" v="391" actId="14100"/>
+          <ac:cxnSpMkLst>
+            <pc:docMk/>
+            <pc:sldMk cId="2577660865" sldId="270"/>
+            <ac:cxnSpMk id="8" creationId="{058E85AE-F7A8-AF17-4655-2C3F06831BA9}"/>
+          </ac:cxnSpMkLst>
+        </pc:cxnChg>
+        <pc:cxnChg chg="del mod">
+          <ac:chgData name="Teresa Swarthout" userId="2501f1c4df9ee7ad" providerId="LiveId" clId="{24F98B00-3D5F-4008-B75D-17C9EF4F9B72}" dt="2025-10-05T17:13:31.335" v="3" actId="478"/>
+          <ac:cxnSpMkLst>
+            <pc:docMk/>
+            <pc:sldMk cId="2577660865" sldId="270"/>
+            <ac:cxnSpMk id="19" creationId="{3C5E0904-ED47-31BB-50F1-EBFA8CE3B58F}"/>
+          </ac:cxnSpMkLst>
+        </pc:cxnChg>
+        <pc:cxnChg chg="add mod">
+          <ac:chgData name="Teresa Swarthout" userId="2501f1c4df9ee7ad" providerId="LiveId" clId="{24F98B00-3D5F-4008-B75D-17C9EF4F9B72}" dt="2025-10-05T17:30:03.437" v="330" actId="1076"/>
+          <ac:cxnSpMkLst>
+            <pc:docMk/>
+            <pc:sldMk cId="2577660865" sldId="270"/>
+            <ac:cxnSpMk id="22" creationId="{9278AACD-5CCF-9A15-AE44-4485C4A637C1}"/>
+          </ac:cxnSpMkLst>
+        </pc:cxnChg>
+        <pc:cxnChg chg="del mod">
+          <ac:chgData name="Teresa Swarthout" userId="2501f1c4df9ee7ad" providerId="LiveId" clId="{24F98B00-3D5F-4008-B75D-17C9EF4F9B72}" dt="2025-10-05T17:15:01.087" v="35" actId="478"/>
+          <ac:cxnSpMkLst>
+            <pc:docMk/>
+            <pc:sldMk cId="2577660865" sldId="270"/>
+            <ac:cxnSpMk id="49" creationId="{6B7456FC-023C-E0C0-AFB6-B50C2C6EF316}"/>
+          </ac:cxnSpMkLst>
+        </pc:cxnChg>
+        <pc:cxnChg chg="mod">
+          <ac:chgData name="Teresa Swarthout" userId="2501f1c4df9ee7ad" providerId="LiveId" clId="{24F98B00-3D5F-4008-B75D-17C9EF4F9B72}" dt="2025-10-05T17:19:12.901" v="180" actId="14100"/>
+          <ac:cxnSpMkLst>
+            <pc:docMk/>
+            <pc:sldMk cId="2577660865" sldId="270"/>
+            <ac:cxnSpMk id="52" creationId="{888389BC-EE02-2482-8751-1426A02B46EC}"/>
+          </ac:cxnSpMkLst>
+        </pc:cxnChg>
+        <pc:cxnChg chg="del mod">
+          <ac:chgData name="Teresa Swarthout" userId="2501f1c4df9ee7ad" providerId="LiveId" clId="{24F98B00-3D5F-4008-B75D-17C9EF4F9B72}" dt="2025-10-05T17:15:05.481" v="36" actId="478"/>
+          <ac:cxnSpMkLst>
+            <pc:docMk/>
+            <pc:sldMk cId="2577660865" sldId="270"/>
+            <ac:cxnSpMk id="54" creationId="{FC8B4E48-807C-0F57-1171-DCE055FE9F9D}"/>
+          </ac:cxnSpMkLst>
+        </pc:cxnChg>
+        <pc:cxnChg chg="del">
+          <ac:chgData name="Teresa Swarthout" userId="2501f1c4df9ee7ad" providerId="LiveId" clId="{24F98B00-3D5F-4008-B75D-17C9EF4F9B72}" dt="2025-10-05T17:13:59.367" v="9" actId="478"/>
+          <ac:cxnSpMkLst>
+            <pc:docMk/>
+            <pc:sldMk cId="2577660865" sldId="270"/>
+            <ac:cxnSpMk id="138" creationId="{3AEA4755-A5A2-A916-0E7E-38FFC328DA19}"/>
+          </ac:cxnSpMkLst>
+        </pc:cxnChg>
+        <pc:cxnChg chg="mod">
+          <ac:chgData name="Teresa Swarthout" userId="2501f1c4df9ee7ad" providerId="LiveId" clId="{24F98B00-3D5F-4008-B75D-17C9EF4F9B72}" dt="2025-10-05T17:29:54.625" v="328" actId="1076"/>
+          <ac:cxnSpMkLst>
+            <pc:docMk/>
+            <pc:sldMk cId="2577660865" sldId="270"/>
+            <ac:cxnSpMk id="141" creationId="{6828F8B9-1712-76BA-7073-1378273F2079}"/>
+          </ac:cxnSpMkLst>
+        </pc:cxnChg>
+        <pc:cxnChg chg="mod">
+          <ac:chgData name="Teresa Swarthout" userId="2501f1c4df9ee7ad" providerId="LiveId" clId="{24F98B00-3D5F-4008-B75D-17C9EF4F9B72}" dt="2025-10-05T17:13:27.001" v="2" actId="478"/>
+          <ac:cxnSpMkLst>
+            <pc:docMk/>
+            <pc:sldMk cId="2577660865" sldId="270"/>
+            <ac:cxnSpMk id="144" creationId="{FF148D9B-627A-DBC9-3D6A-6C9F4070D66D}"/>
+          </ac:cxnSpMkLst>
+        </pc:cxnChg>
+      </pc:sldChg>
+      <pc:sldChg chg="addSp delSp modSp add mod">
+        <pc:chgData name="Teresa Swarthout" userId="2501f1c4df9ee7ad" providerId="LiveId" clId="{24F98B00-3D5F-4008-B75D-17C9EF4F9B72}" dt="2025-10-05T17:33:53.761" v="536" actId="20577"/>
+        <pc:sldMkLst>
+          <pc:docMk/>
+          <pc:sldMk cId="661975633" sldId="271"/>
+        </pc:sldMkLst>
+        <pc:spChg chg="add mod">
+          <ac:chgData name="Teresa Swarthout" userId="2501f1c4df9ee7ad" providerId="LiveId" clId="{24F98B00-3D5F-4008-B75D-17C9EF4F9B72}" dt="2025-10-05T17:32:44.306" v="468" actId="6549"/>
+          <ac:spMkLst>
+            <pc:docMk/>
+            <pc:sldMk cId="661975633" sldId="271"/>
+            <ac:spMk id="2" creationId="{5E1FE2EB-68C1-8CB8-2D72-48D25F39128D}"/>
+          </ac:spMkLst>
+        </pc:spChg>
+        <pc:spChg chg="mod">
+          <ac:chgData name="Teresa Swarthout" userId="2501f1c4df9ee7ad" providerId="LiveId" clId="{24F98B00-3D5F-4008-B75D-17C9EF4F9B72}" dt="2025-10-05T17:32:54.240" v="471" actId="20577"/>
+          <ac:spMkLst>
+            <pc:docMk/>
+            <pc:sldMk cId="661975633" sldId="271"/>
+            <ac:spMk id="4" creationId="{52176130-8568-4E55-B8ED-32A45FC7329F}"/>
+          </ac:spMkLst>
+        </pc:spChg>
+        <pc:spChg chg="del mod">
+          <ac:chgData name="Teresa Swarthout" userId="2501f1c4df9ee7ad" providerId="LiveId" clId="{24F98B00-3D5F-4008-B75D-17C9EF4F9B72}" dt="2025-10-05T17:31:37.985" v="395" actId="478"/>
+          <ac:spMkLst>
+            <pc:docMk/>
+            <pc:sldMk cId="661975633" sldId="271"/>
+            <ac:spMk id="12" creationId="{DB1A612D-008A-ADF9-9FD7-5D65EA096DEF}"/>
+          </ac:spMkLst>
+        </pc:spChg>
+        <pc:spChg chg="mod">
+          <ac:chgData name="Teresa Swarthout" userId="2501f1c4df9ee7ad" providerId="LiveId" clId="{24F98B00-3D5F-4008-B75D-17C9EF4F9B72}" dt="2025-10-05T17:32:26.662" v="465" actId="1076"/>
+          <ac:spMkLst>
+            <pc:docMk/>
+            <pc:sldMk cId="661975633" sldId="271"/>
+            <ac:spMk id="23" creationId="{00B01F52-4454-46FF-932F-92C720A98EED}"/>
+          </ac:spMkLst>
+        </pc:spChg>
+        <pc:spChg chg="mod">
+          <ac:chgData name="Teresa Swarthout" userId="2501f1c4df9ee7ad" providerId="LiveId" clId="{24F98B00-3D5F-4008-B75D-17C9EF4F9B72}" dt="2025-10-05T17:33:53.761" v="536" actId="20577"/>
+          <ac:spMkLst>
+            <pc:docMk/>
+            <pc:sldMk cId="661975633" sldId="271"/>
+            <ac:spMk id="27" creationId="{CF2CB37B-E75C-FAB0-2672-E8D2249D0953}"/>
+          </ac:spMkLst>
+        </pc:spChg>
+        <pc:cxnChg chg="mod">
+          <ac:chgData name="Teresa Swarthout" userId="2501f1c4df9ee7ad" providerId="LiveId" clId="{24F98B00-3D5F-4008-B75D-17C9EF4F9B72}" dt="2025-10-05T17:32:26.662" v="465" actId="1076"/>
+          <ac:cxnSpMkLst>
+            <pc:docMk/>
+            <pc:sldMk cId="661975633" sldId="271"/>
+            <ac:cxnSpMk id="22" creationId="{46A8F945-DF27-43E3-972B-1D850D8FD57E}"/>
+          </ac:cxnSpMkLst>
+        </pc:cxnChg>
+      </pc:sldChg>
     </pc:docChg>
   </pc:docChgLst>
 </pc:chgInfo>
@@ -1459,6 +1596,336 @@
     <p:extLst>
       <p:ext uri="{BB962C8B-B14F-4D97-AF65-F5344CB8AC3E}">
         <p14:creationId xmlns:p14="http://schemas.microsoft.com/office/powerpoint/2010/main" val="2998342844"/>
+      </p:ext>
+    </p:extLst>
+  </p:cSld>
+  <p:clrMapOvr>
+    <a:masterClrMapping/>
+  </p:clrMapOvr>
+</p:notes>
+</file>
+
+<file path=ppt/notesSlides/notesSlide2.xml><?xml version="1.0" encoding="utf-8"?>
+<p:notes xmlns:a="http://schemas.openxmlformats.org/drawingml/2006/main" xmlns:r="http://schemas.openxmlformats.org/officeDocument/2006/relationships" xmlns:p="http://schemas.openxmlformats.org/presentationml/2006/main" showMasterSp="0" showMasterPhAnim="0">
+  <p:cSld>
+    <p:spTree>
+      <p:nvGrpSpPr>
+        <p:cNvPr id="1" name="Shape 133">
+          <a:extLst>
+            <a:ext uri="{FF2B5EF4-FFF2-40B4-BE49-F238E27FC236}">
+              <a16:creationId xmlns:a16="http://schemas.microsoft.com/office/drawing/2014/main" id="{DFFE97C9-072A-C28A-BF11-3E27244A8D1A}"/>
+            </a:ext>
+          </a:extLst>
+        </p:cNvPr>
+        <p:cNvGrpSpPr/>
+        <p:nvPr/>
+      </p:nvGrpSpPr>
+      <p:grpSpPr>
+        <a:xfrm>
+          <a:off x="0" y="0"/>
+          <a:ext cx="0" cy="0"/>
+          <a:chOff x="0" y="0"/>
+          <a:chExt cx="0" cy="0"/>
+        </a:xfrm>
+      </p:grpSpPr>
+      <p:sp>
+        <p:nvSpPr>
+          <p:cNvPr id="134" name="Google Shape;134;p14:notes">
+            <a:extLst>
+              <a:ext uri="{FF2B5EF4-FFF2-40B4-BE49-F238E27FC236}">
+                <a16:creationId xmlns:a16="http://schemas.microsoft.com/office/drawing/2014/main" id="{7E43A9E2-22B3-3CFF-B5A3-5E8363C023DB}"/>
+              </a:ext>
+            </a:extLst>
+          </p:cNvPr>
+          <p:cNvSpPr>
+            <a:spLocks noGrp="1" noRot="1" noChangeAspect="1"/>
+          </p:cNvSpPr>
+          <p:nvPr>
+            <p:ph type="sldImg" idx="2"/>
+          </p:nvPr>
+        </p:nvSpPr>
+        <p:spPr>
+          <a:xfrm>
+            <a:off x="381000" y="685800"/>
+            <a:ext cx="6096000" cy="3429000"/>
+          </a:xfrm>
+          <a:custGeom>
+            <a:avLst/>
+            <a:gdLst/>
+            <a:ahLst/>
+            <a:cxnLst/>
+            <a:rect l="l" t="t" r="r" b="b"/>
+            <a:pathLst>
+              <a:path w="120000" h="120000" extrusionOk="0">
+                <a:moveTo>
+                  <a:pt x="0" y="0"/>
+                </a:moveTo>
+                <a:lnTo>
+                  <a:pt x="120000" y="0"/>
+                </a:lnTo>
+                <a:lnTo>
+                  <a:pt x="120000" y="120000"/>
+                </a:lnTo>
+                <a:lnTo>
+                  <a:pt x="0" y="120000"/>
+                </a:lnTo>
+                <a:close/>
+              </a:path>
+            </a:pathLst>
+          </a:custGeom>
+          <a:noFill/>
+          <a:ln w="9525" cap="flat" cmpd="sng">
+            <a:solidFill>
+              <a:srgbClr val="000000"/>
+            </a:solidFill>
+            <a:prstDash val="solid"/>
+            <a:round/>
+            <a:headEnd type="none" w="sm" len="sm"/>
+            <a:tailEnd type="none" w="sm" len="sm"/>
+          </a:ln>
+        </p:spPr>
+      </p:sp>
+      <p:sp>
+        <p:nvSpPr>
+          <p:cNvPr id="135" name="Google Shape;135;p14:notes">
+            <a:extLst>
+              <a:ext uri="{FF2B5EF4-FFF2-40B4-BE49-F238E27FC236}">
+                <a16:creationId xmlns:a16="http://schemas.microsoft.com/office/drawing/2014/main" id="{C749FEE7-2790-ED20-A1F2-CAAB1A55275F}"/>
+              </a:ext>
+            </a:extLst>
+          </p:cNvPr>
+          <p:cNvSpPr txBox="1">
+            <a:spLocks noGrp="1"/>
+          </p:cNvSpPr>
+          <p:nvPr>
+            <p:ph type="body" idx="1"/>
+          </p:nvPr>
+        </p:nvSpPr>
+        <p:spPr>
+          <a:xfrm>
+            <a:off x="685800" y="4343400"/>
+            <a:ext cx="5486400" cy="4114800"/>
+          </a:xfrm>
+          <a:prstGeom prst="rect">
+            <a:avLst/>
+          </a:prstGeom>
+          <a:noFill/>
+          <a:ln>
+            <a:noFill/>
+          </a:ln>
+        </p:spPr>
+        <p:txBody>
+          <a:bodyPr spcFirstLastPara="1" wrap="square" lIns="91425" tIns="91425" rIns="91425" bIns="91425" anchor="t" anchorCtr="0">
+            <a:noAutofit/>
+          </a:bodyPr>
+          <a:lstStyle/>
+          <a:p>
+            <a:pPr marL="457200" lvl="0" indent="-298450" algn="l" rtl="0">
+              <a:lnSpc>
+                <a:spcPct val="100000"/>
+              </a:lnSpc>
+              <a:spcBef>
+                <a:spcPts val="0"/>
+              </a:spcBef>
+              <a:spcAft>
+                <a:spcPts val="0"/>
+              </a:spcAft>
+              <a:buSzPts val="1100"/>
+              <a:buChar char="●"/>
+            </a:pPr>
+            <a:r>
+              <a:rPr lang="en-US"/>
+              <a:t>This is what we’ve done so far!</a:t>
+            </a:r>
+            <a:endParaRPr/>
+          </a:p>
+          <a:p>
+            <a:pPr marL="457200" lvl="0" indent="-228600" algn="l" rtl="0">
+              <a:lnSpc>
+                <a:spcPct val="100000"/>
+              </a:lnSpc>
+              <a:spcBef>
+                <a:spcPts val="0"/>
+              </a:spcBef>
+              <a:spcAft>
+                <a:spcPts val="0"/>
+              </a:spcAft>
+              <a:buSzPts val="1100"/>
+              <a:buNone/>
+            </a:pPr>
+            <a:endParaRPr/>
+          </a:p>
+        </p:txBody>
+      </p:sp>
+    </p:spTree>
+    <p:extLst>
+      <p:ext uri="{BB962C8B-B14F-4D97-AF65-F5344CB8AC3E}">
+        <p14:creationId xmlns:p14="http://schemas.microsoft.com/office/powerpoint/2010/main" val="1833394926"/>
+      </p:ext>
+    </p:extLst>
+  </p:cSld>
+  <p:clrMapOvr>
+    <a:masterClrMapping/>
+  </p:clrMapOvr>
+</p:notes>
+</file>
+
+<file path=ppt/notesSlides/notesSlide3.xml><?xml version="1.0" encoding="utf-8"?>
+<p:notes xmlns:a="http://schemas.openxmlformats.org/drawingml/2006/main" xmlns:r="http://schemas.openxmlformats.org/officeDocument/2006/relationships" xmlns:p="http://schemas.openxmlformats.org/presentationml/2006/main" showMasterSp="0" showMasterPhAnim="0">
+  <p:cSld>
+    <p:spTree>
+      <p:nvGrpSpPr>
+        <p:cNvPr id="1" name="Shape 133">
+          <a:extLst>
+            <a:ext uri="{FF2B5EF4-FFF2-40B4-BE49-F238E27FC236}">
+              <a16:creationId xmlns:a16="http://schemas.microsoft.com/office/drawing/2014/main" id="{82F95A72-D844-01A8-0703-7043C71B9268}"/>
+            </a:ext>
+          </a:extLst>
+        </p:cNvPr>
+        <p:cNvGrpSpPr/>
+        <p:nvPr/>
+      </p:nvGrpSpPr>
+      <p:grpSpPr>
+        <a:xfrm>
+          <a:off x="0" y="0"/>
+          <a:ext cx="0" cy="0"/>
+          <a:chOff x="0" y="0"/>
+          <a:chExt cx="0" cy="0"/>
+        </a:xfrm>
+      </p:grpSpPr>
+      <p:sp>
+        <p:nvSpPr>
+          <p:cNvPr id="134" name="Google Shape;134;p14:notes">
+            <a:extLst>
+              <a:ext uri="{FF2B5EF4-FFF2-40B4-BE49-F238E27FC236}">
+                <a16:creationId xmlns:a16="http://schemas.microsoft.com/office/drawing/2014/main" id="{8548BEC6-DBDA-DBB5-E8FB-06B0E7CE76A7}"/>
+              </a:ext>
+            </a:extLst>
+          </p:cNvPr>
+          <p:cNvSpPr>
+            <a:spLocks noGrp="1" noRot="1" noChangeAspect="1"/>
+          </p:cNvSpPr>
+          <p:nvPr>
+            <p:ph type="sldImg" idx="2"/>
+          </p:nvPr>
+        </p:nvSpPr>
+        <p:spPr>
+          <a:xfrm>
+            <a:off x="381000" y="685800"/>
+            <a:ext cx="6096000" cy="3429000"/>
+          </a:xfrm>
+          <a:custGeom>
+            <a:avLst/>
+            <a:gdLst/>
+            <a:ahLst/>
+            <a:cxnLst/>
+            <a:rect l="l" t="t" r="r" b="b"/>
+            <a:pathLst>
+              <a:path w="120000" h="120000" extrusionOk="0">
+                <a:moveTo>
+                  <a:pt x="0" y="0"/>
+                </a:moveTo>
+                <a:lnTo>
+                  <a:pt x="120000" y="0"/>
+                </a:lnTo>
+                <a:lnTo>
+                  <a:pt x="120000" y="120000"/>
+                </a:lnTo>
+                <a:lnTo>
+                  <a:pt x="0" y="120000"/>
+                </a:lnTo>
+                <a:close/>
+              </a:path>
+            </a:pathLst>
+          </a:custGeom>
+          <a:noFill/>
+          <a:ln w="9525" cap="flat" cmpd="sng">
+            <a:solidFill>
+              <a:srgbClr val="000000"/>
+            </a:solidFill>
+            <a:prstDash val="solid"/>
+            <a:round/>
+            <a:headEnd type="none" w="sm" len="sm"/>
+            <a:tailEnd type="none" w="sm" len="sm"/>
+          </a:ln>
+        </p:spPr>
+      </p:sp>
+      <p:sp>
+        <p:nvSpPr>
+          <p:cNvPr id="135" name="Google Shape;135;p14:notes">
+            <a:extLst>
+              <a:ext uri="{FF2B5EF4-FFF2-40B4-BE49-F238E27FC236}">
+                <a16:creationId xmlns:a16="http://schemas.microsoft.com/office/drawing/2014/main" id="{DE23CF92-24DC-EF6A-9DC4-076FAB9F509B}"/>
+              </a:ext>
+            </a:extLst>
+          </p:cNvPr>
+          <p:cNvSpPr txBox="1">
+            <a:spLocks noGrp="1"/>
+          </p:cNvSpPr>
+          <p:nvPr>
+            <p:ph type="body" idx="1"/>
+          </p:nvPr>
+        </p:nvSpPr>
+        <p:spPr>
+          <a:xfrm>
+            <a:off x="685800" y="4343400"/>
+            <a:ext cx="5486400" cy="4114800"/>
+          </a:xfrm>
+          <a:prstGeom prst="rect">
+            <a:avLst/>
+          </a:prstGeom>
+          <a:noFill/>
+          <a:ln>
+            <a:noFill/>
+          </a:ln>
+        </p:spPr>
+        <p:txBody>
+          <a:bodyPr spcFirstLastPara="1" wrap="square" lIns="91425" tIns="91425" rIns="91425" bIns="91425" anchor="t" anchorCtr="0">
+            <a:noAutofit/>
+          </a:bodyPr>
+          <a:lstStyle/>
+          <a:p>
+            <a:pPr marL="457200" lvl="0" indent="-298450" algn="l" rtl="0">
+              <a:lnSpc>
+                <a:spcPct val="100000"/>
+              </a:lnSpc>
+              <a:spcBef>
+                <a:spcPts val="0"/>
+              </a:spcBef>
+              <a:spcAft>
+                <a:spcPts val="0"/>
+              </a:spcAft>
+              <a:buSzPts val="1100"/>
+              <a:buChar char="●"/>
+            </a:pPr>
+            <a:r>
+              <a:rPr lang="en-US"/>
+              <a:t>This is what we’ve done so far!</a:t>
+            </a:r>
+            <a:endParaRPr/>
+          </a:p>
+          <a:p>
+            <a:pPr marL="457200" lvl="0" indent="-228600" algn="l" rtl="0">
+              <a:lnSpc>
+                <a:spcPct val="100000"/>
+              </a:lnSpc>
+              <a:spcBef>
+                <a:spcPts val="0"/>
+              </a:spcBef>
+              <a:spcAft>
+                <a:spcPts val="0"/>
+              </a:spcAft>
+              <a:buSzPts val="1100"/>
+              <a:buNone/>
+            </a:pPr>
+            <a:endParaRPr/>
+          </a:p>
+        </p:txBody>
+      </p:sp>
+    </p:spTree>
+    <p:extLst>
+      <p:ext uri="{BB962C8B-B14F-4D97-AF65-F5344CB8AC3E}">
+        <p14:creationId xmlns:p14="http://schemas.microsoft.com/office/powerpoint/2010/main" val="1394130458"/>
       </p:ext>
     </p:extLst>
   </p:cSld>
@@ -10729,6 +11196,1433 @@
 </p:sld>
 </file>
 
+<file path=ppt/slides/slide2.xml><?xml version="1.0" encoding="utf-8"?>
+<p:sld xmlns:a="http://schemas.openxmlformats.org/drawingml/2006/main" xmlns:r="http://schemas.openxmlformats.org/officeDocument/2006/relationships" xmlns:p="http://schemas.openxmlformats.org/presentationml/2006/main">
+  <p:cSld>
+    <p:spTree>
+      <p:nvGrpSpPr>
+        <p:cNvPr id="1" name="Shape 136">
+          <a:extLst>
+            <a:ext uri="{FF2B5EF4-FFF2-40B4-BE49-F238E27FC236}">
+              <a16:creationId xmlns:a16="http://schemas.microsoft.com/office/drawing/2014/main" id="{18DA0DCB-AD9C-8432-FDE5-4F17F7A33D60}"/>
+            </a:ext>
+          </a:extLst>
+        </p:cNvPr>
+        <p:cNvGrpSpPr/>
+        <p:nvPr/>
+      </p:nvGrpSpPr>
+      <p:grpSpPr>
+        <a:xfrm>
+          <a:off x="0" y="0"/>
+          <a:ext cx="0" cy="0"/>
+          <a:chOff x="0" y="0"/>
+          <a:chExt cx="0" cy="0"/>
+        </a:xfrm>
+      </p:grpSpPr>
+      <p:sp>
+        <p:nvSpPr>
+          <p:cNvPr id="137" name="Google Shape;137;p14">
+            <a:extLst>
+              <a:ext uri="{FF2B5EF4-FFF2-40B4-BE49-F238E27FC236}">
+                <a16:creationId xmlns:a16="http://schemas.microsoft.com/office/drawing/2014/main" id="{03B887C9-F1D8-8BC5-1C49-43068E82784E}"/>
+              </a:ext>
+            </a:extLst>
+          </p:cNvPr>
+          <p:cNvSpPr/>
+          <p:nvPr/>
+        </p:nvSpPr>
+        <p:spPr>
+          <a:xfrm>
+            <a:off x="938884" y="787888"/>
+            <a:ext cx="1725433" cy="659016"/>
+          </a:xfrm>
+          <a:prstGeom prst="roundRect">
+            <a:avLst>
+              <a:gd name="adj" fmla="val 16667"/>
+            </a:avLst>
+          </a:prstGeom>
+          <a:solidFill>
+            <a:srgbClr val="7030A0"/>
+          </a:solidFill>
+          <a:ln w="25400" cap="flat" cmpd="sng">
+            <a:solidFill>
+              <a:srgbClr val="1B3867"/>
+            </a:solidFill>
+            <a:prstDash val="solid"/>
+            <a:round/>
+            <a:headEnd type="none" w="sm" len="sm"/>
+            <a:tailEnd type="none" w="sm" len="sm"/>
+          </a:ln>
+        </p:spPr>
+        <p:txBody>
+          <a:bodyPr spcFirstLastPara="1" wrap="square" lIns="91425" tIns="45700" rIns="91425" bIns="45700" anchor="ctr" anchorCtr="0">
+            <a:noAutofit/>
+          </a:bodyPr>
+          <a:lstStyle/>
+          <a:p>
+            <a:pPr marL="0" marR="0" lvl="0" indent="0" algn="ctr" rtl="0">
+              <a:lnSpc>
+                <a:spcPct val="100000"/>
+              </a:lnSpc>
+              <a:spcBef>
+                <a:spcPts val="0"/>
+              </a:spcBef>
+              <a:spcAft>
+                <a:spcPts val="0"/>
+              </a:spcAft>
+              <a:buClr>
+                <a:srgbClr val="000000"/>
+              </a:buClr>
+              <a:buSzPts val="1400"/>
+              <a:buFont typeface="Arial"/>
+              <a:buNone/>
+            </a:pPr>
+            <a:r>
+              <a:rPr lang="en-US" sz="1200" b="0" i="0" u="none" strike="noStrike" cap="none" dirty="0">
+                <a:solidFill>
+                  <a:schemeClr val="lt1"/>
+                </a:solidFill>
+                <a:latin typeface="Arial"/>
+                <a:ea typeface="Arial"/>
+                <a:cs typeface="Arial"/>
+                <a:sym typeface="Arial"/>
+              </a:rPr>
+              <a:t>Process A</a:t>
+            </a:r>
+          </a:p>
+        </p:txBody>
+      </p:sp>
+      <p:cxnSp>
+        <p:nvCxnSpPr>
+          <p:cNvPr id="141" name="Google Shape;141;p14">
+            <a:extLst>
+              <a:ext uri="{FF2B5EF4-FFF2-40B4-BE49-F238E27FC236}">
+                <a16:creationId xmlns:a16="http://schemas.microsoft.com/office/drawing/2014/main" id="{6828F8B9-1712-76BA-7073-1378273F2079}"/>
+              </a:ext>
+            </a:extLst>
+          </p:cNvPr>
+          <p:cNvCxnSpPr>
+            <a:cxnSpLocks/>
+          </p:cNvCxnSpPr>
+          <p:nvPr/>
+        </p:nvCxnSpPr>
+        <p:spPr>
+          <a:xfrm>
+            <a:off x="1810487" y="2343149"/>
+            <a:ext cx="3193244" cy="0"/>
+          </a:xfrm>
+          <a:prstGeom prst="straightConnector1">
+            <a:avLst/>
+          </a:prstGeom>
+          <a:noFill/>
+          <a:ln w="9525" cap="flat" cmpd="sng">
+            <a:solidFill>
+              <a:srgbClr val="3B7FF2"/>
+            </a:solidFill>
+            <a:prstDash val="solid"/>
+            <a:round/>
+            <a:headEnd type="none" w="sm" len="sm"/>
+            <a:tailEnd type="triangle" w="med" len="med"/>
+          </a:ln>
+        </p:spPr>
+      </p:cxnSp>
+      <p:cxnSp>
+        <p:nvCxnSpPr>
+          <p:cNvPr id="52" name="Google Shape;247;p23">
+            <a:extLst>
+              <a:ext uri="{FF2B5EF4-FFF2-40B4-BE49-F238E27FC236}">
+                <a16:creationId xmlns:a16="http://schemas.microsoft.com/office/drawing/2014/main" id="{888389BC-EE02-2482-8751-1426A02B46EC}"/>
+              </a:ext>
+            </a:extLst>
+          </p:cNvPr>
+          <p:cNvCxnSpPr>
+            <a:cxnSpLocks/>
+          </p:cNvCxnSpPr>
+          <p:nvPr/>
+        </p:nvCxnSpPr>
+        <p:spPr>
+          <a:xfrm flipH="1">
+            <a:off x="1795220" y="1446904"/>
+            <a:ext cx="6380" cy="3291351"/>
+          </a:xfrm>
+          <a:prstGeom prst="straightConnector1">
+            <a:avLst/>
+          </a:prstGeom>
+          <a:noFill/>
+          <a:ln w="9525" cap="flat" cmpd="sng">
+            <a:solidFill>
+              <a:srgbClr val="3B7FF2"/>
+            </a:solidFill>
+            <a:prstDash val="solid"/>
+            <a:round/>
+            <a:headEnd type="none" w="sm" len="sm"/>
+            <a:tailEnd type="triangle" w="med" len="med"/>
+          </a:ln>
+        </p:spPr>
+      </p:cxnSp>
+      <p:sp>
+        <p:nvSpPr>
+          <p:cNvPr id="3" name="Google Shape;137;p14">
+            <a:extLst>
+              <a:ext uri="{FF2B5EF4-FFF2-40B4-BE49-F238E27FC236}">
+                <a16:creationId xmlns:a16="http://schemas.microsoft.com/office/drawing/2014/main" id="{FA7F0C7B-A9D2-C9EC-FE45-4AF32EC8B793}"/>
+              </a:ext>
+            </a:extLst>
+          </p:cNvPr>
+          <p:cNvSpPr/>
+          <p:nvPr/>
+        </p:nvSpPr>
+        <p:spPr>
+          <a:xfrm>
+            <a:off x="4158787" y="787888"/>
+            <a:ext cx="1725433" cy="659016"/>
+          </a:xfrm>
+          <a:prstGeom prst="roundRect">
+            <a:avLst>
+              <a:gd name="adj" fmla="val 16667"/>
+            </a:avLst>
+          </a:prstGeom>
+          <a:solidFill>
+            <a:srgbClr val="00B0F0"/>
+          </a:solidFill>
+          <a:ln w="25400" cap="flat" cmpd="sng">
+            <a:solidFill>
+              <a:srgbClr val="1B3867"/>
+            </a:solidFill>
+            <a:prstDash val="solid"/>
+            <a:round/>
+            <a:headEnd type="none" w="sm" len="sm"/>
+            <a:tailEnd type="none" w="sm" len="sm"/>
+          </a:ln>
+        </p:spPr>
+        <p:txBody>
+          <a:bodyPr spcFirstLastPara="1" wrap="square" lIns="91425" tIns="45700" rIns="91425" bIns="45700" anchor="ctr" anchorCtr="0">
+            <a:noAutofit/>
+          </a:bodyPr>
+          <a:lstStyle/>
+          <a:p>
+            <a:pPr marL="0" marR="0" lvl="0" indent="0" algn="ctr" rtl="0">
+              <a:lnSpc>
+                <a:spcPct val="100000"/>
+              </a:lnSpc>
+              <a:spcBef>
+                <a:spcPts val="0"/>
+              </a:spcBef>
+              <a:spcAft>
+                <a:spcPts val="0"/>
+              </a:spcAft>
+              <a:buClr>
+                <a:srgbClr val="000000"/>
+              </a:buClr>
+              <a:buSzPts val="1400"/>
+              <a:buFont typeface="Arial"/>
+              <a:buNone/>
+            </a:pPr>
+            <a:r>
+              <a:rPr lang="en-US" sz="1200" b="0" i="0" u="none" strike="noStrike" cap="none" dirty="0">
+                <a:solidFill>
+                  <a:schemeClr val="lt1"/>
+                </a:solidFill>
+                <a:latin typeface="Arial"/>
+                <a:ea typeface="Arial"/>
+                <a:cs typeface="Arial"/>
+                <a:sym typeface="Arial"/>
+              </a:rPr>
+              <a:t>Process B</a:t>
+            </a:r>
+          </a:p>
+          <a:p>
+            <a:pPr marL="0" marR="0" lvl="0" indent="0" algn="ctr" rtl="0">
+              <a:lnSpc>
+                <a:spcPct val="100000"/>
+              </a:lnSpc>
+              <a:spcBef>
+                <a:spcPts val="0"/>
+              </a:spcBef>
+              <a:spcAft>
+                <a:spcPts val="0"/>
+              </a:spcAft>
+              <a:buClr>
+                <a:srgbClr val="000000"/>
+              </a:buClr>
+              <a:buSzPts val="1400"/>
+              <a:buFont typeface="Arial"/>
+              <a:buNone/>
+            </a:pPr>
+            <a:r>
+              <a:rPr lang="en-US" sz="1200" dirty="0">
+                <a:solidFill>
+                  <a:schemeClr val="lt1"/>
+                </a:solidFill>
+              </a:rPr>
+              <a:t>(could be local </a:t>
+            </a:r>
+          </a:p>
+          <a:p>
+            <a:pPr marL="0" marR="0" lvl="0" indent="0" algn="ctr" rtl="0">
+              <a:lnSpc>
+                <a:spcPct val="100000"/>
+              </a:lnSpc>
+              <a:spcBef>
+                <a:spcPts val="0"/>
+              </a:spcBef>
+              <a:spcAft>
+                <a:spcPts val="0"/>
+              </a:spcAft>
+              <a:buClr>
+                <a:srgbClr val="000000"/>
+              </a:buClr>
+              <a:buSzPts val="1400"/>
+              <a:buFont typeface="Arial"/>
+              <a:buNone/>
+            </a:pPr>
+            <a:r>
+              <a:rPr lang="en-US" sz="1200" dirty="0">
+                <a:solidFill>
+                  <a:schemeClr val="lt1"/>
+                </a:solidFill>
+              </a:rPr>
+              <a:t>or remote)</a:t>
+            </a:r>
+            <a:endParaRPr lang="en-US" sz="1200" b="0" i="0" u="none" strike="noStrike" cap="none" dirty="0">
+              <a:solidFill>
+                <a:schemeClr val="lt1"/>
+              </a:solidFill>
+              <a:latin typeface="Arial"/>
+              <a:ea typeface="Arial"/>
+              <a:cs typeface="Arial"/>
+              <a:sym typeface="Arial"/>
+            </a:endParaRPr>
+          </a:p>
+        </p:txBody>
+      </p:sp>
+      <p:sp>
+        <p:nvSpPr>
+          <p:cNvPr id="4" name="TextBox 3">
+            <a:extLst>
+              <a:ext uri="{FF2B5EF4-FFF2-40B4-BE49-F238E27FC236}">
+                <a16:creationId xmlns:a16="http://schemas.microsoft.com/office/drawing/2014/main" id="{9878474B-C0C8-4FD1-CC90-9D2CCA457CF4}"/>
+              </a:ext>
+            </a:extLst>
+          </p:cNvPr>
+          <p:cNvSpPr txBox="1"/>
+          <p:nvPr/>
+        </p:nvSpPr>
+        <p:spPr>
+          <a:xfrm>
+            <a:off x="919174" y="187193"/>
+            <a:ext cx="4945336" cy="400110"/>
+          </a:xfrm>
+          <a:prstGeom prst="rect">
+            <a:avLst/>
+          </a:prstGeom>
+          <a:noFill/>
+        </p:spPr>
+        <p:txBody>
+          <a:bodyPr wrap="square" rtlCol="0">
+            <a:spAutoFit/>
+          </a:bodyPr>
+          <a:lstStyle/>
+          <a:p>
+            <a:pPr algn="ctr"/>
+            <a:r>
+              <a:rPr lang="en-US" sz="2000" b="1" dirty="0"/>
+              <a:t>Synchronous Programming</a:t>
+            </a:r>
+          </a:p>
+        </p:txBody>
+      </p:sp>
+      <p:cxnSp>
+        <p:nvCxnSpPr>
+          <p:cNvPr id="8" name="Google Shape;247;p23">
+            <a:extLst>
+              <a:ext uri="{FF2B5EF4-FFF2-40B4-BE49-F238E27FC236}">
+                <a16:creationId xmlns:a16="http://schemas.microsoft.com/office/drawing/2014/main" id="{058E85AE-F7A8-AF17-4655-2C3F06831BA9}"/>
+              </a:ext>
+            </a:extLst>
+          </p:cNvPr>
+          <p:cNvCxnSpPr>
+            <a:cxnSpLocks/>
+          </p:cNvCxnSpPr>
+          <p:nvPr/>
+        </p:nvCxnSpPr>
+        <p:spPr>
+          <a:xfrm>
+            <a:off x="5003731" y="1446904"/>
+            <a:ext cx="0" cy="3130291"/>
+          </a:xfrm>
+          <a:prstGeom prst="straightConnector1">
+            <a:avLst/>
+          </a:prstGeom>
+          <a:noFill/>
+          <a:ln w="9525" cap="flat" cmpd="sng">
+            <a:solidFill>
+              <a:srgbClr val="3B7FF2"/>
+            </a:solidFill>
+            <a:prstDash val="solid"/>
+            <a:round/>
+            <a:headEnd type="none" w="sm" len="sm"/>
+            <a:tailEnd type="triangle" w="med" len="med"/>
+          </a:ln>
+        </p:spPr>
+      </p:cxnSp>
+      <p:sp>
+        <p:nvSpPr>
+          <p:cNvPr id="10" name="TextBox 9">
+            <a:extLst>
+              <a:ext uri="{FF2B5EF4-FFF2-40B4-BE49-F238E27FC236}">
+                <a16:creationId xmlns:a16="http://schemas.microsoft.com/office/drawing/2014/main" id="{C9CB3FC5-DBE4-A576-5280-9722BDC76DB5}"/>
+              </a:ext>
+            </a:extLst>
+          </p:cNvPr>
+          <p:cNvSpPr txBox="1"/>
+          <p:nvPr/>
+        </p:nvSpPr>
+        <p:spPr>
+          <a:xfrm>
+            <a:off x="1810487" y="2071295"/>
+            <a:ext cx="3202130" cy="246221"/>
+          </a:xfrm>
+          <a:prstGeom prst="rect">
+            <a:avLst/>
+          </a:prstGeom>
+          <a:noFill/>
+        </p:spPr>
+        <p:txBody>
+          <a:bodyPr wrap="square" rtlCol="0">
+            <a:spAutoFit/>
+          </a:bodyPr>
+          <a:lstStyle/>
+          <a:p>
+            <a:pPr algn="ctr"/>
+            <a:r>
+              <a:rPr lang="en-US" sz="1000" dirty="0"/>
+              <a:t>Ask Process B to perform a task and report back</a:t>
+            </a:r>
+          </a:p>
+        </p:txBody>
+      </p:sp>
+      <p:sp>
+        <p:nvSpPr>
+          <p:cNvPr id="12" name="TextBox 11">
+            <a:extLst>
+              <a:ext uri="{FF2B5EF4-FFF2-40B4-BE49-F238E27FC236}">
+                <a16:creationId xmlns:a16="http://schemas.microsoft.com/office/drawing/2014/main" id="{4D107AD4-AC25-0D8C-98C9-82C227D6B286}"/>
+              </a:ext>
+            </a:extLst>
+          </p:cNvPr>
+          <p:cNvSpPr txBox="1"/>
+          <p:nvPr/>
+        </p:nvSpPr>
+        <p:spPr>
+          <a:xfrm>
+            <a:off x="787210" y="2602588"/>
+            <a:ext cx="1023277" cy="553998"/>
+          </a:xfrm>
+          <a:prstGeom prst="rect">
+            <a:avLst/>
+          </a:prstGeom>
+          <a:noFill/>
+        </p:spPr>
+        <p:txBody>
+          <a:bodyPr wrap="square" rtlCol="0">
+            <a:spAutoFit/>
+          </a:bodyPr>
+          <a:lstStyle/>
+          <a:p>
+            <a:pPr algn="ctr"/>
+            <a:r>
+              <a:rPr lang="en-US" sz="1000" dirty="0"/>
+              <a:t>Wait for the response from</a:t>
+            </a:r>
+          </a:p>
+          <a:p>
+            <a:pPr algn="ctr"/>
+            <a:r>
+              <a:rPr lang="en-US" sz="1000" dirty="0"/>
+              <a:t>Process B</a:t>
+            </a:r>
+          </a:p>
+        </p:txBody>
+      </p:sp>
+      <p:cxnSp>
+        <p:nvCxnSpPr>
+          <p:cNvPr id="22" name="Google Shape;141;p14">
+            <a:extLst>
+              <a:ext uri="{FF2B5EF4-FFF2-40B4-BE49-F238E27FC236}">
+                <a16:creationId xmlns:a16="http://schemas.microsoft.com/office/drawing/2014/main" id="{9278AACD-5CCF-9A15-AE44-4485C4A637C1}"/>
+              </a:ext>
+            </a:extLst>
+          </p:cNvPr>
+          <p:cNvCxnSpPr>
+            <a:cxnSpLocks/>
+          </p:cNvCxnSpPr>
+          <p:nvPr/>
+        </p:nvCxnSpPr>
+        <p:spPr>
+          <a:xfrm rot="10800000">
+            <a:off x="1795220" y="3287769"/>
+            <a:ext cx="3193244" cy="0"/>
+          </a:xfrm>
+          <a:prstGeom prst="straightConnector1">
+            <a:avLst/>
+          </a:prstGeom>
+          <a:noFill/>
+          <a:ln w="9525" cap="flat" cmpd="sng">
+            <a:solidFill>
+              <a:srgbClr val="3B7FF2"/>
+            </a:solidFill>
+            <a:prstDash val="solid"/>
+            <a:round/>
+            <a:headEnd type="none" w="sm" len="sm"/>
+            <a:tailEnd type="triangle" w="med" len="med"/>
+          </a:ln>
+        </p:spPr>
+      </p:cxnSp>
+      <p:sp>
+        <p:nvSpPr>
+          <p:cNvPr id="23" name="TextBox 22">
+            <a:extLst>
+              <a:ext uri="{FF2B5EF4-FFF2-40B4-BE49-F238E27FC236}">
+                <a16:creationId xmlns:a16="http://schemas.microsoft.com/office/drawing/2014/main" id="{3681EED3-B338-5764-8941-E1E02292132D}"/>
+              </a:ext>
+            </a:extLst>
+          </p:cNvPr>
+          <p:cNvSpPr txBox="1"/>
+          <p:nvPr/>
+        </p:nvSpPr>
+        <p:spPr>
+          <a:xfrm>
+            <a:off x="1806044" y="3050265"/>
+            <a:ext cx="3202130" cy="246221"/>
+          </a:xfrm>
+          <a:prstGeom prst="rect">
+            <a:avLst/>
+          </a:prstGeom>
+          <a:noFill/>
+        </p:spPr>
+        <p:txBody>
+          <a:bodyPr wrap="square" rtlCol="0">
+            <a:spAutoFit/>
+          </a:bodyPr>
+          <a:lstStyle/>
+          <a:p>
+            <a:pPr algn="ctr"/>
+            <a:r>
+              <a:rPr lang="en-US" sz="1000" dirty="0"/>
+              <a:t>Process B has completed the task</a:t>
+            </a:r>
+          </a:p>
+        </p:txBody>
+      </p:sp>
+      <p:sp>
+        <p:nvSpPr>
+          <p:cNvPr id="24" name="Rectangle 23">
+            <a:extLst>
+              <a:ext uri="{FF2B5EF4-FFF2-40B4-BE49-F238E27FC236}">
+                <a16:creationId xmlns:a16="http://schemas.microsoft.com/office/drawing/2014/main" id="{3DEFA680-8417-2CFA-ED1A-17430226F6D6}"/>
+              </a:ext>
+            </a:extLst>
+          </p:cNvPr>
+          <p:cNvSpPr/>
+          <p:nvPr/>
+        </p:nvSpPr>
+        <p:spPr>
+          <a:xfrm>
+            <a:off x="4634348" y="2474106"/>
+            <a:ext cx="914400" cy="457200"/>
+          </a:xfrm>
+          <a:prstGeom prst="rect">
+            <a:avLst/>
+          </a:prstGeom>
+          <a:ln>
+            <a:noFill/>
+          </a:ln>
+        </p:spPr>
+        <p:style>
+          <a:lnRef idx="2">
+            <a:schemeClr val="accent1">
+              <a:shade val="15000"/>
+            </a:schemeClr>
+          </a:lnRef>
+          <a:fillRef idx="1">
+            <a:schemeClr val="accent1"/>
+          </a:fillRef>
+          <a:effectRef idx="0">
+            <a:schemeClr val="accent1"/>
+          </a:effectRef>
+          <a:fontRef idx="minor">
+            <a:schemeClr val="lt1"/>
+          </a:fontRef>
+        </p:style>
+        <p:txBody>
+          <a:bodyPr rtlCol="0" anchor="ctr"/>
+          <a:lstStyle/>
+          <a:p>
+            <a:pPr algn="ctr"/>
+            <a:r>
+              <a:rPr lang="en-US" sz="1000" dirty="0"/>
+              <a:t>Task</a:t>
+            </a:r>
+          </a:p>
+          <a:p>
+            <a:pPr algn="ctr"/>
+            <a:r>
+              <a:rPr lang="en-US" sz="1000" dirty="0"/>
+              <a:t>Execution</a:t>
+            </a:r>
+          </a:p>
+        </p:txBody>
+      </p:sp>
+      <p:sp>
+        <p:nvSpPr>
+          <p:cNvPr id="25" name="Rectangle 24">
+            <a:extLst>
+              <a:ext uri="{FF2B5EF4-FFF2-40B4-BE49-F238E27FC236}">
+                <a16:creationId xmlns:a16="http://schemas.microsoft.com/office/drawing/2014/main" id="{EA31DF96-BC6A-43D8-8B67-521CE6E5CCA0}"/>
+              </a:ext>
+            </a:extLst>
+          </p:cNvPr>
+          <p:cNvSpPr/>
+          <p:nvPr/>
+        </p:nvSpPr>
+        <p:spPr>
+          <a:xfrm>
+            <a:off x="1338020" y="1526058"/>
+            <a:ext cx="914400" cy="457200"/>
+          </a:xfrm>
+          <a:prstGeom prst="rect">
+            <a:avLst/>
+          </a:prstGeom>
+          <a:ln>
+            <a:noFill/>
+          </a:ln>
+        </p:spPr>
+        <p:style>
+          <a:lnRef idx="2">
+            <a:schemeClr val="accent1">
+              <a:shade val="15000"/>
+            </a:schemeClr>
+          </a:lnRef>
+          <a:fillRef idx="1">
+            <a:schemeClr val="accent1"/>
+          </a:fillRef>
+          <a:effectRef idx="0">
+            <a:schemeClr val="accent1"/>
+          </a:effectRef>
+          <a:fontRef idx="minor">
+            <a:schemeClr val="lt1"/>
+          </a:fontRef>
+        </p:style>
+        <p:txBody>
+          <a:bodyPr rtlCol="0" anchor="ctr"/>
+          <a:lstStyle/>
+          <a:p>
+            <a:pPr algn="ctr"/>
+            <a:r>
+              <a:rPr lang="en-US" sz="1000" dirty="0"/>
+              <a:t>Process A</a:t>
+            </a:r>
+          </a:p>
+          <a:p>
+            <a:pPr algn="ctr"/>
+            <a:r>
+              <a:rPr lang="en-US" sz="1000" dirty="0"/>
+              <a:t>Processing</a:t>
+            </a:r>
+          </a:p>
+        </p:txBody>
+      </p:sp>
+      <p:sp>
+        <p:nvSpPr>
+          <p:cNvPr id="27" name="Rectangle 26">
+            <a:extLst>
+              <a:ext uri="{FF2B5EF4-FFF2-40B4-BE49-F238E27FC236}">
+                <a16:creationId xmlns:a16="http://schemas.microsoft.com/office/drawing/2014/main" id="{427CD2BA-86AC-4EF9-F386-AC55B1D5145C}"/>
+              </a:ext>
+            </a:extLst>
+          </p:cNvPr>
+          <p:cNvSpPr/>
+          <p:nvPr/>
+        </p:nvSpPr>
+        <p:spPr>
+          <a:xfrm>
+            <a:off x="1353287" y="3533990"/>
+            <a:ext cx="914400" cy="457200"/>
+          </a:xfrm>
+          <a:prstGeom prst="rect">
+            <a:avLst/>
+          </a:prstGeom>
+          <a:ln>
+            <a:noFill/>
+          </a:ln>
+        </p:spPr>
+        <p:style>
+          <a:lnRef idx="2">
+            <a:schemeClr val="accent1">
+              <a:shade val="15000"/>
+            </a:schemeClr>
+          </a:lnRef>
+          <a:fillRef idx="1">
+            <a:schemeClr val="accent1"/>
+          </a:fillRef>
+          <a:effectRef idx="0">
+            <a:schemeClr val="accent1"/>
+          </a:effectRef>
+          <a:fontRef idx="minor">
+            <a:schemeClr val="lt1"/>
+          </a:fontRef>
+        </p:style>
+        <p:txBody>
+          <a:bodyPr rtlCol="0" anchor="ctr"/>
+          <a:lstStyle/>
+          <a:p>
+            <a:pPr algn="ctr"/>
+            <a:r>
+              <a:rPr lang="en-US" sz="1000" dirty="0"/>
+              <a:t>Process A</a:t>
+            </a:r>
+          </a:p>
+          <a:p>
+            <a:pPr algn="ctr"/>
+            <a:r>
+              <a:rPr lang="en-US" sz="1000" dirty="0"/>
+              <a:t>Processing</a:t>
+            </a:r>
+          </a:p>
+        </p:txBody>
+      </p:sp>
+    </p:spTree>
+    <p:extLst>
+      <p:ext uri="{BB962C8B-B14F-4D97-AF65-F5344CB8AC3E}">
+        <p14:creationId xmlns:p14="http://schemas.microsoft.com/office/powerpoint/2010/main" val="2577660865"/>
+      </p:ext>
+    </p:extLst>
+  </p:cSld>
+  <p:clrMapOvr>
+    <a:masterClrMapping/>
+  </p:clrMapOvr>
+</p:sld>
+</file>
+
+<file path=ppt/slides/slide3.xml><?xml version="1.0" encoding="utf-8"?>
+<p:sld xmlns:a="http://schemas.openxmlformats.org/drawingml/2006/main" xmlns:r="http://schemas.openxmlformats.org/officeDocument/2006/relationships" xmlns:p="http://schemas.openxmlformats.org/presentationml/2006/main">
+  <p:cSld>
+    <p:spTree>
+      <p:nvGrpSpPr>
+        <p:cNvPr id="1" name="Shape 136">
+          <a:extLst>
+            <a:ext uri="{FF2B5EF4-FFF2-40B4-BE49-F238E27FC236}">
+              <a16:creationId xmlns:a16="http://schemas.microsoft.com/office/drawing/2014/main" id="{CA941D19-0AD2-7044-C126-30302E129D08}"/>
+            </a:ext>
+          </a:extLst>
+        </p:cNvPr>
+        <p:cNvGrpSpPr/>
+        <p:nvPr/>
+      </p:nvGrpSpPr>
+      <p:grpSpPr>
+        <a:xfrm>
+          <a:off x="0" y="0"/>
+          <a:ext cx="0" cy="0"/>
+          <a:chOff x="0" y="0"/>
+          <a:chExt cx="0" cy="0"/>
+        </a:xfrm>
+      </p:grpSpPr>
+      <p:sp>
+        <p:nvSpPr>
+          <p:cNvPr id="137" name="Google Shape;137;p14">
+            <a:extLst>
+              <a:ext uri="{FF2B5EF4-FFF2-40B4-BE49-F238E27FC236}">
+                <a16:creationId xmlns:a16="http://schemas.microsoft.com/office/drawing/2014/main" id="{2FB62182-889E-0A98-657E-ABDBE9665F19}"/>
+              </a:ext>
+            </a:extLst>
+          </p:cNvPr>
+          <p:cNvSpPr/>
+          <p:nvPr/>
+        </p:nvSpPr>
+        <p:spPr>
+          <a:xfrm>
+            <a:off x="938884" y="787888"/>
+            <a:ext cx="1725433" cy="659016"/>
+          </a:xfrm>
+          <a:prstGeom prst="roundRect">
+            <a:avLst>
+              <a:gd name="adj" fmla="val 16667"/>
+            </a:avLst>
+          </a:prstGeom>
+          <a:solidFill>
+            <a:srgbClr val="7030A0"/>
+          </a:solidFill>
+          <a:ln w="25400" cap="flat" cmpd="sng">
+            <a:solidFill>
+              <a:srgbClr val="1B3867"/>
+            </a:solidFill>
+            <a:prstDash val="solid"/>
+            <a:round/>
+            <a:headEnd type="none" w="sm" len="sm"/>
+            <a:tailEnd type="none" w="sm" len="sm"/>
+          </a:ln>
+        </p:spPr>
+        <p:txBody>
+          <a:bodyPr spcFirstLastPara="1" wrap="square" lIns="91425" tIns="45700" rIns="91425" bIns="45700" anchor="ctr" anchorCtr="0">
+            <a:noAutofit/>
+          </a:bodyPr>
+          <a:lstStyle/>
+          <a:p>
+            <a:pPr marL="0" marR="0" lvl="0" indent="0" algn="ctr" rtl="0">
+              <a:lnSpc>
+                <a:spcPct val="100000"/>
+              </a:lnSpc>
+              <a:spcBef>
+                <a:spcPts val="0"/>
+              </a:spcBef>
+              <a:spcAft>
+                <a:spcPts val="0"/>
+              </a:spcAft>
+              <a:buClr>
+                <a:srgbClr val="000000"/>
+              </a:buClr>
+              <a:buSzPts val="1400"/>
+              <a:buFont typeface="Arial"/>
+              <a:buNone/>
+            </a:pPr>
+            <a:r>
+              <a:rPr lang="en-US" sz="1200" b="0" i="0" u="none" strike="noStrike" cap="none" dirty="0">
+                <a:solidFill>
+                  <a:schemeClr val="lt1"/>
+                </a:solidFill>
+                <a:latin typeface="Arial"/>
+                <a:ea typeface="Arial"/>
+                <a:cs typeface="Arial"/>
+                <a:sym typeface="Arial"/>
+              </a:rPr>
+              <a:t>Process A</a:t>
+            </a:r>
+          </a:p>
+        </p:txBody>
+      </p:sp>
+      <p:cxnSp>
+        <p:nvCxnSpPr>
+          <p:cNvPr id="141" name="Google Shape;141;p14">
+            <a:extLst>
+              <a:ext uri="{FF2B5EF4-FFF2-40B4-BE49-F238E27FC236}">
+                <a16:creationId xmlns:a16="http://schemas.microsoft.com/office/drawing/2014/main" id="{C249BD12-0061-DB41-C369-1FCEFA9D5600}"/>
+              </a:ext>
+            </a:extLst>
+          </p:cNvPr>
+          <p:cNvCxnSpPr>
+            <a:cxnSpLocks/>
+          </p:cNvCxnSpPr>
+          <p:nvPr/>
+        </p:nvCxnSpPr>
+        <p:spPr>
+          <a:xfrm>
+            <a:off x="1810487" y="2343149"/>
+            <a:ext cx="3193244" cy="0"/>
+          </a:xfrm>
+          <a:prstGeom prst="straightConnector1">
+            <a:avLst/>
+          </a:prstGeom>
+          <a:noFill/>
+          <a:ln w="9525" cap="flat" cmpd="sng">
+            <a:solidFill>
+              <a:srgbClr val="3B7FF2"/>
+            </a:solidFill>
+            <a:prstDash val="solid"/>
+            <a:round/>
+            <a:headEnd type="none" w="sm" len="sm"/>
+            <a:tailEnd type="triangle" w="med" len="med"/>
+          </a:ln>
+        </p:spPr>
+      </p:cxnSp>
+      <p:cxnSp>
+        <p:nvCxnSpPr>
+          <p:cNvPr id="52" name="Google Shape;247;p23">
+            <a:extLst>
+              <a:ext uri="{FF2B5EF4-FFF2-40B4-BE49-F238E27FC236}">
+                <a16:creationId xmlns:a16="http://schemas.microsoft.com/office/drawing/2014/main" id="{97C6C08B-A0B6-60AB-7219-EFBC1B8AC3AD}"/>
+              </a:ext>
+            </a:extLst>
+          </p:cNvPr>
+          <p:cNvCxnSpPr>
+            <a:cxnSpLocks/>
+          </p:cNvCxnSpPr>
+          <p:nvPr/>
+        </p:nvCxnSpPr>
+        <p:spPr>
+          <a:xfrm flipH="1">
+            <a:off x="1795220" y="1446904"/>
+            <a:ext cx="6380" cy="3291351"/>
+          </a:xfrm>
+          <a:prstGeom prst="straightConnector1">
+            <a:avLst/>
+          </a:prstGeom>
+          <a:noFill/>
+          <a:ln w="9525" cap="flat" cmpd="sng">
+            <a:solidFill>
+              <a:srgbClr val="3B7FF2"/>
+            </a:solidFill>
+            <a:prstDash val="solid"/>
+            <a:round/>
+            <a:headEnd type="none" w="sm" len="sm"/>
+            <a:tailEnd type="triangle" w="med" len="med"/>
+          </a:ln>
+        </p:spPr>
+      </p:cxnSp>
+      <p:sp>
+        <p:nvSpPr>
+          <p:cNvPr id="3" name="Google Shape;137;p14">
+            <a:extLst>
+              <a:ext uri="{FF2B5EF4-FFF2-40B4-BE49-F238E27FC236}">
+                <a16:creationId xmlns:a16="http://schemas.microsoft.com/office/drawing/2014/main" id="{B3E56A40-F16C-3762-4477-F5EBBE4BF16D}"/>
+              </a:ext>
+            </a:extLst>
+          </p:cNvPr>
+          <p:cNvSpPr/>
+          <p:nvPr/>
+        </p:nvSpPr>
+        <p:spPr>
+          <a:xfrm>
+            <a:off x="4158787" y="787888"/>
+            <a:ext cx="1725433" cy="659016"/>
+          </a:xfrm>
+          <a:prstGeom prst="roundRect">
+            <a:avLst>
+              <a:gd name="adj" fmla="val 16667"/>
+            </a:avLst>
+          </a:prstGeom>
+          <a:solidFill>
+            <a:srgbClr val="00B0F0"/>
+          </a:solidFill>
+          <a:ln w="25400" cap="flat" cmpd="sng">
+            <a:solidFill>
+              <a:srgbClr val="1B3867"/>
+            </a:solidFill>
+            <a:prstDash val="solid"/>
+            <a:round/>
+            <a:headEnd type="none" w="sm" len="sm"/>
+            <a:tailEnd type="none" w="sm" len="sm"/>
+          </a:ln>
+        </p:spPr>
+        <p:txBody>
+          <a:bodyPr spcFirstLastPara="1" wrap="square" lIns="91425" tIns="45700" rIns="91425" bIns="45700" anchor="ctr" anchorCtr="0">
+            <a:noAutofit/>
+          </a:bodyPr>
+          <a:lstStyle/>
+          <a:p>
+            <a:pPr marL="0" marR="0" lvl="0" indent="0" algn="ctr" rtl="0">
+              <a:lnSpc>
+                <a:spcPct val="100000"/>
+              </a:lnSpc>
+              <a:spcBef>
+                <a:spcPts val="0"/>
+              </a:spcBef>
+              <a:spcAft>
+                <a:spcPts val="0"/>
+              </a:spcAft>
+              <a:buClr>
+                <a:srgbClr val="000000"/>
+              </a:buClr>
+              <a:buSzPts val="1400"/>
+              <a:buFont typeface="Arial"/>
+              <a:buNone/>
+            </a:pPr>
+            <a:r>
+              <a:rPr lang="en-US" sz="1200" b="0" i="0" u="none" strike="noStrike" cap="none" dirty="0">
+                <a:solidFill>
+                  <a:schemeClr val="lt1"/>
+                </a:solidFill>
+                <a:latin typeface="Arial"/>
+                <a:ea typeface="Arial"/>
+                <a:cs typeface="Arial"/>
+                <a:sym typeface="Arial"/>
+              </a:rPr>
+              <a:t>Process B</a:t>
+            </a:r>
+          </a:p>
+          <a:p>
+            <a:pPr marL="0" marR="0" lvl="0" indent="0" algn="ctr" rtl="0">
+              <a:lnSpc>
+                <a:spcPct val="100000"/>
+              </a:lnSpc>
+              <a:spcBef>
+                <a:spcPts val="0"/>
+              </a:spcBef>
+              <a:spcAft>
+                <a:spcPts val="0"/>
+              </a:spcAft>
+              <a:buClr>
+                <a:srgbClr val="000000"/>
+              </a:buClr>
+              <a:buSzPts val="1400"/>
+              <a:buFont typeface="Arial"/>
+              <a:buNone/>
+            </a:pPr>
+            <a:r>
+              <a:rPr lang="en-US" sz="1200" dirty="0">
+                <a:solidFill>
+                  <a:schemeClr val="lt1"/>
+                </a:solidFill>
+              </a:rPr>
+              <a:t>(could be local </a:t>
+            </a:r>
+          </a:p>
+          <a:p>
+            <a:pPr marL="0" marR="0" lvl="0" indent="0" algn="ctr" rtl="0">
+              <a:lnSpc>
+                <a:spcPct val="100000"/>
+              </a:lnSpc>
+              <a:spcBef>
+                <a:spcPts val="0"/>
+              </a:spcBef>
+              <a:spcAft>
+                <a:spcPts val="0"/>
+              </a:spcAft>
+              <a:buClr>
+                <a:srgbClr val="000000"/>
+              </a:buClr>
+              <a:buSzPts val="1400"/>
+              <a:buFont typeface="Arial"/>
+              <a:buNone/>
+            </a:pPr>
+            <a:r>
+              <a:rPr lang="en-US" sz="1200" dirty="0">
+                <a:solidFill>
+                  <a:schemeClr val="lt1"/>
+                </a:solidFill>
+              </a:rPr>
+              <a:t>or remote)</a:t>
+            </a:r>
+            <a:endParaRPr lang="en-US" sz="1200" b="0" i="0" u="none" strike="noStrike" cap="none" dirty="0">
+              <a:solidFill>
+                <a:schemeClr val="lt1"/>
+              </a:solidFill>
+              <a:latin typeface="Arial"/>
+              <a:ea typeface="Arial"/>
+              <a:cs typeface="Arial"/>
+              <a:sym typeface="Arial"/>
+            </a:endParaRPr>
+          </a:p>
+        </p:txBody>
+      </p:sp>
+      <p:sp>
+        <p:nvSpPr>
+          <p:cNvPr id="4" name="TextBox 3">
+            <a:extLst>
+              <a:ext uri="{FF2B5EF4-FFF2-40B4-BE49-F238E27FC236}">
+                <a16:creationId xmlns:a16="http://schemas.microsoft.com/office/drawing/2014/main" id="{52176130-8568-4E55-B8ED-32A45FC7329F}"/>
+              </a:ext>
+            </a:extLst>
+          </p:cNvPr>
+          <p:cNvSpPr txBox="1"/>
+          <p:nvPr/>
+        </p:nvSpPr>
+        <p:spPr>
+          <a:xfrm>
+            <a:off x="919174" y="187193"/>
+            <a:ext cx="4945336" cy="400110"/>
+          </a:xfrm>
+          <a:prstGeom prst="rect">
+            <a:avLst/>
+          </a:prstGeom>
+          <a:noFill/>
+        </p:spPr>
+        <p:txBody>
+          <a:bodyPr wrap="square" rtlCol="0">
+            <a:spAutoFit/>
+          </a:bodyPr>
+          <a:lstStyle/>
+          <a:p>
+            <a:pPr algn="ctr"/>
+            <a:r>
+              <a:rPr lang="en-US" sz="2000" b="1" dirty="0"/>
+              <a:t>Asynchronous Programming</a:t>
+            </a:r>
+          </a:p>
+        </p:txBody>
+      </p:sp>
+      <p:cxnSp>
+        <p:nvCxnSpPr>
+          <p:cNvPr id="8" name="Google Shape;247;p23">
+            <a:extLst>
+              <a:ext uri="{FF2B5EF4-FFF2-40B4-BE49-F238E27FC236}">
+                <a16:creationId xmlns:a16="http://schemas.microsoft.com/office/drawing/2014/main" id="{ED4AD922-24D0-0920-D861-762E309D8B23}"/>
+              </a:ext>
+            </a:extLst>
+          </p:cNvPr>
+          <p:cNvCxnSpPr>
+            <a:cxnSpLocks/>
+          </p:cNvCxnSpPr>
+          <p:nvPr/>
+        </p:nvCxnSpPr>
+        <p:spPr>
+          <a:xfrm>
+            <a:off x="5003731" y="1446904"/>
+            <a:ext cx="0" cy="3130291"/>
+          </a:xfrm>
+          <a:prstGeom prst="straightConnector1">
+            <a:avLst/>
+          </a:prstGeom>
+          <a:noFill/>
+          <a:ln w="9525" cap="flat" cmpd="sng">
+            <a:solidFill>
+              <a:srgbClr val="3B7FF2"/>
+            </a:solidFill>
+            <a:prstDash val="solid"/>
+            <a:round/>
+            <a:headEnd type="none" w="sm" len="sm"/>
+            <a:tailEnd type="triangle" w="med" len="med"/>
+          </a:ln>
+        </p:spPr>
+      </p:cxnSp>
+      <p:sp>
+        <p:nvSpPr>
+          <p:cNvPr id="10" name="TextBox 9">
+            <a:extLst>
+              <a:ext uri="{FF2B5EF4-FFF2-40B4-BE49-F238E27FC236}">
+                <a16:creationId xmlns:a16="http://schemas.microsoft.com/office/drawing/2014/main" id="{C4846C0C-94C8-1A3B-9376-9BDD717B0DB2}"/>
+              </a:ext>
+            </a:extLst>
+          </p:cNvPr>
+          <p:cNvSpPr txBox="1"/>
+          <p:nvPr/>
+        </p:nvSpPr>
+        <p:spPr>
+          <a:xfrm>
+            <a:off x="1810487" y="2071295"/>
+            <a:ext cx="3202130" cy="246221"/>
+          </a:xfrm>
+          <a:prstGeom prst="rect">
+            <a:avLst/>
+          </a:prstGeom>
+          <a:noFill/>
+        </p:spPr>
+        <p:txBody>
+          <a:bodyPr wrap="square" rtlCol="0">
+            <a:spAutoFit/>
+          </a:bodyPr>
+          <a:lstStyle/>
+          <a:p>
+            <a:pPr algn="ctr"/>
+            <a:r>
+              <a:rPr lang="en-US" sz="1000" dirty="0"/>
+              <a:t>Ask Process B to perform a task and report back</a:t>
+            </a:r>
+          </a:p>
+        </p:txBody>
+      </p:sp>
+      <p:cxnSp>
+        <p:nvCxnSpPr>
+          <p:cNvPr id="22" name="Google Shape;141;p14">
+            <a:extLst>
+              <a:ext uri="{FF2B5EF4-FFF2-40B4-BE49-F238E27FC236}">
+                <a16:creationId xmlns:a16="http://schemas.microsoft.com/office/drawing/2014/main" id="{46A8F945-DF27-43E3-972B-1D850D8FD57E}"/>
+              </a:ext>
+            </a:extLst>
+          </p:cNvPr>
+          <p:cNvCxnSpPr>
+            <a:cxnSpLocks/>
+          </p:cNvCxnSpPr>
+          <p:nvPr/>
+        </p:nvCxnSpPr>
+        <p:spPr>
+          <a:xfrm rot="10800000">
+            <a:off x="1795220" y="3449831"/>
+            <a:ext cx="3193244" cy="0"/>
+          </a:xfrm>
+          <a:prstGeom prst="straightConnector1">
+            <a:avLst/>
+          </a:prstGeom>
+          <a:noFill/>
+          <a:ln w="9525" cap="flat" cmpd="sng">
+            <a:solidFill>
+              <a:srgbClr val="3B7FF2"/>
+            </a:solidFill>
+            <a:prstDash val="solid"/>
+            <a:round/>
+            <a:headEnd type="none" w="sm" len="sm"/>
+            <a:tailEnd type="triangle" w="med" len="med"/>
+          </a:ln>
+        </p:spPr>
+      </p:cxnSp>
+      <p:sp>
+        <p:nvSpPr>
+          <p:cNvPr id="23" name="TextBox 22">
+            <a:extLst>
+              <a:ext uri="{FF2B5EF4-FFF2-40B4-BE49-F238E27FC236}">
+                <a16:creationId xmlns:a16="http://schemas.microsoft.com/office/drawing/2014/main" id="{00B01F52-4454-46FF-932F-92C720A98EED}"/>
+              </a:ext>
+            </a:extLst>
+          </p:cNvPr>
+          <p:cNvSpPr txBox="1"/>
+          <p:nvPr/>
+        </p:nvSpPr>
+        <p:spPr>
+          <a:xfrm>
+            <a:off x="1806044" y="3212327"/>
+            <a:ext cx="3202130" cy="246221"/>
+          </a:xfrm>
+          <a:prstGeom prst="rect">
+            <a:avLst/>
+          </a:prstGeom>
+          <a:noFill/>
+        </p:spPr>
+        <p:txBody>
+          <a:bodyPr wrap="square" rtlCol="0">
+            <a:spAutoFit/>
+          </a:bodyPr>
+          <a:lstStyle/>
+          <a:p>
+            <a:pPr algn="ctr"/>
+            <a:r>
+              <a:rPr lang="en-US" sz="1000" dirty="0"/>
+              <a:t>Process B has completed the task</a:t>
+            </a:r>
+          </a:p>
+        </p:txBody>
+      </p:sp>
+      <p:sp>
+        <p:nvSpPr>
+          <p:cNvPr id="24" name="Rectangle 23">
+            <a:extLst>
+              <a:ext uri="{FF2B5EF4-FFF2-40B4-BE49-F238E27FC236}">
+                <a16:creationId xmlns:a16="http://schemas.microsoft.com/office/drawing/2014/main" id="{E21F2A5F-52D4-493E-9894-40D0195DEDDE}"/>
+              </a:ext>
+            </a:extLst>
+          </p:cNvPr>
+          <p:cNvSpPr/>
+          <p:nvPr/>
+        </p:nvSpPr>
+        <p:spPr>
+          <a:xfrm>
+            <a:off x="4634348" y="2474106"/>
+            <a:ext cx="914400" cy="457200"/>
+          </a:xfrm>
+          <a:prstGeom prst="rect">
+            <a:avLst/>
+          </a:prstGeom>
+          <a:ln>
+            <a:noFill/>
+          </a:ln>
+        </p:spPr>
+        <p:style>
+          <a:lnRef idx="2">
+            <a:schemeClr val="accent1">
+              <a:shade val="15000"/>
+            </a:schemeClr>
+          </a:lnRef>
+          <a:fillRef idx="1">
+            <a:schemeClr val="accent1"/>
+          </a:fillRef>
+          <a:effectRef idx="0">
+            <a:schemeClr val="accent1"/>
+          </a:effectRef>
+          <a:fontRef idx="minor">
+            <a:schemeClr val="lt1"/>
+          </a:fontRef>
+        </p:style>
+        <p:txBody>
+          <a:bodyPr rtlCol="0" anchor="ctr"/>
+          <a:lstStyle/>
+          <a:p>
+            <a:pPr algn="ctr"/>
+            <a:r>
+              <a:rPr lang="en-US" sz="1000" dirty="0"/>
+              <a:t>Task</a:t>
+            </a:r>
+          </a:p>
+          <a:p>
+            <a:pPr algn="ctr"/>
+            <a:r>
+              <a:rPr lang="en-US" sz="1000" dirty="0"/>
+              <a:t>Execution</a:t>
+            </a:r>
+          </a:p>
+        </p:txBody>
+      </p:sp>
+      <p:sp>
+        <p:nvSpPr>
+          <p:cNvPr id="25" name="Rectangle 24">
+            <a:extLst>
+              <a:ext uri="{FF2B5EF4-FFF2-40B4-BE49-F238E27FC236}">
+                <a16:creationId xmlns:a16="http://schemas.microsoft.com/office/drawing/2014/main" id="{404A725A-ACB8-6863-C091-2CDBF4BB3A52}"/>
+              </a:ext>
+            </a:extLst>
+          </p:cNvPr>
+          <p:cNvSpPr/>
+          <p:nvPr/>
+        </p:nvSpPr>
+        <p:spPr>
+          <a:xfrm>
+            <a:off x="1338020" y="1526058"/>
+            <a:ext cx="914400" cy="457200"/>
+          </a:xfrm>
+          <a:prstGeom prst="rect">
+            <a:avLst/>
+          </a:prstGeom>
+          <a:ln>
+            <a:noFill/>
+          </a:ln>
+        </p:spPr>
+        <p:style>
+          <a:lnRef idx="2">
+            <a:schemeClr val="accent1">
+              <a:shade val="15000"/>
+            </a:schemeClr>
+          </a:lnRef>
+          <a:fillRef idx="1">
+            <a:schemeClr val="accent1"/>
+          </a:fillRef>
+          <a:effectRef idx="0">
+            <a:schemeClr val="accent1"/>
+          </a:effectRef>
+          <a:fontRef idx="minor">
+            <a:schemeClr val="lt1"/>
+          </a:fontRef>
+        </p:style>
+        <p:txBody>
+          <a:bodyPr rtlCol="0" anchor="ctr"/>
+          <a:lstStyle/>
+          <a:p>
+            <a:pPr algn="ctr"/>
+            <a:r>
+              <a:rPr lang="en-US" sz="1000" dirty="0"/>
+              <a:t>Process A</a:t>
+            </a:r>
+          </a:p>
+          <a:p>
+            <a:pPr algn="ctr"/>
+            <a:r>
+              <a:rPr lang="en-US" sz="1000" dirty="0"/>
+              <a:t>Processing</a:t>
+            </a:r>
+          </a:p>
+        </p:txBody>
+      </p:sp>
+      <p:sp>
+        <p:nvSpPr>
+          <p:cNvPr id="27" name="Rectangle 26">
+            <a:extLst>
+              <a:ext uri="{FF2B5EF4-FFF2-40B4-BE49-F238E27FC236}">
+                <a16:creationId xmlns:a16="http://schemas.microsoft.com/office/drawing/2014/main" id="{CF2CB37B-E75C-FAB0-2672-E8D2249D0953}"/>
+              </a:ext>
+            </a:extLst>
+          </p:cNvPr>
+          <p:cNvSpPr/>
+          <p:nvPr/>
+        </p:nvSpPr>
+        <p:spPr>
+          <a:xfrm>
+            <a:off x="896086" y="3651647"/>
+            <a:ext cx="1808017" cy="816441"/>
+          </a:xfrm>
+          <a:prstGeom prst="rect">
+            <a:avLst/>
+          </a:prstGeom>
+          <a:ln>
+            <a:noFill/>
+          </a:ln>
+        </p:spPr>
+        <p:style>
+          <a:lnRef idx="2">
+            <a:schemeClr val="accent1">
+              <a:shade val="15000"/>
+            </a:schemeClr>
+          </a:lnRef>
+          <a:fillRef idx="1">
+            <a:schemeClr val="accent1"/>
+          </a:fillRef>
+          <a:effectRef idx="0">
+            <a:schemeClr val="accent1"/>
+          </a:effectRef>
+          <a:fontRef idx="minor">
+            <a:schemeClr val="lt1"/>
+          </a:fontRef>
+        </p:style>
+        <p:txBody>
+          <a:bodyPr rtlCol="0" anchor="ctr"/>
+          <a:lstStyle/>
+          <a:p>
+            <a:pPr algn="ctr"/>
+            <a:r>
+              <a:rPr lang="en-US" sz="1000" dirty="0"/>
+              <a:t>Process A can now do whatever work is dependent on Process B Task</a:t>
+            </a:r>
+          </a:p>
+        </p:txBody>
+      </p:sp>
+      <p:sp>
+        <p:nvSpPr>
+          <p:cNvPr id="2" name="Rectangle 1">
+            <a:extLst>
+              <a:ext uri="{FF2B5EF4-FFF2-40B4-BE49-F238E27FC236}">
+                <a16:creationId xmlns:a16="http://schemas.microsoft.com/office/drawing/2014/main" id="{5E1FE2EB-68C1-8CB8-2D72-48D25F39128D}"/>
+              </a:ext>
+            </a:extLst>
+          </p:cNvPr>
+          <p:cNvSpPr/>
+          <p:nvPr/>
+        </p:nvSpPr>
+        <p:spPr>
+          <a:xfrm>
+            <a:off x="856298" y="2441582"/>
+            <a:ext cx="1808019" cy="762900"/>
+          </a:xfrm>
+          <a:prstGeom prst="rect">
+            <a:avLst/>
+          </a:prstGeom>
+          <a:ln>
+            <a:noFill/>
+          </a:ln>
+        </p:spPr>
+        <p:style>
+          <a:lnRef idx="2">
+            <a:schemeClr val="accent1">
+              <a:shade val="15000"/>
+            </a:schemeClr>
+          </a:lnRef>
+          <a:fillRef idx="1">
+            <a:schemeClr val="accent1"/>
+          </a:fillRef>
+          <a:effectRef idx="0">
+            <a:schemeClr val="accent1"/>
+          </a:effectRef>
+          <a:fontRef idx="minor">
+            <a:schemeClr val="lt1"/>
+          </a:fontRef>
+        </p:style>
+        <p:txBody>
+          <a:bodyPr rtlCol="0" anchor="ctr"/>
+          <a:lstStyle/>
+          <a:p>
+            <a:pPr algn="ctr"/>
+            <a:r>
+              <a:rPr lang="en-US" sz="1000" dirty="0"/>
+              <a:t>Process A</a:t>
+            </a:r>
+          </a:p>
+          <a:p>
+            <a:pPr algn="ctr"/>
+            <a:r>
+              <a:rPr lang="en-US" sz="1000" dirty="0"/>
+              <a:t>Continues working on other work not depend on Process B Task</a:t>
+            </a:r>
+          </a:p>
+        </p:txBody>
+      </p:sp>
+    </p:spTree>
+    <p:extLst>
+      <p:ext uri="{BB962C8B-B14F-4D97-AF65-F5344CB8AC3E}">
+        <p14:creationId xmlns:p14="http://schemas.microsoft.com/office/powerpoint/2010/main" val="661975633"/>
+      </p:ext>
+    </p:extLst>
+  </p:cSld>
+  <p:clrMapOvr>
+    <a:masterClrMapping/>
+  </p:clrMapOvr>
+</p:sld>
+</file>
+
 <file path=ppt/theme/theme1.xml><?xml version="1.0" encoding="utf-8"?>
 <a:theme xmlns:a="http://schemas.openxmlformats.org/drawingml/2006/main" name="Simple Light">
   <a:themeElements>

--- a/assets/GitFlow.pptx
+++ b/assets/GitFlow.pptx
@@ -5,12 +5,13 @@
     <p:sldMasterId id="2147483648" r:id="rId1"/>
   </p:sldMasterIdLst>
   <p:notesMasterIdLst>
-    <p:notesMasterId r:id="rId5"/>
+    <p:notesMasterId r:id="rId6"/>
   </p:notesMasterIdLst>
   <p:sldIdLst>
     <p:sldId id="269" r:id="rId2"/>
     <p:sldId id="270" r:id="rId3"/>
     <p:sldId id="271" r:id="rId4"/>
+    <p:sldId id="272" r:id="rId5"/>
   </p:sldIdLst>
   <p:sldSz cx="9144000" cy="5143500" type="screen16x9"/>
   <p:notesSz cx="6858000" cy="9144000"/>
@@ -259,7 +260,7 @@
       </p15:sldGuideLst>
     </p:ext>
     <p:ext uri="GoogleSlidesCustomDataVersion2">
-      <go:slidesCustomData xmlns:go="http://customooxmlschemas.google.com/" xmlns:ahyp="http://schemas.microsoft.com/office/drawing/2018/hyperlinkcolor" xmlns:p15="http://schemas.microsoft.com/office/powerpoint/2012/main" xmlns:p14="http://schemas.microsoft.com/office/powerpoint/2010/main" xmlns:com="http://schemas.openxmlformats.org/drawingml/2006/compatibility" xmlns:pvml="urn:schemas-microsoft-com:office:powerpoint" xmlns:v="urn:schemas-microsoft-com:vml" xmlns:o="urn:schemas-microsoft-com:office:office" xmlns:dgm="http://schemas.openxmlformats.org/drawingml/2006/diagram" xmlns:c="http://schemas.openxmlformats.org/drawingml/2006/chart" xmlns:mv="urn:schemas-microsoft-com:mac:vml" xmlns:mc="http://schemas.openxmlformats.org/markup-compatibility/2006" xmlns="" r:id="rId37" roundtripDataSignature="AMtx7mgNpvLgIKuCb3di2fCv9iBndn6Ckg=="/>
+      <go:slidesCustomData xmlns="" xmlns:mc="http://schemas.openxmlformats.org/markup-compatibility/2006" xmlns:mv="urn:schemas-microsoft-com:mac:vml" xmlns:c="http://schemas.openxmlformats.org/drawingml/2006/chart" xmlns:dgm="http://schemas.openxmlformats.org/drawingml/2006/diagram" xmlns:o="urn:schemas-microsoft-com:office:office" xmlns:v="urn:schemas-microsoft-com:vml" xmlns:pvml="urn:schemas-microsoft-com:office:powerpoint" xmlns:com="http://schemas.openxmlformats.org/drawingml/2006/compatibility" xmlns:p14="http://schemas.microsoft.com/office/powerpoint/2010/main" xmlns:p15="http://schemas.microsoft.com/office/powerpoint/2012/main" xmlns:ahyp="http://schemas.microsoft.com/office/drawing/2018/hyperlinkcolor" xmlns:go="http://customooxmlschemas.google.com/" r:id="rId37" roundtripDataSignature="AMtx7mgNpvLgIKuCb3di2fCv9iBndn6Ckg=="/>
     </p:ext>
   </p:extLst>
 </p:presentation>
@@ -268,7 +269,7 @@
 <file path=ppt/revisionInfo.xml><?xml version="1.0" encoding="utf-8"?>
 <p1510:revInfo xmlns:a="http://schemas.openxmlformats.org/drawingml/2006/main" xmlns:r="http://schemas.openxmlformats.org/officeDocument/2006/relationships" xmlns:p1510="http://schemas.microsoft.com/office/powerpoint/2015/10/main">
   <p1510:revLst>
-    <p1510:client id="{49D13036-AAB8-42C0-AA20-7CE5571B80DE}" v="21" dt="2025-10-05T17:31:39.926"/>
+    <p1510:client id="{49D13036-AAB8-42C0-AA20-7CE5571B80DE}" v="24" dt="2025-10-13T20:08:54.899"/>
   </p1510:revLst>
 </p1510:revInfo>
 </file>
@@ -469,392 +470,132 @@
   </pc:docChgLst>
   <pc:docChgLst>
     <pc:chgData name="Teresa Swarthout" userId="2501f1c4df9ee7ad" providerId="LiveId" clId="{24F98B00-3D5F-4008-B75D-17C9EF4F9B72}"/>
-    <pc:docChg chg="undo custSel addSld modSld">
-      <pc:chgData name="Teresa Swarthout" userId="2501f1c4df9ee7ad" providerId="LiveId" clId="{24F98B00-3D5F-4008-B75D-17C9EF4F9B72}" dt="2025-10-05T17:33:53.761" v="536" actId="20577"/>
+    <pc:docChg chg="undo custSel addSld delSld modSld">
+      <pc:chgData name="Teresa Swarthout" userId="2501f1c4df9ee7ad" providerId="LiveId" clId="{24F98B00-3D5F-4008-B75D-17C9EF4F9B72}" dt="2025-10-13T20:08:57.697" v="682" actId="478"/>
       <pc:docMkLst>
         <pc:docMk/>
       </pc:docMkLst>
-      <pc:sldChg chg="addSp delSp modSp add mod">
-        <pc:chgData name="Teresa Swarthout" userId="2501f1c4df9ee7ad" providerId="LiveId" clId="{24F98B00-3D5F-4008-B75D-17C9EF4F9B72}" dt="2025-10-05T17:31:05.036" v="391" actId="14100"/>
+      <pc:sldChg chg="addSp modSp mod">
+        <pc:chgData name="Teresa Swarthout" userId="2501f1c4df9ee7ad" providerId="LiveId" clId="{24F98B00-3D5F-4008-B75D-17C9EF4F9B72}" dt="2025-10-13T20:04:47.704" v="632" actId="207"/>
+        <pc:sldMkLst>
+          <pc:docMk/>
+          <pc:sldMk cId="391909219" sldId="269"/>
+        </pc:sldMkLst>
+        <pc:spChg chg="add mod">
+          <ac:chgData name="Teresa Swarthout" userId="2501f1c4df9ee7ad" providerId="LiveId" clId="{24F98B00-3D5F-4008-B75D-17C9EF4F9B72}" dt="2025-10-13T20:04:47.704" v="632" actId="207"/>
+          <ac:spMkLst>
+            <pc:docMk/>
+            <pc:sldMk cId="391909219" sldId="269"/>
+            <ac:spMk id="2" creationId="{F5E46E8B-B0AA-EDE7-6148-FD1D5875E2D5}"/>
+          </ac:spMkLst>
+        </pc:spChg>
+      </pc:sldChg>
+      <pc:sldChg chg="addSp delSp modSp add del mod">
+        <pc:chgData name="Teresa Swarthout" userId="2501f1c4df9ee7ad" providerId="LiveId" clId="{24F98B00-3D5F-4008-B75D-17C9EF4F9B72}" dt="2025-10-13T20:00:00.527" v="537" actId="2696"/>
         <pc:sldMkLst>
           <pc:docMk/>
           <pc:sldMk cId="2577660865" sldId="270"/>
         </pc:sldMkLst>
-        <pc:spChg chg="add mod">
-          <ac:chgData name="Teresa Swarthout" userId="2501f1c4df9ee7ad" providerId="LiveId" clId="{24F98B00-3D5F-4008-B75D-17C9EF4F9B72}" dt="2025-10-05T17:30:41.497" v="389" actId="20577"/>
+      </pc:sldChg>
+      <pc:sldChg chg="modSp add mod">
+        <pc:chgData name="Teresa Swarthout" userId="2501f1c4df9ee7ad" providerId="LiveId" clId="{24F98B00-3D5F-4008-B75D-17C9EF4F9B72}" dt="2025-10-13T20:05:43.974" v="635" actId="14100"/>
+        <pc:sldMkLst>
+          <pc:docMk/>
+          <pc:sldMk cId="3991238436" sldId="270"/>
+        </pc:sldMkLst>
+        <pc:spChg chg="mod">
+          <ac:chgData name="Teresa Swarthout" userId="2501f1c4df9ee7ad" providerId="LiveId" clId="{24F98B00-3D5F-4008-B75D-17C9EF4F9B72}" dt="2025-10-13T20:05:43.974" v="635" actId="14100"/>
           <ac:spMkLst>
             <pc:docMk/>
-            <pc:sldMk cId="2577660865" sldId="270"/>
-            <ac:spMk id="3" creationId="{FA7F0C7B-A9D2-C9EC-FE45-4AF32EC8B793}"/>
+            <pc:sldMk cId="3991238436" sldId="270"/>
+            <ac:spMk id="2" creationId="{C1CB40A6-FB51-ACDF-2FA9-C783B34C4947}"/>
           </ac:spMkLst>
         </pc:spChg>
-        <pc:spChg chg="add mod">
-          <ac:chgData name="Teresa Swarthout" userId="2501f1c4df9ee7ad" providerId="LiveId" clId="{24F98B00-3D5F-4008-B75D-17C9EF4F9B72}" dt="2025-10-05T17:28:48.408" v="301" actId="20577"/>
-          <ac:spMkLst>
-            <pc:docMk/>
-            <pc:sldMk cId="2577660865" sldId="270"/>
-            <ac:spMk id="4" creationId="{9878474B-C0C8-4FD1-CC90-9D2CCA457CF4}"/>
-          </ac:spMkLst>
-        </pc:spChg>
-        <pc:spChg chg="add del mod">
-          <ac:chgData name="Teresa Swarthout" userId="2501f1c4df9ee7ad" providerId="LiveId" clId="{24F98B00-3D5F-4008-B75D-17C9EF4F9B72}" dt="2025-10-05T17:29:15.192" v="304" actId="478"/>
-          <ac:spMkLst>
-            <pc:docMk/>
-            <pc:sldMk cId="2577660865" sldId="270"/>
-            <ac:spMk id="6" creationId="{2D1725A1-E463-B7A0-EBC1-B268DD02DF2E}"/>
-          </ac:spMkLst>
-        </pc:spChg>
-        <pc:spChg chg="add mod">
-          <ac:chgData name="Teresa Swarthout" userId="2501f1c4df9ee7ad" providerId="LiveId" clId="{24F98B00-3D5F-4008-B75D-17C9EF4F9B72}" dt="2025-10-05T17:17:11.977" v="74" actId="571"/>
-          <ac:spMkLst>
-            <pc:docMk/>
-            <pc:sldMk cId="2577660865" sldId="270"/>
-            <ac:spMk id="9" creationId="{4AD8FEF2-95C9-A998-0C13-DB2A98E96E6B}"/>
-          </ac:spMkLst>
-        </pc:spChg>
-        <pc:spChg chg="add mod">
-          <ac:chgData name="Teresa Swarthout" userId="2501f1c4df9ee7ad" providerId="LiveId" clId="{24F98B00-3D5F-4008-B75D-17C9EF4F9B72}" dt="2025-10-05T17:29:54.625" v="328" actId="1076"/>
-          <ac:spMkLst>
-            <pc:docMk/>
-            <pc:sldMk cId="2577660865" sldId="270"/>
-            <ac:spMk id="10" creationId="{C9CB3FC5-DBE4-A576-5280-9722BDC76DB5}"/>
-          </ac:spMkLst>
-        </pc:spChg>
-        <pc:spChg chg="add mod">
-          <ac:chgData name="Teresa Swarthout" userId="2501f1c4df9ee7ad" providerId="LiveId" clId="{24F98B00-3D5F-4008-B75D-17C9EF4F9B72}" dt="2025-10-05T17:18:24.962" v="148"/>
-          <ac:spMkLst>
-            <pc:docMk/>
-            <pc:sldMk cId="2577660865" sldId="270"/>
-            <ac:spMk id="11" creationId="{C789FF4B-052B-36FD-102B-4CF58CC9AE98}"/>
-          </ac:spMkLst>
-        </pc:spChg>
-        <pc:spChg chg="add mod">
-          <ac:chgData name="Teresa Swarthout" userId="2501f1c4df9ee7ad" providerId="LiveId" clId="{24F98B00-3D5F-4008-B75D-17C9EF4F9B72}" dt="2025-10-05T17:30:26.451" v="355" actId="20577"/>
-          <ac:spMkLst>
-            <pc:docMk/>
-            <pc:sldMk cId="2577660865" sldId="270"/>
-            <ac:spMk id="12" creationId="{4D107AD4-AC25-0D8C-98C9-82C227D6B286}"/>
-          </ac:spMkLst>
-        </pc:spChg>
-        <pc:spChg chg="add mod">
-          <ac:chgData name="Teresa Swarthout" userId="2501f1c4df9ee7ad" providerId="LiveId" clId="{24F98B00-3D5F-4008-B75D-17C9EF4F9B72}" dt="2025-10-05T17:18:56.952" v="175" actId="571"/>
-          <ac:spMkLst>
-            <pc:docMk/>
-            <pc:sldMk cId="2577660865" sldId="270"/>
-            <ac:spMk id="13" creationId="{CBC30999-F5FB-B254-EDFA-CD90E59AC0DE}"/>
-          </ac:spMkLst>
-        </pc:spChg>
-        <pc:spChg chg="add del mod">
-          <ac:chgData name="Teresa Swarthout" userId="2501f1c4df9ee7ad" providerId="LiveId" clId="{24F98B00-3D5F-4008-B75D-17C9EF4F9B72}" dt="2025-10-05T17:29:56.560" v="329" actId="478"/>
-          <ac:spMkLst>
-            <pc:docMk/>
-            <pc:sldMk cId="2577660865" sldId="270"/>
-            <ac:spMk id="14" creationId="{2AB925E3-A59C-050A-87E8-5C2B4823432A}"/>
-          </ac:spMkLst>
-        </pc:spChg>
-        <pc:spChg chg="del">
-          <ac:chgData name="Teresa Swarthout" userId="2501f1c4df9ee7ad" providerId="LiveId" clId="{24F98B00-3D5F-4008-B75D-17C9EF4F9B72}" dt="2025-10-05T17:13:31.335" v="3" actId="478"/>
-          <ac:spMkLst>
-            <pc:docMk/>
-            <pc:sldMk cId="2577660865" sldId="270"/>
-            <ac:spMk id="16" creationId="{FA72A20D-3172-52DA-BC73-E6AB1D72B8EF}"/>
-          </ac:spMkLst>
-        </pc:spChg>
-        <pc:spChg chg="del">
-          <ac:chgData name="Teresa Swarthout" userId="2501f1c4df9ee7ad" providerId="LiveId" clId="{24F98B00-3D5F-4008-B75D-17C9EF4F9B72}" dt="2025-10-05T17:13:31.335" v="3" actId="478"/>
-          <ac:spMkLst>
-            <pc:docMk/>
-            <pc:sldMk cId="2577660865" sldId="270"/>
-            <ac:spMk id="18" creationId="{0A9601C4-8D6C-AA11-BD78-F1A8971C1A44}"/>
-          </ac:spMkLst>
-        </pc:spChg>
-        <pc:spChg chg="del">
-          <ac:chgData name="Teresa Swarthout" userId="2501f1c4df9ee7ad" providerId="LiveId" clId="{24F98B00-3D5F-4008-B75D-17C9EF4F9B72}" dt="2025-10-05T17:13:31.335" v="3" actId="478"/>
-          <ac:spMkLst>
-            <pc:docMk/>
-            <pc:sldMk cId="2577660865" sldId="270"/>
-            <ac:spMk id="20" creationId="{046F124B-7BE6-EE08-DCB9-D8F0A7062C04}"/>
-          </ac:spMkLst>
-        </pc:spChg>
-        <pc:spChg chg="add mod">
-          <ac:chgData name="Teresa Swarthout" userId="2501f1c4df9ee7ad" providerId="LiveId" clId="{24F98B00-3D5F-4008-B75D-17C9EF4F9B72}" dt="2025-10-05T17:30:03.437" v="330" actId="1076"/>
-          <ac:spMkLst>
-            <pc:docMk/>
-            <pc:sldMk cId="2577660865" sldId="270"/>
-            <ac:spMk id="23" creationId="{3681EED3-B338-5764-8941-E1E02292132D}"/>
-          </ac:spMkLst>
-        </pc:spChg>
-        <pc:spChg chg="add mod">
-          <ac:chgData name="Teresa Swarthout" userId="2501f1c4df9ee7ad" providerId="LiveId" clId="{24F98B00-3D5F-4008-B75D-17C9EF4F9B72}" dt="2025-10-05T17:29:54.625" v="328" actId="1076"/>
-          <ac:spMkLst>
-            <pc:docMk/>
-            <pc:sldMk cId="2577660865" sldId="270"/>
-            <ac:spMk id="24" creationId="{3DEFA680-8417-2CFA-ED1A-17430226F6D6}"/>
-          </ac:spMkLst>
-        </pc:spChg>
-        <pc:spChg chg="add mod">
-          <ac:chgData name="Teresa Swarthout" userId="2501f1c4df9ee7ad" providerId="LiveId" clId="{24F98B00-3D5F-4008-B75D-17C9EF4F9B72}" dt="2025-10-05T17:30:08.751" v="331"/>
-          <ac:spMkLst>
-            <pc:docMk/>
-            <pc:sldMk cId="2577660865" sldId="270"/>
-            <ac:spMk id="25" creationId="{EA31DF96-BC6A-43D8-8B67-521CE6E5CCA0}"/>
-          </ac:spMkLst>
-        </pc:spChg>
-        <pc:spChg chg="add mod">
-          <ac:chgData name="Teresa Swarthout" userId="2501f1c4df9ee7ad" providerId="LiveId" clId="{24F98B00-3D5F-4008-B75D-17C9EF4F9B72}" dt="2025-10-05T17:30:10.794" v="333" actId="571"/>
-          <ac:spMkLst>
-            <pc:docMk/>
-            <pc:sldMk cId="2577660865" sldId="270"/>
-            <ac:spMk id="26" creationId="{FC1422F5-E1E5-7F36-3551-0AD43D36B246}"/>
-          </ac:spMkLst>
-        </pc:spChg>
-        <pc:spChg chg="add mod">
-          <ac:chgData name="Teresa Swarthout" userId="2501f1c4df9ee7ad" providerId="LiveId" clId="{24F98B00-3D5F-4008-B75D-17C9EF4F9B72}" dt="2025-10-05T17:30:53.283" v="390" actId="1076"/>
-          <ac:spMkLst>
-            <pc:docMk/>
-            <pc:sldMk cId="2577660865" sldId="270"/>
-            <ac:spMk id="27" creationId="{427CD2BA-86AC-4EF9-F386-AC55B1D5145C}"/>
-          </ac:spMkLst>
-        </pc:spChg>
-        <pc:spChg chg="del">
-          <ac:chgData name="Teresa Swarthout" userId="2501f1c4df9ee7ad" providerId="LiveId" clId="{24F98B00-3D5F-4008-B75D-17C9EF4F9B72}" dt="2025-10-05T17:13:31.335" v="3" actId="478"/>
-          <ac:spMkLst>
-            <pc:docMk/>
-            <pc:sldMk cId="2577660865" sldId="270"/>
-            <ac:spMk id="46" creationId="{59F81F27-CE57-B00E-2475-802832D22B6B}"/>
-          </ac:spMkLst>
-        </pc:spChg>
-        <pc:spChg chg="del">
-          <ac:chgData name="Teresa Swarthout" userId="2501f1c4df9ee7ad" providerId="LiveId" clId="{24F98B00-3D5F-4008-B75D-17C9EF4F9B72}" dt="2025-10-05T17:15:01.087" v="35" actId="478"/>
-          <ac:spMkLst>
-            <pc:docMk/>
-            <pc:sldMk cId="2577660865" sldId="270"/>
-            <ac:spMk id="47" creationId="{F270C9E7-2F80-5181-E9C1-3849147E6A0C}"/>
-          </ac:spMkLst>
-        </pc:spChg>
-        <pc:spChg chg="del">
-          <ac:chgData name="Teresa Swarthout" userId="2501f1c4df9ee7ad" providerId="LiveId" clId="{24F98B00-3D5F-4008-B75D-17C9EF4F9B72}" dt="2025-10-05T17:13:31.335" v="3" actId="478"/>
-          <ac:spMkLst>
-            <pc:docMk/>
-            <pc:sldMk cId="2577660865" sldId="270"/>
-            <ac:spMk id="48" creationId="{4D3A61BF-976B-45C7-2964-B1B301A3AE4D}"/>
-          </ac:spMkLst>
-        </pc:spChg>
-        <pc:spChg chg="del">
-          <ac:chgData name="Teresa Swarthout" userId="2501f1c4df9ee7ad" providerId="LiveId" clId="{24F98B00-3D5F-4008-B75D-17C9EF4F9B72}" dt="2025-10-05T17:13:31.335" v="3" actId="478"/>
-          <ac:spMkLst>
-            <pc:docMk/>
-            <pc:sldMk cId="2577660865" sldId="270"/>
-            <ac:spMk id="50" creationId="{9284F623-8AA1-1F83-03C2-30872CBAA879}"/>
-          </ac:spMkLst>
-        </pc:spChg>
-        <pc:spChg chg="del">
-          <ac:chgData name="Teresa Swarthout" userId="2501f1c4df9ee7ad" providerId="LiveId" clId="{24F98B00-3D5F-4008-B75D-17C9EF4F9B72}" dt="2025-10-05T17:15:11.031" v="38" actId="478"/>
-          <ac:spMkLst>
-            <pc:docMk/>
-            <pc:sldMk cId="2577660865" sldId="270"/>
-            <ac:spMk id="51" creationId="{D3078065-4E43-65BA-5E12-547E77E8FFB9}"/>
-          </ac:spMkLst>
-        </pc:spChg>
-        <pc:spChg chg="del">
-          <ac:chgData name="Teresa Swarthout" userId="2501f1c4df9ee7ad" providerId="LiveId" clId="{24F98B00-3D5F-4008-B75D-17C9EF4F9B72}" dt="2025-10-05T17:15:09.550" v="37" actId="478"/>
-          <ac:spMkLst>
-            <pc:docMk/>
-            <pc:sldMk cId="2577660865" sldId="270"/>
-            <ac:spMk id="53" creationId="{D17BF77D-0B4F-3675-3258-1E722DD4FE85}"/>
-          </ac:spMkLst>
-        </pc:spChg>
-        <pc:spChg chg="mod">
-          <ac:chgData name="Teresa Swarthout" userId="2501f1c4df9ee7ad" providerId="LiveId" clId="{24F98B00-3D5F-4008-B75D-17C9EF4F9B72}" dt="2025-10-05T17:15:23.830" v="42" actId="1076"/>
-          <ac:spMkLst>
-            <pc:docMk/>
-            <pc:sldMk cId="2577660865" sldId="270"/>
-            <ac:spMk id="137" creationId="{03B887C9-F1D8-8BC5-1C49-43068E82784E}"/>
-          </ac:spMkLst>
-        </pc:spChg>
-        <pc:spChg chg="del">
-          <ac:chgData name="Teresa Swarthout" userId="2501f1c4df9ee7ad" providerId="LiveId" clId="{24F98B00-3D5F-4008-B75D-17C9EF4F9B72}" dt="2025-10-05T17:13:31.335" v="3" actId="478"/>
-          <ac:spMkLst>
-            <pc:docMk/>
-            <pc:sldMk cId="2577660865" sldId="270"/>
-            <ac:spMk id="139" creationId="{9760AD23-21AB-1028-EB5C-7ED5DD0BA042}"/>
-          </ac:spMkLst>
-        </pc:spChg>
-        <pc:spChg chg="del">
-          <ac:chgData name="Teresa Swarthout" userId="2501f1c4df9ee7ad" providerId="LiveId" clId="{24F98B00-3D5F-4008-B75D-17C9EF4F9B72}" dt="2025-10-05T17:13:27.001" v="2" actId="478"/>
-          <ac:spMkLst>
-            <pc:docMk/>
-            <pc:sldMk cId="2577660865" sldId="270"/>
-            <ac:spMk id="140" creationId="{A4D750F9-1097-F642-0BC9-1FB04558262B}"/>
-          </ac:spMkLst>
-        </pc:spChg>
-        <pc:spChg chg="del mod">
-          <ac:chgData name="Teresa Swarthout" userId="2501f1c4df9ee7ad" providerId="LiveId" clId="{24F98B00-3D5F-4008-B75D-17C9EF4F9B72}" dt="2025-10-05T17:13:46.159" v="7" actId="478"/>
-          <ac:spMkLst>
-            <pc:docMk/>
-            <pc:sldMk cId="2577660865" sldId="270"/>
-            <ac:spMk id="142" creationId="{8C31AB7B-E9BA-D3EA-F6BA-5CFD05DA82E4}"/>
-          </ac:spMkLst>
-        </pc:spChg>
-        <pc:spChg chg="del">
-          <ac:chgData name="Teresa Swarthout" userId="2501f1c4df9ee7ad" providerId="LiveId" clId="{24F98B00-3D5F-4008-B75D-17C9EF4F9B72}" dt="2025-10-05T17:13:31.335" v="3" actId="478"/>
-          <ac:spMkLst>
-            <pc:docMk/>
-            <pc:sldMk cId="2577660865" sldId="270"/>
-            <ac:spMk id="143" creationId="{C214A2E5-AA53-54E9-8FBC-7173C2133869}"/>
-          </ac:spMkLst>
-        </pc:spChg>
-        <pc:spChg chg="del">
-          <ac:chgData name="Teresa Swarthout" userId="2501f1c4df9ee7ad" providerId="LiveId" clId="{24F98B00-3D5F-4008-B75D-17C9EF4F9B72}" dt="2025-10-05T17:13:31.335" v="3" actId="478"/>
-          <ac:spMkLst>
-            <pc:docMk/>
-            <pc:sldMk cId="2577660865" sldId="270"/>
-            <ac:spMk id="145" creationId="{FF4695C6-F7AA-7E40-DE92-AFF573C4222D}"/>
-          </ac:spMkLst>
-        </pc:spChg>
-        <pc:spChg chg="del mod">
-          <ac:chgData name="Teresa Swarthout" userId="2501f1c4df9ee7ad" providerId="LiveId" clId="{24F98B00-3D5F-4008-B75D-17C9EF4F9B72}" dt="2025-10-05T17:13:34.271" v="4" actId="478"/>
-          <ac:spMkLst>
-            <pc:docMk/>
-            <pc:sldMk cId="2577660865" sldId="270"/>
-            <ac:spMk id="146" creationId="{6DF3841B-C96E-B5F6-877B-AA91CBF65A71}"/>
-          </ac:spMkLst>
-        </pc:spChg>
-        <pc:spChg chg="del">
-          <ac:chgData name="Teresa Swarthout" userId="2501f1c4df9ee7ad" providerId="LiveId" clId="{24F98B00-3D5F-4008-B75D-17C9EF4F9B72}" dt="2025-10-05T17:15:05.481" v="36" actId="478"/>
-          <ac:spMkLst>
-            <pc:docMk/>
-            <pc:sldMk cId="2577660865" sldId="270"/>
-            <ac:spMk id="154" creationId="{9A0997FF-7324-B97A-F45A-AB6D05C0510E}"/>
-          </ac:spMkLst>
-        </pc:spChg>
-        <pc:cxnChg chg="add mod">
-          <ac:chgData name="Teresa Swarthout" userId="2501f1c4df9ee7ad" providerId="LiveId" clId="{24F98B00-3D5F-4008-B75D-17C9EF4F9B72}" dt="2025-10-05T17:31:05.036" v="391" actId="14100"/>
-          <ac:cxnSpMkLst>
-            <pc:docMk/>
-            <pc:sldMk cId="2577660865" sldId="270"/>
-            <ac:cxnSpMk id="8" creationId="{058E85AE-F7A8-AF17-4655-2C3F06831BA9}"/>
-          </ac:cxnSpMkLst>
-        </pc:cxnChg>
-        <pc:cxnChg chg="del mod">
-          <ac:chgData name="Teresa Swarthout" userId="2501f1c4df9ee7ad" providerId="LiveId" clId="{24F98B00-3D5F-4008-B75D-17C9EF4F9B72}" dt="2025-10-05T17:13:31.335" v="3" actId="478"/>
-          <ac:cxnSpMkLst>
-            <pc:docMk/>
-            <pc:sldMk cId="2577660865" sldId="270"/>
-            <ac:cxnSpMk id="19" creationId="{3C5E0904-ED47-31BB-50F1-EBFA8CE3B58F}"/>
-          </ac:cxnSpMkLst>
-        </pc:cxnChg>
-        <pc:cxnChg chg="add mod">
-          <ac:chgData name="Teresa Swarthout" userId="2501f1c4df9ee7ad" providerId="LiveId" clId="{24F98B00-3D5F-4008-B75D-17C9EF4F9B72}" dt="2025-10-05T17:30:03.437" v="330" actId="1076"/>
-          <ac:cxnSpMkLst>
-            <pc:docMk/>
-            <pc:sldMk cId="2577660865" sldId="270"/>
-            <ac:cxnSpMk id="22" creationId="{9278AACD-5CCF-9A15-AE44-4485C4A637C1}"/>
-          </ac:cxnSpMkLst>
-        </pc:cxnChg>
-        <pc:cxnChg chg="del mod">
-          <ac:chgData name="Teresa Swarthout" userId="2501f1c4df9ee7ad" providerId="LiveId" clId="{24F98B00-3D5F-4008-B75D-17C9EF4F9B72}" dt="2025-10-05T17:15:01.087" v="35" actId="478"/>
-          <ac:cxnSpMkLst>
-            <pc:docMk/>
-            <pc:sldMk cId="2577660865" sldId="270"/>
-            <ac:cxnSpMk id="49" creationId="{6B7456FC-023C-E0C0-AFB6-B50C2C6EF316}"/>
-          </ac:cxnSpMkLst>
-        </pc:cxnChg>
-        <pc:cxnChg chg="mod">
-          <ac:chgData name="Teresa Swarthout" userId="2501f1c4df9ee7ad" providerId="LiveId" clId="{24F98B00-3D5F-4008-B75D-17C9EF4F9B72}" dt="2025-10-05T17:19:12.901" v="180" actId="14100"/>
-          <ac:cxnSpMkLst>
-            <pc:docMk/>
-            <pc:sldMk cId="2577660865" sldId="270"/>
-            <ac:cxnSpMk id="52" creationId="{888389BC-EE02-2482-8751-1426A02B46EC}"/>
-          </ac:cxnSpMkLst>
-        </pc:cxnChg>
-        <pc:cxnChg chg="del mod">
-          <ac:chgData name="Teresa Swarthout" userId="2501f1c4df9ee7ad" providerId="LiveId" clId="{24F98B00-3D5F-4008-B75D-17C9EF4F9B72}" dt="2025-10-05T17:15:05.481" v="36" actId="478"/>
-          <ac:cxnSpMkLst>
-            <pc:docMk/>
-            <pc:sldMk cId="2577660865" sldId="270"/>
-            <ac:cxnSpMk id="54" creationId="{FC8B4E48-807C-0F57-1171-DCE055FE9F9D}"/>
-          </ac:cxnSpMkLst>
-        </pc:cxnChg>
-        <pc:cxnChg chg="del">
-          <ac:chgData name="Teresa Swarthout" userId="2501f1c4df9ee7ad" providerId="LiveId" clId="{24F98B00-3D5F-4008-B75D-17C9EF4F9B72}" dt="2025-10-05T17:13:59.367" v="9" actId="478"/>
-          <ac:cxnSpMkLst>
-            <pc:docMk/>
-            <pc:sldMk cId="2577660865" sldId="270"/>
-            <ac:cxnSpMk id="138" creationId="{3AEA4755-A5A2-A916-0E7E-38FFC328DA19}"/>
-          </ac:cxnSpMkLst>
-        </pc:cxnChg>
-        <pc:cxnChg chg="mod">
-          <ac:chgData name="Teresa Swarthout" userId="2501f1c4df9ee7ad" providerId="LiveId" clId="{24F98B00-3D5F-4008-B75D-17C9EF4F9B72}" dt="2025-10-05T17:29:54.625" v="328" actId="1076"/>
-          <ac:cxnSpMkLst>
-            <pc:docMk/>
-            <pc:sldMk cId="2577660865" sldId="270"/>
-            <ac:cxnSpMk id="141" creationId="{6828F8B9-1712-76BA-7073-1378273F2079}"/>
-          </ac:cxnSpMkLst>
-        </pc:cxnChg>
-        <pc:cxnChg chg="mod">
-          <ac:chgData name="Teresa Swarthout" userId="2501f1c4df9ee7ad" providerId="LiveId" clId="{24F98B00-3D5F-4008-B75D-17C9EF4F9B72}" dt="2025-10-05T17:13:27.001" v="2" actId="478"/>
-          <ac:cxnSpMkLst>
-            <pc:docMk/>
-            <pc:sldMk cId="2577660865" sldId="270"/>
-            <ac:cxnSpMk id="144" creationId="{FF148D9B-627A-DBC9-3D6A-6C9F4070D66D}"/>
-          </ac:cxnSpMkLst>
-        </pc:cxnChg>
       </pc:sldChg>
-      <pc:sldChg chg="addSp delSp modSp add mod">
-        <pc:chgData name="Teresa Swarthout" userId="2501f1c4df9ee7ad" providerId="LiveId" clId="{24F98B00-3D5F-4008-B75D-17C9EF4F9B72}" dt="2025-10-05T17:33:53.761" v="536" actId="20577"/>
+      <pc:sldChg chg="addSp delSp modSp add del mod">
+        <pc:chgData name="Teresa Swarthout" userId="2501f1c4df9ee7ad" providerId="LiveId" clId="{24F98B00-3D5F-4008-B75D-17C9EF4F9B72}" dt="2025-10-13T20:00:00.527" v="537" actId="2696"/>
         <pc:sldMkLst>
           <pc:docMk/>
           <pc:sldMk cId="661975633" sldId="271"/>
         </pc:sldMkLst>
-        <pc:spChg chg="add mod">
-          <ac:chgData name="Teresa Swarthout" userId="2501f1c4df9ee7ad" providerId="LiveId" clId="{24F98B00-3D5F-4008-B75D-17C9EF4F9B72}" dt="2025-10-05T17:32:44.306" v="468" actId="6549"/>
+      </pc:sldChg>
+      <pc:sldChg chg="addSp delSp modSp add mod">
+        <pc:chgData name="Teresa Swarthout" userId="2501f1c4df9ee7ad" providerId="LiveId" clId="{24F98B00-3D5F-4008-B75D-17C9EF4F9B72}" dt="2025-10-13T20:08:57.697" v="682" actId="478"/>
+        <pc:sldMkLst>
+          <pc:docMk/>
+          <pc:sldMk cId="4110138189" sldId="271"/>
+        </pc:sldMkLst>
+        <pc:spChg chg="mod">
+          <ac:chgData name="Teresa Swarthout" userId="2501f1c4df9ee7ad" providerId="LiveId" clId="{24F98B00-3D5F-4008-B75D-17C9EF4F9B72}" dt="2025-10-13T20:06:19.541" v="641" actId="1076"/>
           <ac:spMkLst>
             <pc:docMk/>
-            <pc:sldMk cId="661975633" sldId="271"/>
-            <ac:spMk id="2" creationId="{5E1FE2EB-68C1-8CB8-2D72-48D25F39128D}"/>
+            <pc:sldMk cId="4110138189" sldId="271"/>
+            <ac:spMk id="2" creationId="{7CCD2E5C-3399-096B-E637-1A719556FB77}"/>
+          </ac:spMkLst>
+        </pc:spChg>
+        <pc:spChg chg="add mod">
+          <ac:chgData name="Teresa Swarthout" userId="2501f1c4df9ee7ad" providerId="LiveId" clId="{24F98B00-3D5F-4008-B75D-17C9EF4F9B72}" dt="2025-10-13T20:07:03.665" v="669" actId="1076"/>
+          <ac:spMkLst>
+            <pc:docMk/>
+            <pc:sldMk cId="4110138189" sldId="271"/>
+            <ac:spMk id="3" creationId="{CB4C91DD-C652-FD7B-F5F8-42F1492F9D1A}"/>
+          </ac:spMkLst>
+        </pc:spChg>
+        <pc:spChg chg="add mod">
+          <ac:chgData name="Teresa Swarthout" userId="2501f1c4df9ee7ad" providerId="LiveId" clId="{24F98B00-3D5F-4008-B75D-17C9EF4F9B72}" dt="2025-10-13T20:07:39.330" v="673" actId="2085"/>
+          <ac:spMkLst>
+            <pc:docMk/>
+            <pc:sldMk cId="4110138189" sldId="271"/>
+            <ac:spMk id="4" creationId="{B90EA9F8-6507-7F92-A102-D17E410C8E90}"/>
+          </ac:spMkLst>
+        </pc:spChg>
+        <pc:spChg chg="add mod">
+          <ac:chgData name="Teresa Swarthout" userId="2501f1c4df9ee7ad" providerId="LiveId" clId="{24F98B00-3D5F-4008-B75D-17C9EF4F9B72}" dt="2025-10-13T20:08:54.899" v="681"/>
+          <ac:spMkLst>
+            <pc:docMk/>
+            <pc:sldMk cId="4110138189" sldId="271"/>
+            <ac:spMk id="5" creationId="{64C758A5-ACD9-B1AB-4416-140B25975444}"/>
+          </ac:spMkLst>
+        </pc:spChg>
+        <pc:spChg chg="del">
+          <ac:chgData name="Teresa Swarthout" userId="2501f1c4df9ee7ad" providerId="LiveId" clId="{24F98B00-3D5F-4008-B75D-17C9EF4F9B72}" dt="2025-10-13T20:08:57.697" v="682" actId="478"/>
+          <ac:spMkLst>
+            <pc:docMk/>
+            <pc:sldMk cId="4110138189" sldId="271"/>
+            <ac:spMk id="50" creationId="{9C034F13-424F-E01C-207A-7AAF2177D493}"/>
+          </ac:spMkLst>
+        </pc:spChg>
+        <pc:cxnChg chg="ord">
+          <ac:chgData name="Teresa Swarthout" userId="2501f1c4df9ee7ad" providerId="LiveId" clId="{24F98B00-3D5F-4008-B75D-17C9EF4F9B72}" dt="2025-10-13T20:07:48.517" v="674" actId="166"/>
+          <ac:cxnSpMkLst>
+            <pc:docMk/>
+            <pc:sldMk cId="4110138189" sldId="271"/>
+            <ac:cxnSpMk id="49" creationId="{A9986338-21B1-BF3B-4FBB-19E36C89DD1E}"/>
+          </ac:cxnSpMkLst>
+        </pc:cxnChg>
+      </pc:sldChg>
+      <pc:sldChg chg="modSp add mod">
+        <pc:chgData name="Teresa Swarthout" userId="2501f1c4df9ee7ad" providerId="LiveId" clId="{24F98B00-3D5F-4008-B75D-17C9EF4F9B72}" dt="2025-10-13T20:08:25.715" v="680" actId="1076"/>
+        <pc:sldMkLst>
+          <pc:docMk/>
+          <pc:sldMk cId="3048683445" sldId="272"/>
+        </pc:sldMkLst>
+        <pc:spChg chg="mod">
+          <ac:chgData name="Teresa Swarthout" userId="2501f1c4df9ee7ad" providerId="LiveId" clId="{24F98B00-3D5F-4008-B75D-17C9EF4F9B72}" dt="2025-10-13T20:08:25.715" v="680" actId="1076"/>
+          <ac:spMkLst>
+            <pc:docMk/>
+            <pc:sldMk cId="3048683445" sldId="272"/>
+            <ac:spMk id="2" creationId="{559161AD-3CAF-0254-98DB-52FE4D3325CC}"/>
           </ac:spMkLst>
         </pc:spChg>
         <pc:spChg chg="mod">
-          <ac:chgData name="Teresa Swarthout" userId="2501f1c4df9ee7ad" providerId="LiveId" clId="{24F98B00-3D5F-4008-B75D-17C9EF4F9B72}" dt="2025-10-05T17:32:54.240" v="471" actId="20577"/>
+          <ac:chgData name="Teresa Swarthout" userId="2501f1c4df9ee7ad" providerId="LiveId" clId="{24F98B00-3D5F-4008-B75D-17C9EF4F9B72}" dt="2025-10-13T20:08:20.833" v="679" actId="1076"/>
           <ac:spMkLst>
             <pc:docMk/>
-            <pc:sldMk cId="661975633" sldId="271"/>
-            <ac:spMk id="4" creationId="{52176130-8568-4E55-B8ED-32A45FC7329F}"/>
+            <pc:sldMk cId="3048683445" sldId="272"/>
+            <ac:spMk id="50" creationId="{CF8A92F4-9D64-C9E2-5677-C7181EE97A2F}"/>
           </ac:spMkLst>
         </pc:spChg>
-        <pc:spChg chg="del mod">
-          <ac:chgData name="Teresa Swarthout" userId="2501f1c4df9ee7ad" providerId="LiveId" clId="{24F98B00-3D5F-4008-B75D-17C9EF4F9B72}" dt="2025-10-05T17:31:37.985" v="395" actId="478"/>
-          <ac:spMkLst>
-            <pc:docMk/>
-            <pc:sldMk cId="661975633" sldId="271"/>
-            <ac:spMk id="12" creationId="{DB1A612D-008A-ADF9-9FD7-5D65EA096DEF}"/>
-          </ac:spMkLst>
-        </pc:spChg>
-        <pc:spChg chg="mod">
-          <ac:chgData name="Teresa Swarthout" userId="2501f1c4df9ee7ad" providerId="LiveId" clId="{24F98B00-3D5F-4008-B75D-17C9EF4F9B72}" dt="2025-10-05T17:32:26.662" v="465" actId="1076"/>
-          <ac:spMkLst>
-            <pc:docMk/>
-            <pc:sldMk cId="661975633" sldId="271"/>
-            <ac:spMk id="23" creationId="{00B01F52-4454-46FF-932F-92C720A98EED}"/>
-          </ac:spMkLst>
-        </pc:spChg>
-        <pc:spChg chg="mod">
-          <ac:chgData name="Teresa Swarthout" userId="2501f1c4df9ee7ad" providerId="LiveId" clId="{24F98B00-3D5F-4008-B75D-17C9EF4F9B72}" dt="2025-10-05T17:33:53.761" v="536" actId="20577"/>
-          <ac:spMkLst>
-            <pc:docMk/>
-            <pc:sldMk cId="661975633" sldId="271"/>
-            <ac:spMk id="27" creationId="{CF2CB37B-E75C-FAB0-2672-E8D2249D0953}"/>
-          </ac:spMkLst>
-        </pc:spChg>
-        <pc:cxnChg chg="mod">
-          <ac:chgData name="Teresa Swarthout" userId="2501f1c4df9ee7ad" providerId="LiveId" clId="{24F98B00-3D5F-4008-B75D-17C9EF4F9B72}" dt="2025-10-05T17:32:26.662" v="465" actId="1076"/>
-          <ac:cxnSpMkLst>
-            <pc:docMk/>
-            <pc:sldMk cId="661975633" sldId="271"/>
-            <ac:cxnSpMk id="22" creationId="{46A8F945-DF27-43E3-972B-1D850D8FD57E}"/>
-          </ac:cxnSpMkLst>
-        </pc:cxnChg>
       </pc:sldChg>
     </pc:docChg>
   </pc:docChgLst>
@@ -1613,7 +1354,7 @@
         <p:cNvPr id="1" name="Shape 133">
           <a:extLst>
             <a:ext uri="{FF2B5EF4-FFF2-40B4-BE49-F238E27FC236}">
-              <a16:creationId xmlns:a16="http://schemas.microsoft.com/office/drawing/2014/main" id="{DFFE97C9-072A-C28A-BF11-3E27244A8D1A}"/>
+              <a16:creationId xmlns:a16="http://schemas.microsoft.com/office/drawing/2014/main" id="{9D02D410-3E56-EA75-5E4F-57C735B8F353}"/>
             </a:ext>
           </a:extLst>
         </p:cNvPr>
@@ -1633,7 +1374,7 @@
           <p:cNvPr id="134" name="Google Shape;134;p14:notes">
             <a:extLst>
               <a:ext uri="{FF2B5EF4-FFF2-40B4-BE49-F238E27FC236}">
-                <a16:creationId xmlns:a16="http://schemas.microsoft.com/office/drawing/2014/main" id="{7E43A9E2-22B3-3CFF-B5A3-5E8363C023DB}"/>
+                <a16:creationId xmlns:a16="http://schemas.microsoft.com/office/drawing/2014/main" id="{446CD811-AA7F-D8F8-FECC-16B7A53363FF}"/>
               </a:ext>
             </a:extLst>
           </p:cNvPr>
@@ -1690,7 +1431,7 @@
           <p:cNvPr id="135" name="Google Shape;135;p14:notes">
             <a:extLst>
               <a:ext uri="{FF2B5EF4-FFF2-40B4-BE49-F238E27FC236}">
-                <a16:creationId xmlns:a16="http://schemas.microsoft.com/office/drawing/2014/main" id="{C749FEE7-2790-ED20-A1F2-CAAB1A55275F}"/>
+                <a16:creationId xmlns:a16="http://schemas.microsoft.com/office/drawing/2014/main" id="{01EED22B-1B32-8C81-A585-54851DF3098C}"/>
               </a:ext>
             </a:extLst>
           </p:cNvPr>
@@ -1760,7 +1501,7 @@
     </p:spTree>
     <p:extLst>
       <p:ext uri="{BB962C8B-B14F-4D97-AF65-F5344CB8AC3E}">
-        <p14:creationId xmlns:p14="http://schemas.microsoft.com/office/powerpoint/2010/main" val="1833394926"/>
+        <p14:creationId xmlns:p14="http://schemas.microsoft.com/office/powerpoint/2010/main" val="551575868"/>
       </p:ext>
     </p:extLst>
   </p:cSld>
@@ -1778,7 +1519,7 @@
         <p:cNvPr id="1" name="Shape 133">
           <a:extLst>
             <a:ext uri="{FF2B5EF4-FFF2-40B4-BE49-F238E27FC236}">
-              <a16:creationId xmlns:a16="http://schemas.microsoft.com/office/drawing/2014/main" id="{82F95A72-D844-01A8-0703-7043C71B9268}"/>
+              <a16:creationId xmlns:a16="http://schemas.microsoft.com/office/drawing/2014/main" id="{0F640FE1-3EB0-2799-0DB0-908F2A0FDE81}"/>
             </a:ext>
           </a:extLst>
         </p:cNvPr>
@@ -1798,7 +1539,7 @@
           <p:cNvPr id="134" name="Google Shape;134;p14:notes">
             <a:extLst>
               <a:ext uri="{FF2B5EF4-FFF2-40B4-BE49-F238E27FC236}">
-                <a16:creationId xmlns:a16="http://schemas.microsoft.com/office/drawing/2014/main" id="{8548BEC6-DBDA-DBB5-E8FB-06B0E7CE76A7}"/>
+                <a16:creationId xmlns:a16="http://schemas.microsoft.com/office/drawing/2014/main" id="{D029D67A-E0CE-BAF7-E937-13173BBD7153}"/>
               </a:ext>
             </a:extLst>
           </p:cNvPr>
@@ -1855,7 +1596,7 @@
           <p:cNvPr id="135" name="Google Shape;135;p14:notes">
             <a:extLst>
               <a:ext uri="{FF2B5EF4-FFF2-40B4-BE49-F238E27FC236}">
-                <a16:creationId xmlns:a16="http://schemas.microsoft.com/office/drawing/2014/main" id="{DE23CF92-24DC-EF6A-9DC4-076FAB9F509B}"/>
+                <a16:creationId xmlns:a16="http://schemas.microsoft.com/office/drawing/2014/main" id="{8A903F14-7E47-0806-51A0-390DFD12D7A7}"/>
               </a:ext>
             </a:extLst>
           </p:cNvPr>
@@ -1925,7 +1666,172 @@
     </p:spTree>
     <p:extLst>
       <p:ext uri="{BB962C8B-B14F-4D97-AF65-F5344CB8AC3E}">
-        <p14:creationId xmlns:p14="http://schemas.microsoft.com/office/powerpoint/2010/main" val="1394130458"/>
+        <p14:creationId xmlns:p14="http://schemas.microsoft.com/office/powerpoint/2010/main" val="1867899505"/>
+      </p:ext>
+    </p:extLst>
+  </p:cSld>
+  <p:clrMapOvr>
+    <a:masterClrMapping/>
+  </p:clrMapOvr>
+</p:notes>
+</file>
+
+<file path=ppt/notesSlides/notesSlide4.xml><?xml version="1.0" encoding="utf-8"?>
+<p:notes xmlns:a="http://schemas.openxmlformats.org/drawingml/2006/main" xmlns:r="http://schemas.openxmlformats.org/officeDocument/2006/relationships" xmlns:p="http://schemas.openxmlformats.org/presentationml/2006/main" showMasterSp="0" showMasterPhAnim="0">
+  <p:cSld>
+    <p:spTree>
+      <p:nvGrpSpPr>
+        <p:cNvPr id="1" name="Shape 133">
+          <a:extLst>
+            <a:ext uri="{FF2B5EF4-FFF2-40B4-BE49-F238E27FC236}">
+              <a16:creationId xmlns:a16="http://schemas.microsoft.com/office/drawing/2014/main" id="{CD6A990C-2FF9-57A5-D439-E6B82C9E6A8A}"/>
+            </a:ext>
+          </a:extLst>
+        </p:cNvPr>
+        <p:cNvGrpSpPr/>
+        <p:nvPr/>
+      </p:nvGrpSpPr>
+      <p:grpSpPr>
+        <a:xfrm>
+          <a:off x="0" y="0"/>
+          <a:ext cx="0" cy="0"/>
+          <a:chOff x="0" y="0"/>
+          <a:chExt cx="0" cy="0"/>
+        </a:xfrm>
+      </p:grpSpPr>
+      <p:sp>
+        <p:nvSpPr>
+          <p:cNvPr id="134" name="Google Shape;134;p14:notes">
+            <a:extLst>
+              <a:ext uri="{FF2B5EF4-FFF2-40B4-BE49-F238E27FC236}">
+                <a16:creationId xmlns:a16="http://schemas.microsoft.com/office/drawing/2014/main" id="{1C82BFC6-0CA8-3C6D-3044-B2CB8C656DEB}"/>
+              </a:ext>
+            </a:extLst>
+          </p:cNvPr>
+          <p:cNvSpPr>
+            <a:spLocks noGrp="1" noRot="1" noChangeAspect="1"/>
+          </p:cNvSpPr>
+          <p:nvPr>
+            <p:ph type="sldImg" idx="2"/>
+          </p:nvPr>
+        </p:nvSpPr>
+        <p:spPr>
+          <a:xfrm>
+            <a:off x="381000" y="685800"/>
+            <a:ext cx="6096000" cy="3429000"/>
+          </a:xfrm>
+          <a:custGeom>
+            <a:avLst/>
+            <a:gdLst/>
+            <a:ahLst/>
+            <a:cxnLst/>
+            <a:rect l="l" t="t" r="r" b="b"/>
+            <a:pathLst>
+              <a:path w="120000" h="120000" extrusionOk="0">
+                <a:moveTo>
+                  <a:pt x="0" y="0"/>
+                </a:moveTo>
+                <a:lnTo>
+                  <a:pt x="120000" y="0"/>
+                </a:lnTo>
+                <a:lnTo>
+                  <a:pt x="120000" y="120000"/>
+                </a:lnTo>
+                <a:lnTo>
+                  <a:pt x="0" y="120000"/>
+                </a:lnTo>
+                <a:close/>
+              </a:path>
+            </a:pathLst>
+          </a:custGeom>
+          <a:noFill/>
+          <a:ln w="9525" cap="flat" cmpd="sng">
+            <a:solidFill>
+              <a:srgbClr val="000000"/>
+            </a:solidFill>
+            <a:prstDash val="solid"/>
+            <a:round/>
+            <a:headEnd type="none" w="sm" len="sm"/>
+            <a:tailEnd type="none" w="sm" len="sm"/>
+          </a:ln>
+        </p:spPr>
+      </p:sp>
+      <p:sp>
+        <p:nvSpPr>
+          <p:cNvPr id="135" name="Google Shape;135;p14:notes">
+            <a:extLst>
+              <a:ext uri="{FF2B5EF4-FFF2-40B4-BE49-F238E27FC236}">
+                <a16:creationId xmlns:a16="http://schemas.microsoft.com/office/drawing/2014/main" id="{A93D7D4A-B961-95A5-2871-80BD3E261DDF}"/>
+              </a:ext>
+            </a:extLst>
+          </p:cNvPr>
+          <p:cNvSpPr txBox="1">
+            <a:spLocks noGrp="1"/>
+          </p:cNvSpPr>
+          <p:nvPr>
+            <p:ph type="body" idx="1"/>
+          </p:nvPr>
+        </p:nvSpPr>
+        <p:spPr>
+          <a:xfrm>
+            <a:off x="685800" y="4343400"/>
+            <a:ext cx="5486400" cy="4114800"/>
+          </a:xfrm>
+          <a:prstGeom prst="rect">
+            <a:avLst/>
+          </a:prstGeom>
+          <a:noFill/>
+          <a:ln>
+            <a:noFill/>
+          </a:ln>
+        </p:spPr>
+        <p:txBody>
+          <a:bodyPr spcFirstLastPara="1" wrap="square" lIns="91425" tIns="91425" rIns="91425" bIns="91425" anchor="t" anchorCtr="0">
+            <a:noAutofit/>
+          </a:bodyPr>
+          <a:lstStyle/>
+          <a:p>
+            <a:pPr marL="457200" lvl="0" indent="-298450" algn="l" rtl="0">
+              <a:lnSpc>
+                <a:spcPct val="100000"/>
+              </a:lnSpc>
+              <a:spcBef>
+                <a:spcPts val="0"/>
+              </a:spcBef>
+              <a:spcAft>
+                <a:spcPts val="0"/>
+              </a:spcAft>
+              <a:buSzPts val="1100"/>
+              <a:buChar char="●"/>
+            </a:pPr>
+            <a:r>
+              <a:rPr lang="en-US"/>
+              <a:t>This is what we’ve done so far!</a:t>
+            </a:r>
+            <a:endParaRPr/>
+          </a:p>
+          <a:p>
+            <a:pPr marL="457200" lvl="0" indent="-228600" algn="l" rtl="0">
+              <a:lnSpc>
+                <a:spcPct val="100000"/>
+              </a:lnSpc>
+              <a:spcBef>
+                <a:spcPts val="0"/>
+              </a:spcBef>
+              <a:spcAft>
+                <a:spcPts val="0"/>
+              </a:spcAft>
+              <a:buSzPts val="1100"/>
+              <a:buNone/>
+            </a:pPr>
+            <a:endParaRPr/>
+          </a:p>
+        </p:txBody>
+      </p:sp>
+    </p:spTree>
+    <p:extLst>
+      <p:ext uri="{BB962C8B-B14F-4D97-AF65-F5344CB8AC3E}">
+        <p14:creationId xmlns:p14="http://schemas.microsoft.com/office/powerpoint/2010/main" val="3603591436"/>
       </p:ext>
     </p:extLst>
   </p:cSld>
@@ -11183,6 +11089,59 @@
           </a:p>
         </p:txBody>
       </p:sp>
+      <p:sp>
+        <p:nvSpPr>
+          <p:cNvPr id="2" name="Rectangle 1">
+            <a:extLst>
+              <a:ext uri="{FF2B5EF4-FFF2-40B4-BE49-F238E27FC236}">
+                <a16:creationId xmlns:a16="http://schemas.microsoft.com/office/drawing/2014/main" id="{F5E46E8B-B0AA-EDE7-6148-FD1D5875E2D5}"/>
+              </a:ext>
+            </a:extLst>
+          </p:cNvPr>
+          <p:cNvSpPr/>
+          <p:nvPr/>
+        </p:nvSpPr>
+        <p:spPr>
+          <a:xfrm>
+            <a:off x="446281" y="625098"/>
+            <a:ext cx="1981090" cy="945005"/>
+          </a:xfrm>
+          <a:prstGeom prst="rect">
+            <a:avLst/>
+          </a:prstGeom>
+          <a:noFill/>
+          <a:ln>
+            <a:solidFill>
+              <a:srgbClr val="FF0000"/>
+            </a:solidFill>
+            <a:prstDash val="dash"/>
+          </a:ln>
+        </p:spPr>
+        <p:style>
+          <a:lnRef idx="2">
+            <a:schemeClr val="accent1">
+              <a:shade val="15000"/>
+            </a:schemeClr>
+          </a:lnRef>
+          <a:fillRef idx="1">
+            <a:schemeClr val="accent1"/>
+          </a:fillRef>
+          <a:effectRef idx="0">
+            <a:schemeClr val="accent1"/>
+          </a:effectRef>
+          <a:fontRef idx="minor">
+            <a:schemeClr val="lt1"/>
+          </a:fontRef>
+        </p:style>
+        <p:txBody>
+          <a:bodyPr rtlCol="0" anchor="ctr"/>
+          <a:lstStyle/>
+          <a:p>
+            <a:pPr algn="ctr"/>
+            <a:endParaRPr lang="en-US"/>
+          </a:p>
+        </p:txBody>
+      </p:sp>
     </p:spTree>
     <p:extLst>
       <p:ext uri="{BB962C8B-B14F-4D97-AF65-F5344CB8AC3E}">
@@ -11204,7 +11163,7 @@
         <p:cNvPr id="1" name="Shape 136">
           <a:extLst>
             <a:ext uri="{FF2B5EF4-FFF2-40B4-BE49-F238E27FC236}">
-              <a16:creationId xmlns:a16="http://schemas.microsoft.com/office/drawing/2014/main" id="{18DA0DCB-AD9C-8432-FDE5-4F17F7A33D60}"/>
+              <a16:creationId xmlns:a16="http://schemas.microsoft.com/office/drawing/2014/main" id="{85F11B2D-1539-9F91-E075-2860970443E2}"/>
             </a:ext>
           </a:extLst>
         </p:cNvPr>
@@ -11224,7 +11183,7 @@
           <p:cNvPr id="137" name="Google Shape;137;p14">
             <a:extLst>
               <a:ext uri="{FF2B5EF4-FFF2-40B4-BE49-F238E27FC236}">
-                <a16:creationId xmlns:a16="http://schemas.microsoft.com/office/drawing/2014/main" id="{03B887C9-F1D8-8BC5-1C49-43068E82784E}"/>
+                <a16:creationId xmlns:a16="http://schemas.microsoft.com/office/drawing/2014/main" id="{DAA254E3-F7A1-73E2-E2C1-27FF08E2D8D0}"/>
               </a:ext>
             </a:extLst>
           </p:cNvPr>
@@ -11233,7 +11192,7 @@
         </p:nvSpPr>
         <p:spPr>
           <a:xfrm>
-            <a:off x="938884" y="787888"/>
+            <a:off x="559617" y="756716"/>
             <a:ext cx="1725433" cy="659016"/>
           </a:xfrm>
           <a:prstGeom prst="roundRect">
@@ -11242,7 +11201,7 @@
             </a:avLst>
           </a:prstGeom>
           <a:solidFill>
-            <a:srgbClr val="7030A0"/>
+            <a:schemeClr val="accent1"/>
           </a:solidFill>
           <a:ln w="25400" cap="flat" cmpd="sng">
             <a:solidFill>
@@ -11287,17 +11246,77 @@
                 <a:cs typeface="Arial"/>
                 <a:sym typeface="Arial"/>
               </a:rPr>
-              <a:t>Process A</a:t>
+              <a:t>User’s </a:t>
             </a:r>
+            <a:r>
+              <a:rPr lang="en-US" sz="1200" b="0" i="0" u="none" strike="noStrike" cap="none" dirty="0" err="1">
+                <a:solidFill>
+                  <a:schemeClr val="lt1"/>
+                </a:solidFill>
+                <a:latin typeface="Arial"/>
+                <a:ea typeface="Arial"/>
+                <a:cs typeface="Arial"/>
+                <a:sym typeface="Arial"/>
+              </a:rPr>
+              <a:t>Github</a:t>
+            </a:r>
+            <a:r>
+              <a:rPr lang="en-US" sz="1200" b="0" i="0" u="none" strike="noStrike" cap="none" dirty="0">
+                <a:solidFill>
+                  <a:schemeClr val="lt1"/>
+                </a:solidFill>
+                <a:latin typeface="Arial"/>
+                <a:ea typeface="Arial"/>
+                <a:cs typeface="Arial"/>
+                <a:sym typeface="Arial"/>
+              </a:rPr>
+              <a:t> Repo</a:t>
+            </a:r>
+          </a:p>
+          <a:p>
+            <a:pPr marL="0" marR="0" lvl="0" indent="0" algn="ctr" rtl="0">
+              <a:lnSpc>
+                <a:spcPct val="100000"/>
+              </a:lnSpc>
+              <a:spcBef>
+                <a:spcPts val="0"/>
+              </a:spcBef>
+              <a:spcAft>
+                <a:spcPts val="0"/>
+              </a:spcAft>
+              <a:buClr>
+                <a:srgbClr val="000000"/>
+              </a:buClr>
+              <a:buSzPts val="1400"/>
+              <a:buFont typeface="Arial"/>
+              <a:buNone/>
+            </a:pPr>
+            <a:r>
+              <a:rPr lang="en-US" sz="1200" dirty="0">
+                <a:solidFill>
+                  <a:schemeClr val="lt1"/>
+                </a:solidFill>
+              </a:rPr>
+              <a:t>(main)</a:t>
+            </a:r>
+            <a:endParaRPr sz="1200" b="0" i="0" u="none" strike="noStrike" cap="none" dirty="0">
+              <a:solidFill>
+                <a:srgbClr val="000000"/>
+              </a:solidFill>
+              <a:latin typeface="Arial"/>
+              <a:ea typeface="Arial"/>
+              <a:cs typeface="Arial"/>
+              <a:sym typeface="Arial"/>
+            </a:endParaRPr>
           </a:p>
         </p:txBody>
       </p:sp>
       <p:cxnSp>
         <p:nvCxnSpPr>
-          <p:cNvPr id="141" name="Google Shape;141;p14">
+          <p:cNvPr id="138" name="Google Shape;138;p14">
             <a:extLst>
               <a:ext uri="{FF2B5EF4-FFF2-40B4-BE49-F238E27FC236}">
-                <a16:creationId xmlns:a16="http://schemas.microsoft.com/office/drawing/2014/main" id="{6828F8B9-1712-76BA-7073-1378273F2079}"/>
+                <a16:creationId xmlns:a16="http://schemas.microsoft.com/office/drawing/2014/main" id="{B155118C-199C-C268-D2C4-C130A9BC1210}"/>
               </a:ext>
             </a:extLst>
           </p:cNvPr>
@@ -11308,8 +11327,8 @@
         </p:nvCxnSpPr>
         <p:spPr>
           <a:xfrm>
-            <a:off x="1810487" y="2343149"/>
-            <a:ext cx="3193244" cy="0"/>
+            <a:off x="2754795" y="8675"/>
+            <a:ext cx="0" cy="5143500"/>
           </a:xfrm>
           <a:prstGeom prst="straightConnector1">
             <a:avLst/>
@@ -11322,28 +11341,205 @@
             <a:prstDash val="solid"/>
             <a:round/>
             <a:headEnd type="none" w="sm" len="sm"/>
-            <a:tailEnd type="triangle" w="med" len="med"/>
+            <a:tailEnd type="none" w="sm" len="sm"/>
           </a:ln>
         </p:spPr>
       </p:cxnSp>
+      <p:sp>
+        <p:nvSpPr>
+          <p:cNvPr id="139" name="Google Shape;139;p14">
+            <a:extLst>
+              <a:ext uri="{FF2B5EF4-FFF2-40B4-BE49-F238E27FC236}">
+                <a16:creationId xmlns:a16="http://schemas.microsoft.com/office/drawing/2014/main" id="{8E35D6C8-21B5-9271-B311-BC0035336C53}"/>
+              </a:ext>
+            </a:extLst>
+          </p:cNvPr>
+          <p:cNvSpPr txBox="1"/>
+          <p:nvPr/>
+        </p:nvSpPr>
+        <p:spPr>
+          <a:xfrm>
+            <a:off x="4236404" y="158675"/>
+            <a:ext cx="2551044" cy="369332"/>
+          </a:xfrm>
+          <a:prstGeom prst="rect">
+            <a:avLst/>
+          </a:prstGeom>
+          <a:solidFill>
+            <a:schemeClr val="accent4"/>
+          </a:solidFill>
+          <a:ln w="25400" cap="flat" cmpd="sng">
+            <a:solidFill>
+              <a:srgbClr val="6B481B"/>
+            </a:solidFill>
+            <a:prstDash val="solid"/>
+            <a:round/>
+            <a:headEnd type="none" w="sm" len="sm"/>
+            <a:tailEnd type="none" w="sm" len="sm"/>
+          </a:ln>
+        </p:spPr>
+        <p:txBody>
+          <a:bodyPr spcFirstLastPara="1" wrap="square" lIns="91425" tIns="45700" rIns="91425" bIns="45700" anchor="t" anchorCtr="0">
+            <a:spAutoFit/>
+          </a:bodyPr>
+          <a:lstStyle/>
+          <a:p>
+            <a:pPr marL="0" marR="0" lvl="0" indent="0" algn="ctr" rtl="0">
+              <a:lnSpc>
+                <a:spcPct val="100000"/>
+              </a:lnSpc>
+              <a:spcBef>
+                <a:spcPts val="0"/>
+              </a:spcBef>
+              <a:spcAft>
+                <a:spcPts val="0"/>
+              </a:spcAft>
+              <a:buClr>
+                <a:srgbClr val="000000"/>
+              </a:buClr>
+              <a:buSzPts val="1800"/>
+              <a:buFont typeface="Arial"/>
+              <a:buNone/>
+            </a:pPr>
+            <a:r>
+              <a:rPr lang="en-US" sz="1800" b="1" i="0" u="none" strike="noStrike" cap="none">
+                <a:solidFill>
+                  <a:schemeClr val="lt1"/>
+                </a:solidFill>
+                <a:latin typeface="Arial"/>
+                <a:ea typeface="Arial"/>
+                <a:cs typeface="Arial"/>
+                <a:sym typeface="Arial"/>
+              </a:rPr>
+              <a:t>LOCAL</a:t>
+            </a:r>
+            <a:endParaRPr sz="1400" b="0" i="0" u="none" strike="noStrike" cap="none">
+              <a:solidFill>
+                <a:srgbClr val="000000"/>
+              </a:solidFill>
+              <a:latin typeface="Arial"/>
+              <a:ea typeface="Arial"/>
+              <a:cs typeface="Arial"/>
+              <a:sym typeface="Arial"/>
+            </a:endParaRPr>
+          </a:p>
+        </p:txBody>
+      </p:sp>
+      <p:sp>
+        <p:nvSpPr>
+          <p:cNvPr id="140" name="Google Shape;140;p14">
+            <a:extLst>
+              <a:ext uri="{FF2B5EF4-FFF2-40B4-BE49-F238E27FC236}">
+                <a16:creationId xmlns:a16="http://schemas.microsoft.com/office/drawing/2014/main" id="{151EA81F-D42C-25FF-72E6-235A5814CF36}"/>
+              </a:ext>
+            </a:extLst>
+          </p:cNvPr>
+          <p:cNvSpPr/>
+          <p:nvPr/>
+        </p:nvSpPr>
+        <p:spPr>
+          <a:xfrm>
+            <a:off x="3222260" y="755598"/>
+            <a:ext cx="1725433" cy="659016"/>
+          </a:xfrm>
+          <a:prstGeom prst="roundRect">
+            <a:avLst>
+              <a:gd name="adj" fmla="val 16667"/>
+            </a:avLst>
+          </a:prstGeom>
+          <a:solidFill>
+            <a:schemeClr val="accent4"/>
+          </a:solidFill>
+          <a:ln w="25400" cap="flat" cmpd="sng">
+            <a:solidFill>
+              <a:srgbClr val="6B481B"/>
+            </a:solidFill>
+            <a:prstDash val="solid"/>
+            <a:round/>
+            <a:headEnd type="none" w="sm" len="sm"/>
+            <a:tailEnd type="none" w="sm" len="sm"/>
+          </a:ln>
+        </p:spPr>
+        <p:txBody>
+          <a:bodyPr spcFirstLastPara="1" wrap="square" lIns="91425" tIns="45700" rIns="91425" bIns="45700" anchor="ctr" anchorCtr="0">
+            <a:noAutofit/>
+          </a:bodyPr>
+          <a:lstStyle/>
+          <a:p>
+            <a:pPr marL="0" marR="0" lvl="0" indent="0" algn="ctr" rtl="0">
+              <a:lnSpc>
+                <a:spcPct val="100000"/>
+              </a:lnSpc>
+              <a:spcBef>
+                <a:spcPts val="0"/>
+              </a:spcBef>
+              <a:spcAft>
+                <a:spcPts val="0"/>
+              </a:spcAft>
+              <a:buClr>
+                <a:srgbClr val="000000"/>
+              </a:buClr>
+              <a:buSzPts val="1400"/>
+              <a:buFont typeface="Arial"/>
+              <a:buNone/>
+            </a:pPr>
+            <a:r>
+              <a:rPr lang="en-US" sz="1200" b="0" i="0" u="none" strike="noStrike" cap="none" dirty="0">
+                <a:solidFill>
+                  <a:schemeClr val="lt1"/>
+                </a:solidFill>
+                <a:latin typeface="Arial"/>
+                <a:ea typeface="Arial"/>
+                <a:cs typeface="Arial"/>
+                <a:sym typeface="Arial"/>
+              </a:rPr>
+              <a:t>User’s Local Repo</a:t>
+            </a:r>
+          </a:p>
+          <a:p>
+            <a:pPr lvl="0" algn="ctr">
+              <a:buSzPts val="1400"/>
+            </a:pPr>
+            <a:r>
+              <a:rPr lang="en-US" sz="1200" dirty="0">
+                <a:solidFill>
+                  <a:schemeClr val="lt1"/>
+                </a:solidFill>
+              </a:rPr>
+              <a:t>(main)</a:t>
+            </a:r>
+            <a:endParaRPr sz="1200" b="0" i="0" u="none" strike="noStrike" cap="none" dirty="0">
+              <a:solidFill>
+                <a:srgbClr val="000000"/>
+              </a:solidFill>
+              <a:latin typeface="Arial"/>
+              <a:ea typeface="Arial"/>
+              <a:cs typeface="Arial"/>
+              <a:sym typeface="Arial"/>
+            </a:endParaRPr>
+          </a:p>
+        </p:txBody>
+      </p:sp>
       <p:cxnSp>
         <p:nvCxnSpPr>
-          <p:cNvPr id="52" name="Google Shape;247;p23">
+          <p:cNvPr id="141" name="Google Shape;141;p14">
             <a:extLst>
               <a:ext uri="{FF2B5EF4-FFF2-40B4-BE49-F238E27FC236}">
-                <a16:creationId xmlns:a16="http://schemas.microsoft.com/office/drawing/2014/main" id="{888389BC-EE02-2482-8751-1426A02B46EC}"/>
+                <a16:creationId xmlns:a16="http://schemas.microsoft.com/office/drawing/2014/main" id="{7DA1894B-028E-BDE5-26D1-AE7ABE8DAF6B}"/>
               </a:ext>
             </a:extLst>
           </p:cNvPr>
           <p:cNvCxnSpPr>
             <a:cxnSpLocks/>
+            <a:stCxn id="137" idx="3"/>
+            <a:endCxn id="140" idx="1"/>
           </p:cNvCxnSpPr>
           <p:nvPr/>
         </p:nvCxnSpPr>
         <p:spPr>
-          <a:xfrm flipH="1">
-            <a:off x="1795220" y="1446904"/>
-            <a:ext cx="6380" cy="3291351"/>
+          <a:xfrm flipV="1">
+            <a:off x="2285050" y="1085106"/>
+            <a:ext cx="937210" cy="1118"/>
           </a:xfrm>
           <a:prstGeom prst="straightConnector1">
             <a:avLst/>
@@ -11362,10 +11558,82 @@
       </p:cxnSp>
       <p:sp>
         <p:nvSpPr>
-          <p:cNvPr id="3" name="Google Shape;137;p14">
+          <p:cNvPr id="142" name="Google Shape;142;p14">
             <a:extLst>
               <a:ext uri="{FF2B5EF4-FFF2-40B4-BE49-F238E27FC236}">
-                <a16:creationId xmlns:a16="http://schemas.microsoft.com/office/drawing/2014/main" id="{FA7F0C7B-A9D2-C9EC-FE45-4AF32EC8B793}"/>
+                <a16:creationId xmlns:a16="http://schemas.microsoft.com/office/drawing/2014/main" id="{7A162B02-08B9-249D-E4FD-A0AFD1354D9E}"/>
+              </a:ext>
+            </a:extLst>
+          </p:cNvPr>
+          <p:cNvSpPr txBox="1"/>
+          <p:nvPr/>
+        </p:nvSpPr>
+        <p:spPr>
+          <a:xfrm>
+            <a:off x="2344042" y="755598"/>
+            <a:ext cx="842837" cy="307777"/>
+          </a:xfrm>
+          <a:prstGeom prst="rect">
+            <a:avLst/>
+          </a:prstGeom>
+          <a:noFill/>
+          <a:ln>
+            <a:noFill/>
+          </a:ln>
+        </p:spPr>
+        <p:txBody>
+          <a:bodyPr spcFirstLastPara="1" wrap="square" lIns="91425" tIns="45700" rIns="91425" bIns="45700" anchor="t" anchorCtr="0">
+            <a:spAutoFit/>
+          </a:bodyPr>
+          <a:lstStyle/>
+          <a:p>
+            <a:pPr marL="0" marR="0" lvl="0" indent="0" algn="l" rtl="0">
+              <a:lnSpc>
+                <a:spcPct val="100000"/>
+              </a:lnSpc>
+              <a:spcBef>
+                <a:spcPts val="0"/>
+              </a:spcBef>
+              <a:spcAft>
+                <a:spcPts val="0"/>
+              </a:spcAft>
+              <a:buClr>
+                <a:srgbClr val="000000"/>
+              </a:buClr>
+              <a:buSzPts val="1400"/>
+              <a:buFont typeface="Arial"/>
+              <a:buNone/>
+            </a:pPr>
+            <a:r>
+              <a:rPr lang="en-US" sz="1400" b="1" i="0" u="none" strike="noStrike" cap="none" dirty="0">
+                <a:solidFill>
+                  <a:srgbClr val="000000"/>
+                </a:solidFill>
+                <a:latin typeface="Arial"/>
+                <a:ea typeface="Arial"/>
+                <a:cs typeface="Arial"/>
+                <a:sym typeface="Arial"/>
+              </a:rPr>
+              <a:t>CLONE</a:t>
+            </a:r>
+            <a:endParaRPr sz="1400" b="0" i="0" u="none" strike="noStrike" cap="none" dirty="0">
+              <a:solidFill>
+                <a:srgbClr val="000000"/>
+              </a:solidFill>
+              <a:latin typeface="Arial"/>
+              <a:ea typeface="Arial"/>
+              <a:cs typeface="Arial"/>
+              <a:sym typeface="Arial"/>
+            </a:endParaRPr>
+          </a:p>
+        </p:txBody>
+      </p:sp>
+      <p:sp>
+        <p:nvSpPr>
+          <p:cNvPr id="143" name="Google Shape;143;p14">
+            <a:extLst>
+              <a:ext uri="{FF2B5EF4-FFF2-40B4-BE49-F238E27FC236}">
+                <a16:creationId xmlns:a16="http://schemas.microsoft.com/office/drawing/2014/main" id="{36499421-21D4-A231-9572-212DA55F8611}"/>
               </a:ext>
             </a:extLst>
           </p:cNvPr>
@@ -11374,7 +11642,7 @@
         </p:nvSpPr>
         <p:spPr>
           <a:xfrm>
-            <a:off x="4158787" y="787888"/>
+            <a:off x="6194057" y="755598"/>
             <a:ext cx="1725433" cy="659016"/>
           </a:xfrm>
           <a:prstGeom prst="roundRect">
@@ -11383,7 +11651,881 @@
             </a:avLst>
           </a:prstGeom>
           <a:solidFill>
-            <a:srgbClr val="00B0F0"/>
+            <a:schemeClr val="accent4"/>
+          </a:solidFill>
+          <a:ln w="25400" cap="flat" cmpd="sng">
+            <a:solidFill>
+              <a:srgbClr val="6B481B"/>
+            </a:solidFill>
+            <a:prstDash val="solid"/>
+            <a:round/>
+            <a:headEnd type="none" w="sm" len="sm"/>
+            <a:tailEnd type="none" w="sm" len="sm"/>
+          </a:ln>
+        </p:spPr>
+        <p:txBody>
+          <a:bodyPr spcFirstLastPara="1" wrap="square" lIns="91425" tIns="45700" rIns="91425" bIns="45700" anchor="ctr" anchorCtr="0">
+            <a:noAutofit/>
+          </a:bodyPr>
+          <a:lstStyle/>
+          <a:p>
+            <a:pPr marL="0" marR="0" lvl="0" indent="0" algn="ctr" rtl="0">
+              <a:lnSpc>
+                <a:spcPct val="100000"/>
+              </a:lnSpc>
+              <a:spcBef>
+                <a:spcPts val="0"/>
+              </a:spcBef>
+              <a:spcAft>
+                <a:spcPts val="0"/>
+              </a:spcAft>
+              <a:buClr>
+                <a:srgbClr val="000000"/>
+              </a:buClr>
+              <a:buSzPts val="1400"/>
+              <a:buFont typeface="Arial"/>
+              <a:buNone/>
+            </a:pPr>
+            <a:endParaRPr sz="1400" b="0" i="0" u="none" strike="noStrike" cap="none" dirty="0">
+              <a:solidFill>
+                <a:schemeClr val="lt1"/>
+              </a:solidFill>
+              <a:latin typeface="Arial"/>
+              <a:ea typeface="Arial"/>
+              <a:cs typeface="Arial"/>
+              <a:sym typeface="Arial"/>
+            </a:endParaRPr>
+          </a:p>
+          <a:p>
+            <a:pPr marL="0" marR="0" lvl="0" indent="0" algn="ctr" rtl="0">
+              <a:lnSpc>
+                <a:spcPct val="100000"/>
+              </a:lnSpc>
+              <a:spcBef>
+                <a:spcPts val="0"/>
+              </a:spcBef>
+              <a:spcAft>
+                <a:spcPts val="0"/>
+              </a:spcAft>
+              <a:buClr>
+                <a:srgbClr val="000000"/>
+              </a:buClr>
+              <a:buSzPts val="1400"/>
+              <a:buFont typeface="Arial"/>
+              <a:buNone/>
+            </a:pPr>
+            <a:r>
+              <a:rPr lang="en-US" sz="1200" b="0" i="0" u="none" strike="noStrike" cap="none" dirty="0">
+                <a:solidFill>
+                  <a:schemeClr val="lt1"/>
+                </a:solidFill>
+                <a:latin typeface="Arial"/>
+                <a:ea typeface="Arial"/>
+                <a:cs typeface="Arial"/>
+                <a:sym typeface="Arial"/>
+              </a:rPr>
+              <a:t>User’s Local Repo</a:t>
+            </a:r>
+            <a:endParaRPr sz="1200" b="0" i="0" u="none" strike="noStrike" cap="none" dirty="0">
+              <a:solidFill>
+                <a:srgbClr val="000000"/>
+              </a:solidFill>
+              <a:latin typeface="Arial"/>
+              <a:ea typeface="Arial"/>
+              <a:cs typeface="Arial"/>
+              <a:sym typeface="Arial"/>
+            </a:endParaRPr>
+          </a:p>
+          <a:p>
+            <a:pPr marL="0" marR="0" lvl="0" indent="0" algn="ctr" rtl="0">
+              <a:lnSpc>
+                <a:spcPct val="100000"/>
+              </a:lnSpc>
+              <a:spcBef>
+                <a:spcPts val="0"/>
+              </a:spcBef>
+              <a:spcAft>
+                <a:spcPts val="0"/>
+              </a:spcAft>
+              <a:buClr>
+                <a:srgbClr val="000000"/>
+              </a:buClr>
+              <a:buSzPts val="1400"/>
+              <a:buFont typeface="Arial"/>
+              <a:buNone/>
+            </a:pPr>
+            <a:r>
+              <a:rPr lang="en-US" sz="1200" b="0" i="0" u="none" strike="noStrike" cap="none" dirty="0">
+                <a:solidFill>
+                  <a:schemeClr val="lt1"/>
+                </a:solidFill>
+                <a:latin typeface="Arial"/>
+                <a:ea typeface="Arial"/>
+                <a:cs typeface="Arial"/>
+                <a:sym typeface="Arial"/>
+              </a:rPr>
+              <a:t>Working Directory</a:t>
+            </a:r>
+          </a:p>
+          <a:p>
+            <a:pPr marL="0" marR="0" lvl="0" indent="0" algn="ctr" rtl="0">
+              <a:lnSpc>
+                <a:spcPct val="100000"/>
+              </a:lnSpc>
+              <a:spcBef>
+                <a:spcPts val="0"/>
+              </a:spcBef>
+              <a:spcAft>
+                <a:spcPts val="0"/>
+              </a:spcAft>
+              <a:buClr>
+                <a:srgbClr val="000000"/>
+              </a:buClr>
+              <a:buSzPts val="1400"/>
+              <a:buFont typeface="Arial"/>
+              <a:buNone/>
+            </a:pPr>
+            <a:r>
+              <a:rPr lang="en-US" sz="1200" b="0" i="0" u="none" strike="noStrike" cap="none" dirty="0">
+                <a:solidFill>
+                  <a:schemeClr val="lt1"/>
+                </a:solidFill>
+                <a:latin typeface="Arial"/>
+                <a:ea typeface="Arial"/>
+                <a:cs typeface="Arial"/>
+                <a:sym typeface="Arial"/>
+              </a:rPr>
+              <a:t>(branch lesson-3)</a:t>
+            </a:r>
+            <a:endParaRPr sz="1200" b="0" i="0" u="none" strike="noStrike" cap="none" dirty="0">
+              <a:solidFill>
+                <a:srgbClr val="000000"/>
+              </a:solidFill>
+              <a:latin typeface="Arial"/>
+              <a:ea typeface="Arial"/>
+              <a:cs typeface="Arial"/>
+              <a:sym typeface="Arial"/>
+            </a:endParaRPr>
+          </a:p>
+          <a:p>
+            <a:pPr marL="0" marR="0" lvl="0" indent="0" algn="ctr" rtl="0">
+              <a:lnSpc>
+                <a:spcPct val="100000"/>
+              </a:lnSpc>
+              <a:spcBef>
+                <a:spcPts val="0"/>
+              </a:spcBef>
+              <a:spcAft>
+                <a:spcPts val="0"/>
+              </a:spcAft>
+              <a:buClr>
+                <a:srgbClr val="000000"/>
+              </a:buClr>
+              <a:buSzPts val="1400"/>
+              <a:buFont typeface="Arial"/>
+              <a:buNone/>
+            </a:pPr>
+            <a:endParaRPr sz="1400" b="0" i="0" u="none" strike="noStrike" cap="none" dirty="0">
+              <a:solidFill>
+                <a:schemeClr val="lt1"/>
+              </a:solidFill>
+              <a:latin typeface="Arial"/>
+              <a:ea typeface="Arial"/>
+              <a:cs typeface="Arial"/>
+              <a:sym typeface="Arial"/>
+            </a:endParaRPr>
+          </a:p>
+        </p:txBody>
+      </p:sp>
+      <p:cxnSp>
+        <p:nvCxnSpPr>
+          <p:cNvPr id="144" name="Google Shape;144;p14">
+            <a:extLst>
+              <a:ext uri="{FF2B5EF4-FFF2-40B4-BE49-F238E27FC236}">
+                <a16:creationId xmlns:a16="http://schemas.microsoft.com/office/drawing/2014/main" id="{87BF6B66-6BCD-DE96-2FCF-FBF9CAF134B7}"/>
+              </a:ext>
+            </a:extLst>
+          </p:cNvPr>
+          <p:cNvCxnSpPr>
+            <a:cxnSpLocks/>
+            <a:stCxn id="140" idx="3"/>
+            <a:endCxn id="143" idx="1"/>
+          </p:cNvCxnSpPr>
+          <p:nvPr/>
+        </p:nvCxnSpPr>
+        <p:spPr>
+          <a:xfrm>
+            <a:off x="4947693" y="1085106"/>
+            <a:ext cx="1246364" cy="0"/>
+          </a:xfrm>
+          <a:prstGeom prst="straightConnector1">
+            <a:avLst/>
+          </a:prstGeom>
+          <a:noFill/>
+          <a:ln w="9525" cap="flat" cmpd="sng">
+            <a:solidFill>
+              <a:srgbClr val="3B7FF2"/>
+            </a:solidFill>
+            <a:prstDash val="solid"/>
+            <a:round/>
+            <a:headEnd type="none" w="sm" len="sm"/>
+            <a:tailEnd type="triangle" w="med" len="med"/>
+          </a:ln>
+        </p:spPr>
+      </p:cxnSp>
+      <p:sp>
+        <p:nvSpPr>
+          <p:cNvPr id="145" name="Google Shape;145;p14">
+            <a:extLst>
+              <a:ext uri="{FF2B5EF4-FFF2-40B4-BE49-F238E27FC236}">
+                <a16:creationId xmlns:a16="http://schemas.microsoft.com/office/drawing/2014/main" id="{4C94AFA6-3651-7DEA-D596-0887DDF58109}"/>
+              </a:ext>
+            </a:extLst>
+          </p:cNvPr>
+          <p:cNvSpPr txBox="1"/>
+          <p:nvPr/>
+        </p:nvSpPr>
+        <p:spPr>
+          <a:xfrm>
+            <a:off x="5063310" y="756716"/>
+            <a:ext cx="955479" cy="307777"/>
+          </a:xfrm>
+          <a:prstGeom prst="rect">
+            <a:avLst/>
+          </a:prstGeom>
+          <a:noFill/>
+          <a:ln>
+            <a:noFill/>
+          </a:ln>
+        </p:spPr>
+        <p:txBody>
+          <a:bodyPr spcFirstLastPara="1" wrap="square" lIns="91425" tIns="45700" rIns="91425" bIns="45700" anchor="t" anchorCtr="0">
+            <a:spAutoFit/>
+          </a:bodyPr>
+          <a:lstStyle/>
+          <a:p>
+            <a:pPr marL="0" marR="0" lvl="0" indent="0" algn="l" rtl="0">
+              <a:lnSpc>
+                <a:spcPct val="100000"/>
+              </a:lnSpc>
+              <a:spcBef>
+                <a:spcPts val="0"/>
+              </a:spcBef>
+              <a:spcAft>
+                <a:spcPts val="0"/>
+              </a:spcAft>
+              <a:buClr>
+                <a:srgbClr val="000000"/>
+              </a:buClr>
+              <a:buSzPts val="1400"/>
+              <a:buFont typeface="Arial"/>
+              <a:buNone/>
+            </a:pPr>
+            <a:r>
+              <a:rPr lang="en-US" sz="1400" b="1" i="0" u="none" strike="noStrike" cap="none" dirty="0">
+                <a:solidFill>
+                  <a:srgbClr val="000000"/>
+                </a:solidFill>
+                <a:latin typeface="Arial"/>
+                <a:ea typeface="Arial"/>
+                <a:cs typeface="Arial"/>
+                <a:sym typeface="Arial"/>
+              </a:rPr>
+              <a:t>BRANCH</a:t>
+            </a:r>
+            <a:endParaRPr sz="1400" b="0" i="0" u="none" strike="noStrike" cap="none" dirty="0">
+              <a:solidFill>
+                <a:srgbClr val="000000"/>
+              </a:solidFill>
+              <a:latin typeface="Arial"/>
+              <a:ea typeface="Arial"/>
+              <a:cs typeface="Arial"/>
+              <a:sym typeface="Arial"/>
+            </a:endParaRPr>
+          </a:p>
+        </p:txBody>
+      </p:sp>
+      <p:sp>
+        <p:nvSpPr>
+          <p:cNvPr id="146" name="Google Shape;146;p14">
+            <a:extLst>
+              <a:ext uri="{FF2B5EF4-FFF2-40B4-BE49-F238E27FC236}">
+                <a16:creationId xmlns:a16="http://schemas.microsoft.com/office/drawing/2014/main" id="{5CB7C7BC-3F9E-8436-6039-31B94C0F7710}"/>
+              </a:ext>
+            </a:extLst>
+          </p:cNvPr>
+          <p:cNvSpPr txBox="1"/>
+          <p:nvPr/>
+        </p:nvSpPr>
+        <p:spPr>
+          <a:xfrm>
+            <a:off x="559617" y="201330"/>
+            <a:ext cx="1709530" cy="369332"/>
+          </a:xfrm>
+          <a:prstGeom prst="rect">
+            <a:avLst/>
+          </a:prstGeom>
+          <a:solidFill>
+            <a:schemeClr val="accent1"/>
+          </a:solidFill>
+          <a:ln w="25400" cap="flat" cmpd="sng">
+            <a:solidFill>
+              <a:srgbClr val="1B3867"/>
+            </a:solidFill>
+            <a:prstDash val="solid"/>
+            <a:round/>
+            <a:headEnd type="none" w="sm" len="sm"/>
+            <a:tailEnd type="none" w="sm" len="sm"/>
+          </a:ln>
+        </p:spPr>
+        <p:txBody>
+          <a:bodyPr spcFirstLastPara="1" wrap="square" lIns="91425" tIns="45700" rIns="91425" bIns="45700" anchor="t" anchorCtr="0">
+            <a:spAutoFit/>
+          </a:bodyPr>
+          <a:lstStyle/>
+          <a:p>
+            <a:pPr marL="0" marR="0" lvl="0" indent="0" algn="ctr" rtl="0">
+              <a:lnSpc>
+                <a:spcPct val="100000"/>
+              </a:lnSpc>
+              <a:spcBef>
+                <a:spcPts val="0"/>
+              </a:spcBef>
+              <a:spcAft>
+                <a:spcPts val="0"/>
+              </a:spcAft>
+              <a:buClr>
+                <a:srgbClr val="000000"/>
+              </a:buClr>
+              <a:buSzPts val="1800"/>
+              <a:buFont typeface="Arial"/>
+              <a:buNone/>
+            </a:pPr>
+            <a:r>
+              <a:rPr lang="en-US" sz="1800" b="1" i="0" u="none" strike="noStrike" cap="none" dirty="0">
+                <a:solidFill>
+                  <a:schemeClr val="lt1"/>
+                </a:solidFill>
+                <a:latin typeface="Arial"/>
+                <a:ea typeface="Arial"/>
+                <a:cs typeface="Arial"/>
+                <a:sym typeface="Arial"/>
+              </a:rPr>
+              <a:t>REMOTE</a:t>
+            </a:r>
+            <a:endParaRPr sz="1400" b="0" i="0" u="none" strike="noStrike" cap="none" dirty="0">
+              <a:solidFill>
+                <a:srgbClr val="000000"/>
+              </a:solidFill>
+              <a:latin typeface="Arial"/>
+              <a:ea typeface="Arial"/>
+              <a:cs typeface="Arial"/>
+              <a:sym typeface="Arial"/>
+            </a:endParaRPr>
+          </a:p>
+        </p:txBody>
+      </p:sp>
+      <p:sp>
+        <p:nvSpPr>
+          <p:cNvPr id="16" name="Google Shape;162;p16">
+            <a:extLst>
+              <a:ext uri="{FF2B5EF4-FFF2-40B4-BE49-F238E27FC236}">
+                <a16:creationId xmlns:a16="http://schemas.microsoft.com/office/drawing/2014/main" id="{F2B76450-E64C-E0ED-E0B7-CA02E385BCFD}"/>
+              </a:ext>
+            </a:extLst>
+          </p:cNvPr>
+          <p:cNvSpPr/>
+          <p:nvPr/>
+        </p:nvSpPr>
+        <p:spPr>
+          <a:xfrm>
+            <a:off x="6194057" y="1835547"/>
+            <a:ext cx="1725433" cy="659016"/>
+          </a:xfrm>
+          <a:prstGeom prst="roundRect">
+            <a:avLst>
+              <a:gd name="adj" fmla="val 16667"/>
+            </a:avLst>
+          </a:prstGeom>
+          <a:solidFill>
+            <a:schemeClr val="accent4"/>
+          </a:solidFill>
+          <a:ln w="25400" cap="flat" cmpd="sng">
+            <a:solidFill>
+              <a:srgbClr val="6B481B"/>
+            </a:solidFill>
+            <a:prstDash val="solid"/>
+            <a:round/>
+            <a:headEnd type="none" w="sm" len="sm"/>
+            <a:tailEnd type="none" w="sm" len="sm"/>
+          </a:ln>
+        </p:spPr>
+        <p:txBody>
+          <a:bodyPr spcFirstLastPara="1" wrap="square" lIns="91425" tIns="45700" rIns="91425" bIns="45700" anchor="ctr" anchorCtr="0">
+            <a:noAutofit/>
+          </a:bodyPr>
+          <a:lstStyle/>
+          <a:p>
+            <a:pPr marL="0" marR="0" lvl="0" indent="0" algn="ctr" rtl="0">
+              <a:lnSpc>
+                <a:spcPct val="100000"/>
+              </a:lnSpc>
+              <a:spcBef>
+                <a:spcPts val="0"/>
+              </a:spcBef>
+              <a:spcAft>
+                <a:spcPts val="0"/>
+              </a:spcAft>
+              <a:buClr>
+                <a:srgbClr val="000000"/>
+              </a:buClr>
+              <a:buSzPts val="1400"/>
+              <a:buFont typeface="Arial"/>
+              <a:buNone/>
+            </a:pPr>
+            <a:endParaRPr sz="1400" b="0" i="0" u="none" strike="noStrike" cap="none" dirty="0">
+              <a:solidFill>
+                <a:schemeClr val="lt1"/>
+              </a:solidFill>
+              <a:latin typeface="Arial"/>
+              <a:ea typeface="Arial"/>
+              <a:cs typeface="Arial"/>
+              <a:sym typeface="Arial"/>
+            </a:endParaRPr>
+          </a:p>
+          <a:p>
+            <a:pPr lvl="0" algn="ctr">
+              <a:buSzPts val="1400"/>
+            </a:pPr>
+            <a:r>
+              <a:rPr lang="en-US" sz="1200" dirty="0">
+                <a:solidFill>
+                  <a:schemeClr val="lt1"/>
+                </a:solidFill>
+              </a:rPr>
+              <a:t>User’s Local Repo</a:t>
+            </a:r>
+            <a:endParaRPr lang="en-US" sz="1200" dirty="0"/>
+          </a:p>
+          <a:p>
+            <a:pPr lvl="0" algn="ctr">
+              <a:buSzPts val="1400"/>
+            </a:pPr>
+            <a:r>
+              <a:rPr lang="en-US" sz="1200" dirty="0">
+                <a:solidFill>
+                  <a:schemeClr val="lt1"/>
+                </a:solidFill>
+              </a:rPr>
+              <a:t>Staging Area</a:t>
+            </a:r>
+          </a:p>
+          <a:p>
+            <a:pPr lvl="0" algn="ctr">
+              <a:buSzPts val="1400"/>
+            </a:pPr>
+            <a:r>
+              <a:rPr lang="en-US" sz="1200" dirty="0">
+                <a:solidFill>
+                  <a:schemeClr val="lt1"/>
+                </a:solidFill>
+              </a:rPr>
+              <a:t>(branch lesson-3)</a:t>
+            </a:r>
+            <a:endParaRPr lang="en-US" sz="1200" dirty="0"/>
+          </a:p>
+          <a:p>
+            <a:pPr marL="0" marR="0" lvl="0" indent="0" algn="ctr" rtl="0">
+              <a:lnSpc>
+                <a:spcPct val="100000"/>
+              </a:lnSpc>
+              <a:spcBef>
+                <a:spcPts val="0"/>
+              </a:spcBef>
+              <a:spcAft>
+                <a:spcPts val="0"/>
+              </a:spcAft>
+              <a:buClr>
+                <a:srgbClr val="000000"/>
+              </a:buClr>
+              <a:buSzPts val="1400"/>
+              <a:buFont typeface="Arial"/>
+              <a:buNone/>
+            </a:pPr>
+            <a:endParaRPr sz="1400" b="0" i="0" u="none" strike="noStrike" cap="none" dirty="0">
+              <a:solidFill>
+                <a:schemeClr val="lt1"/>
+              </a:solidFill>
+              <a:latin typeface="Arial"/>
+              <a:ea typeface="Arial"/>
+              <a:cs typeface="Arial"/>
+              <a:sym typeface="Arial"/>
+            </a:endParaRPr>
+          </a:p>
+        </p:txBody>
+      </p:sp>
+      <p:cxnSp>
+        <p:nvCxnSpPr>
+          <p:cNvPr id="17" name="Google Shape;163;p16">
+            <a:extLst>
+              <a:ext uri="{FF2B5EF4-FFF2-40B4-BE49-F238E27FC236}">
+                <a16:creationId xmlns:a16="http://schemas.microsoft.com/office/drawing/2014/main" id="{5C5B3693-A7E0-838C-E3F9-9EBCD2036340}"/>
+              </a:ext>
+            </a:extLst>
+          </p:cNvPr>
+          <p:cNvCxnSpPr>
+            <a:cxnSpLocks/>
+            <a:stCxn id="143" idx="2"/>
+            <a:endCxn id="16" idx="0"/>
+          </p:cNvCxnSpPr>
+          <p:nvPr/>
+        </p:nvCxnSpPr>
+        <p:spPr>
+          <a:xfrm>
+            <a:off x="7056774" y="1414614"/>
+            <a:ext cx="0" cy="420933"/>
+          </a:xfrm>
+          <a:prstGeom prst="straightConnector1">
+            <a:avLst/>
+          </a:prstGeom>
+          <a:noFill/>
+          <a:ln w="9525" cap="flat" cmpd="sng">
+            <a:solidFill>
+              <a:srgbClr val="3B7FF2"/>
+            </a:solidFill>
+            <a:prstDash val="solid"/>
+            <a:round/>
+            <a:headEnd type="none" w="sm" len="sm"/>
+            <a:tailEnd type="triangle" w="med" len="med"/>
+          </a:ln>
+        </p:spPr>
+      </p:cxnSp>
+      <p:sp>
+        <p:nvSpPr>
+          <p:cNvPr id="18" name="Google Shape;164;p16">
+            <a:extLst>
+              <a:ext uri="{FF2B5EF4-FFF2-40B4-BE49-F238E27FC236}">
+                <a16:creationId xmlns:a16="http://schemas.microsoft.com/office/drawing/2014/main" id="{6D99FF71-3AE2-4166-5BFC-60FFB4DB2D36}"/>
+              </a:ext>
+            </a:extLst>
+          </p:cNvPr>
+          <p:cNvSpPr txBox="1"/>
+          <p:nvPr/>
+        </p:nvSpPr>
+        <p:spPr>
+          <a:xfrm>
+            <a:off x="7056773" y="1471192"/>
+            <a:ext cx="842837" cy="307777"/>
+          </a:xfrm>
+          <a:prstGeom prst="rect">
+            <a:avLst/>
+          </a:prstGeom>
+          <a:noFill/>
+          <a:ln>
+            <a:noFill/>
+          </a:ln>
+        </p:spPr>
+        <p:txBody>
+          <a:bodyPr spcFirstLastPara="1" wrap="square" lIns="91425" tIns="45700" rIns="91425" bIns="45700" anchor="t" anchorCtr="0">
+            <a:spAutoFit/>
+          </a:bodyPr>
+          <a:lstStyle/>
+          <a:p>
+            <a:pPr marL="0" marR="0" lvl="0" indent="0" algn="l" rtl="0">
+              <a:lnSpc>
+                <a:spcPct val="100000"/>
+              </a:lnSpc>
+              <a:spcBef>
+                <a:spcPts val="0"/>
+              </a:spcBef>
+              <a:spcAft>
+                <a:spcPts val="0"/>
+              </a:spcAft>
+              <a:buClr>
+                <a:srgbClr val="000000"/>
+              </a:buClr>
+              <a:buSzPts val="1400"/>
+              <a:buFont typeface="Arial"/>
+              <a:buNone/>
+            </a:pPr>
+            <a:r>
+              <a:rPr lang="en-US" sz="1400" b="1" i="0" u="none" strike="noStrike" cap="none" dirty="0">
+                <a:solidFill>
+                  <a:srgbClr val="000000"/>
+                </a:solidFill>
+                <a:latin typeface="Arial"/>
+                <a:ea typeface="Arial"/>
+                <a:cs typeface="Arial"/>
+                <a:sym typeface="Arial"/>
+              </a:rPr>
+              <a:t>STAGE</a:t>
+            </a:r>
+            <a:endParaRPr sz="1400" b="0" i="0" u="none" strike="noStrike" cap="none" dirty="0">
+              <a:solidFill>
+                <a:srgbClr val="000000"/>
+              </a:solidFill>
+              <a:latin typeface="Arial"/>
+              <a:ea typeface="Arial"/>
+              <a:cs typeface="Arial"/>
+              <a:sym typeface="Arial"/>
+            </a:endParaRPr>
+          </a:p>
+        </p:txBody>
+      </p:sp>
+      <p:cxnSp>
+        <p:nvCxnSpPr>
+          <p:cNvPr id="19" name="Google Shape;165;p16">
+            <a:extLst>
+              <a:ext uri="{FF2B5EF4-FFF2-40B4-BE49-F238E27FC236}">
+                <a16:creationId xmlns:a16="http://schemas.microsoft.com/office/drawing/2014/main" id="{D7E8954B-B02A-06FF-C799-9600728B698B}"/>
+              </a:ext>
+            </a:extLst>
+          </p:cNvPr>
+          <p:cNvCxnSpPr>
+            <a:cxnSpLocks/>
+            <a:stCxn id="16" idx="2"/>
+            <a:endCxn id="48" idx="0"/>
+          </p:cNvCxnSpPr>
+          <p:nvPr/>
+        </p:nvCxnSpPr>
+        <p:spPr>
+          <a:xfrm>
+            <a:off x="7056774" y="2494563"/>
+            <a:ext cx="0" cy="420933"/>
+          </a:xfrm>
+          <a:prstGeom prst="straightConnector1">
+            <a:avLst/>
+          </a:prstGeom>
+          <a:noFill/>
+          <a:ln w="9525" cap="flat" cmpd="sng">
+            <a:solidFill>
+              <a:srgbClr val="3B7FF2"/>
+            </a:solidFill>
+            <a:prstDash val="solid"/>
+            <a:round/>
+            <a:headEnd type="none" w="sm" len="sm"/>
+            <a:tailEnd type="triangle" w="med" len="med"/>
+          </a:ln>
+        </p:spPr>
+      </p:cxnSp>
+      <p:sp>
+        <p:nvSpPr>
+          <p:cNvPr id="20" name="Google Shape;166;p16">
+            <a:extLst>
+              <a:ext uri="{FF2B5EF4-FFF2-40B4-BE49-F238E27FC236}">
+                <a16:creationId xmlns:a16="http://schemas.microsoft.com/office/drawing/2014/main" id="{119FF112-56CD-B9C7-BD29-FE3FE11A32F8}"/>
+              </a:ext>
+            </a:extLst>
+          </p:cNvPr>
+          <p:cNvSpPr txBox="1"/>
+          <p:nvPr/>
+        </p:nvSpPr>
+        <p:spPr>
+          <a:xfrm>
+            <a:off x="7056773" y="2525164"/>
+            <a:ext cx="1010476" cy="307777"/>
+          </a:xfrm>
+          <a:prstGeom prst="rect">
+            <a:avLst/>
+          </a:prstGeom>
+          <a:noFill/>
+          <a:ln>
+            <a:noFill/>
+          </a:ln>
+        </p:spPr>
+        <p:txBody>
+          <a:bodyPr spcFirstLastPara="1" wrap="square" lIns="91425" tIns="45700" rIns="91425" bIns="45700" anchor="t" anchorCtr="0">
+            <a:spAutoFit/>
+          </a:bodyPr>
+          <a:lstStyle/>
+          <a:p>
+            <a:pPr marL="0" marR="0" lvl="0" indent="0" algn="l" rtl="0">
+              <a:lnSpc>
+                <a:spcPct val="100000"/>
+              </a:lnSpc>
+              <a:spcBef>
+                <a:spcPts val="0"/>
+              </a:spcBef>
+              <a:spcAft>
+                <a:spcPts val="0"/>
+              </a:spcAft>
+              <a:buClr>
+                <a:srgbClr val="000000"/>
+              </a:buClr>
+              <a:buSzPts val="1400"/>
+              <a:buFont typeface="Arial"/>
+              <a:buNone/>
+            </a:pPr>
+            <a:r>
+              <a:rPr lang="en-US" sz="1400" b="1" i="0" u="none" strike="noStrike" cap="none" dirty="0">
+                <a:solidFill>
+                  <a:srgbClr val="000000"/>
+                </a:solidFill>
+                <a:latin typeface="Arial"/>
+                <a:ea typeface="Arial"/>
+                <a:cs typeface="Arial"/>
+                <a:sym typeface="Arial"/>
+              </a:rPr>
+              <a:t>COMMIT</a:t>
+            </a:r>
+            <a:endParaRPr sz="1400" b="0" i="0" u="none" strike="noStrike" cap="none" dirty="0">
+              <a:solidFill>
+                <a:srgbClr val="000000"/>
+              </a:solidFill>
+              <a:latin typeface="Arial"/>
+              <a:ea typeface="Arial"/>
+              <a:cs typeface="Arial"/>
+              <a:sym typeface="Arial"/>
+            </a:endParaRPr>
+          </a:p>
+        </p:txBody>
+      </p:sp>
+      <p:sp>
+        <p:nvSpPr>
+          <p:cNvPr id="46" name="Google Shape;241;p23">
+            <a:extLst>
+              <a:ext uri="{FF2B5EF4-FFF2-40B4-BE49-F238E27FC236}">
+                <a16:creationId xmlns:a16="http://schemas.microsoft.com/office/drawing/2014/main" id="{9EE55DE1-C422-E1F1-80D7-63CE9FFA4760}"/>
+              </a:ext>
+            </a:extLst>
+          </p:cNvPr>
+          <p:cNvSpPr/>
+          <p:nvPr/>
+        </p:nvSpPr>
+        <p:spPr>
+          <a:xfrm>
+            <a:off x="3238094" y="4197528"/>
+            <a:ext cx="1725433" cy="651673"/>
+          </a:xfrm>
+          <a:prstGeom prst="roundRect">
+            <a:avLst>
+              <a:gd name="adj" fmla="val 16667"/>
+            </a:avLst>
+          </a:prstGeom>
+          <a:solidFill>
+            <a:schemeClr val="accent4"/>
+          </a:solidFill>
+          <a:ln w="25400" cap="flat" cmpd="sng">
+            <a:solidFill>
+              <a:srgbClr val="6B481B"/>
+            </a:solidFill>
+            <a:prstDash val="solid"/>
+            <a:round/>
+            <a:headEnd type="none" w="sm" len="sm"/>
+            <a:tailEnd type="none" w="sm" len="sm"/>
+          </a:ln>
+        </p:spPr>
+        <p:txBody>
+          <a:bodyPr spcFirstLastPara="1" wrap="square" lIns="91425" tIns="45700" rIns="91425" bIns="45700" anchor="ctr" anchorCtr="0">
+            <a:noAutofit/>
+          </a:bodyPr>
+          <a:lstStyle/>
+          <a:p>
+            <a:pPr marL="0" marR="0" lvl="0" indent="0" algn="ctr" rtl="0">
+              <a:lnSpc>
+                <a:spcPct val="100000"/>
+              </a:lnSpc>
+              <a:spcBef>
+                <a:spcPts val="0"/>
+              </a:spcBef>
+              <a:spcAft>
+                <a:spcPts val="0"/>
+              </a:spcAft>
+              <a:buClr>
+                <a:srgbClr val="000000"/>
+              </a:buClr>
+              <a:buSzPts val="1400"/>
+              <a:buFont typeface="Arial"/>
+              <a:buNone/>
+            </a:pPr>
+            <a:r>
+              <a:rPr lang="en-US" sz="1200" b="0" i="0" u="none" strike="noStrike" cap="none" dirty="0">
+                <a:solidFill>
+                  <a:schemeClr val="lt1"/>
+                </a:solidFill>
+                <a:latin typeface="Arial"/>
+                <a:ea typeface="Arial"/>
+                <a:cs typeface="Arial"/>
+                <a:sym typeface="Arial"/>
+              </a:rPr>
+              <a:t>User’s Local Repo</a:t>
+            </a:r>
+            <a:endParaRPr sz="1200" b="0" i="0" u="none" strike="noStrike" cap="none" dirty="0">
+              <a:solidFill>
+                <a:srgbClr val="000000"/>
+              </a:solidFill>
+              <a:latin typeface="Arial"/>
+              <a:ea typeface="Arial"/>
+              <a:cs typeface="Arial"/>
+              <a:sym typeface="Arial"/>
+            </a:endParaRPr>
+          </a:p>
+          <a:p>
+            <a:pPr marL="0" marR="0" lvl="0" indent="0" algn="ctr" rtl="0">
+              <a:lnSpc>
+                <a:spcPct val="100000"/>
+              </a:lnSpc>
+              <a:spcBef>
+                <a:spcPts val="0"/>
+              </a:spcBef>
+              <a:spcAft>
+                <a:spcPts val="0"/>
+              </a:spcAft>
+              <a:buClr>
+                <a:srgbClr val="000000"/>
+              </a:buClr>
+              <a:buSzPts val="1400"/>
+              <a:buFont typeface="Arial"/>
+              <a:buNone/>
+            </a:pPr>
+            <a:r>
+              <a:rPr lang="en-US" sz="1200" b="0" i="0" u="none" strike="noStrike" cap="none" dirty="0">
+                <a:solidFill>
+                  <a:schemeClr val="lt1"/>
+                </a:solidFill>
+                <a:latin typeface="Arial"/>
+                <a:ea typeface="Arial"/>
+                <a:cs typeface="Arial"/>
+                <a:sym typeface="Arial"/>
+              </a:rPr>
+              <a:t>(main)</a:t>
+            </a:r>
+            <a:endParaRPr sz="1200" b="0" i="0" u="none" strike="noStrike" cap="none" dirty="0">
+              <a:solidFill>
+                <a:srgbClr val="000000"/>
+              </a:solidFill>
+              <a:latin typeface="Arial"/>
+              <a:ea typeface="Arial"/>
+              <a:cs typeface="Arial"/>
+              <a:sym typeface="Arial"/>
+            </a:endParaRPr>
+          </a:p>
+        </p:txBody>
+      </p:sp>
+      <p:sp>
+        <p:nvSpPr>
+          <p:cNvPr id="47" name="Google Shape;242;p23">
+            <a:extLst>
+              <a:ext uri="{FF2B5EF4-FFF2-40B4-BE49-F238E27FC236}">
+                <a16:creationId xmlns:a16="http://schemas.microsoft.com/office/drawing/2014/main" id="{83726611-6DD8-5260-013B-2530892ED4F1}"/>
+              </a:ext>
+            </a:extLst>
+          </p:cNvPr>
+          <p:cNvSpPr/>
+          <p:nvPr/>
+        </p:nvSpPr>
+        <p:spPr>
+          <a:xfrm>
+            <a:off x="559617" y="2894501"/>
+            <a:ext cx="1725433" cy="693780"/>
+          </a:xfrm>
+          <a:prstGeom prst="roundRect">
+            <a:avLst>
+              <a:gd name="adj" fmla="val 16667"/>
+            </a:avLst>
+          </a:prstGeom>
+          <a:solidFill>
+            <a:schemeClr val="accent1"/>
           </a:solidFill>
           <a:ln w="25400" cap="flat" cmpd="sng">
             <a:solidFill>
@@ -11428,7 +12570,177 @@
                 <a:cs typeface="Arial"/>
                 <a:sym typeface="Arial"/>
               </a:rPr>
-              <a:t>Process B</a:t>
+              <a:t>User’s </a:t>
+            </a:r>
+            <a:r>
+              <a:rPr lang="en-US" sz="1200" b="0" i="0" u="none" strike="noStrike" cap="none" dirty="0" err="1">
+                <a:solidFill>
+                  <a:schemeClr val="lt1"/>
+                </a:solidFill>
+                <a:latin typeface="Arial"/>
+                <a:ea typeface="Arial"/>
+                <a:cs typeface="Arial"/>
+                <a:sym typeface="Arial"/>
+              </a:rPr>
+              <a:t>Github</a:t>
+            </a:r>
+            <a:r>
+              <a:rPr lang="en-US" sz="1200" b="0" i="0" u="none" strike="noStrike" cap="none" dirty="0">
+                <a:solidFill>
+                  <a:schemeClr val="lt1"/>
+                </a:solidFill>
+                <a:latin typeface="Arial"/>
+                <a:ea typeface="Arial"/>
+                <a:cs typeface="Arial"/>
+                <a:sym typeface="Arial"/>
+              </a:rPr>
+              <a:t> Repo</a:t>
+            </a:r>
+            <a:endParaRPr sz="1200" b="0" i="0" u="none" strike="noStrike" cap="none" dirty="0">
+              <a:solidFill>
+                <a:srgbClr val="000000"/>
+              </a:solidFill>
+              <a:latin typeface="Arial"/>
+              <a:ea typeface="Arial"/>
+              <a:cs typeface="Arial"/>
+              <a:sym typeface="Arial"/>
+            </a:endParaRPr>
+          </a:p>
+          <a:p>
+            <a:pPr marL="0" marR="0" lvl="0" indent="0" algn="ctr" rtl="0">
+              <a:lnSpc>
+                <a:spcPct val="100000"/>
+              </a:lnSpc>
+              <a:spcBef>
+                <a:spcPts val="0"/>
+              </a:spcBef>
+              <a:spcAft>
+                <a:spcPts val="0"/>
+              </a:spcAft>
+              <a:buClr>
+                <a:srgbClr val="000000"/>
+              </a:buClr>
+              <a:buSzPts val="1400"/>
+              <a:buFont typeface="Arial"/>
+              <a:buNone/>
+            </a:pPr>
+            <a:r>
+              <a:rPr lang="en-US" sz="1200" b="0" i="0" u="none" strike="noStrike" cap="none" dirty="0">
+                <a:solidFill>
+                  <a:schemeClr val="lt1"/>
+                </a:solidFill>
+                <a:latin typeface="Arial"/>
+                <a:ea typeface="Arial"/>
+                <a:cs typeface="Arial"/>
+                <a:sym typeface="Arial"/>
+              </a:rPr>
+              <a:t>(branch lesson-3)</a:t>
+            </a:r>
+            <a:endParaRPr sz="1200" b="0" i="0" u="none" strike="noStrike" cap="none" dirty="0">
+              <a:solidFill>
+                <a:srgbClr val="000000"/>
+              </a:solidFill>
+              <a:latin typeface="Arial"/>
+              <a:ea typeface="Arial"/>
+              <a:cs typeface="Arial"/>
+              <a:sym typeface="Arial"/>
+            </a:endParaRPr>
+          </a:p>
+        </p:txBody>
+      </p:sp>
+      <p:sp>
+        <p:nvSpPr>
+          <p:cNvPr id="48" name="Google Shape;243;p23">
+            <a:extLst>
+              <a:ext uri="{FF2B5EF4-FFF2-40B4-BE49-F238E27FC236}">
+                <a16:creationId xmlns:a16="http://schemas.microsoft.com/office/drawing/2014/main" id="{B1827B9C-9DD8-B926-2D15-E4CBC7BA82AC}"/>
+              </a:ext>
+            </a:extLst>
+          </p:cNvPr>
+          <p:cNvSpPr/>
+          <p:nvPr/>
+        </p:nvSpPr>
+        <p:spPr>
+          <a:xfrm>
+            <a:off x="6194057" y="2915496"/>
+            <a:ext cx="1725433" cy="659016"/>
+          </a:xfrm>
+          <a:prstGeom prst="roundRect">
+            <a:avLst>
+              <a:gd name="adj" fmla="val 16667"/>
+            </a:avLst>
+          </a:prstGeom>
+          <a:solidFill>
+            <a:schemeClr val="accent4"/>
+          </a:solidFill>
+          <a:ln w="25400" cap="flat" cmpd="sng">
+            <a:solidFill>
+              <a:srgbClr val="6B481B"/>
+            </a:solidFill>
+            <a:prstDash val="solid"/>
+            <a:round/>
+            <a:headEnd type="none" w="sm" len="sm"/>
+            <a:tailEnd type="none" w="sm" len="sm"/>
+          </a:ln>
+        </p:spPr>
+        <p:txBody>
+          <a:bodyPr spcFirstLastPara="1" wrap="square" lIns="91425" tIns="45700" rIns="91425" bIns="45700" anchor="ctr" anchorCtr="0">
+            <a:noAutofit/>
+          </a:bodyPr>
+          <a:lstStyle/>
+          <a:p>
+            <a:pPr marL="0" marR="0" lvl="0" indent="0" algn="ctr" rtl="0">
+              <a:lnSpc>
+                <a:spcPct val="100000"/>
+              </a:lnSpc>
+              <a:spcBef>
+                <a:spcPts val="0"/>
+              </a:spcBef>
+              <a:spcAft>
+                <a:spcPts val="0"/>
+              </a:spcAft>
+              <a:buClr>
+                <a:srgbClr val="000000"/>
+              </a:buClr>
+              <a:buSzPts val="1400"/>
+              <a:buFont typeface="Arial"/>
+              <a:buNone/>
+            </a:pPr>
+            <a:endParaRPr sz="1400" b="0" i="0" u="none" strike="noStrike" cap="none" dirty="0">
+              <a:solidFill>
+                <a:schemeClr val="lt1"/>
+              </a:solidFill>
+              <a:latin typeface="Arial"/>
+              <a:ea typeface="Arial"/>
+              <a:cs typeface="Arial"/>
+              <a:sym typeface="Arial"/>
+            </a:endParaRPr>
+          </a:p>
+          <a:p>
+            <a:pPr lvl="0" algn="ctr">
+              <a:buSzPts val="1400"/>
+            </a:pPr>
+            <a:r>
+              <a:rPr lang="en-US" sz="1200" dirty="0">
+                <a:solidFill>
+                  <a:schemeClr val="lt1"/>
+                </a:solidFill>
+              </a:rPr>
+              <a:t>User’s Local Repo</a:t>
+            </a:r>
+            <a:endParaRPr lang="en-US" sz="1200" dirty="0"/>
+          </a:p>
+          <a:p>
+            <a:pPr lvl="0" algn="ctr">
+              <a:buSzPts val="1400"/>
+            </a:pPr>
+            <a:r>
+              <a:rPr lang="en-US" sz="1200" dirty="0">
+                <a:solidFill>
+                  <a:schemeClr val="lt1"/>
+                </a:solidFill>
+              </a:rPr>
+              <a:t>Working Directory</a:t>
             </a:r>
           </a:p>
           <a:p>
@@ -11450,13 +12762,26 @@
               <a:buNone/>
             </a:pPr>
             <a:r>
-              <a:rPr lang="en-US" sz="1200" dirty="0">
+              <a:rPr lang="en-US" sz="1200" b="0" i="0" u="none" strike="noStrike" cap="none" dirty="0">
                 <a:solidFill>
                   <a:schemeClr val="lt1"/>
                 </a:solidFill>
+                <a:latin typeface="Arial"/>
+                <a:ea typeface="Arial"/>
+                <a:cs typeface="Arial"/>
+                <a:sym typeface="Arial"/>
               </a:rPr>
-              <a:t>(could be local </a:t>
+              <a:t>(branch lesson-3)</a:t>
             </a:r>
+            <a:endParaRPr sz="1200" b="0" i="0" u="none" strike="noStrike" cap="none" dirty="0">
+              <a:solidFill>
+                <a:srgbClr val="000000"/>
+              </a:solidFill>
+              <a:latin typeface="Arial"/>
+              <a:ea typeface="Arial"/>
+              <a:cs typeface="Arial"/>
+              <a:sym typeface="Arial"/>
+            </a:endParaRPr>
           </a:p>
           <a:p>
             <a:pPr marL="0" marR="0" lvl="0" indent="0" algn="ctr" rtl="0">
@@ -11476,15 +12801,7 @@
               <a:buFont typeface="Arial"/>
               <a:buNone/>
             </a:pPr>
-            <a:r>
-              <a:rPr lang="en-US" sz="1200" dirty="0">
-                <a:solidFill>
-                  <a:schemeClr val="lt1"/>
-                </a:solidFill>
-              </a:rPr>
-              <a:t>or remote)</a:t>
-            </a:r>
-            <a:endParaRPr lang="en-US" sz="1200" b="0" i="0" u="none" strike="noStrike" cap="none" dirty="0">
+            <a:endParaRPr sz="1400" b="0" i="0" u="none" strike="noStrike" cap="none" dirty="0">
               <a:solidFill>
                 <a:schemeClr val="lt1"/>
               </a:solidFill>
@@ -11496,60 +12813,26 @@
           </a:p>
         </p:txBody>
       </p:sp>
-      <p:sp>
-        <p:nvSpPr>
-          <p:cNvPr id="4" name="TextBox 3">
+      <p:cxnSp>
+        <p:nvCxnSpPr>
+          <p:cNvPr id="49" name="Google Shape;244;p23">
             <a:extLst>
               <a:ext uri="{FF2B5EF4-FFF2-40B4-BE49-F238E27FC236}">
-                <a16:creationId xmlns:a16="http://schemas.microsoft.com/office/drawing/2014/main" id="{9878474B-C0C8-4FD1-CC90-9D2CCA457CF4}"/>
-              </a:ext>
-            </a:extLst>
-          </p:cNvPr>
-          <p:cNvSpPr txBox="1"/>
-          <p:nvPr/>
-        </p:nvSpPr>
-        <p:spPr>
-          <a:xfrm>
-            <a:off x="919174" y="187193"/>
-            <a:ext cx="4945336" cy="400110"/>
-          </a:xfrm>
-          <a:prstGeom prst="rect">
-            <a:avLst/>
-          </a:prstGeom>
-          <a:noFill/>
-        </p:spPr>
-        <p:txBody>
-          <a:bodyPr wrap="square" rtlCol="0">
-            <a:spAutoFit/>
-          </a:bodyPr>
-          <a:lstStyle/>
-          <a:p>
-            <a:pPr algn="ctr"/>
-            <a:r>
-              <a:rPr lang="en-US" sz="2000" b="1" dirty="0"/>
-              <a:t>Synchronous Programming</a:t>
-            </a:r>
-          </a:p>
-        </p:txBody>
-      </p:sp>
-      <p:cxnSp>
-        <p:nvCxnSpPr>
-          <p:cNvPr id="8" name="Google Shape;247;p23">
-            <a:extLst>
-              <a:ext uri="{FF2B5EF4-FFF2-40B4-BE49-F238E27FC236}">
-                <a16:creationId xmlns:a16="http://schemas.microsoft.com/office/drawing/2014/main" id="{058E85AE-F7A8-AF17-4655-2C3F06831BA9}"/>
+                <a16:creationId xmlns:a16="http://schemas.microsoft.com/office/drawing/2014/main" id="{4AEE66E6-C3CF-1033-D1BD-05361584EE19}"/>
               </a:ext>
             </a:extLst>
           </p:cNvPr>
           <p:cNvCxnSpPr>
             <a:cxnSpLocks/>
+            <a:stCxn id="48" idx="1"/>
+            <a:endCxn id="47" idx="3"/>
           </p:cNvCxnSpPr>
           <p:nvPr/>
         </p:nvCxnSpPr>
         <p:spPr>
-          <a:xfrm>
-            <a:off x="5003731" y="1446904"/>
-            <a:ext cx="0" cy="3130291"/>
+          <a:xfrm flipH="1" flipV="1">
+            <a:off x="2285050" y="3241391"/>
+            <a:ext cx="3909007" cy="3613"/>
           </a:xfrm>
           <a:prstGeom prst="straightConnector1">
             <a:avLst/>
@@ -11568,10 +12851,10 @@
       </p:cxnSp>
       <p:sp>
         <p:nvSpPr>
-          <p:cNvPr id="10" name="TextBox 9">
+          <p:cNvPr id="50" name="Google Shape;245;p23">
             <a:extLst>
               <a:ext uri="{FF2B5EF4-FFF2-40B4-BE49-F238E27FC236}">
-                <a16:creationId xmlns:a16="http://schemas.microsoft.com/office/drawing/2014/main" id="{C9CB3FC5-DBE4-A576-5280-9722BDC76DB5}"/>
+                <a16:creationId xmlns:a16="http://schemas.microsoft.com/office/drawing/2014/main" id="{6E5EB1D0-D23B-36CF-4581-5382417C01E2}"/>
               </a:ext>
             </a:extLst>
           </p:cNvPr>
@@ -11580,77 +12863,222 @@
         </p:nvSpPr>
         <p:spPr>
           <a:xfrm>
-            <a:off x="1810487" y="2071295"/>
-            <a:ext cx="3202130" cy="246221"/>
+            <a:off x="3697508" y="2935910"/>
+            <a:ext cx="1010476" cy="307777"/>
           </a:xfrm>
           <a:prstGeom prst="rect">
             <a:avLst/>
           </a:prstGeom>
           <a:noFill/>
+          <a:ln>
+            <a:noFill/>
+          </a:ln>
         </p:spPr>
         <p:txBody>
-          <a:bodyPr wrap="square" rtlCol="0">
+          <a:bodyPr spcFirstLastPara="1" wrap="square" lIns="91425" tIns="45700" rIns="91425" bIns="45700" anchor="t" anchorCtr="0">
             <a:spAutoFit/>
           </a:bodyPr>
           <a:lstStyle/>
           <a:p>
-            <a:pPr algn="ctr"/>
+            <a:pPr marL="0" marR="0" lvl="0" indent="0" algn="l" rtl="0">
+              <a:lnSpc>
+                <a:spcPct val="100000"/>
+              </a:lnSpc>
+              <a:spcBef>
+                <a:spcPts val="0"/>
+              </a:spcBef>
+              <a:spcAft>
+                <a:spcPts val="0"/>
+              </a:spcAft>
+              <a:buClr>
+                <a:srgbClr val="000000"/>
+              </a:buClr>
+              <a:buSzPts val="1400"/>
+              <a:buFont typeface="Arial"/>
+              <a:buNone/>
+            </a:pPr>
             <a:r>
-              <a:rPr lang="en-US" sz="1000" dirty="0"/>
-              <a:t>Ask Process B to perform a task and report back</a:t>
+              <a:rPr lang="en-US" sz="1400" b="1" i="0" u="none" strike="noStrike" cap="none" dirty="0">
+                <a:solidFill>
+                  <a:srgbClr val="000000"/>
+                </a:solidFill>
+                <a:latin typeface="Arial"/>
+                <a:ea typeface="Arial"/>
+                <a:cs typeface="Arial"/>
+                <a:sym typeface="Arial"/>
+              </a:rPr>
+              <a:t>PUSH</a:t>
             </a:r>
+            <a:endParaRPr sz="1400" b="0" i="0" u="none" strike="noStrike" cap="none" dirty="0">
+              <a:solidFill>
+                <a:srgbClr val="000000"/>
+              </a:solidFill>
+              <a:latin typeface="Arial"/>
+              <a:ea typeface="Arial"/>
+              <a:cs typeface="Arial"/>
+              <a:sym typeface="Arial"/>
+            </a:endParaRPr>
           </a:p>
         </p:txBody>
       </p:sp>
       <p:sp>
         <p:nvSpPr>
-          <p:cNvPr id="12" name="TextBox 11">
+          <p:cNvPr id="51" name="Google Shape;246;p23">
             <a:extLst>
               <a:ext uri="{FF2B5EF4-FFF2-40B4-BE49-F238E27FC236}">
-                <a16:creationId xmlns:a16="http://schemas.microsoft.com/office/drawing/2014/main" id="{4D107AD4-AC25-0D8C-98C9-82C227D6B286}"/>
+                <a16:creationId xmlns:a16="http://schemas.microsoft.com/office/drawing/2014/main" id="{BA6569A1-1E3B-4AE6-AF85-5894978F751F}"/>
               </a:ext>
             </a:extLst>
           </p:cNvPr>
-          <p:cNvSpPr txBox="1"/>
+          <p:cNvSpPr/>
           <p:nvPr/>
         </p:nvSpPr>
         <p:spPr>
           <a:xfrm>
-            <a:off x="787210" y="2602588"/>
-            <a:ext cx="1023277" cy="553998"/>
+            <a:off x="559617" y="4197528"/>
+            <a:ext cx="1725433" cy="651673"/>
           </a:xfrm>
-          <a:prstGeom prst="rect">
-            <a:avLst/>
+          <a:prstGeom prst="roundRect">
+            <a:avLst>
+              <a:gd name="adj" fmla="val 16667"/>
+            </a:avLst>
           </a:prstGeom>
-          <a:noFill/>
+          <a:solidFill>
+            <a:schemeClr val="accent1"/>
+          </a:solidFill>
+          <a:ln w="25400" cap="flat" cmpd="sng">
+            <a:solidFill>
+              <a:srgbClr val="1B3867"/>
+            </a:solidFill>
+            <a:prstDash val="solid"/>
+            <a:round/>
+            <a:headEnd type="none" w="sm" len="sm"/>
+            <a:tailEnd type="none" w="sm" len="sm"/>
+          </a:ln>
         </p:spPr>
         <p:txBody>
-          <a:bodyPr wrap="square" rtlCol="0">
-            <a:spAutoFit/>
+          <a:bodyPr spcFirstLastPara="1" wrap="square" lIns="91425" tIns="45700" rIns="91425" bIns="45700" anchor="ctr" anchorCtr="0">
+            <a:noAutofit/>
           </a:bodyPr>
           <a:lstStyle/>
           <a:p>
-            <a:pPr algn="ctr"/>
+            <a:pPr marL="0" marR="0" lvl="0" indent="0" algn="ctr" rtl="0">
+              <a:lnSpc>
+                <a:spcPct val="100000"/>
+              </a:lnSpc>
+              <a:spcBef>
+                <a:spcPts val="0"/>
+              </a:spcBef>
+              <a:spcAft>
+                <a:spcPts val="0"/>
+              </a:spcAft>
+              <a:buClr>
+                <a:srgbClr val="000000"/>
+              </a:buClr>
+              <a:buSzPts val="1400"/>
+              <a:buFont typeface="Arial"/>
+              <a:buNone/>
+            </a:pPr>
             <a:r>
-              <a:rPr lang="en-US" sz="1000" dirty="0"/>
-              <a:t>Wait for the response from</a:t>
+              <a:rPr lang="en-US" sz="1200" b="0" i="0" u="none" strike="noStrike" cap="none" dirty="0">
+                <a:solidFill>
+                  <a:schemeClr val="lt1"/>
+                </a:solidFill>
+                <a:latin typeface="Arial"/>
+                <a:ea typeface="Arial"/>
+                <a:cs typeface="Arial"/>
+                <a:sym typeface="Arial"/>
+              </a:rPr>
+              <a:t>User’s </a:t>
             </a:r>
+            <a:r>
+              <a:rPr lang="en-US" sz="1200" b="0" i="0" u="none" strike="noStrike" cap="none" dirty="0" err="1">
+                <a:solidFill>
+                  <a:schemeClr val="lt1"/>
+                </a:solidFill>
+                <a:latin typeface="Arial"/>
+                <a:ea typeface="Arial"/>
+                <a:cs typeface="Arial"/>
+                <a:sym typeface="Arial"/>
+              </a:rPr>
+              <a:t>Github</a:t>
+            </a:r>
+            <a:r>
+              <a:rPr lang="en-US" sz="1200" b="0" i="0" u="none" strike="noStrike" cap="none" dirty="0">
+                <a:solidFill>
+                  <a:schemeClr val="lt1"/>
+                </a:solidFill>
+                <a:latin typeface="Arial"/>
+                <a:ea typeface="Arial"/>
+                <a:cs typeface="Arial"/>
+                <a:sym typeface="Arial"/>
+              </a:rPr>
+              <a:t> Repo</a:t>
+            </a:r>
+            <a:endParaRPr sz="1200" b="0" i="0" u="none" strike="noStrike" cap="none" dirty="0">
+              <a:solidFill>
+                <a:srgbClr val="000000"/>
+              </a:solidFill>
+              <a:latin typeface="Arial"/>
+              <a:ea typeface="Arial"/>
+              <a:cs typeface="Arial"/>
+              <a:sym typeface="Arial"/>
+            </a:endParaRPr>
           </a:p>
           <a:p>
-            <a:pPr algn="ctr"/>
+            <a:pPr lvl="0" algn="ctr">
+              <a:buSzPts val="1400"/>
+            </a:pPr>
             <a:r>
-              <a:rPr lang="en-US" sz="1000" dirty="0"/>
-              <a:t>Process B</a:t>
+              <a:rPr lang="en-US" sz="1200" b="0" i="0" u="none" strike="noStrike" cap="none" dirty="0">
+                <a:solidFill>
+                  <a:schemeClr val="lt1"/>
+                </a:solidFill>
+                <a:latin typeface="Arial"/>
+                <a:ea typeface="Arial"/>
+                <a:cs typeface="Arial"/>
+                <a:sym typeface="Arial"/>
+              </a:rPr>
+              <a:t>(</a:t>
             </a:r>
+            <a:r>
+              <a:rPr lang="en-US" sz="1200" dirty="0">
+                <a:solidFill>
+                  <a:schemeClr val="lt1"/>
+                </a:solidFill>
+              </a:rPr>
+              <a:t>main</a:t>
+            </a:r>
+            <a:r>
+              <a:rPr lang="en-US" sz="1200" b="0" i="0" u="none" strike="noStrike" cap="none" dirty="0">
+                <a:solidFill>
+                  <a:schemeClr val="lt1"/>
+                </a:solidFill>
+                <a:latin typeface="Arial"/>
+                <a:ea typeface="Arial"/>
+                <a:cs typeface="Arial"/>
+                <a:sym typeface="Arial"/>
+              </a:rPr>
+              <a:t>)</a:t>
+            </a:r>
+            <a:endParaRPr sz="1200" b="0" i="0" u="none" strike="noStrike" cap="none" dirty="0">
+              <a:solidFill>
+                <a:srgbClr val="000000"/>
+              </a:solidFill>
+              <a:latin typeface="Arial"/>
+              <a:ea typeface="Arial"/>
+              <a:cs typeface="Arial"/>
+              <a:sym typeface="Arial"/>
+            </a:endParaRPr>
           </a:p>
         </p:txBody>
       </p:sp>
       <p:cxnSp>
         <p:nvCxnSpPr>
-          <p:cNvPr id="22" name="Google Shape;141;p14">
+          <p:cNvPr id="52" name="Google Shape;247;p23">
             <a:extLst>
               <a:ext uri="{FF2B5EF4-FFF2-40B4-BE49-F238E27FC236}">
-                <a16:creationId xmlns:a16="http://schemas.microsoft.com/office/drawing/2014/main" id="{9278AACD-5CCF-9A15-AE44-4485C4A637C1}"/>
+                <a16:creationId xmlns:a16="http://schemas.microsoft.com/office/drawing/2014/main" id="{7E1ED1AC-C290-21C8-6A75-089F22FFF59C}"/>
               </a:ext>
             </a:extLst>
           </p:cNvPr>
@@ -11660,9 +13088,9 @@
           <p:nvPr/>
         </p:nvCxnSpPr>
         <p:spPr>
-          <a:xfrm rot="10800000">
-            <a:off x="1795220" y="3287769"/>
-            <a:ext cx="3193244" cy="0"/>
+          <a:xfrm>
+            <a:off x="1422333" y="3588281"/>
+            <a:ext cx="0" cy="609247"/>
           </a:xfrm>
           <a:prstGeom prst="straightConnector1">
             <a:avLst/>
@@ -11681,10 +13109,10 @@
       </p:cxnSp>
       <p:sp>
         <p:nvSpPr>
-          <p:cNvPr id="23" name="TextBox 22">
+          <p:cNvPr id="53" name="Google Shape;248;p23">
             <a:extLst>
               <a:ext uri="{FF2B5EF4-FFF2-40B4-BE49-F238E27FC236}">
-                <a16:creationId xmlns:a16="http://schemas.microsoft.com/office/drawing/2014/main" id="{3681EED3-B338-5764-8941-E1E02292132D}"/>
+                <a16:creationId xmlns:a16="http://schemas.microsoft.com/office/drawing/2014/main" id="{6C3071B6-A9F0-297F-E46F-1FB9FFE3ACBE}"/>
               </a:ext>
             </a:extLst>
           </p:cNvPr>
@@ -11693,34 +13121,178 @@
         </p:nvSpPr>
         <p:spPr>
           <a:xfrm>
-            <a:off x="1806044" y="3050265"/>
-            <a:ext cx="3202130" cy="246221"/>
+            <a:off x="1457826" y="3719864"/>
+            <a:ext cx="1010476" cy="307777"/>
           </a:xfrm>
           <a:prstGeom prst="rect">
             <a:avLst/>
           </a:prstGeom>
           <a:noFill/>
+          <a:ln>
+            <a:noFill/>
+          </a:ln>
         </p:spPr>
         <p:txBody>
-          <a:bodyPr wrap="square" rtlCol="0">
+          <a:bodyPr spcFirstLastPara="1" wrap="square" lIns="91425" tIns="45700" rIns="91425" bIns="45700" anchor="t" anchorCtr="0">
             <a:spAutoFit/>
           </a:bodyPr>
           <a:lstStyle/>
           <a:p>
-            <a:pPr algn="ctr"/>
+            <a:pPr marL="0" marR="0" lvl="0" indent="0" algn="l" rtl="0">
+              <a:lnSpc>
+                <a:spcPct val="100000"/>
+              </a:lnSpc>
+              <a:spcBef>
+                <a:spcPts val="0"/>
+              </a:spcBef>
+              <a:spcAft>
+                <a:spcPts val="0"/>
+              </a:spcAft>
+              <a:buClr>
+                <a:srgbClr val="000000"/>
+              </a:buClr>
+              <a:buSzPts val="1400"/>
+              <a:buFont typeface="Arial"/>
+              <a:buNone/>
+            </a:pPr>
             <a:r>
-              <a:rPr lang="en-US" sz="1000" dirty="0"/>
-              <a:t>Process B has completed the task</a:t>
+              <a:rPr lang="en-US" sz="1400" b="1" i="0" u="none" strike="noStrike" cap="none" dirty="0">
+                <a:solidFill>
+                  <a:srgbClr val="000000"/>
+                </a:solidFill>
+                <a:latin typeface="Arial"/>
+                <a:ea typeface="Arial"/>
+                <a:cs typeface="Arial"/>
+                <a:sym typeface="Arial"/>
+              </a:rPr>
+              <a:t>MERGE</a:t>
             </a:r>
+            <a:endParaRPr sz="1400" b="0" i="0" u="none" strike="noStrike" cap="none" dirty="0">
+              <a:solidFill>
+                <a:srgbClr val="000000"/>
+              </a:solidFill>
+              <a:latin typeface="Arial"/>
+              <a:ea typeface="Arial"/>
+              <a:cs typeface="Arial"/>
+              <a:sym typeface="Arial"/>
+            </a:endParaRPr>
+          </a:p>
+        </p:txBody>
+      </p:sp>
+      <p:cxnSp>
+        <p:nvCxnSpPr>
+          <p:cNvPr id="54" name="Google Shape;249;p23">
+            <a:extLst>
+              <a:ext uri="{FF2B5EF4-FFF2-40B4-BE49-F238E27FC236}">
+                <a16:creationId xmlns:a16="http://schemas.microsoft.com/office/drawing/2014/main" id="{A169394B-303C-90A6-22AB-DE5C1AF45179}"/>
+              </a:ext>
+            </a:extLst>
+          </p:cNvPr>
+          <p:cNvCxnSpPr>
+            <a:cxnSpLocks/>
+            <a:stCxn id="51" idx="3"/>
+            <a:endCxn id="46" idx="1"/>
+          </p:cNvCxnSpPr>
+          <p:nvPr/>
+        </p:nvCxnSpPr>
+        <p:spPr>
+          <a:xfrm>
+            <a:off x="2285050" y="4523365"/>
+            <a:ext cx="953044" cy="0"/>
+          </a:xfrm>
+          <a:prstGeom prst="straightConnector1">
+            <a:avLst/>
+          </a:prstGeom>
+          <a:noFill/>
+          <a:ln w="9525" cap="flat" cmpd="sng">
+            <a:solidFill>
+              <a:srgbClr val="3B7FF2"/>
+            </a:solidFill>
+            <a:prstDash val="solid"/>
+            <a:round/>
+            <a:headEnd type="none" w="sm" len="sm"/>
+            <a:tailEnd type="triangle" w="med" len="med"/>
+          </a:ln>
+        </p:spPr>
+      </p:cxnSp>
+      <p:sp>
+        <p:nvSpPr>
+          <p:cNvPr id="154" name="Google Shape;245;p23">
+            <a:extLst>
+              <a:ext uri="{FF2B5EF4-FFF2-40B4-BE49-F238E27FC236}">
+                <a16:creationId xmlns:a16="http://schemas.microsoft.com/office/drawing/2014/main" id="{C1BBEE96-367E-60FF-C3D4-8ECC6450F025}"/>
+              </a:ext>
+            </a:extLst>
+          </p:cNvPr>
+          <p:cNvSpPr txBox="1"/>
+          <p:nvPr/>
+        </p:nvSpPr>
+        <p:spPr>
+          <a:xfrm>
+            <a:off x="2427371" y="4244445"/>
+            <a:ext cx="1010476" cy="307777"/>
+          </a:xfrm>
+          <a:prstGeom prst="rect">
+            <a:avLst/>
+          </a:prstGeom>
+          <a:noFill/>
+          <a:ln>
+            <a:noFill/>
+          </a:ln>
+        </p:spPr>
+        <p:txBody>
+          <a:bodyPr spcFirstLastPara="1" wrap="square" lIns="91425" tIns="45700" rIns="91425" bIns="45700" anchor="t" anchorCtr="0">
+            <a:spAutoFit/>
+          </a:bodyPr>
+          <a:lstStyle/>
+          <a:p>
+            <a:pPr marL="0" marR="0" lvl="0" indent="0" algn="l" rtl="0">
+              <a:lnSpc>
+                <a:spcPct val="100000"/>
+              </a:lnSpc>
+              <a:spcBef>
+                <a:spcPts val="0"/>
+              </a:spcBef>
+              <a:spcAft>
+                <a:spcPts val="0"/>
+              </a:spcAft>
+              <a:buClr>
+                <a:srgbClr val="000000"/>
+              </a:buClr>
+              <a:buSzPts val="1400"/>
+              <a:buFont typeface="Arial"/>
+              <a:buNone/>
+            </a:pPr>
+            <a:r>
+              <a:rPr lang="en-US" sz="1400" b="1" i="0" u="none" strike="noStrike" cap="none" dirty="0">
+                <a:solidFill>
+                  <a:srgbClr val="000000"/>
+                </a:solidFill>
+                <a:latin typeface="Arial"/>
+                <a:ea typeface="Arial"/>
+                <a:cs typeface="Arial"/>
+                <a:sym typeface="Arial"/>
+              </a:rPr>
+              <a:t>PULL</a:t>
+            </a:r>
+            <a:endParaRPr sz="1400" b="0" i="0" u="none" strike="noStrike" cap="none" dirty="0">
+              <a:solidFill>
+                <a:srgbClr val="000000"/>
+              </a:solidFill>
+              <a:latin typeface="Arial"/>
+              <a:ea typeface="Arial"/>
+              <a:cs typeface="Arial"/>
+              <a:sym typeface="Arial"/>
+            </a:endParaRPr>
           </a:p>
         </p:txBody>
       </p:sp>
       <p:sp>
         <p:nvSpPr>
-          <p:cNvPr id="24" name="Rectangle 23">
+          <p:cNvPr id="2" name="Rectangle 1">
             <a:extLst>
               <a:ext uri="{FF2B5EF4-FFF2-40B4-BE49-F238E27FC236}">
-                <a16:creationId xmlns:a16="http://schemas.microsoft.com/office/drawing/2014/main" id="{3DEFA680-8417-2CFA-ED1A-17430226F6D6}"/>
+                <a16:creationId xmlns:a16="http://schemas.microsoft.com/office/drawing/2014/main" id="{C1CB40A6-FB51-ACDF-2FA9-C783B34C4947}"/>
               </a:ext>
             </a:extLst>
           </p:cNvPr>
@@ -11729,12 +13301,2214 @@
         </p:nvSpPr>
         <p:spPr>
           <a:xfrm>
-            <a:off x="4634348" y="2474106"/>
-            <a:ext cx="914400" cy="457200"/>
+            <a:off x="2406982" y="582443"/>
+            <a:ext cx="2705343" cy="945005"/>
           </a:xfrm>
           <a:prstGeom prst="rect">
             <a:avLst/>
           </a:prstGeom>
+          <a:noFill/>
+          <a:ln>
+            <a:solidFill>
+              <a:srgbClr val="FF0000"/>
+            </a:solidFill>
+            <a:prstDash val="dash"/>
+          </a:ln>
+        </p:spPr>
+        <p:style>
+          <a:lnRef idx="2">
+            <a:schemeClr val="accent1">
+              <a:shade val="15000"/>
+            </a:schemeClr>
+          </a:lnRef>
+          <a:fillRef idx="1">
+            <a:schemeClr val="accent1"/>
+          </a:fillRef>
+          <a:effectRef idx="0">
+            <a:schemeClr val="accent1"/>
+          </a:effectRef>
+          <a:fontRef idx="minor">
+            <a:schemeClr val="lt1"/>
+          </a:fontRef>
+        </p:style>
+        <p:txBody>
+          <a:bodyPr rtlCol="0" anchor="ctr"/>
+          <a:lstStyle/>
+          <a:p>
+            <a:pPr algn="ctr"/>
+            <a:endParaRPr lang="en-US"/>
+          </a:p>
+        </p:txBody>
+      </p:sp>
+    </p:spTree>
+    <p:extLst>
+      <p:ext uri="{BB962C8B-B14F-4D97-AF65-F5344CB8AC3E}">
+        <p14:creationId xmlns:p14="http://schemas.microsoft.com/office/powerpoint/2010/main" val="3991238436"/>
+      </p:ext>
+    </p:extLst>
+  </p:cSld>
+  <p:clrMapOvr>
+    <a:masterClrMapping/>
+  </p:clrMapOvr>
+</p:sld>
+</file>
+
+<file path=ppt/slides/slide3.xml><?xml version="1.0" encoding="utf-8"?>
+<p:sld xmlns:a="http://schemas.openxmlformats.org/drawingml/2006/main" xmlns:r="http://schemas.openxmlformats.org/officeDocument/2006/relationships" xmlns:p="http://schemas.openxmlformats.org/presentationml/2006/main">
+  <p:cSld>
+    <p:spTree>
+      <p:nvGrpSpPr>
+        <p:cNvPr id="1" name="Shape 136">
+          <a:extLst>
+            <a:ext uri="{FF2B5EF4-FFF2-40B4-BE49-F238E27FC236}">
+              <a16:creationId xmlns:a16="http://schemas.microsoft.com/office/drawing/2014/main" id="{3B18BFCB-981F-D420-90B3-2D9CA3A13A6C}"/>
+            </a:ext>
+          </a:extLst>
+        </p:cNvPr>
+        <p:cNvGrpSpPr/>
+        <p:nvPr/>
+      </p:nvGrpSpPr>
+      <p:grpSpPr>
+        <a:xfrm>
+          <a:off x="0" y="0"/>
+          <a:ext cx="0" cy="0"/>
+          <a:chOff x="0" y="0"/>
+          <a:chExt cx="0" cy="0"/>
+        </a:xfrm>
+      </p:grpSpPr>
+      <p:sp>
+        <p:nvSpPr>
+          <p:cNvPr id="137" name="Google Shape;137;p14">
+            <a:extLst>
+              <a:ext uri="{FF2B5EF4-FFF2-40B4-BE49-F238E27FC236}">
+                <a16:creationId xmlns:a16="http://schemas.microsoft.com/office/drawing/2014/main" id="{A3D3045D-C822-D894-721F-DA0A2DE3FF08}"/>
+              </a:ext>
+            </a:extLst>
+          </p:cNvPr>
+          <p:cNvSpPr/>
+          <p:nvPr/>
+        </p:nvSpPr>
+        <p:spPr>
+          <a:xfrm>
+            <a:off x="559617" y="756716"/>
+            <a:ext cx="1725433" cy="659016"/>
+          </a:xfrm>
+          <a:prstGeom prst="roundRect">
+            <a:avLst>
+              <a:gd name="adj" fmla="val 16667"/>
+            </a:avLst>
+          </a:prstGeom>
+          <a:solidFill>
+            <a:schemeClr val="accent1"/>
+          </a:solidFill>
+          <a:ln w="25400" cap="flat" cmpd="sng">
+            <a:solidFill>
+              <a:srgbClr val="1B3867"/>
+            </a:solidFill>
+            <a:prstDash val="solid"/>
+            <a:round/>
+            <a:headEnd type="none" w="sm" len="sm"/>
+            <a:tailEnd type="none" w="sm" len="sm"/>
+          </a:ln>
+        </p:spPr>
+        <p:txBody>
+          <a:bodyPr spcFirstLastPara="1" wrap="square" lIns="91425" tIns="45700" rIns="91425" bIns="45700" anchor="ctr" anchorCtr="0">
+            <a:noAutofit/>
+          </a:bodyPr>
+          <a:lstStyle/>
+          <a:p>
+            <a:pPr marL="0" marR="0" lvl="0" indent="0" algn="ctr" rtl="0">
+              <a:lnSpc>
+                <a:spcPct val="100000"/>
+              </a:lnSpc>
+              <a:spcBef>
+                <a:spcPts val="0"/>
+              </a:spcBef>
+              <a:spcAft>
+                <a:spcPts val="0"/>
+              </a:spcAft>
+              <a:buClr>
+                <a:srgbClr val="000000"/>
+              </a:buClr>
+              <a:buSzPts val="1400"/>
+              <a:buFont typeface="Arial"/>
+              <a:buNone/>
+            </a:pPr>
+            <a:r>
+              <a:rPr lang="en-US" sz="1200" b="0" i="0" u="none" strike="noStrike" cap="none" dirty="0">
+                <a:solidFill>
+                  <a:schemeClr val="lt1"/>
+                </a:solidFill>
+                <a:latin typeface="Arial"/>
+                <a:ea typeface="Arial"/>
+                <a:cs typeface="Arial"/>
+                <a:sym typeface="Arial"/>
+              </a:rPr>
+              <a:t>User’s </a:t>
+            </a:r>
+            <a:r>
+              <a:rPr lang="en-US" sz="1200" b="0" i="0" u="none" strike="noStrike" cap="none" dirty="0" err="1">
+                <a:solidFill>
+                  <a:schemeClr val="lt1"/>
+                </a:solidFill>
+                <a:latin typeface="Arial"/>
+                <a:ea typeface="Arial"/>
+                <a:cs typeface="Arial"/>
+                <a:sym typeface="Arial"/>
+              </a:rPr>
+              <a:t>Github</a:t>
+            </a:r>
+            <a:r>
+              <a:rPr lang="en-US" sz="1200" b="0" i="0" u="none" strike="noStrike" cap="none" dirty="0">
+                <a:solidFill>
+                  <a:schemeClr val="lt1"/>
+                </a:solidFill>
+                <a:latin typeface="Arial"/>
+                <a:ea typeface="Arial"/>
+                <a:cs typeface="Arial"/>
+                <a:sym typeface="Arial"/>
+              </a:rPr>
+              <a:t> Repo</a:t>
+            </a:r>
+          </a:p>
+          <a:p>
+            <a:pPr marL="0" marR="0" lvl="0" indent="0" algn="ctr" rtl="0">
+              <a:lnSpc>
+                <a:spcPct val="100000"/>
+              </a:lnSpc>
+              <a:spcBef>
+                <a:spcPts val="0"/>
+              </a:spcBef>
+              <a:spcAft>
+                <a:spcPts val="0"/>
+              </a:spcAft>
+              <a:buClr>
+                <a:srgbClr val="000000"/>
+              </a:buClr>
+              <a:buSzPts val="1400"/>
+              <a:buFont typeface="Arial"/>
+              <a:buNone/>
+            </a:pPr>
+            <a:r>
+              <a:rPr lang="en-US" sz="1200" dirty="0">
+                <a:solidFill>
+                  <a:schemeClr val="lt1"/>
+                </a:solidFill>
+              </a:rPr>
+              <a:t>(main)</a:t>
+            </a:r>
+            <a:endParaRPr sz="1200" b="0" i="0" u="none" strike="noStrike" cap="none" dirty="0">
+              <a:solidFill>
+                <a:srgbClr val="000000"/>
+              </a:solidFill>
+              <a:latin typeface="Arial"/>
+              <a:ea typeface="Arial"/>
+              <a:cs typeface="Arial"/>
+              <a:sym typeface="Arial"/>
+            </a:endParaRPr>
+          </a:p>
+        </p:txBody>
+      </p:sp>
+      <p:cxnSp>
+        <p:nvCxnSpPr>
+          <p:cNvPr id="138" name="Google Shape;138;p14">
+            <a:extLst>
+              <a:ext uri="{FF2B5EF4-FFF2-40B4-BE49-F238E27FC236}">
+                <a16:creationId xmlns:a16="http://schemas.microsoft.com/office/drawing/2014/main" id="{5F97BAB8-9246-2E7E-484C-A72BBF066705}"/>
+              </a:ext>
+            </a:extLst>
+          </p:cNvPr>
+          <p:cNvCxnSpPr>
+            <a:cxnSpLocks/>
+          </p:cNvCxnSpPr>
+          <p:nvPr/>
+        </p:nvCxnSpPr>
+        <p:spPr>
+          <a:xfrm>
+            <a:off x="2754795" y="8675"/>
+            <a:ext cx="0" cy="5143500"/>
+          </a:xfrm>
+          <a:prstGeom prst="straightConnector1">
+            <a:avLst/>
+          </a:prstGeom>
+          <a:noFill/>
+          <a:ln w="9525" cap="flat" cmpd="sng">
+            <a:solidFill>
+              <a:srgbClr val="3B7FF2"/>
+            </a:solidFill>
+            <a:prstDash val="solid"/>
+            <a:round/>
+            <a:headEnd type="none" w="sm" len="sm"/>
+            <a:tailEnd type="none" w="sm" len="sm"/>
+          </a:ln>
+        </p:spPr>
+      </p:cxnSp>
+      <p:sp>
+        <p:nvSpPr>
+          <p:cNvPr id="139" name="Google Shape;139;p14">
+            <a:extLst>
+              <a:ext uri="{FF2B5EF4-FFF2-40B4-BE49-F238E27FC236}">
+                <a16:creationId xmlns:a16="http://schemas.microsoft.com/office/drawing/2014/main" id="{E4086FF9-8F34-DFE6-C00B-3531D20A602A}"/>
+              </a:ext>
+            </a:extLst>
+          </p:cNvPr>
+          <p:cNvSpPr txBox="1"/>
+          <p:nvPr/>
+        </p:nvSpPr>
+        <p:spPr>
+          <a:xfrm>
+            <a:off x="4236404" y="158675"/>
+            <a:ext cx="2551044" cy="369332"/>
+          </a:xfrm>
+          <a:prstGeom prst="rect">
+            <a:avLst/>
+          </a:prstGeom>
+          <a:solidFill>
+            <a:schemeClr val="accent4"/>
+          </a:solidFill>
+          <a:ln w="25400" cap="flat" cmpd="sng">
+            <a:solidFill>
+              <a:srgbClr val="6B481B"/>
+            </a:solidFill>
+            <a:prstDash val="solid"/>
+            <a:round/>
+            <a:headEnd type="none" w="sm" len="sm"/>
+            <a:tailEnd type="none" w="sm" len="sm"/>
+          </a:ln>
+        </p:spPr>
+        <p:txBody>
+          <a:bodyPr spcFirstLastPara="1" wrap="square" lIns="91425" tIns="45700" rIns="91425" bIns="45700" anchor="t" anchorCtr="0">
+            <a:spAutoFit/>
+          </a:bodyPr>
+          <a:lstStyle/>
+          <a:p>
+            <a:pPr marL="0" marR="0" lvl="0" indent="0" algn="ctr" rtl="0">
+              <a:lnSpc>
+                <a:spcPct val="100000"/>
+              </a:lnSpc>
+              <a:spcBef>
+                <a:spcPts val="0"/>
+              </a:spcBef>
+              <a:spcAft>
+                <a:spcPts val="0"/>
+              </a:spcAft>
+              <a:buClr>
+                <a:srgbClr val="000000"/>
+              </a:buClr>
+              <a:buSzPts val="1800"/>
+              <a:buFont typeface="Arial"/>
+              <a:buNone/>
+            </a:pPr>
+            <a:r>
+              <a:rPr lang="en-US" sz="1800" b="1" i="0" u="none" strike="noStrike" cap="none">
+                <a:solidFill>
+                  <a:schemeClr val="lt1"/>
+                </a:solidFill>
+                <a:latin typeface="Arial"/>
+                <a:ea typeface="Arial"/>
+                <a:cs typeface="Arial"/>
+                <a:sym typeface="Arial"/>
+              </a:rPr>
+              <a:t>LOCAL</a:t>
+            </a:r>
+            <a:endParaRPr sz="1400" b="0" i="0" u="none" strike="noStrike" cap="none">
+              <a:solidFill>
+                <a:srgbClr val="000000"/>
+              </a:solidFill>
+              <a:latin typeface="Arial"/>
+              <a:ea typeface="Arial"/>
+              <a:cs typeface="Arial"/>
+              <a:sym typeface="Arial"/>
+            </a:endParaRPr>
+          </a:p>
+        </p:txBody>
+      </p:sp>
+      <p:sp>
+        <p:nvSpPr>
+          <p:cNvPr id="140" name="Google Shape;140;p14">
+            <a:extLst>
+              <a:ext uri="{FF2B5EF4-FFF2-40B4-BE49-F238E27FC236}">
+                <a16:creationId xmlns:a16="http://schemas.microsoft.com/office/drawing/2014/main" id="{6234D584-EDD4-894F-0917-A0E27EFA516A}"/>
+              </a:ext>
+            </a:extLst>
+          </p:cNvPr>
+          <p:cNvSpPr/>
+          <p:nvPr/>
+        </p:nvSpPr>
+        <p:spPr>
+          <a:xfrm>
+            <a:off x="3222260" y="755598"/>
+            <a:ext cx="1725433" cy="659016"/>
+          </a:xfrm>
+          <a:prstGeom prst="roundRect">
+            <a:avLst>
+              <a:gd name="adj" fmla="val 16667"/>
+            </a:avLst>
+          </a:prstGeom>
+          <a:solidFill>
+            <a:schemeClr val="accent4"/>
+          </a:solidFill>
+          <a:ln w="25400" cap="flat" cmpd="sng">
+            <a:solidFill>
+              <a:srgbClr val="6B481B"/>
+            </a:solidFill>
+            <a:prstDash val="solid"/>
+            <a:round/>
+            <a:headEnd type="none" w="sm" len="sm"/>
+            <a:tailEnd type="none" w="sm" len="sm"/>
+          </a:ln>
+        </p:spPr>
+        <p:txBody>
+          <a:bodyPr spcFirstLastPara="1" wrap="square" lIns="91425" tIns="45700" rIns="91425" bIns="45700" anchor="ctr" anchorCtr="0">
+            <a:noAutofit/>
+          </a:bodyPr>
+          <a:lstStyle/>
+          <a:p>
+            <a:pPr marL="0" marR="0" lvl="0" indent="0" algn="ctr" rtl="0">
+              <a:lnSpc>
+                <a:spcPct val="100000"/>
+              </a:lnSpc>
+              <a:spcBef>
+                <a:spcPts val="0"/>
+              </a:spcBef>
+              <a:spcAft>
+                <a:spcPts val="0"/>
+              </a:spcAft>
+              <a:buClr>
+                <a:srgbClr val="000000"/>
+              </a:buClr>
+              <a:buSzPts val="1400"/>
+              <a:buFont typeface="Arial"/>
+              <a:buNone/>
+            </a:pPr>
+            <a:r>
+              <a:rPr lang="en-US" sz="1200" b="0" i="0" u="none" strike="noStrike" cap="none" dirty="0">
+                <a:solidFill>
+                  <a:schemeClr val="lt1"/>
+                </a:solidFill>
+                <a:latin typeface="Arial"/>
+                <a:ea typeface="Arial"/>
+                <a:cs typeface="Arial"/>
+                <a:sym typeface="Arial"/>
+              </a:rPr>
+              <a:t>User’s Local Repo</a:t>
+            </a:r>
+          </a:p>
+          <a:p>
+            <a:pPr lvl="0" algn="ctr">
+              <a:buSzPts val="1400"/>
+            </a:pPr>
+            <a:r>
+              <a:rPr lang="en-US" sz="1200" dirty="0">
+                <a:solidFill>
+                  <a:schemeClr val="lt1"/>
+                </a:solidFill>
+              </a:rPr>
+              <a:t>(main)</a:t>
+            </a:r>
+            <a:endParaRPr sz="1200" b="0" i="0" u="none" strike="noStrike" cap="none" dirty="0">
+              <a:solidFill>
+                <a:srgbClr val="000000"/>
+              </a:solidFill>
+              <a:latin typeface="Arial"/>
+              <a:ea typeface="Arial"/>
+              <a:cs typeface="Arial"/>
+              <a:sym typeface="Arial"/>
+            </a:endParaRPr>
+          </a:p>
+        </p:txBody>
+      </p:sp>
+      <p:cxnSp>
+        <p:nvCxnSpPr>
+          <p:cNvPr id="141" name="Google Shape;141;p14">
+            <a:extLst>
+              <a:ext uri="{FF2B5EF4-FFF2-40B4-BE49-F238E27FC236}">
+                <a16:creationId xmlns:a16="http://schemas.microsoft.com/office/drawing/2014/main" id="{3AABABB8-BE01-A7C4-C6D5-2ECA358E3E15}"/>
+              </a:ext>
+            </a:extLst>
+          </p:cNvPr>
+          <p:cNvCxnSpPr>
+            <a:cxnSpLocks/>
+            <a:stCxn id="137" idx="3"/>
+            <a:endCxn id="140" idx="1"/>
+          </p:cNvCxnSpPr>
+          <p:nvPr/>
+        </p:nvCxnSpPr>
+        <p:spPr>
+          <a:xfrm flipV="1">
+            <a:off x="2285050" y="1085106"/>
+            <a:ext cx="937210" cy="1118"/>
+          </a:xfrm>
+          <a:prstGeom prst="straightConnector1">
+            <a:avLst/>
+          </a:prstGeom>
+          <a:noFill/>
+          <a:ln w="9525" cap="flat" cmpd="sng">
+            <a:solidFill>
+              <a:srgbClr val="3B7FF2"/>
+            </a:solidFill>
+            <a:prstDash val="solid"/>
+            <a:round/>
+            <a:headEnd type="none" w="sm" len="sm"/>
+            <a:tailEnd type="triangle" w="med" len="med"/>
+          </a:ln>
+        </p:spPr>
+      </p:cxnSp>
+      <p:sp>
+        <p:nvSpPr>
+          <p:cNvPr id="142" name="Google Shape;142;p14">
+            <a:extLst>
+              <a:ext uri="{FF2B5EF4-FFF2-40B4-BE49-F238E27FC236}">
+                <a16:creationId xmlns:a16="http://schemas.microsoft.com/office/drawing/2014/main" id="{5BDA4C90-2051-B35E-60FF-84C2C9C498AF}"/>
+              </a:ext>
+            </a:extLst>
+          </p:cNvPr>
+          <p:cNvSpPr txBox="1"/>
+          <p:nvPr/>
+        </p:nvSpPr>
+        <p:spPr>
+          <a:xfrm>
+            <a:off x="2344042" y="755598"/>
+            <a:ext cx="842837" cy="307777"/>
+          </a:xfrm>
+          <a:prstGeom prst="rect">
+            <a:avLst/>
+          </a:prstGeom>
+          <a:noFill/>
+          <a:ln>
+            <a:noFill/>
+          </a:ln>
+        </p:spPr>
+        <p:txBody>
+          <a:bodyPr spcFirstLastPara="1" wrap="square" lIns="91425" tIns="45700" rIns="91425" bIns="45700" anchor="t" anchorCtr="0">
+            <a:spAutoFit/>
+          </a:bodyPr>
+          <a:lstStyle/>
+          <a:p>
+            <a:pPr marL="0" marR="0" lvl="0" indent="0" algn="l" rtl="0">
+              <a:lnSpc>
+                <a:spcPct val="100000"/>
+              </a:lnSpc>
+              <a:spcBef>
+                <a:spcPts val="0"/>
+              </a:spcBef>
+              <a:spcAft>
+                <a:spcPts val="0"/>
+              </a:spcAft>
+              <a:buClr>
+                <a:srgbClr val="000000"/>
+              </a:buClr>
+              <a:buSzPts val="1400"/>
+              <a:buFont typeface="Arial"/>
+              <a:buNone/>
+            </a:pPr>
+            <a:r>
+              <a:rPr lang="en-US" sz="1400" b="1" i="0" u="none" strike="noStrike" cap="none" dirty="0">
+                <a:solidFill>
+                  <a:srgbClr val="000000"/>
+                </a:solidFill>
+                <a:latin typeface="Arial"/>
+                <a:ea typeface="Arial"/>
+                <a:cs typeface="Arial"/>
+                <a:sym typeface="Arial"/>
+              </a:rPr>
+              <a:t>CLONE</a:t>
+            </a:r>
+            <a:endParaRPr sz="1400" b="0" i="0" u="none" strike="noStrike" cap="none" dirty="0">
+              <a:solidFill>
+                <a:srgbClr val="000000"/>
+              </a:solidFill>
+              <a:latin typeface="Arial"/>
+              <a:ea typeface="Arial"/>
+              <a:cs typeface="Arial"/>
+              <a:sym typeface="Arial"/>
+            </a:endParaRPr>
+          </a:p>
+        </p:txBody>
+      </p:sp>
+      <p:sp>
+        <p:nvSpPr>
+          <p:cNvPr id="143" name="Google Shape;143;p14">
+            <a:extLst>
+              <a:ext uri="{FF2B5EF4-FFF2-40B4-BE49-F238E27FC236}">
+                <a16:creationId xmlns:a16="http://schemas.microsoft.com/office/drawing/2014/main" id="{833BE9A9-334C-401A-05AF-B4A1760B186A}"/>
+              </a:ext>
+            </a:extLst>
+          </p:cNvPr>
+          <p:cNvSpPr/>
+          <p:nvPr/>
+        </p:nvSpPr>
+        <p:spPr>
+          <a:xfrm>
+            <a:off x="6194057" y="755598"/>
+            <a:ext cx="1725433" cy="659016"/>
+          </a:xfrm>
+          <a:prstGeom prst="roundRect">
+            <a:avLst>
+              <a:gd name="adj" fmla="val 16667"/>
+            </a:avLst>
+          </a:prstGeom>
+          <a:solidFill>
+            <a:schemeClr val="accent4"/>
+          </a:solidFill>
+          <a:ln w="25400" cap="flat" cmpd="sng">
+            <a:solidFill>
+              <a:srgbClr val="6B481B"/>
+            </a:solidFill>
+            <a:prstDash val="solid"/>
+            <a:round/>
+            <a:headEnd type="none" w="sm" len="sm"/>
+            <a:tailEnd type="none" w="sm" len="sm"/>
+          </a:ln>
+        </p:spPr>
+        <p:txBody>
+          <a:bodyPr spcFirstLastPara="1" wrap="square" lIns="91425" tIns="45700" rIns="91425" bIns="45700" anchor="ctr" anchorCtr="0">
+            <a:noAutofit/>
+          </a:bodyPr>
+          <a:lstStyle/>
+          <a:p>
+            <a:pPr marL="0" marR="0" lvl="0" indent="0" algn="ctr" rtl="0">
+              <a:lnSpc>
+                <a:spcPct val="100000"/>
+              </a:lnSpc>
+              <a:spcBef>
+                <a:spcPts val="0"/>
+              </a:spcBef>
+              <a:spcAft>
+                <a:spcPts val="0"/>
+              </a:spcAft>
+              <a:buClr>
+                <a:srgbClr val="000000"/>
+              </a:buClr>
+              <a:buSzPts val="1400"/>
+              <a:buFont typeface="Arial"/>
+              <a:buNone/>
+            </a:pPr>
+            <a:endParaRPr sz="1400" b="0" i="0" u="none" strike="noStrike" cap="none" dirty="0">
+              <a:solidFill>
+                <a:schemeClr val="lt1"/>
+              </a:solidFill>
+              <a:latin typeface="Arial"/>
+              <a:ea typeface="Arial"/>
+              <a:cs typeface="Arial"/>
+              <a:sym typeface="Arial"/>
+            </a:endParaRPr>
+          </a:p>
+          <a:p>
+            <a:pPr marL="0" marR="0" lvl="0" indent="0" algn="ctr" rtl="0">
+              <a:lnSpc>
+                <a:spcPct val="100000"/>
+              </a:lnSpc>
+              <a:spcBef>
+                <a:spcPts val="0"/>
+              </a:spcBef>
+              <a:spcAft>
+                <a:spcPts val="0"/>
+              </a:spcAft>
+              <a:buClr>
+                <a:srgbClr val="000000"/>
+              </a:buClr>
+              <a:buSzPts val="1400"/>
+              <a:buFont typeface="Arial"/>
+              <a:buNone/>
+            </a:pPr>
+            <a:r>
+              <a:rPr lang="en-US" sz="1200" b="0" i="0" u="none" strike="noStrike" cap="none" dirty="0">
+                <a:solidFill>
+                  <a:schemeClr val="lt1"/>
+                </a:solidFill>
+                <a:latin typeface="Arial"/>
+                <a:ea typeface="Arial"/>
+                <a:cs typeface="Arial"/>
+                <a:sym typeface="Arial"/>
+              </a:rPr>
+              <a:t>User’s Local Repo</a:t>
+            </a:r>
+            <a:endParaRPr sz="1200" b="0" i="0" u="none" strike="noStrike" cap="none" dirty="0">
+              <a:solidFill>
+                <a:srgbClr val="000000"/>
+              </a:solidFill>
+              <a:latin typeface="Arial"/>
+              <a:ea typeface="Arial"/>
+              <a:cs typeface="Arial"/>
+              <a:sym typeface="Arial"/>
+            </a:endParaRPr>
+          </a:p>
+          <a:p>
+            <a:pPr marL="0" marR="0" lvl="0" indent="0" algn="ctr" rtl="0">
+              <a:lnSpc>
+                <a:spcPct val="100000"/>
+              </a:lnSpc>
+              <a:spcBef>
+                <a:spcPts val="0"/>
+              </a:spcBef>
+              <a:spcAft>
+                <a:spcPts val="0"/>
+              </a:spcAft>
+              <a:buClr>
+                <a:srgbClr val="000000"/>
+              </a:buClr>
+              <a:buSzPts val="1400"/>
+              <a:buFont typeface="Arial"/>
+              <a:buNone/>
+            </a:pPr>
+            <a:r>
+              <a:rPr lang="en-US" sz="1200" b="0" i="0" u="none" strike="noStrike" cap="none" dirty="0">
+                <a:solidFill>
+                  <a:schemeClr val="lt1"/>
+                </a:solidFill>
+                <a:latin typeface="Arial"/>
+                <a:ea typeface="Arial"/>
+                <a:cs typeface="Arial"/>
+                <a:sym typeface="Arial"/>
+              </a:rPr>
+              <a:t>Working Directory</a:t>
+            </a:r>
+          </a:p>
+          <a:p>
+            <a:pPr marL="0" marR="0" lvl="0" indent="0" algn="ctr" rtl="0">
+              <a:lnSpc>
+                <a:spcPct val="100000"/>
+              </a:lnSpc>
+              <a:spcBef>
+                <a:spcPts val="0"/>
+              </a:spcBef>
+              <a:spcAft>
+                <a:spcPts val="0"/>
+              </a:spcAft>
+              <a:buClr>
+                <a:srgbClr val="000000"/>
+              </a:buClr>
+              <a:buSzPts val="1400"/>
+              <a:buFont typeface="Arial"/>
+              <a:buNone/>
+            </a:pPr>
+            <a:r>
+              <a:rPr lang="en-US" sz="1200" b="0" i="0" u="none" strike="noStrike" cap="none" dirty="0">
+                <a:solidFill>
+                  <a:schemeClr val="lt1"/>
+                </a:solidFill>
+                <a:latin typeface="Arial"/>
+                <a:ea typeface="Arial"/>
+                <a:cs typeface="Arial"/>
+                <a:sym typeface="Arial"/>
+              </a:rPr>
+              <a:t>(branch lesson-3)</a:t>
+            </a:r>
+            <a:endParaRPr sz="1200" b="0" i="0" u="none" strike="noStrike" cap="none" dirty="0">
+              <a:solidFill>
+                <a:srgbClr val="000000"/>
+              </a:solidFill>
+              <a:latin typeface="Arial"/>
+              <a:ea typeface="Arial"/>
+              <a:cs typeface="Arial"/>
+              <a:sym typeface="Arial"/>
+            </a:endParaRPr>
+          </a:p>
+          <a:p>
+            <a:pPr marL="0" marR="0" lvl="0" indent="0" algn="ctr" rtl="0">
+              <a:lnSpc>
+                <a:spcPct val="100000"/>
+              </a:lnSpc>
+              <a:spcBef>
+                <a:spcPts val="0"/>
+              </a:spcBef>
+              <a:spcAft>
+                <a:spcPts val="0"/>
+              </a:spcAft>
+              <a:buClr>
+                <a:srgbClr val="000000"/>
+              </a:buClr>
+              <a:buSzPts val="1400"/>
+              <a:buFont typeface="Arial"/>
+              <a:buNone/>
+            </a:pPr>
+            <a:endParaRPr sz="1400" b="0" i="0" u="none" strike="noStrike" cap="none" dirty="0">
+              <a:solidFill>
+                <a:schemeClr val="lt1"/>
+              </a:solidFill>
+              <a:latin typeface="Arial"/>
+              <a:ea typeface="Arial"/>
+              <a:cs typeface="Arial"/>
+              <a:sym typeface="Arial"/>
+            </a:endParaRPr>
+          </a:p>
+        </p:txBody>
+      </p:sp>
+      <p:cxnSp>
+        <p:nvCxnSpPr>
+          <p:cNvPr id="144" name="Google Shape;144;p14">
+            <a:extLst>
+              <a:ext uri="{FF2B5EF4-FFF2-40B4-BE49-F238E27FC236}">
+                <a16:creationId xmlns:a16="http://schemas.microsoft.com/office/drawing/2014/main" id="{00800C38-9F24-5C5C-2EC6-8BDEDF923278}"/>
+              </a:ext>
+            </a:extLst>
+          </p:cNvPr>
+          <p:cNvCxnSpPr>
+            <a:cxnSpLocks/>
+            <a:stCxn id="140" idx="3"/>
+            <a:endCxn id="143" idx="1"/>
+          </p:cNvCxnSpPr>
+          <p:nvPr/>
+        </p:nvCxnSpPr>
+        <p:spPr>
+          <a:xfrm>
+            <a:off x="4947693" y="1085106"/>
+            <a:ext cx="1246364" cy="0"/>
+          </a:xfrm>
+          <a:prstGeom prst="straightConnector1">
+            <a:avLst/>
+          </a:prstGeom>
+          <a:noFill/>
+          <a:ln w="9525" cap="flat" cmpd="sng">
+            <a:solidFill>
+              <a:srgbClr val="3B7FF2"/>
+            </a:solidFill>
+            <a:prstDash val="solid"/>
+            <a:round/>
+            <a:headEnd type="none" w="sm" len="sm"/>
+            <a:tailEnd type="triangle" w="med" len="med"/>
+          </a:ln>
+        </p:spPr>
+      </p:cxnSp>
+      <p:sp>
+        <p:nvSpPr>
+          <p:cNvPr id="145" name="Google Shape;145;p14">
+            <a:extLst>
+              <a:ext uri="{FF2B5EF4-FFF2-40B4-BE49-F238E27FC236}">
+                <a16:creationId xmlns:a16="http://schemas.microsoft.com/office/drawing/2014/main" id="{DB8CBA79-0AD5-38C5-2F91-A33BD8E9CFF3}"/>
+              </a:ext>
+            </a:extLst>
+          </p:cNvPr>
+          <p:cNvSpPr txBox="1"/>
+          <p:nvPr/>
+        </p:nvSpPr>
+        <p:spPr>
+          <a:xfrm>
+            <a:off x="5063310" y="756716"/>
+            <a:ext cx="955479" cy="307777"/>
+          </a:xfrm>
+          <a:prstGeom prst="rect">
+            <a:avLst/>
+          </a:prstGeom>
+          <a:noFill/>
+          <a:ln>
+            <a:noFill/>
+          </a:ln>
+        </p:spPr>
+        <p:txBody>
+          <a:bodyPr spcFirstLastPara="1" wrap="square" lIns="91425" tIns="45700" rIns="91425" bIns="45700" anchor="t" anchorCtr="0">
+            <a:spAutoFit/>
+          </a:bodyPr>
+          <a:lstStyle/>
+          <a:p>
+            <a:pPr marL="0" marR="0" lvl="0" indent="0" algn="l" rtl="0">
+              <a:lnSpc>
+                <a:spcPct val="100000"/>
+              </a:lnSpc>
+              <a:spcBef>
+                <a:spcPts val="0"/>
+              </a:spcBef>
+              <a:spcAft>
+                <a:spcPts val="0"/>
+              </a:spcAft>
+              <a:buClr>
+                <a:srgbClr val="000000"/>
+              </a:buClr>
+              <a:buSzPts val="1400"/>
+              <a:buFont typeface="Arial"/>
+              <a:buNone/>
+            </a:pPr>
+            <a:r>
+              <a:rPr lang="en-US" sz="1400" b="1" i="0" u="none" strike="noStrike" cap="none" dirty="0">
+                <a:solidFill>
+                  <a:srgbClr val="000000"/>
+                </a:solidFill>
+                <a:latin typeface="Arial"/>
+                <a:ea typeface="Arial"/>
+                <a:cs typeface="Arial"/>
+                <a:sym typeface="Arial"/>
+              </a:rPr>
+              <a:t>BRANCH</a:t>
+            </a:r>
+            <a:endParaRPr sz="1400" b="0" i="0" u="none" strike="noStrike" cap="none" dirty="0">
+              <a:solidFill>
+                <a:srgbClr val="000000"/>
+              </a:solidFill>
+              <a:latin typeface="Arial"/>
+              <a:ea typeface="Arial"/>
+              <a:cs typeface="Arial"/>
+              <a:sym typeface="Arial"/>
+            </a:endParaRPr>
+          </a:p>
+        </p:txBody>
+      </p:sp>
+      <p:sp>
+        <p:nvSpPr>
+          <p:cNvPr id="146" name="Google Shape;146;p14">
+            <a:extLst>
+              <a:ext uri="{FF2B5EF4-FFF2-40B4-BE49-F238E27FC236}">
+                <a16:creationId xmlns:a16="http://schemas.microsoft.com/office/drawing/2014/main" id="{7E6E7779-AE06-BC15-D387-329B50190A61}"/>
+              </a:ext>
+            </a:extLst>
+          </p:cNvPr>
+          <p:cNvSpPr txBox="1"/>
+          <p:nvPr/>
+        </p:nvSpPr>
+        <p:spPr>
+          <a:xfrm>
+            <a:off x="559617" y="201330"/>
+            <a:ext cx="1709530" cy="369332"/>
+          </a:xfrm>
+          <a:prstGeom prst="rect">
+            <a:avLst/>
+          </a:prstGeom>
+          <a:solidFill>
+            <a:schemeClr val="accent1"/>
+          </a:solidFill>
+          <a:ln w="25400" cap="flat" cmpd="sng">
+            <a:solidFill>
+              <a:srgbClr val="1B3867"/>
+            </a:solidFill>
+            <a:prstDash val="solid"/>
+            <a:round/>
+            <a:headEnd type="none" w="sm" len="sm"/>
+            <a:tailEnd type="none" w="sm" len="sm"/>
+          </a:ln>
+        </p:spPr>
+        <p:txBody>
+          <a:bodyPr spcFirstLastPara="1" wrap="square" lIns="91425" tIns="45700" rIns="91425" bIns="45700" anchor="t" anchorCtr="0">
+            <a:spAutoFit/>
+          </a:bodyPr>
+          <a:lstStyle/>
+          <a:p>
+            <a:pPr marL="0" marR="0" lvl="0" indent="0" algn="ctr" rtl="0">
+              <a:lnSpc>
+                <a:spcPct val="100000"/>
+              </a:lnSpc>
+              <a:spcBef>
+                <a:spcPts val="0"/>
+              </a:spcBef>
+              <a:spcAft>
+                <a:spcPts val="0"/>
+              </a:spcAft>
+              <a:buClr>
+                <a:srgbClr val="000000"/>
+              </a:buClr>
+              <a:buSzPts val="1800"/>
+              <a:buFont typeface="Arial"/>
+              <a:buNone/>
+            </a:pPr>
+            <a:r>
+              <a:rPr lang="en-US" sz="1800" b="1" i="0" u="none" strike="noStrike" cap="none" dirty="0">
+                <a:solidFill>
+                  <a:schemeClr val="lt1"/>
+                </a:solidFill>
+                <a:latin typeface="Arial"/>
+                <a:ea typeface="Arial"/>
+                <a:cs typeface="Arial"/>
+                <a:sym typeface="Arial"/>
+              </a:rPr>
+              <a:t>REMOTE</a:t>
+            </a:r>
+            <a:endParaRPr sz="1400" b="0" i="0" u="none" strike="noStrike" cap="none" dirty="0">
+              <a:solidFill>
+                <a:srgbClr val="000000"/>
+              </a:solidFill>
+              <a:latin typeface="Arial"/>
+              <a:ea typeface="Arial"/>
+              <a:cs typeface="Arial"/>
+              <a:sym typeface="Arial"/>
+            </a:endParaRPr>
+          </a:p>
+        </p:txBody>
+      </p:sp>
+      <p:sp>
+        <p:nvSpPr>
+          <p:cNvPr id="16" name="Google Shape;162;p16">
+            <a:extLst>
+              <a:ext uri="{FF2B5EF4-FFF2-40B4-BE49-F238E27FC236}">
+                <a16:creationId xmlns:a16="http://schemas.microsoft.com/office/drawing/2014/main" id="{3A488D87-5A24-7766-0F59-00EBEC48C5FE}"/>
+              </a:ext>
+            </a:extLst>
+          </p:cNvPr>
+          <p:cNvSpPr/>
+          <p:nvPr/>
+        </p:nvSpPr>
+        <p:spPr>
+          <a:xfrm>
+            <a:off x="6194057" y="1835547"/>
+            <a:ext cx="1725433" cy="659016"/>
+          </a:xfrm>
+          <a:prstGeom prst="roundRect">
+            <a:avLst>
+              <a:gd name="adj" fmla="val 16667"/>
+            </a:avLst>
+          </a:prstGeom>
+          <a:solidFill>
+            <a:schemeClr val="accent4"/>
+          </a:solidFill>
+          <a:ln w="25400" cap="flat" cmpd="sng">
+            <a:solidFill>
+              <a:srgbClr val="6B481B"/>
+            </a:solidFill>
+            <a:prstDash val="solid"/>
+            <a:round/>
+            <a:headEnd type="none" w="sm" len="sm"/>
+            <a:tailEnd type="none" w="sm" len="sm"/>
+          </a:ln>
+        </p:spPr>
+        <p:txBody>
+          <a:bodyPr spcFirstLastPara="1" wrap="square" lIns="91425" tIns="45700" rIns="91425" bIns="45700" anchor="ctr" anchorCtr="0">
+            <a:noAutofit/>
+          </a:bodyPr>
+          <a:lstStyle/>
+          <a:p>
+            <a:pPr marL="0" marR="0" lvl="0" indent="0" algn="ctr" rtl="0">
+              <a:lnSpc>
+                <a:spcPct val="100000"/>
+              </a:lnSpc>
+              <a:spcBef>
+                <a:spcPts val="0"/>
+              </a:spcBef>
+              <a:spcAft>
+                <a:spcPts val="0"/>
+              </a:spcAft>
+              <a:buClr>
+                <a:srgbClr val="000000"/>
+              </a:buClr>
+              <a:buSzPts val="1400"/>
+              <a:buFont typeface="Arial"/>
+              <a:buNone/>
+            </a:pPr>
+            <a:endParaRPr sz="1400" b="0" i="0" u="none" strike="noStrike" cap="none" dirty="0">
+              <a:solidFill>
+                <a:schemeClr val="lt1"/>
+              </a:solidFill>
+              <a:latin typeface="Arial"/>
+              <a:ea typeface="Arial"/>
+              <a:cs typeface="Arial"/>
+              <a:sym typeface="Arial"/>
+            </a:endParaRPr>
+          </a:p>
+          <a:p>
+            <a:pPr lvl="0" algn="ctr">
+              <a:buSzPts val="1400"/>
+            </a:pPr>
+            <a:r>
+              <a:rPr lang="en-US" sz="1200" dirty="0">
+                <a:solidFill>
+                  <a:schemeClr val="lt1"/>
+                </a:solidFill>
+              </a:rPr>
+              <a:t>User’s Local Repo</a:t>
+            </a:r>
+            <a:endParaRPr lang="en-US" sz="1200" dirty="0"/>
+          </a:p>
+          <a:p>
+            <a:pPr lvl="0" algn="ctr">
+              <a:buSzPts val="1400"/>
+            </a:pPr>
+            <a:r>
+              <a:rPr lang="en-US" sz="1200" dirty="0">
+                <a:solidFill>
+                  <a:schemeClr val="lt1"/>
+                </a:solidFill>
+              </a:rPr>
+              <a:t>Staging Area</a:t>
+            </a:r>
+          </a:p>
+          <a:p>
+            <a:pPr lvl="0" algn="ctr">
+              <a:buSzPts val="1400"/>
+            </a:pPr>
+            <a:r>
+              <a:rPr lang="en-US" sz="1200" dirty="0">
+                <a:solidFill>
+                  <a:schemeClr val="lt1"/>
+                </a:solidFill>
+              </a:rPr>
+              <a:t>(branch lesson-3)</a:t>
+            </a:r>
+            <a:endParaRPr lang="en-US" sz="1200" dirty="0"/>
+          </a:p>
+          <a:p>
+            <a:pPr marL="0" marR="0" lvl="0" indent="0" algn="ctr" rtl="0">
+              <a:lnSpc>
+                <a:spcPct val="100000"/>
+              </a:lnSpc>
+              <a:spcBef>
+                <a:spcPts val="0"/>
+              </a:spcBef>
+              <a:spcAft>
+                <a:spcPts val="0"/>
+              </a:spcAft>
+              <a:buClr>
+                <a:srgbClr val="000000"/>
+              </a:buClr>
+              <a:buSzPts val="1400"/>
+              <a:buFont typeface="Arial"/>
+              <a:buNone/>
+            </a:pPr>
+            <a:endParaRPr sz="1400" b="0" i="0" u="none" strike="noStrike" cap="none" dirty="0">
+              <a:solidFill>
+                <a:schemeClr val="lt1"/>
+              </a:solidFill>
+              <a:latin typeface="Arial"/>
+              <a:ea typeface="Arial"/>
+              <a:cs typeface="Arial"/>
+              <a:sym typeface="Arial"/>
+            </a:endParaRPr>
+          </a:p>
+        </p:txBody>
+      </p:sp>
+      <p:cxnSp>
+        <p:nvCxnSpPr>
+          <p:cNvPr id="17" name="Google Shape;163;p16">
+            <a:extLst>
+              <a:ext uri="{FF2B5EF4-FFF2-40B4-BE49-F238E27FC236}">
+                <a16:creationId xmlns:a16="http://schemas.microsoft.com/office/drawing/2014/main" id="{DE0F3530-CBB8-DD5B-BDEC-9D7DD62F0323}"/>
+              </a:ext>
+            </a:extLst>
+          </p:cNvPr>
+          <p:cNvCxnSpPr>
+            <a:cxnSpLocks/>
+            <a:stCxn id="143" idx="2"/>
+            <a:endCxn id="16" idx="0"/>
+          </p:cNvCxnSpPr>
+          <p:nvPr/>
+        </p:nvCxnSpPr>
+        <p:spPr>
+          <a:xfrm>
+            <a:off x="7056774" y="1414614"/>
+            <a:ext cx="0" cy="420933"/>
+          </a:xfrm>
+          <a:prstGeom prst="straightConnector1">
+            <a:avLst/>
+          </a:prstGeom>
+          <a:noFill/>
+          <a:ln w="9525" cap="flat" cmpd="sng">
+            <a:solidFill>
+              <a:srgbClr val="3B7FF2"/>
+            </a:solidFill>
+            <a:prstDash val="solid"/>
+            <a:round/>
+            <a:headEnd type="none" w="sm" len="sm"/>
+            <a:tailEnd type="triangle" w="med" len="med"/>
+          </a:ln>
+        </p:spPr>
+      </p:cxnSp>
+      <p:sp>
+        <p:nvSpPr>
+          <p:cNvPr id="18" name="Google Shape;164;p16">
+            <a:extLst>
+              <a:ext uri="{FF2B5EF4-FFF2-40B4-BE49-F238E27FC236}">
+                <a16:creationId xmlns:a16="http://schemas.microsoft.com/office/drawing/2014/main" id="{7BF73D58-4D3A-5513-FA91-FB9CB26B6E58}"/>
+              </a:ext>
+            </a:extLst>
+          </p:cNvPr>
+          <p:cNvSpPr txBox="1"/>
+          <p:nvPr/>
+        </p:nvSpPr>
+        <p:spPr>
+          <a:xfrm>
+            <a:off x="7056773" y="1471192"/>
+            <a:ext cx="842837" cy="307777"/>
+          </a:xfrm>
+          <a:prstGeom prst="rect">
+            <a:avLst/>
+          </a:prstGeom>
+          <a:noFill/>
+          <a:ln>
+            <a:noFill/>
+          </a:ln>
+        </p:spPr>
+        <p:txBody>
+          <a:bodyPr spcFirstLastPara="1" wrap="square" lIns="91425" tIns="45700" rIns="91425" bIns="45700" anchor="t" anchorCtr="0">
+            <a:spAutoFit/>
+          </a:bodyPr>
+          <a:lstStyle/>
+          <a:p>
+            <a:pPr marL="0" marR="0" lvl="0" indent="0" algn="l" rtl="0">
+              <a:lnSpc>
+                <a:spcPct val="100000"/>
+              </a:lnSpc>
+              <a:spcBef>
+                <a:spcPts val="0"/>
+              </a:spcBef>
+              <a:spcAft>
+                <a:spcPts val="0"/>
+              </a:spcAft>
+              <a:buClr>
+                <a:srgbClr val="000000"/>
+              </a:buClr>
+              <a:buSzPts val="1400"/>
+              <a:buFont typeface="Arial"/>
+              <a:buNone/>
+            </a:pPr>
+            <a:r>
+              <a:rPr lang="en-US" sz="1400" b="1" i="0" u="none" strike="noStrike" cap="none" dirty="0">
+                <a:solidFill>
+                  <a:srgbClr val="000000"/>
+                </a:solidFill>
+                <a:latin typeface="Arial"/>
+                <a:ea typeface="Arial"/>
+                <a:cs typeface="Arial"/>
+                <a:sym typeface="Arial"/>
+              </a:rPr>
+              <a:t>STAGE</a:t>
+            </a:r>
+            <a:endParaRPr sz="1400" b="0" i="0" u="none" strike="noStrike" cap="none" dirty="0">
+              <a:solidFill>
+                <a:srgbClr val="000000"/>
+              </a:solidFill>
+              <a:latin typeface="Arial"/>
+              <a:ea typeface="Arial"/>
+              <a:cs typeface="Arial"/>
+              <a:sym typeface="Arial"/>
+            </a:endParaRPr>
+          </a:p>
+        </p:txBody>
+      </p:sp>
+      <p:cxnSp>
+        <p:nvCxnSpPr>
+          <p:cNvPr id="19" name="Google Shape;165;p16">
+            <a:extLst>
+              <a:ext uri="{FF2B5EF4-FFF2-40B4-BE49-F238E27FC236}">
+                <a16:creationId xmlns:a16="http://schemas.microsoft.com/office/drawing/2014/main" id="{62FDD707-4484-C921-104A-C2BA9EDC4627}"/>
+              </a:ext>
+            </a:extLst>
+          </p:cNvPr>
+          <p:cNvCxnSpPr>
+            <a:cxnSpLocks/>
+            <a:stCxn id="16" idx="2"/>
+            <a:endCxn id="48" idx="0"/>
+          </p:cNvCxnSpPr>
+          <p:nvPr/>
+        </p:nvCxnSpPr>
+        <p:spPr>
+          <a:xfrm>
+            <a:off x="7056774" y="2494563"/>
+            <a:ext cx="0" cy="420933"/>
+          </a:xfrm>
+          <a:prstGeom prst="straightConnector1">
+            <a:avLst/>
+          </a:prstGeom>
+          <a:noFill/>
+          <a:ln w="9525" cap="flat" cmpd="sng">
+            <a:solidFill>
+              <a:srgbClr val="3B7FF2"/>
+            </a:solidFill>
+            <a:prstDash val="solid"/>
+            <a:round/>
+            <a:headEnd type="none" w="sm" len="sm"/>
+            <a:tailEnd type="triangle" w="med" len="med"/>
+          </a:ln>
+        </p:spPr>
+      </p:cxnSp>
+      <p:sp>
+        <p:nvSpPr>
+          <p:cNvPr id="20" name="Google Shape;166;p16">
+            <a:extLst>
+              <a:ext uri="{FF2B5EF4-FFF2-40B4-BE49-F238E27FC236}">
+                <a16:creationId xmlns:a16="http://schemas.microsoft.com/office/drawing/2014/main" id="{48FA90A3-E15D-3748-9331-E0A32EF7D730}"/>
+              </a:ext>
+            </a:extLst>
+          </p:cNvPr>
+          <p:cNvSpPr txBox="1"/>
+          <p:nvPr/>
+        </p:nvSpPr>
+        <p:spPr>
+          <a:xfrm>
+            <a:off x="7056773" y="2525164"/>
+            <a:ext cx="1010476" cy="307777"/>
+          </a:xfrm>
+          <a:prstGeom prst="rect">
+            <a:avLst/>
+          </a:prstGeom>
+          <a:noFill/>
+          <a:ln>
+            <a:noFill/>
+          </a:ln>
+        </p:spPr>
+        <p:txBody>
+          <a:bodyPr spcFirstLastPara="1" wrap="square" lIns="91425" tIns="45700" rIns="91425" bIns="45700" anchor="t" anchorCtr="0">
+            <a:spAutoFit/>
+          </a:bodyPr>
+          <a:lstStyle/>
+          <a:p>
+            <a:pPr marL="0" marR="0" lvl="0" indent="0" algn="l" rtl="0">
+              <a:lnSpc>
+                <a:spcPct val="100000"/>
+              </a:lnSpc>
+              <a:spcBef>
+                <a:spcPts val="0"/>
+              </a:spcBef>
+              <a:spcAft>
+                <a:spcPts val="0"/>
+              </a:spcAft>
+              <a:buClr>
+                <a:srgbClr val="000000"/>
+              </a:buClr>
+              <a:buSzPts val="1400"/>
+              <a:buFont typeface="Arial"/>
+              <a:buNone/>
+            </a:pPr>
+            <a:r>
+              <a:rPr lang="en-US" sz="1400" b="1" i="0" u="none" strike="noStrike" cap="none" dirty="0">
+                <a:solidFill>
+                  <a:srgbClr val="000000"/>
+                </a:solidFill>
+                <a:latin typeface="Arial"/>
+                <a:ea typeface="Arial"/>
+                <a:cs typeface="Arial"/>
+                <a:sym typeface="Arial"/>
+              </a:rPr>
+              <a:t>COMMIT</a:t>
+            </a:r>
+            <a:endParaRPr sz="1400" b="0" i="0" u="none" strike="noStrike" cap="none" dirty="0">
+              <a:solidFill>
+                <a:srgbClr val="000000"/>
+              </a:solidFill>
+              <a:latin typeface="Arial"/>
+              <a:ea typeface="Arial"/>
+              <a:cs typeface="Arial"/>
+              <a:sym typeface="Arial"/>
+            </a:endParaRPr>
+          </a:p>
+        </p:txBody>
+      </p:sp>
+      <p:sp>
+        <p:nvSpPr>
+          <p:cNvPr id="46" name="Google Shape;241;p23">
+            <a:extLst>
+              <a:ext uri="{FF2B5EF4-FFF2-40B4-BE49-F238E27FC236}">
+                <a16:creationId xmlns:a16="http://schemas.microsoft.com/office/drawing/2014/main" id="{6FDF52E1-18A2-309D-DEB1-DF9A1D5028DC}"/>
+              </a:ext>
+            </a:extLst>
+          </p:cNvPr>
+          <p:cNvSpPr/>
+          <p:nvPr/>
+        </p:nvSpPr>
+        <p:spPr>
+          <a:xfrm>
+            <a:off x="3238094" y="4197528"/>
+            <a:ext cx="1725433" cy="651673"/>
+          </a:xfrm>
+          <a:prstGeom prst="roundRect">
+            <a:avLst>
+              <a:gd name="adj" fmla="val 16667"/>
+            </a:avLst>
+          </a:prstGeom>
+          <a:solidFill>
+            <a:schemeClr val="accent4"/>
+          </a:solidFill>
+          <a:ln w="25400" cap="flat" cmpd="sng">
+            <a:solidFill>
+              <a:srgbClr val="6B481B"/>
+            </a:solidFill>
+            <a:prstDash val="solid"/>
+            <a:round/>
+            <a:headEnd type="none" w="sm" len="sm"/>
+            <a:tailEnd type="none" w="sm" len="sm"/>
+          </a:ln>
+        </p:spPr>
+        <p:txBody>
+          <a:bodyPr spcFirstLastPara="1" wrap="square" lIns="91425" tIns="45700" rIns="91425" bIns="45700" anchor="ctr" anchorCtr="0">
+            <a:noAutofit/>
+          </a:bodyPr>
+          <a:lstStyle/>
+          <a:p>
+            <a:pPr marL="0" marR="0" lvl="0" indent="0" algn="ctr" rtl="0">
+              <a:lnSpc>
+                <a:spcPct val="100000"/>
+              </a:lnSpc>
+              <a:spcBef>
+                <a:spcPts val="0"/>
+              </a:spcBef>
+              <a:spcAft>
+                <a:spcPts val="0"/>
+              </a:spcAft>
+              <a:buClr>
+                <a:srgbClr val="000000"/>
+              </a:buClr>
+              <a:buSzPts val="1400"/>
+              <a:buFont typeface="Arial"/>
+              <a:buNone/>
+            </a:pPr>
+            <a:r>
+              <a:rPr lang="en-US" sz="1200" b="0" i="0" u="none" strike="noStrike" cap="none" dirty="0">
+                <a:solidFill>
+                  <a:schemeClr val="lt1"/>
+                </a:solidFill>
+                <a:latin typeface="Arial"/>
+                <a:ea typeface="Arial"/>
+                <a:cs typeface="Arial"/>
+                <a:sym typeface="Arial"/>
+              </a:rPr>
+              <a:t>User’s Local Repo</a:t>
+            </a:r>
+            <a:endParaRPr sz="1200" b="0" i="0" u="none" strike="noStrike" cap="none" dirty="0">
+              <a:solidFill>
+                <a:srgbClr val="000000"/>
+              </a:solidFill>
+              <a:latin typeface="Arial"/>
+              <a:ea typeface="Arial"/>
+              <a:cs typeface="Arial"/>
+              <a:sym typeface="Arial"/>
+            </a:endParaRPr>
+          </a:p>
+          <a:p>
+            <a:pPr marL="0" marR="0" lvl="0" indent="0" algn="ctr" rtl="0">
+              <a:lnSpc>
+                <a:spcPct val="100000"/>
+              </a:lnSpc>
+              <a:spcBef>
+                <a:spcPts val="0"/>
+              </a:spcBef>
+              <a:spcAft>
+                <a:spcPts val="0"/>
+              </a:spcAft>
+              <a:buClr>
+                <a:srgbClr val="000000"/>
+              </a:buClr>
+              <a:buSzPts val="1400"/>
+              <a:buFont typeface="Arial"/>
+              <a:buNone/>
+            </a:pPr>
+            <a:r>
+              <a:rPr lang="en-US" sz="1200" b="0" i="0" u="none" strike="noStrike" cap="none" dirty="0">
+                <a:solidFill>
+                  <a:schemeClr val="lt1"/>
+                </a:solidFill>
+                <a:latin typeface="Arial"/>
+                <a:ea typeface="Arial"/>
+                <a:cs typeface="Arial"/>
+                <a:sym typeface="Arial"/>
+              </a:rPr>
+              <a:t>(main)</a:t>
+            </a:r>
+            <a:endParaRPr sz="1200" b="0" i="0" u="none" strike="noStrike" cap="none" dirty="0">
+              <a:solidFill>
+                <a:srgbClr val="000000"/>
+              </a:solidFill>
+              <a:latin typeface="Arial"/>
+              <a:ea typeface="Arial"/>
+              <a:cs typeface="Arial"/>
+              <a:sym typeface="Arial"/>
+            </a:endParaRPr>
+          </a:p>
+        </p:txBody>
+      </p:sp>
+      <p:sp>
+        <p:nvSpPr>
+          <p:cNvPr id="47" name="Google Shape;242;p23">
+            <a:extLst>
+              <a:ext uri="{FF2B5EF4-FFF2-40B4-BE49-F238E27FC236}">
+                <a16:creationId xmlns:a16="http://schemas.microsoft.com/office/drawing/2014/main" id="{DADAB78D-8803-4CEE-35AD-432F04D02704}"/>
+              </a:ext>
+            </a:extLst>
+          </p:cNvPr>
+          <p:cNvSpPr/>
+          <p:nvPr/>
+        </p:nvSpPr>
+        <p:spPr>
+          <a:xfrm>
+            <a:off x="559617" y="2894501"/>
+            <a:ext cx="1725433" cy="693780"/>
+          </a:xfrm>
+          <a:prstGeom prst="roundRect">
+            <a:avLst>
+              <a:gd name="adj" fmla="val 16667"/>
+            </a:avLst>
+          </a:prstGeom>
+          <a:solidFill>
+            <a:schemeClr val="accent1"/>
+          </a:solidFill>
+          <a:ln w="25400" cap="flat" cmpd="sng">
+            <a:solidFill>
+              <a:srgbClr val="1B3867"/>
+            </a:solidFill>
+            <a:prstDash val="solid"/>
+            <a:round/>
+            <a:headEnd type="none" w="sm" len="sm"/>
+            <a:tailEnd type="none" w="sm" len="sm"/>
+          </a:ln>
+        </p:spPr>
+        <p:txBody>
+          <a:bodyPr spcFirstLastPara="1" wrap="square" lIns="91425" tIns="45700" rIns="91425" bIns="45700" anchor="ctr" anchorCtr="0">
+            <a:noAutofit/>
+          </a:bodyPr>
+          <a:lstStyle/>
+          <a:p>
+            <a:pPr marL="0" marR="0" lvl="0" indent="0" algn="ctr" rtl="0">
+              <a:lnSpc>
+                <a:spcPct val="100000"/>
+              </a:lnSpc>
+              <a:spcBef>
+                <a:spcPts val="0"/>
+              </a:spcBef>
+              <a:spcAft>
+                <a:spcPts val="0"/>
+              </a:spcAft>
+              <a:buClr>
+                <a:srgbClr val="000000"/>
+              </a:buClr>
+              <a:buSzPts val="1400"/>
+              <a:buFont typeface="Arial"/>
+              <a:buNone/>
+            </a:pPr>
+            <a:r>
+              <a:rPr lang="en-US" sz="1200" b="0" i="0" u="none" strike="noStrike" cap="none" dirty="0">
+                <a:solidFill>
+                  <a:schemeClr val="lt1"/>
+                </a:solidFill>
+                <a:latin typeface="Arial"/>
+                <a:ea typeface="Arial"/>
+                <a:cs typeface="Arial"/>
+                <a:sym typeface="Arial"/>
+              </a:rPr>
+              <a:t>User’s </a:t>
+            </a:r>
+            <a:r>
+              <a:rPr lang="en-US" sz="1200" b="0" i="0" u="none" strike="noStrike" cap="none" dirty="0" err="1">
+                <a:solidFill>
+                  <a:schemeClr val="lt1"/>
+                </a:solidFill>
+                <a:latin typeface="Arial"/>
+                <a:ea typeface="Arial"/>
+                <a:cs typeface="Arial"/>
+                <a:sym typeface="Arial"/>
+              </a:rPr>
+              <a:t>Github</a:t>
+            </a:r>
+            <a:r>
+              <a:rPr lang="en-US" sz="1200" b="0" i="0" u="none" strike="noStrike" cap="none" dirty="0">
+                <a:solidFill>
+                  <a:schemeClr val="lt1"/>
+                </a:solidFill>
+                <a:latin typeface="Arial"/>
+                <a:ea typeface="Arial"/>
+                <a:cs typeface="Arial"/>
+                <a:sym typeface="Arial"/>
+              </a:rPr>
+              <a:t> Repo</a:t>
+            </a:r>
+            <a:endParaRPr sz="1200" b="0" i="0" u="none" strike="noStrike" cap="none" dirty="0">
+              <a:solidFill>
+                <a:srgbClr val="000000"/>
+              </a:solidFill>
+              <a:latin typeface="Arial"/>
+              <a:ea typeface="Arial"/>
+              <a:cs typeface="Arial"/>
+              <a:sym typeface="Arial"/>
+            </a:endParaRPr>
+          </a:p>
+          <a:p>
+            <a:pPr marL="0" marR="0" lvl="0" indent="0" algn="ctr" rtl="0">
+              <a:lnSpc>
+                <a:spcPct val="100000"/>
+              </a:lnSpc>
+              <a:spcBef>
+                <a:spcPts val="0"/>
+              </a:spcBef>
+              <a:spcAft>
+                <a:spcPts val="0"/>
+              </a:spcAft>
+              <a:buClr>
+                <a:srgbClr val="000000"/>
+              </a:buClr>
+              <a:buSzPts val="1400"/>
+              <a:buFont typeface="Arial"/>
+              <a:buNone/>
+            </a:pPr>
+            <a:r>
+              <a:rPr lang="en-US" sz="1200" b="0" i="0" u="none" strike="noStrike" cap="none" dirty="0">
+                <a:solidFill>
+                  <a:schemeClr val="lt1"/>
+                </a:solidFill>
+                <a:latin typeface="Arial"/>
+                <a:ea typeface="Arial"/>
+                <a:cs typeface="Arial"/>
+                <a:sym typeface="Arial"/>
+              </a:rPr>
+              <a:t>(branch lesson-3)</a:t>
+            </a:r>
+            <a:endParaRPr sz="1200" b="0" i="0" u="none" strike="noStrike" cap="none" dirty="0">
+              <a:solidFill>
+                <a:srgbClr val="000000"/>
+              </a:solidFill>
+              <a:latin typeface="Arial"/>
+              <a:ea typeface="Arial"/>
+              <a:cs typeface="Arial"/>
+              <a:sym typeface="Arial"/>
+            </a:endParaRPr>
+          </a:p>
+        </p:txBody>
+      </p:sp>
+      <p:sp>
+        <p:nvSpPr>
+          <p:cNvPr id="48" name="Google Shape;243;p23">
+            <a:extLst>
+              <a:ext uri="{FF2B5EF4-FFF2-40B4-BE49-F238E27FC236}">
+                <a16:creationId xmlns:a16="http://schemas.microsoft.com/office/drawing/2014/main" id="{A7FEFD96-02F7-B21D-21E1-59FE8897CB73}"/>
+              </a:ext>
+            </a:extLst>
+          </p:cNvPr>
+          <p:cNvSpPr/>
+          <p:nvPr/>
+        </p:nvSpPr>
+        <p:spPr>
+          <a:xfrm>
+            <a:off x="6194057" y="2915496"/>
+            <a:ext cx="1725433" cy="659016"/>
+          </a:xfrm>
+          <a:prstGeom prst="roundRect">
+            <a:avLst>
+              <a:gd name="adj" fmla="val 16667"/>
+            </a:avLst>
+          </a:prstGeom>
+          <a:solidFill>
+            <a:schemeClr val="accent4"/>
+          </a:solidFill>
+          <a:ln w="25400" cap="flat" cmpd="sng">
+            <a:solidFill>
+              <a:srgbClr val="6B481B"/>
+            </a:solidFill>
+            <a:prstDash val="solid"/>
+            <a:round/>
+            <a:headEnd type="none" w="sm" len="sm"/>
+            <a:tailEnd type="none" w="sm" len="sm"/>
+          </a:ln>
+        </p:spPr>
+        <p:txBody>
+          <a:bodyPr spcFirstLastPara="1" wrap="square" lIns="91425" tIns="45700" rIns="91425" bIns="45700" anchor="ctr" anchorCtr="0">
+            <a:noAutofit/>
+          </a:bodyPr>
+          <a:lstStyle/>
+          <a:p>
+            <a:pPr marL="0" marR="0" lvl="0" indent="0" algn="ctr" rtl="0">
+              <a:lnSpc>
+                <a:spcPct val="100000"/>
+              </a:lnSpc>
+              <a:spcBef>
+                <a:spcPts val="0"/>
+              </a:spcBef>
+              <a:spcAft>
+                <a:spcPts val="0"/>
+              </a:spcAft>
+              <a:buClr>
+                <a:srgbClr val="000000"/>
+              </a:buClr>
+              <a:buSzPts val="1400"/>
+              <a:buFont typeface="Arial"/>
+              <a:buNone/>
+            </a:pPr>
+            <a:endParaRPr sz="1400" b="0" i="0" u="none" strike="noStrike" cap="none" dirty="0">
+              <a:solidFill>
+                <a:schemeClr val="lt1"/>
+              </a:solidFill>
+              <a:latin typeface="Arial"/>
+              <a:ea typeface="Arial"/>
+              <a:cs typeface="Arial"/>
+              <a:sym typeface="Arial"/>
+            </a:endParaRPr>
+          </a:p>
+          <a:p>
+            <a:pPr lvl="0" algn="ctr">
+              <a:buSzPts val="1400"/>
+            </a:pPr>
+            <a:r>
+              <a:rPr lang="en-US" sz="1200" dirty="0">
+                <a:solidFill>
+                  <a:schemeClr val="lt1"/>
+                </a:solidFill>
+              </a:rPr>
+              <a:t>User’s Local Repo</a:t>
+            </a:r>
+            <a:endParaRPr lang="en-US" sz="1200" dirty="0"/>
+          </a:p>
+          <a:p>
+            <a:pPr lvl="0" algn="ctr">
+              <a:buSzPts val="1400"/>
+            </a:pPr>
+            <a:r>
+              <a:rPr lang="en-US" sz="1200" dirty="0">
+                <a:solidFill>
+                  <a:schemeClr val="lt1"/>
+                </a:solidFill>
+              </a:rPr>
+              <a:t>Working Directory</a:t>
+            </a:r>
+          </a:p>
+          <a:p>
+            <a:pPr marL="0" marR="0" lvl="0" indent="0" algn="ctr" rtl="0">
+              <a:lnSpc>
+                <a:spcPct val="100000"/>
+              </a:lnSpc>
+              <a:spcBef>
+                <a:spcPts val="0"/>
+              </a:spcBef>
+              <a:spcAft>
+                <a:spcPts val="0"/>
+              </a:spcAft>
+              <a:buClr>
+                <a:srgbClr val="000000"/>
+              </a:buClr>
+              <a:buSzPts val="1400"/>
+              <a:buFont typeface="Arial"/>
+              <a:buNone/>
+            </a:pPr>
+            <a:r>
+              <a:rPr lang="en-US" sz="1200" b="0" i="0" u="none" strike="noStrike" cap="none" dirty="0">
+                <a:solidFill>
+                  <a:schemeClr val="lt1"/>
+                </a:solidFill>
+                <a:latin typeface="Arial"/>
+                <a:ea typeface="Arial"/>
+                <a:cs typeface="Arial"/>
+                <a:sym typeface="Arial"/>
+              </a:rPr>
+              <a:t>(branch lesson-3)</a:t>
+            </a:r>
+            <a:endParaRPr sz="1200" b="0" i="0" u="none" strike="noStrike" cap="none" dirty="0">
+              <a:solidFill>
+                <a:srgbClr val="000000"/>
+              </a:solidFill>
+              <a:latin typeface="Arial"/>
+              <a:ea typeface="Arial"/>
+              <a:cs typeface="Arial"/>
+              <a:sym typeface="Arial"/>
+            </a:endParaRPr>
+          </a:p>
+          <a:p>
+            <a:pPr marL="0" marR="0" lvl="0" indent="0" algn="ctr" rtl="0">
+              <a:lnSpc>
+                <a:spcPct val="100000"/>
+              </a:lnSpc>
+              <a:spcBef>
+                <a:spcPts val="0"/>
+              </a:spcBef>
+              <a:spcAft>
+                <a:spcPts val="0"/>
+              </a:spcAft>
+              <a:buClr>
+                <a:srgbClr val="000000"/>
+              </a:buClr>
+              <a:buSzPts val="1400"/>
+              <a:buFont typeface="Arial"/>
+              <a:buNone/>
+            </a:pPr>
+            <a:endParaRPr sz="1400" b="0" i="0" u="none" strike="noStrike" cap="none" dirty="0">
+              <a:solidFill>
+                <a:schemeClr val="lt1"/>
+              </a:solidFill>
+              <a:latin typeface="Arial"/>
+              <a:ea typeface="Arial"/>
+              <a:cs typeface="Arial"/>
+              <a:sym typeface="Arial"/>
+            </a:endParaRPr>
+          </a:p>
+        </p:txBody>
+      </p:sp>
+      <p:sp>
+        <p:nvSpPr>
+          <p:cNvPr id="51" name="Google Shape;246;p23">
+            <a:extLst>
+              <a:ext uri="{FF2B5EF4-FFF2-40B4-BE49-F238E27FC236}">
+                <a16:creationId xmlns:a16="http://schemas.microsoft.com/office/drawing/2014/main" id="{ADC9A845-8A2C-DF04-DDA2-34CA7B169129}"/>
+              </a:ext>
+            </a:extLst>
+          </p:cNvPr>
+          <p:cNvSpPr/>
+          <p:nvPr/>
+        </p:nvSpPr>
+        <p:spPr>
+          <a:xfrm>
+            <a:off x="559617" y="4197528"/>
+            <a:ext cx="1725433" cy="651673"/>
+          </a:xfrm>
+          <a:prstGeom prst="roundRect">
+            <a:avLst>
+              <a:gd name="adj" fmla="val 16667"/>
+            </a:avLst>
+          </a:prstGeom>
+          <a:solidFill>
+            <a:schemeClr val="accent1"/>
+          </a:solidFill>
+          <a:ln w="25400" cap="flat" cmpd="sng">
+            <a:solidFill>
+              <a:srgbClr val="1B3867"/>
+            </a:solidFill>
+            <a:prstDash val="solid"/>
+            <a:round/>
+            <a:headEnd type="none" w="sm" len="sm"/>
+            <a:tailEnd type="none" w="sm" len="sm"/>
+          </a:ln>
+        </p:spPr>
+        <p:txBody>
+          <a:bodyPr spcFirstLastPara="1" wrap="square" lIns="91425" tIns="45700" rIns="91425" bIns="45700" anchor="ctr" anchorCtr="0">
+            <a:noAutofit/>
+          </a:bodyPr>
+          <a:lstStyle/>
+          <a:p>
+            <a:pPr marL="0" marR="0" lvl="0" indent="0" algn="ctr" rtl="0">
+              <a:lnSpc>
+                <a:spcPct val="100000"/>
+              </a:lnSpc>
+              <a:spcBef>
+                <a:spcPts val="0"/>
+              </a:spcBef>
+              <a:spcAft>
+                <a:spcPts val="0"/>
+              </a:spcAft>
+              <a:buClr>
+                <a:srgbClr val="000000"/>
+              </a:buClr>
+              <a:buSzPts val="1400"/>
+              <a:buFont typeface="Arial"/>
+              <a:buNone/>
+            </a:pPr>
+            <a:r>
+              <a:rPr lang="en-US" sz="1200" b="0" i="0" u="none" strike="noStrike" cap="none" dirty="0">
+                <a:solidFill>
+                  <a:schemeClr val="lt1"/>
+                </a:solidFill>
+                <a:latin typeface="Arial"/>
+                <a:ea typeface="Arial"/>
+                <a:cs typeface="Arial"/>
+                <a:sym typeface="Arial"/>
+              </a:rPr>
+              <a:t>User’s </a:t>
+            </a:r>
+            <a:r>
+              <a:rPr lang="en-US" sz="1200" b="0" i="0" u="none" strike="noStrike" cap="none" dirty="0" err="1">
+                <a:solidFill>
+                  <a:schemeClr val="lt1"/>
+                </a:solidFill>
+                <a:latin typeface="Arial"/>
+                <a:ea typeface="Arial"/>
+                <a:cs typeface="Arial"/>
+                <a:sym typeface="Arial"/>
+              </a:rPr>
+              <a:t>Github</a:t>
+            </a:r>
+            <a:r>
+              <a:rPr lang="en-US" sz="1200" b="0" i="0" u="none" strike="noStrike" cap="none" dirty="0">
+                <a:solidFill>
+                  <a:schemeClr val="lt1"/>
+                </a:solidFill>
+                <a:latin typeface="Arial"/>
+                <a:ea typeface="Arial"/>
+                <a:cs typeface="Arial"/>
+                <a:sym typeface="Arial"/>
+              </a:rPr>
+              <a:t> Repo</a:t>
+            </a:r>
+            <a:endParaRPr sz="1200" b="0" i="0" u="none" strike="noStrike" cap="none" dirty="0">
+              <a:solidFill>
+                <a:srgbClr val="000000"/>
+              </a:solidFill>
+              <a:latin typeface="Arial"/>
+              <a:ea typeface="Arial"/>
+              <a:cs typeface="Arial"/>
+              <a:sym typeface="Arial"/>
+            </a:endParaRPr>
+          </a:p>
+          <a:p>
+            <a:pPr lvl="0" algn="ctr">
+              <a:buSzPts val="1400"/>
+            </a:pPr>
+            <a:r>
+              <a:rPr lang="en-US" sz="1200" b="0" i="0" u="none" strike="noStrike" cap="none" dirty="0">
+                <a:solidFill>
+                  <a:schemeClr val="lt1"/>
+                </a:solidFill>
+                <a:latin typeface="Arial"/>
+                <a:ea typeface="Arial"/>
+                <a:cs typeface="Arial"/>
+                <a:sym typeface="Arial"/>
+              </a:rPr>
+              <a:t>(</a:t>
+            </a:r>
+            <a:r>
+              <a:rPr lang="en-US" sz="1200" dirty="0">
+                <a:solidFill>
+                  <a:schemeClr val="lt1"/>
+                </a:solidFill>
+              </a:rPr>
+              <a:t>main</a:t>
+            </a:r>
+            <a:r>
+              <a:rPr lang="en-US" sz="1200" b="0" i="0" u="none" strike="noStrike" cap="none" dirty="0">
+                <a:solidFill>
+                  <a:schemeClr val="lt1"/>
+                </a:solidFill>
+                <a:latin typeface="Arial"/>
+                <a:ea typeface="Arial"/>
+                <a:cs typeface="Arial"/>
+                <a:sym typeface="Arial"/>
+              </a:rPr>
+              <a:t>)</a:t>
+            </a:r>
+            <a:endParaRPr sz="1200" b="0" i="0" u="none" strike="noStrike" cap="none" dirty="0">
+              <a:solidFill>
+                <a:srgbClr val="000000"/>
+              </a:solidFill>
+              <a:latin typeface="Arial"/>
+              <a:ea typeface="Arial"/>
+              <a:cs typeface="Arial"/>
+              <a:sym typeface="Arial"/>
+            </a:endParaRPr>
+          </a:p>
+        </p:txBody>
+      </p:sp>
+      <p:cxnSp>
+        <p:nvCxnSpPr>
+          <p:cNvPr id="52" name="Google Shape;247;p23">
+            <a:extLst>
+              <a:ext uri="{FF2B5EF4-FFF2-40B4-BE49-F238E27FC236}">
+                <a16:creationId xmlns:a16="http://schemas.microsoft.com/office/drawing/2014/main" id="{0829FA52-56EB-02A0-B2B6-3FB3DFA2C331}"/>
+              </a:ext>
+            </a:extLst>
+          </p:cNvPr>
+          <p:cNvCxnSpPr>
+            <a:cxnSpLocks/>
+          </p:cNvCxnSpPr>
+          <p:nvPr/>
+        </p:nvCxnSpPr>
+        <p:spPr>
+          <a:xfrm>
+            <a:off x="1422333" y="3588281"/>
+            <a:ext cx="0" cy="609247"/>
+          </a:xfrm>
+          <a:prstGeom prst="straightConnector1">
+            <a:avLst/>
+          </a:prstGeom>
+          <a:noFill/>
+          <a:ln w="9525" cap="flat" cmpd="sng">
+            <a:solidFill>
+              <a:srgbClr val="3B7FF2"/>
+            </a:solidFill>
+            <a:prstDash val="solid"/>
+            <a:round/>
+            <a:headEnd type="none" w="sm" len="sm"/>
+            <a:tailEnd type="triangle" w="med" len="med"/>
+          </a:ln>
+        </p:spPr>
+      </p:cxnSp>
+      <p:sp>
+        <p:nvSpPr>
+          <p:cNvPr id="53" name="Google Shape;248;p23">
+            <a:extLst>
+              <a:ext uri="{FF2B5EF4-FFF2-40B4-BE49-F238E27FC236}">
+                <a16:creationId xmlns:a16="http://schemas.microsoft.com/office/drawing/2014/main" id="{C409956D-8C70-4E93-D369-3060A252AC80}"/>
+              </a:ext>
+            </a:extLst>
+          </p:cNvPr>
+          <p:cNvSpPr txBox="1"/>
+          <p:nvPr/>
+        </p:nvSpPr>
+        <p:spPr>
+          <a:xfrm>
+            <a:off x="1457826" y="3719864"/>
+            <a:ext cx="1010476" cy="307777"/>
+          </a:xfrm>
+          <a:prstGeom prst="rect">
+            <a:avLst/>
+          </a:prstGeom>
+          <a:noFill/>
+          <a:ln>
+            <a:noFill/>
+          </a:ln>
+        </p:spPr>
+        <p:txBody>
+          <a:bodyPr spcFirstLastPara="1" wrap="square" lIns="91425" tIns="45700" rIns="91425" bIns="45700" anchor="t" anchorCtr="0">
+            <a:spAutoFit/>
+          </a:bodyPr>
+          <a:lstStyle/>
+          <a:p>
+            <a:pPr marL="0" marR="0" lvl="0" indent="0" algn="l" rtl="0">
+              <a:lnSpc>
+                <a:spcPct val="100000"/>
+              </a:lnSpc>
+              <a:spcBef>
+                <a:spcPts val="0"/>
+              </a:spcBef>
+              <a:spcAft>
+                <a:spcPts val="0"/>
+              </a:spcAft>
+              <a:buClr>
+                <a:srgbClr val="000000"/>
+              </a:buClr>
+              <a:buSzPts val="1400"/>
+              <a:buFont typeface="Arial"/>
+              <a:buNone/>
+            </a:pPr>
+            <a:r>
+              <a:rPr lang="en-US" sz="1400" b="1" i="0" u="none" strike="noStrike" cap="none" dirty="0">
+                <a:solidFill>
+                  <a:srgbClr val="000000"/>
+                </a:solidFill>
+                <a:latin typeface="Arial"/>
+                <a:ea typeface="Arial"/>
+                <a:cs typeface="Arial"/>
+                <a:sym typeface="Arial"/>
+              </a:rPr>
+              <a:t>MERGE</a:t>
+            </a:r>
+            <a:endParaRPr sz="1400" b="0" i="0" u="none" strike="noStrike" cap="none" dirty="0">
+              <a:solidFill>
+                <a:srgbClr val="000000"/>
+              </a:solidFill>
+              <a:latin typeface="Arial"/>
+              <a:ea typeface="Arial"/>
+              <a:cs typeface="Arial"/>
+              <a:sym typeface="Arial"/>
+            </a:endParaRPr>
+          </a:p>
+        </p:txBody>
+      </p:sp>
+      <p:cxnSp>
+        <p:nvCxnSpPr>
+          <p:cNvPr id="54" name="Google Shape;249;p23">
+            <a:extLst>
+              <a:ext uri="{FF2B5EF4-FFF2-40B4-BE49-F238E27FC236}">
+                <a16:creationId xmlns:a16="http://schemas.microsoft.com/office/drawing/2014/main" id="{FAC4AF0C-7778-529D-8847-CDE438238C2E}"/>
+              </a:ext>
+            </a:extLst>
+          </p:cNvPr>
+          <p:cNvCxnSpPr>
+            <a:cxnSpLocks/>
+            <a:stCxn id="51" idx="3"/>
+            <a:endCxn id="46" idx="1"/>
+          </p:cNvCxnSpPr>
+          <p:nvPr/>
+        </p:nvCxnSpPr>
+        <p:spPr>
+          <a:xfrm>
+            <a:off x="2285050" y="4523365"/>
+            <a:ext cx="953044" cy="0"/>
+          </a:xfrm>
+          <a:prstGeom prst="straightConnector1">
+            <a:avLst/>
+          </a:prstGeom>
+          <a:noFill/>
+          <a:ln w="9525" cap="flat" cmpd="sng">
+            <a:solidFill>
+              <a:srgbClr val="3B7FF2"/>
+            </a:solidFill>
+            <a:prstDash val="solid"/>
+            <a:round/>
+            <a:headEnd type="none" w="sm" len="sm"/>
+            <a:tailEnd type="triangle" w="med" len="med"/>
+          </a:ln>
+        </p:spPr>
+      </p:cxnSp>
+      <p:sp>
+        <p:nvSpPr>
+          <p:cNvPr id="154" name="Google Shape;245;p23">
+            <a:extLst>
+              <a:ext uri="{FF2B5EF4-FFF2-40B4-BE49-F238E27FC236}">
+                <a16:creationId xmlns:a16="http://schemas.microsoft.com/office/drawing/2014/main" id="{34EE69C1-864C-A6CA-44C1-E8FEE84D215A}"/>
+              </a:ext>
+            </a:extLst>
+          </p:cNvPr>
+          <p:cNvSpPr txBox="1"/>
+          <p:nvPr/>
+        </p:nvSpPr>
+        <p:spPr>
+          <a:xfrm>
+            <a:off x="2427371" y="4244445"/>
+            <a:ext cx="1010476" cy="307777"/>
+          </a:xfrm>
+          <a:prstGeom prst="rect">
+            <a:avLst/>
+          </a:prstGeom>
+          <a:noFill/>
+          <a:ln>
+            <a:noFill/>
+          </a:ln>
+        </p:spPr>
+        <p:txBody>
+          <a:bodyPr spcFirstLastPara="1" wrap="square" lIns="91425" tIns="45700" rIns="91425" bIns="45700" anchor="t" anchorCtr="0">
+            <a:spAutoFit/>
+          </a:bodyPr>
+          <a:lstStyle/>
+          <a:p>
+            <a:pPr marL="0" marR="0" lvl="0" indent="0" algn="l" rtl="0">
+              <a:lnSpc>
+                <a:spcPct val="100000"/>
+              </a:lnSpc>
+              <a:spcBef>
+                <a:spcPts val="0"/>
+              </a:spcBef>
+              <a:spcAft>
+                <a:spcPts val="0"/>
+              </a:spcAft>
+              <a:buClr>
+                <a:srgbClr val="000000"/>
+              </a:buClr>
+              <a:buSzPts val="1400"/>
+              <a:buFont typeface="Arial"/>
+              <a:buNone/>
+            </a:pPr>
+            <a:r>
+              <a:rPr lang="en-US" sz="1400" b="1" i="0" u="none" strike="noStrike" cap="none" dirty="0">
+                <a:solidFill>
+                  <a:srgbClr val="000000"/>
+                </a:solidFill>
+                <a:latin typeface="Arial"/>
+                <a:ea typeface="Arial"/>
+                <a:cs typeface="Arial"/>
+                <a:sym typeface="Arial"/>
+              </a:rPr>
+              <a:t>PULL</a:t>
+            </a:r>
+            <a:endParaRPr sz="1400" b="0" i="0" u="none" strike="noStrike" cap="none" dirty="0">
+              <a:solidFill>
+                <a:srgbClr val="000000"/>
+              </a:solidFill>
+              <a:latin typeface="Arial"/>
+              <a:ea typeface="Arial"/>
+              <a:cs typeface="Arial"/>
+              <a:sym typeface="Arial"/>
+            </a:endParaRPr>
+          </a:p>
+        </p:txBody>
+      </p:sp>
+      <p:sp>
+        <p:nvSpPr>
+          <p:cNvPr id="2" name="Rectangle 1">
+            <a:extLst>
+              <a:ext uri="{FF2B5EF4-FFF2-40B4-BE49-F238E27FC236}">
+                <a16:creationId xmlns:a16="http://schemas.microsoft.com/office/drawing/2014/main" id="{7CCD2E5C-3399-096B-E637-1A719556FB77}"/>
+              </a:ext>
+            </a:extLst>
+          </p:cNvPr>
+          <p:cNvSpPr/>
+          <p:nvPr/>
+        </p:nvSpPr>
+        <p:spPr>
+          <a:xfrm>
+            <a:off x="5080920" y="636169"/>
+            <a:ext cx="3039574" cy="3083694"/>
+          </a:xfrm>
+          <a:prstGeom prst="rect">
+            <a:avLst/>
+          </a:prstGeom>
+          <a:noFill/>
+          <a:ln>
+            <a:solidFill>
+              <a:srgbClr val="FF0000"/>
+            </a:solidFill>
+            <a:prstDash val="dash"/>
+          </a:ln>
+        </p:spPr>
+        <p:style>
+          <a:lnRef idx="2">
+            <a:schemeClr val="accent1">
+              <a:shade val="15000"/>
+            </a:schemeClr>
+          </a:lnRef>
+          <a:fillRef idx="1">
+            <a:schemeClr val="accent1"/>
+          </a:fillRef>
+          <a:effectRef idx="0">
+            <a:schemeClr val="accent1"/>
+          </a:effectRef>
+          <a:fontRef idx="minor">
+            <a:schemeClr val="lt1"/>
+          </a:fontRef>
+        </p:style>
+        <p:txBody>
+          <a:bodyPr rtlCol="0" anchor="ctr"/>
+          <a:lstStyle/>
+          <a:p>
+            <a:pPr algn="ctr"/>
+            <a:endParaRPr lang="en-US"/>
+          </a:p>
+        </p:txBody>
+      </p:sp>
+      <p:sp>
+        <p:nvSpPr>
+          <p:cNvPr id="3" name="Rectangle 2">
+            <a:extLst>
+              <a:ext uri="{FF2B5EF4-FFF2-40B4-BE49-F238E27FC236}">
+                <a16:creationId xmlns:a16="http://schemas.microsoft.com/office/drawing/2014/main" id="{CB4C91DD-C652-FD7B-F5F8-42F1492F9D1A}"/>
+              </a:ext>
+            </a:extLst>
+          </p:cNvPr>
+          <p:cNvSpPr/>
+          <p:nvPr/>
+        </p:nvSpPr>
+        <p:spPr>
+          <a:xfrm>
+            <a:off x="398273" y="2648938"/>
+            <a:ext cx="4682646" cy="1070925"/>
+          </a:xfrm>
+          <a:prstGeom prst="rect">
+            <a:avLst/>
+          </a:prstGeom>
+          <a:noFill/>
+          <a:ln>
+            <a:solidFill>
+              <a:srgbClr val="FF0000"/>
+            </a:solidFill>
+            <a:prstDash val="dash"/>
+          </a:ln>
+        </p:spPr>
+        <p:style>
+          <a:lnRef idx="2">
+            <a:schemeClr val="accent1">
+              <a:shade val="15000"/>
+            </a:schemeClr>
+          </a:lnRef>
+          <a:fillRef idx="1">
+            <a:schemeClr val="accent1"/>
+          </a:fillRef>
+          <a:effectRef idx="0">
+            <a:schemeClr val="accent1"/>
+          </a:effectRef>
+          <a:fontRef idx="minor">
+            <a:schemeClr val="lt1"/>
+          </a:fontRef>
+        </p:style>
+        <p:txBody>
+          <a:bodyPr rtlCol="0" anchor="ctr"/>
+          <a:lstStyle/>
+          <a:p>
+            <a:pPr algn="ctr"/>
+            <a:r>
+              <a:rPr lang="en-US" dirty="0"/>
+              <a:t>    </a:t>
+            </a:r>
+          </a:p>
+        </p:txBody>
+      </p:sp>
+      <p:sp>
+        <p:nvSpPr>
+          <p:cNvPr id="4" name="Rectangle 3">
+            <a:extLst>
+              <a:ext uri="{FF2B5EF4-FFF2-40B4-BE49-F238E27FC236}">
+                <a16:creationId xmlns:a16="http://schemas.microsoft.com/office/drawing/2014/main" id="{B90EA9F8-6507-7F92-A102-D17E410C8E90}"/>
+              </a:ext>
+            </a:extLst>
+          </p:cNvPr>
+          <p:cNvSpPr/>
+          <p:nvPr/>
+        </p:nvSpPr>
+        <p:spPr>
+          <a:xfrm>
+            <a:off x="5040630" y="2663190"/>
+            <a:ext cx="89707" cy="1042033"/>
+          </a:xfrm>
+          <a:prstGeom prst="rect">
+            <a:avLst/>
+          </a:prstGeom>
+          <a:solidFill>
+            <a:schemeClr val="bg1"/>
+          </a:solidFill>
           <a:ln>
             <a:noFill/>
           </a:ln>
@@ -11760,26 +15534,160 @@
           <a:lstStyle/>
           <a:p>
             <a:pPr algn="ctr"/>
-            <a:r>
-              <a:rPr lang="en-US" sz="1000" dirty="0"/>
-              <a:t>Task</a:t>
-            </a:r>
-          </a:p>
-          <a:p>
-            <a:pPr algn="ctr"/>
-            <a:r>
-              <a:rPr lang="en-US" sz="1000" dirty="0"/>
-              <a:t>Execution</a:t>
-            </a:r>
+            <a:endParaRPr lang="en-US"/>
           </a:p>
         </p:txBody>
       </p:sp>
+      <p:cxnSp>
+        <p:nvCxnSpPr>
+          <p:cNvPr id="49" name="Google Shape;244;p23">
+            <a:extLst>
+              <a:ext uri="{FF2B5EF4-FFF2-40B4-BE49-F238E27FC236}">
+                <a16:creationId xmlns:a16="http://schemas.microsoft.com/office/drawing/2014/main" id="{A9986338-21B1-BF3B-4FBB-19E36C89DD1E}"/>
+              </a:ext>
+            </a:extLst>
+          </p:cNvPr>
+          <p:cNvCxnSpPr>
+            <a:cxnSpLocks/>
+            <a:stCxn id="48" idx="1"/>
+            <a:endCxn id="47" idx="3"/>
+          </p:cNvCxnSpPr>
+          <p:nvPr/>
+        </p:nvCxnSpPr>
+        <p:spPr>
+          <a:xfrm flipH="1" flipV="1">
+            <a:off x="2285050" y="3241391"/>
+            <a:ext cx="3909007" cy="3613"/>
+          </a:xfrm>
+          <a:prstGeom prst="straightConnector1">
+            <a:avLst/>
+          </a:prstGeom>
+          <a:noFill/>
+          <a:ln w="9525" cap="flat" cmpd="sng">
+            <a:solidFill>
+              <a:srgbClr val="3B7FF2"/>
+            </a:solidFill>
+            <a:prstDash val="solid"/>
+            <a:round/>
+            <a:headEnd type="none" w="sm" len="sm"/>
+            <a:tailEnd type="triangle" w="med" len="med"/>
+          </a:ln>
+        </p:spPr>
+      </p:cxnSp>
       <p:sp>
         <p:nvSpPr>
-          <p:cNvPr id="25" name="Rectangle 24">
+          <p:cNvPr id="5" name="Google Shape;245;p23">
             <a:extLst>
               <a:ext uri="{FF2B5EF4-FFF2-40B4-BE49-F238E27FC236}">
-                <a16:creationId xmlns:a16="http://schemas.microsoft.com/office/drawing/2014/main" id="{EA31DF96-BC6A-43D8-8B67-521CE6E5CCA0}"/>
+                <a16:creationId xmlns:a16="http://schemas.microsoft.com/office/drawing/2014/main" id="{64C758A5-ACD9-B1AB-4416-140B25975444}"/>
+              </a:ext>
+            </a:extLst>
+          </p:cNvPr>
+          <p:cNvSpPr txBox="1"/>
+          <p:nvPr/>
+        </p:nvSpPr>
+        <p:spPr>
+          <a:xfrm>
+            <a:off x="5207091" y="2935910"/>
+            <a:ext cx="1010476" cy="307777"/>
+          </a:xfrm>
+          <a:prstGeom prst="rect">
+            <a:avLst/>
+          </a:prstGeom>
+          <a:noFill/>
+          <a:ln>
+            <a:noFill/>
+          </a:ln>
+        </p:spPr>
+        <p:txBody>
+          <a:bodyPr spcFirstLastPara="1" wrap="square" lIns="91425" tIns="45700" rIns="91425" bIns="45700" anchor="t" anchorCtr="0">
+            <a:spAutoFit/>
+          </a:bodyPr>
+          <a:lstStyle/>
+          <a:p>
+            <a:pPr marL="0" marR="0" lvl="0" indent="0" algn="l" rtl="0">
+              <a:lnSpc>
+                <a:spcPct val="100000"/>
+              </a:lnSpc>
+              <a:spcBef>
+                <a:spcPts val="0"/>
+              </a:spcBef>
+              <a:spcAft>
+                <a:spcPts val="0"/>
+              </a:spcAft>
+              <a:buClr>
+                <a:srgbClr val="000000"/>
+              </a:buClr>
+              <a:buSzPts val="1400"/>
+              <a:buFont typeface="Arial"/>
+              <a:buNone/>
+            </a:pPr>
+            <a:r>
+              <a:rPr lang="en-US" sz="1400" b="1" i="0" u="none" strike="noStrike" cap="none" dirty="0">
+                <a:solidFill>
+                  <a:srgbClr val="000000"/>
+                </a:solidFill>
+                <a:latin typeface="Arial"/>
+                <a:ea typeface="Arial"/>
+                <a:cs typeface="Arial"/>
+                <a:sym typeface="Arial"/>
+              </a:rPr>
+              <a:t>PUSH</a:t>
+            </a:r>
+            <a:endParaRPr sz="1400" b="0" i="0" u="none" strike="noStrike" cap="none" dirty="0">
+              <a:solidFill>
+                <a:srgbClr val="000000"/>
+              </a:solidFill>
+              <a:latin typeface="Arial"/>
+              <a:ea typeface="Arial"/>
+              <a:cs typeface="Arial"/>
+              <a:sym typeface="Arial"/>
+            </a:endParaRPr>
+          </a:p>
+        </p:txBody>
+      </p:sp>
+    </p:spTree>
+    <p:extLst>
+      <p:ext uri="{BB962C8B-B14F-4D97-AF65-F5344CB8AC3E}">
+        <p14:creationId xmlns:p14="http://schemas.microsoft.com/office/powerpoint/2010/main" val="4110138189"/>
+      </p:ext>
+    </p:extLst>
+  </p:cSld>
+  <p:clrMapOvr>
+    <a:masterClrMapping/>
+  </p:clrMapOvr>
+</p:sld>
+</file>
+
+<file path=ppt/slides/slide4.xml><?xml version="1.0" encoding="utf-8"?>
+<p:sld xmlns:a="http://schemas.openxmlformats.org/drawingml/2006/main" xmlns:r="http://schemas.openxmlformats.org/officeDocument/2006/relationships" xmlns:p="http://schemas.openxmlformats.org/presentationml/2006/main">
+  <p:cSld>
+    <p:spTree>
+      <p:nvGrpSpPr>
+        <p:cNvPr id="1" name="Shape 136">
+          <a:extLst>
+            <a:ext uri="{FF2B5EF4-FFF2-40B4-BE49-F238E27FC236}">
+              <a16:creationId xmlns:a16="http://schemas.microsoft.com/office/drawing/2014/main" id="{7515A20D-0BAA-8D6B-8C1A-8BED14B8D43C}"/>
+            </a:ext>
+          </a:extLst>
+        </p:cNvPr>
+        <p:cNvGrpSpPr/>
+        <p:nvPr/>
+      </p:nvGrpSpPr>
+      <p:grpSpPr>
+        <a:xfrm>
+          <a:off x="0" y="0"/>
+          <a:ext cx="0" cy="0"/>
+          <a:chOff x="0" y="0"/>
+          <a:chExt cx="0" cy="0"/>
+        </a:xfrm>
+      </p:grpSpPr>
+      <p:sp>
+        <p:nvSpPr>
+          <p:cNvPr id="137" name="Google Shape;137;p14">
+            <a:extLst>
+              <a:ext uri="{FF2B5EF4-FFF2-40B4-BE49-F238E27FC236}">
+                <a16:creationId xmlns:a16="http://schemas.microsoft.com/office/drawing/2014/main" id="{BAADCF7D-D2F2-2032-75C0-42D49C7F081B}"/>
               </a:ext>
             </a:extLst>
           </p:cNvPr>
@@ -11788,14 +15696,2127 @@
         </p:nvSpPr>
         <p:spPr>
           <a:xfrm>
-            <a:off x="1338020" y="1526058"/>
-            <a:ext cx="914400" cy="457200"/>
+            <a:off x="559617" y="756716"/>
+            <a:ext cx="1725433" cy="659016"/>
+          </a:xfrm>
+          <a:prstGeom prst="roundRect">
+            <a:avLst>
+              <a:gd name="adj" fmla="val 16667"/>
+            </a:avLst>
+          </a:prstGeom>
+          <a:solidFill>
+            <a:schemeClr val="accent1"/>
+          </a:solidFill>
+          <a:ln w="25400" cap="flat" cmpd="sng">
+            <a:solidFill>
+              <a:srgbClr val="1B3867"/>
+            </a:solidFill>
+            <a:prstDash val="solid"/>
+            <a:round/>
+            <a:headEnd type="none" w="sm" len="sm"/>
+            <a:tailEnd type="none" w="sm" len="sm"/>
+          </a:ln>
+        </p:spPr>
+        <p:txBody>
+          <a:bodyPr spcFirstLastPara="1" wrap="square" lIns="91425" tIns="45700" rIns="91425" bIns="45700" anchor="ctr" anchorCtr="0">
+            <a:noAutofit/>
+          </a:bodyPr>
+          <a:lstStyle/>
+          <a:p>
+            <a:pPr marL="0" marR="0" lvl="0" indent="0" algn="ctr" rtl="0">
+              <a:lnSpc>
+                <a:spcPct val="100000"/>
+              </a:lnSpc>
+              <a:spcBef>
+                <a:spcPts val="0"/>
+              </a:spcBef>
+              <a:spcAft>
+                <a:spcPts val="0"/>
+              </a:spcAft>
+              <a:buClr>
+                <a:srgbClr val="000000"/>
+              </a:buClr>
+              <a:buSzPts val="1400"/>
+              <a:buFont typeface="Arial"/>
+              <a:buNone/>
+            </a:pPr>
+            <a:r>
+              <a:rPr lang="en-US" sz="1200" b="0" i="0" u="none" strike="noStrike" cap="none" dirty="0">
+                <a:solidFill>
+                  <a:schemeClr val="lt1"/>
+                </a:solidFill>
+                <a:latin typeface="Arial"/>
+                <a:ea typeface="Arial"/>
+                <a:cs typeface="Arial"/>
+                <a:sym typeface="Arial"/>
+              </a:rPr>
+              <a:t>User’s </a:t>
+            </a:r>
+            <a:r>
+              <a:rPr lang="en-US" sz="1200" b="0" i="0" u="none" strike="noStrike" cap="none" dirty="0" err="1">
+                <a:solidFill>
+                  <a:schemeClr val="lt1"/>
+                </a:solidFill>
+                <a:latin typeface="Arial"/>
+                <a:ea typeface="Arial"/>
+                <a:cs typeface="Arial"/>
+                <a:sym typeface="Arial"/>
+              </a:rPr>
+              <a:t>Github</a:t>
+            </a:r>
+            <a:r>
+              <a:rPr lang="en-US" sz="1200" b="0" i="0" u="none" strike="noStrike" cap="none" dirty="0">
+                <a:solidFill>
+                  <a:schemeClr val="lt1"/>
+                </a:solidFill>
+                <a:latin typeface="Arial"/>
+                <a:ea typeface="Arial"/>
+                <a:cs typeface="Arial"/>
+                <a:sym typeface="Arial"/>
+              </a:rPr>
+              <a:t> Repo</a:t>
+            </a:r>
+          </a:p>
+          <a:p>
+            <a:pPr marL="0" marR="0" lvl="0" indent="0" algn="ctr" rtl="0">
+              <a:lnSpc>
+                <a:spcPct val="100000"/>
+              </a:lnSpc>
+              <a:spcBef>
+                <a:spcPts val="0"/>
+              </a:spcBef>
+              <a:spcAft>
+                <a:spcPts val="0"/>
+              </a:spcAft>
+              <a:buClr>
+                <a:srgbClr val="000000"/>
+              </a:buClr>
+              <a:buSzPts val="1400"/>
+              <a:buFont typeface="Arial"/>
+              <a:buNone/>
+            </a:pPr>
+            <a:r>
+              <a:rPr lang="en-US" sz="1200" dirty="0">
+                <a:solidFill>
+                  <a:schemeClr val="lt1"/>
+                </a:solidFill>
+              </a:rPr>
+              <a:t>(main)</a:t>
+            </a:r>
+            <a:endParaRPr sz="1200" b="0" i="0" u="none" strike="noStrike" cap="none" dirty="0">
+              <a:solidFill>
+                <a:srgbClr val="000000"/>
+              </a:solidFill>
+              <a:latin typeface="Arial"/>
+              <a:ea typeface="Arial"/>
+              <a:cs typeface="Arial"/>
+              <a:sym typeface="Arial"/>
+            </a:endParaRPr>
+          </a:p>
+        </p:txBody>
+      </p:sp>
+      <p:cxnSp>
+        <p:nvCxnSpPr>
+          <p:cNvPr id="138" name="Google Shape;138;p14">
+            <a:extLst>
+              <a:ext uri="{FF2B5EF4-FFF2-40B4-BE49-F238E27FC236}">
+                <a16:creationId xmlns:a16="http://schemas.microsoft.com/office/drawing/2014/main" id="{E83F2DC5-5189-4274-7704-CC29B2AE9DF9}"/>
+              </a:ext>
+            </a:extLst>
+          </p:cNvPr>
+          <p:cNvCxnSpPr>
+            <a:cxnSpLocks/>
+          </p:cNvCxnSpPr>
+          <p:nvPr/>
+        </p:nvCxnSpPr>
+        <p:spPr>
+          <a:xfrm>
+            <a:off x="2754795" y="8675"/>
+            <a:ext cx="0" cy="5143500"/>
+          </a:xfrm>
+          <a:prstGeom prst="straightConnector1">
+            <a:avLst/>
+          </a:prstGeom>
+          <a:noFill/>
+          <a:ln w="9525" cap="flat" cmpd="sng">
+            <a:solidFill>
+              <a:srgbClr val="3B7FF2"/>
+            </a:solidFill>
+            <a:prstDash val="solid"/>
+            <a:round/>
+            <a:headEnd type="none" w="sm" len="sm"/>
+            <a:tailEnd type="none" w="sm" len="sm"/>
+          </a:ln>
+        </p:spPr>
+      </p:cxnSp>
+      <p:sp>
+        <p:nvSpPr>
+          <p:cNvPr id="139" name="Google Shape;139;p14">
+            <a:extLst>
+              <a:ext uri="{FF2B5EF4-FFF2-40B4-BE49-F238E27FC236}">
+                <a16:creationId xmlns:a16="http://schemas.microsoft.com/office/drawing/2014/main" id="{200D2843-28A2-2498-43CF-BB9749F099C9}"/>
+              </a:ext>
+            </a:extLst>
+          </p:cNvPr>
+          <p:cNvSpPr txBox="1"/>
+          <p:nvPr/>
+        </p:nvSpPr>
+        <p:spPr>
+          <a:xfrm>
+            <a:off x="4236404" y="158675"/>
+            <a:ext cx="2551044" cy="369332"/>
           </a:xfrm>
           <a:prstGeom prst="rect">
             <a:avLst/>
           </a:prstGeom>
+          <a:solidFill>
+            <a:schemeClr val="accent4"/>
+          </a:solidFill>
+          <a:ln w="25400" cap="flat" cmpd="sng">
+            <a:solidFill>
+              <a:srgbClr val="6B481B"/>
+            </a:solidFill>
+            <a:prstDash val="solid"/>
+            <a:round/>
+            <a:headEnd type="none" w="sm" len="sm"/>
+            <a:tailEnd type="none" w="sm" len="sm"/>
+          </a:ln>
+        </p:spPr>
+        <p:txBody>
+          <a:bodyPr spcFirstLastPara="1" wrap="square" lIns="91425" tIns="45700" rIns="91425" bIns="45700" anchor="t" anchorCtr="0">
+            <a:spAutoFit/>
+          </a:bodyPr>
+          <a:lstStyle/>
+          <a:p>
+            <a:pPr marL="0" marR="0" lvl="0" indent="0" algn="ctr" rtl="0">
+              <a:lnSpc>
+                <a:spcPct val="100000"/>
+              </a:lnSpc>
+              <a:spcBef>
+                <a:spcPts val="0"/>
+              </a:spcBef>
+              <a:spcAft>
+                <a:spcPts val="0"/>
+              </a:spcAft>
+              <a:buClr>
+                <a:srgbClr val="000000"/>
+              </a:buClr>
+              <a:buSzPts val="1800"/>
+              <a:buFont typeface="Arial"/>
+              <a:buNone/>
+            </a:pPr>
+            <a:r>
+              <a:rPr lang="en-US" sz="1800" b="1" i="0" u="none" strike="noStrike" cap="none">
+                <a:solidFill>
+                  <a:schemeClr val="lt1"/>
+                </a:solidFill>
+                <a:latin typeface="Arial"/>
+                <a:ea typeface="Arial"/>
+                <a:cs typeface="Arial"/>
+                <a:sym typeface="Arial"/>
+              </a:rPr>
+              <a:t>LOCAL</a:t>
+            </a:r>
+            <a:endParaRPr sz="1400" b="0" i="0" u="none" strike="noStrike" cap="none">
+              <a:solidFill>
+                <a:srgbClr val="000000"/>
+              </a:solidFill>
+              <a:latin typeface="Arial"/>
+              <a:ea typeface="Arial"/>
+              <a:cs typeface="Arial"/>
+              <a:sym typeface="Arial"/>
+            </a:endParaRPr>
+          </a:p>
+        </p:txBody>
+      </p:sp>
+      <p:sp>
+        <p:nvSpPr>
+          <p:cNvPr id="140" name="Google Shape;140;p14">
+            <a:extLst>
+              <a:ext uri="{FF2B5EF4-FFF2-40B4-BE49-F238E27FC236}">
+                <a16:creationId xmlns:a16="http://schemas.microsoft.com/office/drawing/2014/main" id="{529A9422-37FF-2C38-10C5-E5BE366A5951}"/>
+              </a:ext>
+            </a:extLst>
+          </p:cNvPr>
+          <p:cNvSpPr/>
+          <p:nvPr/>
+        </p:nvSpPr>
+        <p:spPr>
+          <a:xfrm>
+            <a:off x="3222260" y="755598"/>
+            <a:ext cx="1725433" cy="659016"/>
+          </a:xfrm>
+          <a:prstGeom prst="roundRect">
+            <a:avLst>
+              <a:gd name="adj" fmla="val 16667"/>
+            </a:avLst>
+          </a:prstGeom>
+          <a:solidFill>
+            <a:schemeClr val="accent4"/>
+          </a:solidFill>
+          <a:ln w="25400" cap="flat" cmpd="sng">
+            <a:solidFill>
+              <a:srgbClr val="6B481B"/>
+            </a:solidFill>
+            <a:prstDash val="solid"/>
+            <a:round/>
+            <a:headEnd type="none" w="sm" len="sm"/>
+            <a:tailEnd type="none" w="sm" len="sm"/>
+          </a:ln>
+        </p:spPr>
+        <p:txBody>
+          <a:bodyPr spcFirstLastPara="1" wrap="square" lIns="91425" tIns="45700" rIns="91425" bIns="45700" anchor="ctr" anchorCtr="0">
+            <a:noAutofit/>
+          </a:bodyPr>
+          <a:lstStyle/>
+          <a:p>
+            <a:pPr marL="0" marR="0" lvl="0" indent="0" algn="ctr" rtl="0">
+              <a:lnSpc>
+                <a:spcPct val="100000"/>
+              </a:lnSpc>
+              <a:spcBef>
+                <a:spcPts val="0"/>
+              </a:spcBef>
+              <a:spcAft>
+                <a:spcPts val="0"/>
+              </a:spcAft>
+              <a:buClr>
+                <a:srgbClr val="000000"/>
+              </a:buClr>
+              <a:buSzPts val="1400"/>
+              <a:buFont typeface="Arial"/>
+              <a:buNone/>
+            </a:pPr>
+            <a:r>
+              <a:rPr lang="en-US" sz="1200" b="0" i="0" u="none" strike="noStrike" cap="none" dirty="0">
+                <a:solidFill>
+                  <a:schemeClr val="lt1"/>
+                </a:solidFill>
+                <a:latin typeface="Arial"/>
+                <a:ea typeface="Arial"/>
+                <a:cs typeface="Arial"/>
+                <a:sym typeface="Arial"/>
+              </a:rPr>
+              <a:t>User’s Local Repo</a:t>
+            </a:r>
+          </a:p>
+          <a:p>
+            <a:pPr lvl="0" algn="ctr">
+              <a:buSzPts val="1400"/>
+            </a:pPr>
+            <a:r>
+              <a:rPr lang="en-US" sz="1200" dirty="0">
+                <a:solidFill>
+                  <a:schemeClr val="lt1"/>
+                </a:solidFill>
+              </a:rPr>
+              <a:t>(main)</a:t>
+            </a:r>
+            <a:endParaRPr sz="1200" b="0" i="0" u="none" strike="noStrike" cap="none" dirty="0">
+              <a:solidFill>
+                <a:srgbClr val="000000"/>
+              </a:solidFill>
+              <a:latin typeface="Arial"/>
+              <a:ea typeface="Arial"/>
+              <a:cs typeface="Arial"/>
+              <a:sym typeface="Arial"/>
+            </a:endParaRPr>
+          </a:p>
+        </p:txBody>
+      </p:sp>
+      <p:cxnSp>
+        <p:nvCxnSpPr>
+          <p:cNvPr id="141" name="Google Shape;141;p14">
+            <a:extLst>
+              <a:ext uri="{FF2B5EF4-FFF2-40B4-BE49-F238E27FC236}">
+                <a16:creationId xmlns:a16="http://schemas.microsoft.com/office/drawing/2014/main" id="{07B1A6A0-58A6-207E-44CD-5DFF2D819246}"/>
+              </a:ext>
+            </a:extLst>
+          </p:cNvPr>
+          <p:cNvCxnSpPr>
+            <a:cxnSpLocks/>
+            <a:stCxn id="137" idx="3"/>
+            <a:endCxn id="140" idx="1"/>
+          </p:cNvCxnSpPr>
+          <p:nvPr/>
+        </p:nvCxnSpPr>
+        <p:spPr>
+          <a:xfrm flipV="1">
+            <a:off x="2285050" y="1085106"/>
+            <a:ext cx="937210" cy="1118"/>
+          </a:xfrm>
+          <a:prstGeom prst="straightConnector1">
+            <a:avLst/>
+          </a:prstGeom>
+          <a:noFill/>
+          <a:ln w="9525" cap="flat" cmpd="sng">
+            <a:solidFill>
+              <a:srgbClr val="3B7FF2"/>
+            </a:solidFill>
+            <a:prstDash val="solid"/>
+            <a:round/>
+            <a:headEnd type="none" w="sm" len="sm"/>
+            <a:tailEnd type="triangle" w="med" len="med"/>
+          </a:ln>
+        </p:spPr>
+      </p:cxnSp>
+      <p:sp>
+        <p:nvSpPr>
+          <p:cNvPr id="142" name="Google Shape;142;p14">
+            <a:extLst>
+              <a:ext uri="{FF2B5EF4-FFF2-40B4-BE49-F238E27FC236}">
+                <a16:creationId xmlns:a16="http://schemas.microsoft.com/office/drawing/2014/main" id="{F232A097-1A24-50C9-33FF-11B1019690EF}"/>
+              </a:ext>
+            </a:extLst>
+          </p:cNvPr>
+          <p:cNvSpPr txBox="1"/>
+          <p:nvPr/>
+        </p:nvSpPr>
+        <p:spPr>
+          <a:xfrm>
+            <a:off x="2344042" y="755598"/>
+            <a:ext cx="842837" cy="307777"/>
+          </a:xfrm>
+          <a:prstGeom prst="rect">
+            <a:avLst/>
+          </a:prstGeom>
+          <a:noFill/>
           <a:ln>
             <a:noFill/>
+          </a:ln>
+        </p:spPr>
+        <p:txBody>
+          <a:bodyPr spcFirstLastPara="1" wrap="square" lIns="91425" tIns="45700" rIns="91425" bIns="45700" anchor="t" anchorCtr="0">
+            <a:spAutoFit/>
+          </a:bodyPr>
+          <a:lstStyle/>
+          <a:p>
+            <a:pPr marL="0" marR="0" lvl="0" indent="0" algn="l" rtl="0">
+              <a:lnSpc>
+                <a:spcPct val="100000"/>
+              </a:lnSpc>
+              <a:spcBef>
+                <a:spcPts val="0"/>
+              </a:spcBef>
+              <a:spcAft>
+                <a:spcPts val="0"/>
+              </a:spcAft>
+              <a:buClr>
+                <a:srgbClr val="000000"/>
+              </a:buClr>
+              <a:buSzPts val="1400"/>
+              <a:buFont typeface="Arial"/>
+              <a:buNone/>
+            </a:pPr>
+            <a:r>
+              <a:rPr lang="en-US" sz="1400" b="1" i="0" u="none" strike="noStrike" cap="none" dirty="0">
+                <a:solidFill>
+                  <a:srgbClr val="000000"/>
+                </a:solidFill>
+                <a:latin typeface="Arial"/>
+                <a:ea typeface="Arial"/>
+                <a:cs typeface="Arial"/>
+                <a:sym typeface="Arial"/>
+              </a:rPr>
+              <a:t>CLONE</a:t>
+            </a:r>
+            <a:endParaRPr sz="1400" b="0" i="0" u="none" strike="noStrike" cap="none" dirty="0">
+              <a:solidFill>
+                <a:srgbClr val="000000"/>
+              </a:solidFill>
+              <a:latin typeface="Arial"/>
+              <a:ea typeface="Arial"/>
+              <a:cs typeface="Arial"/>
+              <a:sym typeface="Arial"/>
+            </a:endParaRPr>
+          </a:p>
+        </p:txBody>
+      </p:sp>
+      <p:sp>
+        <p:nvSpPr>
+          <p:cNvPr id="143" name="Google Shape;143;p14">
+            <a:extLst>
+              <a:ext uri="{FF2B5EF4-FFF2-40B4-BE49-F238E27FC236}">
+                <a16:creationId xmlns:a16="http://schemas.microsoft.com/office/drawing/2014/main" id="{D0E56ED2-325E-4BF0-4155-19AF06565D77}"/>
+              </a:ext>
+            </a:extLst>
+          </p:cNvPr>
+          <p:cNvSpPr/>
+          <p:nvPr/>
+        </p:nvSpPr>
+        <p:spPr>
+          <a:xfrm>
+            <a:off x="6194057" y="755598"/>
+            <a:ext cx="1725433" cy="659016"/>
+          </a:xfrm>
+          <a:prstGeom prst="roundRect">
+            <a:avLst>
+              <a:gd name="adj" fmla="val 16667"/>
+            </a:avLst>
+          </a:prstGeom>
+          <a:solidFill>
+            <a:schemeClr val="accent4"/>
+          </a:solidFill>
+          <a:ln w="25400" cap="flat" cmpd="sng">
+            <a:solidFill>
+              <a:srgbClr val="6B481B"/>
+            </a:solidFill>
+            <a:prstDash val="solid"/>
+            <a:round/>
+            <a:headEnd type="none" w="sm" len="sm"/>
+            <a:tailEnd type="none" w="sm" len="sm"/>
+          </a:ln>
+        </p:spPr>
+        <p:txBody>
+          <a:bodyPr spcFirstLastPara="1" wrap="square" lIns="91425" tIns="45700" rIns="91425" bIns="45700" anchor="ctr" anchorCtr="0">
+            <a:noAutofit/>
+          </a:bodyPr>
+          <a:lstStyle/>
+          <a:p>
+            <a:pPr marL="0" marR="0" lvl="0" indent="0" algn="ctr" rtl="0">
+              <a:lnSpc>
+                <a:spcPct val="100000"/>
+              </a:lnSpc>
+              <a:spcBef>
+                <a:spcPts val="0"/>
+              </a:spcBef>
+              <a:spcAft>
+                <a:spcPts val="0"/>
+              </a:spcAft>
+              <a:buClr>
+                <a:srgbClr val="000000"/>
+              </a:buClr>
+              <a:buSzPts val="1400"/>
+              <a:buFont typeface="Arial"/>
+              <a:buNone/>
+            </a:pPr>
+            <a:endParaRPr sz="1400" b="0" i="0" u="none" strike="noStrike" cap="none" dirty="0">
+              <a:solidFill>
+                <a:schemeClr val="lt1"/>
+              </a:solidFill>
+              <a:latin typeface="Arial"/>
+              <a:ea typeface="Arial"/>
+              <a:cs typeface="Arial"/>
+              <a:sym typeface="Arial"/>
+            </a:endParaRPr>
+          </a:p>
+          <a:p>
+            <a:pPr marL="0" marR="0" lvl="0" indent="0" algn="ctr" rtl="0">
+              <a:lnSpc>
+                <a:spcPct val="100000"/>
+              </a:lnSpc>
+              <a:spcBef>
+                <a:spcPts val="0"/>
+              </a:spcBef>
+              <a:spcAft>
+                <a:spcPts val="0"/>
+              </a:spcAft>
+              <a:buClr>
+                <a:srgbClr val="000000"/>
+              </a:buClr>
+              <a:buSzPts val="1400"/>
+              <a:buFont typeface="Arial"/>
+              <a:buNone/>
+            </a:pPr>
+            <a:r>
+              <a:rPr lang="en-US" sz="1200" b="0" i="0" u="none" strike="noStrike" cap="none" dirty="0">
+                <a:solidFill>
+                  <a:schemeClr val="lt1"/>
+                </a:solidFill>
+                <a:latin typeface="Arial"/>
+                <a:ea typeface="Arial"/>
+                <a:cs typeface="Arial"/>
+                <a:sym typeface="Arial"/>
+              </a:rPr>
+              <a:t>User’s Local Repo</a:t>
+            </a:r>
+            <a:endParaRPr sz="1200" b="0" i="0" u="none" strike="noStrike" cap="none" dirty="0">
+              <a:solidFill>
+                <a:srgbClr val="000000"/>
+              </a:solidFill>
+              <a:latin typeface="Arial"/>
+              <a:ea typeface="Arial"/>
+              <a:cs typeface="Arial"/>
+              <a:sym typeface="Arial"/>
+            </a:endParaRPr>
+          </a:p>
+          <a:p>
+            <a:pPr marL="0" marR="0" lvl="0" indent="0" algn="ctr" rtl="0">
+              <a:lnSpc>
+                <a:spcPct val="100000"/>
+              </a:lnSpc>
+              <a:spcBef>
+                <a:spcPts val="0"/>
+              </a:spcBef>
+              <a:spcAft>
+                <a:spcPts val="0"/>
+              </a:spcAft>
+              <a:buClr>
+                <a:srgbClr val="000000"/>
+              </a:buClr>
+              <a:buSzPts val="1400"/>
+              <a:buFont typeface="Arial"/>
+              <a:buNone/>
+            </a:pPr>
+            <a:r>
+              <a:rPr lang="en-US" sz="1200" b="0" i="0" u="none" strike="noStrike" cap="none" dirty="0">
+                <a:solidFill>
+                  <a:schemeClr val="lt1"/>
+                </a:solidFill>
+                <a:latin typeface="Arial"/>
+                <a:ea typeface="Arial"/>
+                <a:cs typeface="Arial"/>
+                <a:sym typeface="Arial"/>
+              </a:rPr>
+              <a:t>Working Directory</a:t>
+            </a:r>
+          </a:p>
+          <a:p>
+            <a:pPr marL="0" marR="0" lvl="0" indent="0" algn="ctr" rtl="0">
+              <a:lnSpc>
+                <a:spcPct val="100000"/>
+              </a:lnSpc>
+              <a:spcBef>
+                <a:spcPts val="0"/>
+              </a:spcBef>
+              <a:spcAft>
+                <a:spcPts val="0"/>
+              </a:spcAft>
+              <a:buClr>
+                <a:srgbClr val="000000"/>
+              </a:buClr>
+              <a:buSzPts val="1400"/>
+              <a:buFont typeface="Arial"/>
+              <a:buNone/>
+            </a:pPr>
+            <a:r>
+              <a:rPr lang="en-US" sz="1200" b="0" i="0" u="none" strike="noStrike" cap="none" dirty="0">
+                <a:solidFill>
+                  <a:schemeClr val="lt1"/>
+                </a:solidFill>
+                <a:latin typeface="Arial"/>
+                <a:ea typeface="Arial"/>
+                <a:cs typeface="Arial"/>
+                <a:sym typeface="Arial"/>
+              </a:rPr>
+              <a:t>(branch lesson-3)</a:t>
+            </a:r>
+            <a:endParaRPr sz="1200" b="0" i="0" u="none" strike="noStrike" cap="none" dirty="0">
+              <a:solidFill>
+                <a:srgbClr val="000000"/>
+              </a:solidFill>
+              <a:latin typeface="Arial"/>
+              <a:ea typeface="Arial"/>
+              <a:cs typeface="Arial"/>
+              <a:sym typeface="Arial"/>
+            </a:endParaRPr>
+          </a:p>
+          <a:p>
+            <a:pPr marL="0" marR="0" lvl="0" indent="0" algn="ctr" rtl="0">
+              <a:lnSpc>
+                <a:spcPct val="100000"/>
+              </a:lnSpc>
+              <a:spcBef>
+                <a:spcPts val="0"/>
+              </a:spcBef>
+              <a:spcAft>
+                <a:spcPts val="0"/>
+              </a:spcAft>
+              <a:buClr>
+                <a:srgbClr val="000000"/>
+              </a:buClr>
+              <a:buSzPts val="1400"/>
+              <a:buFont typeface="Arial"/>
+              <a:buNone/>
+            </a:pPr>
+            <a:endParaRPr sz="1400" b="0" i="0" u="none" strike="noStrike" cap="none" dirty="0">
+              <a:solidFill>
+                <a:schemeClr val="lt1"/>
+              </a:solidFill>
+              <a:latin typeface="Arial"/>
+              <a:ea typeface="Arial"/>
+              <a:cs typeface="Arial"/>
+              <a:sym typeface="Arial"/>
+            </a:endParaRPr>
+          </a:p>
+        </p:txBody>
+      </p:sp>
+      <p:cxnSp>
+        <p:nvCxnSpPr>
+          <p:cNvPr id="144" name="Google Shape;144;p14">
+            <a:extLst>
+              <a:ext uri="{FF2B5EF4-FFF2-40B4-BE49-F238E27FC236}">
+                <a16:creationId xmlns:a16="http://schemas.microsoft.com/office/drawing/2014/main" id="{EC229CF5-311E-D510-8236-DC3B7230BB26}"/>
+              </a:ext>
+            </a:extLst>
+          </p:cNvPr>
+          <p:cNvCxnSpPr>
+            <a:cxnSpLocks/>
+            <a:stCxn id="140" idx="3"/>
+            <a:endCxn id="143" idx="1"/>
+          </p:cNvCxnSpPr>
+          <p:nvPr/>
+        </p:nvCxnSpPr>
+        <p:spPr>
+          <a:xfrm>
+            <a:off x="4947693" y="1085106"/>
+            <a:ext cx="1246364" cy="0"/>
+          </a:xfrm>
+          <a:prstGeom prst="straightConnector1">
+            <a:avLst/>
+          </a:prstGeom>
+          <a:noFill/>
+          <a:ln w="9525" cap="flat" cmpd="sng">
+            <a:solidFill>
+              <a:srgbClr val="3B7FF2"/>
+            </a:solidFill>
+            <a:prstDash val="solid"/>
+            <a:round/>
+            <a:headEnd type="none" w="sm" len="sm"/>
+            <a:tailEnd type="triangle" w="med" len="med"/>
+          </a:ln>
+        </p:spPr>
+      </p:cxnSp>
+      <p:sp>
+        <p:nvSpPr>
+          <p:cNvPr id="145" name="Google Shape;145;p14">
+            <a:extLst>
+              <a:ext uri="{FF2B5EF4-FFF2-40B4-BE49-F238E27FC236}">
+                <a16:creationId xmlns:a16="http://schemas.microsoft.com/office/drawing/2014/main" id="{61D10418-D26D-6204-2370-6B40282F130E}"/>
+              </a:ext>
+            </a:extLst>
+          </p:cNvPr>
+          <p:cNvSpPr txBox="1"/>
+          <p:nvPr/>
+        </p:nvSpPr>
+        <p:spPr>
+          <a:xfrm>
+            <a:off x="5063310" y="756716"/>
+            <a:ext cx="955479" cy="307777"/>
+          </a:xfrm>
+          <a:prstGeom prst="rect">
+            <a:avLst/>
+          </a:prstGeom>
+          <a:noFill/>
+          <a:ln>
+            <a:noFill/>
+          </a:ln>
+        </p:spPr>
+        <p:txBody>
+          <a:bodyPr spcFirstLastPara="1" wrap="square" lIns="91425" tIns="45700" rIns="91425" bIns="45700" anchor="t" anchorCtr="0">
+            <a:spAutoFit/>
+          </a:bodyPr>
+          <a:lstStyle/>
+          <a:p>
+            <a:pPr marL="0" marR="0" lvl="0" indent="0" algn="l" rtl="0">
+              <a:lnSpc>
+                <a:spcPct val="100000"/>
+              </a:lnSpc>
+              <a:spcBef>
+                <a:spcPts val="0"/>
+              </a:spcBef>
+              <a:spcAft>
+                <a:spcPts val="0"/>
+              </a:spcAft>
+              <a:buClr>
+                <a:srgbClr val="000000"/>
+              </a:buClr>
+              <a:buSzPts val="1400"/>
+              <a:buFont typeface="Arial"/>
+              <a:buNone/>
+            </a:pPr>
+            <a:r>
+              <a:rPr lang="en-US" sz="1400" b="1" i="0" u="none" strike="noStrike" cap="none" dirty="0">
+                <a:solidFill>
+                  <a:srgbClr val="000000"/>
+                </a:solidFill>
+                <a:latin typeface="Arial"/>
+                <a:ea typeface="Arial"/>
+                <a:cs typeface="Arial"/>
+                <a:sym typeface="Arial"/>
+              </a:rPr>
+              <a:t>BRANCH</a:t>
+            </a:r>
+            <a:endParaRPr sz="1400" b="0" i="0" u="none" strike="noStrike" cap="none" dirty="0">
+              <a:solidFill>
+                <a:srgbClr val="000000"/>
+              </a:solidFill>
+              <a:latin typeface="Arial"/>
+              <a:ea typeface="Arial"/>
+              <a:cs typeface="Arial"/>
+              <a:sym typeface="Arial"/>
+            </a:endParaRPr>
+          </a:p>
+        </p:txBody>
+      </p:sp>
+      <p:sp>
+        <p:nvSpPr>
+          <p:cNvPr id="146" name="Google Shape;146;p14">
+            <a:extLst>
+              <a:ext uri="{FF2B5EF4-FFF2-40B4-BE49-F238E27FC236}">
+                <a16:creationId xmlns:a16="http://schemas.microsoft.com/office/drawing/2014/main" id="{B5EAA771-D55E-58F2-6CD5-7FE6A96F0027}"/>
+              </a:ext>
+            </a:extLst>
+          </p:cNvPr>
+          <p:cNvSpPr txBox="1"/>
+          <p:nvPr/>
+        </p:nvSpPr>
+        <p:spPr>
+          <a:xfrm>
+            <a:off x="559617" y="201330"/>
+            <a:ext cx="1709530" cy="369332"/>
+          </a:xfrm>
+          <a:prstGeom prst="rect">
+            <a:avLst/>
+          </a:prstGeom>
+          <a:solidFill>
+            <a:schemeClr val="accent1"/>
+          </a:solidFill>
+          <a:ln w="25400" cap="flat" cmpd="sng">
+            <a:solidFill>
+              <a:srgbClr val="1B3867"/>
+            </a:solidFill>
+            <a:prstDash val="solid"/>
+            <a:round/>
+            <a:headEnd type="none" w="sm" len="sm"/>
+            <a:tailEnd type="none" w="sm" len="sm"/>
+          </a:ln>
+        </p:spPr>
+        <p:txBody>
+          <a:bodyPr spcFirstLastPara="1" wrap="square" lIns="91425" tIns="45700" rIns="91425" bIns="45700" anchor="t" anchorCtr="0">
+            <a:spAutoFit/>
+          </a:bodyPr>
+          <a:lstStyle/>
+          <a:p>
+            <a:pPr marL="0" marR="0" lvl="0" indent="0" algn="ctr" rtl="0">
+              <a:lnSpc>
+                <a:spcPct val="100000"/>
+              </a:lnSpc>
+              <a:spcBef>
+                <a:spcPts val="0"/>
+              </a:spcBef>
+              <a:spcAft>
+                <a:spcPts val="0"/>
+              </a:spcAft>
+              <a:buClr>
+                <a:srgbClr val="000000"/>
+              </a:buClr>
+              <a:buSzPts val="1800"/>
+              <a:buFont typeface="Arial"/>
+              <a:buNone/>
+            </a:pPr>
+            <a:r>
+              <a:rPr lang="en-US" sz="1800" b="1" i="0" u="none" strike="noStrike" cap="none" dirty="0">
+                <a:solidFill>
+                  <a:schemeClr val="lt1"/>
+                </a:solidFill>
+                <a:latin typeface="Arial"/>
+                <a:ea typeface="Arial"/>
+                <a:cs typeface="Arial"/>
+                <a:sym typeface="Arial"/>
+              </a:rPr>
+              <a:t>REMOTE</a:t>
+            </a:r>
+            <a:endParaRPr sz="1400" b="0" i="0" u="none" strike="noStrike" cap="none" dirty="0">
+              <a:solidFill>
+                <a:srgbClr val="000000"/>
+              </a:solidFill>
+              <a:latin typeface="Arial"/>
+              <a:ea typeface="Arial"/>
+              <a:cs typeface="Arial"/>
+              <a:sym typeface="Arial"/>
+            </a:endParaRPr>
+          </a:p>
+        </p:txBody>
+      </p:sp>
+      <p:sp>
+        <p:nvSpPr>
+          <p:cNvPr id="16" name="Google Shape;162;p16">
+            <a:extLst>
+              <a:ext uri="{FF2B5EF4-FFF2-40B4-BE49-F238E27FC236}">
+                <a16:creationId xmlns:a16="http://schemas.microsoft.com/office/drawing/2014/main" id="{E99FC76C-5AFC-2C7F-24E8-75991B895E65}"/>
+              </a:ext>
+            </a:extLst>
+          </p:cNvPr>
+          <p:cNvSpPr/>
+          <p:nvPr/>
+        </p:nvSpPr>
+        <p:spPr>
+          <a:xfrm>
+            <a:off x="6194057" y="1835547"/>
+            <a:ext cx="1725433" cy="659016"/>
+          </a:xfrm>
+          <a:prstGeom prst="roundRect">
+            <a:avLst>
+              <a:gd name="adj" fmla="val 16667"/>
+            </a:avLst>
+          </a:prstGeom>
+          <a:solidFill>
+            <a:schemeClr val="accent4"/>
+          </a:solidFill>
+          <a:ln w="25400" cap="flat" cmpd="sng">
+            <a:solidFill>
+              <a:srgbClr val="6B481B"/>
+            </a:solidFill>
+            <a:prstDash val="solid"/>
+            <a:round/>
+            <a:headEnd type="none" w="sm" len="sm"/>
+            <a:tailEnd type="none" w="sm" len="sm"/>
+          </a:ln>
+        </p:spPr>
+        <p:txBody>
+          <a:bodyPr spcFirstLastPara="1" wrap="square" lIns="91425" tIns="45700" rIns="91425" bIns="45700" anchor="ctr" anchorCtr="0">
+            <a:noAutofit/>
+          </a:bodyPr>
+          <a:lstStyle/>
+          <a:p>
+            <a:pPr marL="0" marR="0" lvl="0" indent="0" algn="ctr" rtl="0">
+              <a:lnSpc>
+                <a:spcPct val="100000"/>
+              </a:lnSpc>
+              <a:spcBef>
+                <a:spcPts val="0"/>
+              </a:spcBef>
+              <a:spcAft>
+                <a:spcPts val="0"/>
+              </a:spcAft>
+              <a:buClr>
+                <a:srgbClr val="000000"/>
+              </a:buClr>
+              <a:buSzPts val="1400"/>
+              <a:buFont typeface="Arial"/>
+              <a:buNone/>
+            </a:pPr>
+            <a:endParaRPr sz="1400" b="0" i="0" u="none" strike="noStrike" cap="none" dirty="0">
+              <a:solidFill>
+                <a:schemeClr val="lt1"/>
+              </a:solidFill>
+              <a:latin typeface="Arial"/>
+              <a:ea typeface="Arial"/>
+              <a:cs typeface="Arial"/>
+              <a:sym typeface="Arial"/>
+            </a:endParaRPr>
+          </a:p>
+          <a:p>
+            <a:pPr lvl="0" algn="ctr">
+              <a:buSzPts val="1400"/>
+            </a:pPr>
+            <a:r>
+              <a:rPr lang="en-US" sz="1200" dirty="0">
+                <a:solidFill>
+                  <a:schemeClr val="lt1"/>
+                </a:solidFill>
+              </a:rPr>
+              <a:t>User’s Local Repo</a:t>
+            </a:r>
+            <a:endParaRPr lang="en-US" sz="1200" dirty="0"/>
+          </a:p>
+          <a:p>
+            <a:pPr lvl="0" algn="ctr">
+              <a:buSzPts val="1400"/>
+            </a:pPr>
+            <a:r>
+              <a:rPr lang="en-US" sz="1200" dirty="0">
+                <a:solidFill>
+                  <a:schemeClr val="lt1"/>
+                </a:solidFill>
+              </a:rPr>
+              <a:t>Staging Area</a:t>
+            </a:r>
+          </a:p>
+          <a:p>
+            <a:pPr lvl="0" algn="ctr">
+              <a:buSzPts val="1400"/>
+            </a:pPr>
+            <a:r>
+              <a:rPr lang="en-US" sz="1200" dirty="0">
+                <a:solidFill>
+                  <a:schemeClr val="lt1"/>
+                </a:solidFill>
+              </a:rPr>
+              <a:t>(branch lesson-3)</a:t>
+            </a:r>
+            <a:endParaRPr lang="en-US" sz="1200" dirty="0"/>
+          </a:p>
+          <a:p>
+            <a:pPr marL="0" marR="0" lvl="0" indent="0" algn="ctr" rtl="0">
+              <a:lnSpc>
+                <a:spcPct val="100000"/>
+              </a:lnSpc>
+              <a:spcBef>
+                <a:spcPts val="0"/>
+              </a:spcBef>
+              <a:spcAft>
+                <a:spcPts val="0"/>
+              </a:spcAft>
+              <a:buClr>
+                <a:srgbClr val="000000"/>
+              </a:buClr>
+              <a:buSzPts val="1400"/>
+              <a:buFont typeface="Arial"/>
+              <a:buNone/>
+            </a:pPr>
+            <a:endParaRPr sz="1400" b="0" i="0" u="none" strike="noStrike" cap="none" dirty="0">
+              <a:solidFill>
+                <a:schemeClr val="lt1"/>
+              </a:solidFill>
+              <a:latin typeface="Arial"/>
+              <a:ea typeface="Arial"/>
+              <a:cs typeface="Arial"/>
+              <a:sym typeface="Arial"/>
+            </a:endParaRPr>
+          </a:p>
+        </p:txBody>
+      </p:sp>
+      <p:cxnSp>
+        <p:nvCxnSpPr>
+          <p:cNvPr id="17" name="Google Shape;163;p16">
+            <a:extLst>
+              <a:ext uri="{FF2B5EF4-FFF2-40B4-BE49-F238E27FC236}">
+                <a16:creationId xmlns:a16="http://schemas.microsoft.com/office/drawing/2014/main" id="{78FC2AEA-7B4D-2091-DC6A-28E75CF3AD86}"/>
+              </a:ext>
+            </a:extLst>
+          </p:cNvPr>
+          <p:cNvCxnSpPr>
+            <a:cxnSpLocks/>
+            <a:stCxn id="143" idx="2"/>
+            <a:endCxn id="16" idx="0"/>
+          </p:cNvCxnSpPr>
+          <p:nvPr/>
+        </p:nvCxnSpPr>
+        <p:spPr>
+          <a:xfrm>
+            <a:off x="7056774" y="1414614"/>
+            <a:ext cx="0" cy="420933"/>
+          </a:xfrm>
+          <a:prstGeom prst="straightConnector1">
+            <a:avLst/>
+          </a:prstGeom>
+          <a:noFill/>
+          <a:ln w="9525" cap="flat" cmpd="sng">
+            <a:solidFill>
+              <a:srgbClr val="3B7FF2"/>
+            </a:solidFill>
+            <a:prstDash val="solid"/>
+            <a:round/>
+            <a:headEnd type="none" w="sm" len="sm"/>
+            <a:tailEnd type="triangle" w="med" len="med"/>
+          </a:ln>
+        </p:spPr>
+      </p:cxnSp>
+      <p:sp>
+        <p:nvSpPr>
+          <p:cNvPr id="18" name="Google Shape;164;p16">
+            <a:extLst>
+              <a:ext uri="{FF2B5EF4-FFF2-40B4-BE49-F238E27FC236}">
+                <a16:creationId xmlns:a16="http://schemas.microsoft.com/office/drawing/2014/main" id="{796358F3-D3F8-E138-4A66-A927293CC635}"/>
+              </a:ext>
+            </a:extLst>
+          </p:cNvPr>
+          <p:cNvSpPr txBox="1"/>
+          <p:nvPr/>
+        </p:nvSpPr>
+        <p:spPr>
+          <a:xfrm>
+            <a:off x="7056773" y="1471192"/>
+            <a:ext cx="842837" cy="307777"/>
+          </a:xfrm>
+          <a:prstGeom prst="rect">
+            <a:avLst/>
+          </a:prstGeom>
+          <a:noFill/>
+          <a:ln>
+            <a:noFill/>
+          </a:ln>
+        </p:spPr>
+        <p:txBody>
+          <a:bodyPr spcFirstLastPara="1" wrap="square" lIns="91425" tIns="45700" rIns="91425" bIns="45700" anchor="t" anchorCtr="0">
+            <a:spAutoFit/>
+          </a:bodyPr>
+          <a:lstStyle/>
+          <a:p>
+            <a:pPr marL="0" marR="0" lvl="0" indent="0" algn="l" rtl="0">
+              <a:lnSpc>
+                <a:spcPct val="100000"/>
+              </a:lnSpc>
+              <a:spcBef>
+                <a:spcPts val="0"/>
+              </a:spcBef>
+              <a:spcAft>
+                <a:spcPts val="0"/>
+              </a:spcAft>
+              <a:buClr>
+                <a:srgbClr val="000000"/>
+              </a:buClr>
+              <a:buSzPts val="1400"/>
+              <a:buFont typeface="Arial"/>
+              <a:buNone/>
+            </a:pPr>
+            <a:r>
+              <a:rPr lang="en-US" sz="1400" b="1" i="0" u="none" strike="noStrike" cap="none" dirty="0">
+                <a:solidFill>
+                  <a:srgbClr val="000000"/>
+                </a:solidFill>
+                <a:latin typeface="Arial"/>
+                <a:ea typeface="Arial"/>
+                <a:cs typeface="Arial"/>
+                <a:sym typeface="Arial"/>
+              </a:rPr>
+              <a:t>STAGE</a:t>
+            </a:r>
+            <a:endParaRPr sz="1400" b="0" i="0" u="none" strike="noStrike" cap="none" dirty="0">
+              <a:solidFill>
+                <a:srgbClr val="000000"/>
+              </a:solidFill>
+              <a:latin typeface="Arial"/>
+              <a:ea typeface="Arial"/>
+              <a:cs typeface="Arial"/>
+              <a:sym typeface="Arial"/>
+            </a:endParaRPr>
+          </a:p>
+        </p:txBody>
+      </p:sp>
+      <p:cxnSp>
+        <p:nvCxnSpPr>
+          <p:cNvPr id="19" name="Google Shape;165;p16">
+            <a:extLst>
+              <a:ext uri="{FF2B5EF4-FFF2-40B4-BE49-F238E27FC236}">
+                <a16:creationId xmlns:a16="http://schemas.microsoft.com/office/drawing/2014/main" id="{1818E0AB-E0F5-405A-1712-7365E63B5A14}"/>
+              </a:ext>
+            </a:extLst>
+          </p:cNvPr>
+          <p:cNvCxnSpPr>
+            <a:cxnSpLocks/>
+            <a:stCxn id="16" idx="2"/>
+            <a:endCxn id="48" idx="0"/>
+          </p:cNvCxnSpPr>
+          <p:nvPr/>
+        </p:nvCxnSpPr>
+        <p:spPr>
+          <a:xfrm>
+            <a:off x="7056774" y="2494563"/>
+            <a:ext cx="0" cy="420933"/>
+          </a:xfrm>
+          <a:prstGeom prst="straightConnector1">
+            <a:avLst/>
+          </a:prstGeom>
+          <a:noFill/>
+          <a:ln w="9525" cap="flat" cmpd="sng">
+            <a:solidFill>
+              <a:srgbClr val="3B7FF2"/>
+            </a:solidFill>
+            <a:prstDash val="solid"/>
+            <a:round/>
+            <a:headEnd type="none" w="sm" len="sm"/>
+            <a:tailEnd type="triangle" w="med" len="med"/>
+          </a:ln>
+        </p:spPr>
+      </p:cxnSp>
+      <p:sp>
+        <p:nvSpPr>
+          <p:cNvPr id="20" name="Google Shape;166;p16">
+            <a:extLst>
+              <a:ext uri="{FF2B5EF4-FFF2-40B4-BE49-F238E27FC236}">
+                <a16:creationId xmlns:a16="http://schemas.microsoft.com/office/drawing/2014/main" id="{B78BC3BB-F2FA-C8C9-EE54-FE6E4756A3DB}"/>
+              </a:ext>
+            </a:extLst>
+          </p:cNvPr>
+          <p:cNvSpPr txBox="1"/>
+          <p:nvPr/>
+        </p:nvSpPr>
+        <p:spPr>
+          <a:xfrm>
+            <a:off x="7056773" y="2525164"/>
+            <a:ext cx="1010476" cy="307777"/>
+          </a:xfrm>
+          <a:prstGeom prst="rect">
+            <a:avLst/>
+          </a:prstGeom>
+          <a:noFill/>
+          <a:ln>
+            <a:noFill/>
+          </a:ln>
+        </p:spPr>
+        <p:txBody>
+          <a:bodyPr spcFirstLastPara="1" wrap="square" lIns="91425" tIns="45700" rIns="91425" bIns="45700" anchor="t" anchorCtr="0">
+            <a:spAutoFit/>
+          </a:bodyPr>
+          <a:lstStyle/>
+          <a:p>
+            <a:pPr marL="0" marR="0" lvl="0" indent="0" algn="l" rtl="0">
+              <a:lnSpc>
+                <a:spcPct val="100000"/>
+              </a:lnSpc>
+              <a:spcBef>
+                <a:spcPts val="0"/>
+              </a:spcBef>
+              <a:spcAft>
+                <a:spcPts val="0"/>
+              </a:spcAft>
+              <a:buClr>
+                <a:srgbClr val="000000"/>
+              </a:buClr>
+              <a:buSzPts val="1400"/>
+              <a:buFont typeface="Arial"/>
+              <a:buNone/>
+            </a:pPr>
+            <a:r>
+              <a:rPr lang="en-US" sz="1400" b="1" i="0" u="none" strike="noStrike" cap="none" dirty="0">
+                <a:solidFill>
+                  <a:srgbClr val="000000"/>
+                </a:solidFill>
+                <a:latin typeface="Arial"/>
+                <a:ea typeface="Arial"/>
+                <a:cs typeface="Arial"/>
+                <a:sym typeface="Arial"/>
+              </a:rPr>
+              <a:t>COMMIT</a:t>
+            </a:r>
+            <a:endParaRPr sz="1400" b="0" i="0" u="none" strike="noStrike" cap="none" dirty="0">
+              <a:solidFill>
+                <a:srgbClr val="000000"/>
+              </a:solidFill>
+              <a:latin typeface="Arial"/>
+              <a:ea typeface="Arial"/>
+              <a:cs typeface="Arial"/>
+              <a:sym typeface="Arial"/>
+            </a:endParaRPr>
+          </a:p>
+        </p:txBody>
+      </p:sp>
+      <p:sp>
+        <p:nvSpPr>
+          <p:cNvPr id="46" name="Google Shape;241;p23">
+            <a:extLst>
+              <a:ext uri="{FF2B5EF4-FFF2-40B4-BE49-F238E27FC236}">
+                <a16:creationId xmlns:a16="http://schemas.microsoft.com/office/drawing/2014/main" id="{4E50DEC2-6086-BC44-8D66-838BA5A9573F}"/>
+              </a:ext>
+            </a:extLst>
+          </p:cNvPr>
+          <p:cNvSpPr/>
+          <p:nvPr/>
+        </p:nvSpPr>
+        <p:spPr>
+          <a:xfrm>
+            <a:off x="3238094" y="4197528"/>
+            <a:ext cx="1725433" cy="651673"/>
+          </a:xfrm>
+          <a:prstGeom prst="roundRect">
+            <a:avLst>
+              <a:gd name="adj" fmla="val 16667"/>
+            </a:avLst>
+          </a:prstGeom>
+          <a:solidFill>
+            <a:schemeClr val="accent4"/>
+          </a:solidFill>
+          <a:ln w="25400" cap="flat" cmpd="sng">
+            <a:solidFill>
+              <a:srgbClr val="6B481B"/>
+            </a:solidFill>
+            <a:prstDash val="solid"/>
+            <a:round/>
+            <a:headEnd type="none" w="sm" len="sm"/>
+            <a:tailEnd type="none" w="sm" len="sm"/>
+          </a:ln>
+        </p:spPr>
+        <p:txBody>
+          <a:bodyPr spcFirstLastPara="1" wrap="square" lIns="91425" tIns="45700" rIns="91425" bIns="45700" anchor="ctr" anchorCtr="0">
+            <a:noAutofit/>
+          </a:bodyPr>
+          <a:lstStyle/>
+          <a:p>
+            <a:pPr marL="0" marR="0" lvl="0" indent="0" algn="ctr" rtl="0">
+              <a:lnSpc>
+                <a:spcPct val="100000"/>
+              </a:lnSpc>
+              <a:spcBef>
+                <a:spcPts val="0"/>
+              </a:spcBef>
+              <a:spcAft>
+                <a:spcPts val="0"/>
+              </a:spcAft>
+              <a:buClr>
+                <a:srgbClr val="000000"/>
+              </a:buClr>
+              <a:buSzPts val="1400"/>
+              <a:buFont typeface="Arial"/>
+              <a:buNone/>
+            </a:pPr>
+            <a:r>
+              <a:rPr lang="en-US" sz="1200" b="0" i="0" u="none" strike="noStrike" cap="none" dirty="0">
+                <a:solidFill>
+                  <a:schemeClr val="lt1"/>
+                </a:solidFill>
+                <a:latin typeface="Arial"/>
+                <a:ea typeface="Arial"/>
+                <a:cs typeface="Arial"/>
+                <a:sym typeface="Arial"/>
+              </a:rPr>
+              <a:t>User’s Local Repo</a:t>
+            </a:r>
+            <a:endParaRPr sz="1200" b="0" i="0" u="none" strike="noStrike" cap="none" dirty="0">
+              <a:solidFill>
+                <a:srgbClr val="000000"/>
+              </a:solidFill>
+              <a:latin typeface="Arial"/>
+              <a:ea typeface="Arial"/>
+              <a:cs typeface="Arial"/>
+              <a:sym typeface="Arial"/>
+            </a:endParaRPr>
+          </a:p>
+          <a:p>
+            <a:pPr marL="0" marR="0" lvl="0" indent="0" algn="ctr" rtl="0">
+              <a:lnSpc>
+                <a:spcPct val="100000"/>
+              </a:lnSpc>
+              <a:spcBef>
+                <a:spcPts val="0"/>
+              </a:spcBef>
+              <a:spcAft>
+                <a:spcPts val="0"/>
+              </a:spcAft>
+              <a:buClr>
+                <a:srgbClr val="000000"/>
+              </a:buClr>
+              <a:buSzPts val="1400"/>
+              <a:buFont typeface="Arial"/>
+              <a:buNone/>
+            </a:pPr>
+            <a:r>
+              <a:rPr lang="en-US" sz="1200" b="0" i="0" u="none" strike="noStrike" cap="none" dirty="0">
+                <a:solidFill>
+                  <a:schemeClr val="lt1"/>
+                </a:solidFill>
+                <a:latin typeface="Arial"/>
+                <a:ea typeface="Arial"/>
+                <a:cs typeface="Arial"/>
+                <a:sym typeface="Arial"/>
+              </a:rPr>
+              <a:t>(main)</a:t>
+            </a:r>
+            <a:endParaRPr sz="1200" b="0" i="0" u="none" strike="noStrike" cap="none" dirty="0">
+              <a:solidFill>
+                <a:srgbClr val="000000"/>
+              </a:solidFill>
+              <a:latin typeface="Arial"/>
+              <a:ea typeface="Arial"/>
+              <a:cs typeface="Arial"/>
+              <a:sym typeface="Arial"/>
+            </a:endParaRPr>
+          </a:p>
+        </p:txBody>
+      </p:sp>
+      <p:sp>
+        <p:nvSpPr>
+          <p:cNvPr id="47" name="Google Shape;242;p23">
+            <a:extLst>
+              <a:ext uri="{FF2B5EF4-FFF2-40B4-BE49-F238E27FC236}">
+                <a16:creationId xmlns:a16="http://schemas.microsoft.com/office/drawing/2014/main" id="{7FA2C156-256A-2432-2E67-A02F3D140167}"/>
+              </a:ext>
+            </a:extLst>
+          </p:cNvPr>
+          <p:cNvSpPr/>
+          <p:nvPr/>
+        </p:nvSpPr>
+        <p:spPr>
+          <a:xfrm>
+            <a:off x="559617" y="2894501"/>
+            <a:ext cx="1725433" cy="693780"/>
+          </a:xfrm>
+          <a:prstGeom prst="roundRect">
+            <a:avLst>
+              <a:gd name="adj" fmla="val 16667"/>
+            </a:avLst>
+          </a:prstGeom>
+          <a:solidFill>
+            <a:schemeClr val="accent1"/>
+          </a:solidFill>
+          <a:ln w="25400" cap="flat" cmpd="sng">
+            <a:solidFill>
+              <a:srgbClr val="1B3867"/>
+            </a:solidFill>
+            <a:prstDash val="solid"/>
+            <a:round/>
+            <a:headEnd type="none" w="sm" len="sm"/>
+            <a:tailEnd type="none" w="sm" len="sm"/>
+          </a:ln>
+        </p:spPr>
+        <p:txBody>
+          <a:bodyPr spcFirstLastPara="1" wrap="square" lIns="91425" tIns="45700" rIns="91425" bIns="45700" anchor="ctr" anchorCtr="0">
+            <a:noAutofit/>
+          </a:bodyPr>
+          <a:lstStyle/>
+          <a:p>
+            <a:pPr marL="0" marR="0" lvl="0" indent="0" algn="ctr" rtl="0">
+              <a:lnSpc>
+                <a:spcPct val="100000"/>
+              </a:lnSpc>
+              <a:spcBef>
+                <a:spcPts val="0"/>
+              </a:spcBef>
+              <a:spcAft>
+                <a:spcPts val="0"/>
+              </a:spcAft>
+              <a:buClr>
+                <a:srgbClr val="000000"/>
+              </a:buClr>
+              <a:buSzPts val="1400"/>
+              <a:buFont typeface="Arial"/>
+              <a:buNone/>
+            </a:pPr>
+            <a:r>
+              <a:rPr lang="en-US" sz="1200" b="0" i="0" u="none" strike="noStrike" cap="none" dirty="0">
+                <a:solidFill>
+                  <a:schemeClr val="lt1"/>
+                </a:solidFill>
+                <a:latin typeface="Arial"/>
+                <a:ea typeface="Arial"/>
+                <a:cs typeface="Arial"/>
+                <a:sym typeface="Arial"/>
+              </a:rPr>
+              <a:t>User’s </a:t>
+            </a:r>
+            <a:r>
+              <a:rPr lang="en-US" sz="1200" b="0" i="0" u="none" strike="noStrike" cap="none" dirty="0" err="1">
+                <a:solidFill>
+                  <a:schemeClr val="lt1"/>
+                </a:solidFill>
+                <a:latin typeface="Arial"/>
+                <a:ea typeface="Arial"/>
+                <a:cs typeface="Arial"/>
+                <a:sym typeface="Arial"/>
+              </a:rPr>
+              <a:t>Github</a:t>
+            </a:r>
+            <a:r>
+              <a:rPr lang="en-US" sz="1200" b="0" i="0" u="none" strike="noStrike" cap="none" dirty="0">
+                <a:solidFill>
+                  <a:schemeClr val="lt1"/>
+                </a:solidFill>
+                <a:latin typeface="Arial"/>
+                <a:ea typeface="Arial"/>
+                <a:cs typeface="Arial"/>
+                <a:sym typeface="Arial"/>
+              </a:rPr>
+              <a:t> Repo</a:t>
+            </a:r>
+            <a:endParaRPr sz="1200" b="0" i="0" u="none" strike="noStrike" cap="none" dirty="0">
+              <a:solidFill>
+                <a:srgbClr val="000000"/>
+              </a:solidFill>
+              <a:latin typeface="Arial"/>
+              <a:ea typeface="Arial"/>
+              <a:cs typeface="Arial"/>
+              <a:sym typeface="Arial"/>
+            </a:endParaRPr>
+          </a:p>
+          <a:p>
+            <a:pPr marL="0" marR="0" lvl="0" indent="0" algn="ctr" rtl="0">
+              <a:lnSpc>
+                <a:spcPct val="100000"/>
+              </a:lnSpc>
+              <a:spcBef>
+                <a:spcPts val="0"/>
+              </a:spcBef>
+              <a:spcAft>
+                <a:spcPts val="0"/>
+              </a:spcAft>
+              <a:buClr>
+                <a:srgbClr val="000000"/>
+              </a:buClr>
+              <a:buSzPts val="1400"/>
+              <a:buFont typeface="Arial"/>
+              <a:buNone/>
+            </a:pPr>
+            <a:r>
+              <a:rPr lang="en-US" sz="1200" b="0" i="0" u="none" strike="noStrike" cap="none" dirty="0">
+                <a:solidFill>
+                  <a:schemeClr val="lt1"/>
+                </a:solidFill>
+                <a:latin typeface="Arial"/>
+                <a:ea typeface="Arial"/>
+                <a:cs typeface="Arial"/>
+                <a:sym typeface="Arial"/>
+              </a:rPr>
+              <a:t>(branch lesson-3)</a:t>
+            </a:r>
+            <a:endParaRPr sz="1200" b="0" i="0" u="none" strike="noStrike" cap="none" dirty="0">
+              <a:solidFill>
+                <a:srgbClr val="000000"/>
+              </a:solidFill>
+              <a:latin typeface="Arial"/>
+              <a:ea typeface="Arial"/>
+              <a:cs typeface="Arial"/>
+              <a:sym typeface="Arial"/>
+            </a:endParaRPr>
+          </a:p>
+        </p:txBody>
+      </p:sp>
+      <p:sp>
+        <p:nvSpPr>
+          <p:cNvPr id="48" name="Google Shape;243;p23">
+            <a:extLst>
+              <a:ext uri="{FF2B5EF4-FFF2-40B4-BE49-F238E27FC236}">
+                <a16:creationId xmlns:a16="http://schemas.microsoft.com/office/drawing/2014/main" id="{FB8BF0CC-B8A5-9E1F-3CE5-C3EE3AA34B60}"/>
+              </a:ext>
+            </a:extLst>
+          </p:cNvPr>
+          <p:cNvSpPr/>
+          <p:nvPr/>
+        </p:nvSpPr>
+        <p:spPr>
+          <a:xfrm>
+            <a:off x="6194057" y="2915496"/>
+            <a:ext cx="1725433" cy="659016"/>
+          </a:xfrm>
+          <a:prstGeom prst="roundRect">
+            <a:avLst>
+              <a:gd name="adj" fmla="val 16667"/>
+            </a:avLst>
+          </a:prstGeom>
+          <a:solidFill>
+            <a:schemeClr val="accent4"/>
+          </a:solidFill>
+          <a:ln w="25400" cap="flat" cmpd="sng">
+            <a:solidFill>
+              <a:srgbClr val="6B481B"/>
+            </a:solidFill>
+            <a:prstDash val="solid"/>
+            <a:round/>
+            <a:headEnd type="none" w="sm" len="sm"/>
+            <a:tailEnd type="none" w="sm" len="sm"/>
+          </a:ln>
+        </p:spPr>
+        <p:txBody>
+          <a:bodyPr spcFirstLastPara="1" wrap="square" lIns="91425" tIns="45700" rIns="91425" bIns="45700" anchor="ctr" anchorCtr="0">
+            <a:noAutofit/>
+          </a:bodyPr>
+          <a:lstStyle/>
+          <a:p>
+            <a:pPr marL="0" marR="0" lvl="0" indent="0" algn="ctr" rtl="0">
+              <a:lnSpc>
+                <a:spcPct val="100000"/>
+              </a:lnSpc>
+              <a:spcBef>
+                <a:spcPts val="0"/>
+              </a:spcBef>
+              <a:spcAft>
+                <a:spcPts val="0"/>
+              </a:spcAft>
+              <a:buClr>
+                <a:srgbClr val="000000"/>
+              </a:buClr>
+              <a:buSzPts val="1400"/>
+              <a:buFont typeface="Arial"/>
+              <a:buNone/>
+            </a:pPr>
+            <a:endParaRPr sz="1400" b="0" i="0" u="none" strike="noStrike" cap="none" dirty="0">
+              <a:solidFill>
+                <a:schemeClr val="lt1"/>
+              </a:solidFill>
+              <a:latin typeface="Arial"/>
+              <a:ea typeface="Arial"/>
+              <a:cs typeface="Arial"/>
+              <a:sym typeface="Arial"/>
+            </a:endParaRPr>
+          </a:p>
+          <a:p>
+            <a:pPr lvl="0" algn="ctr">
+              <a:buSzPts val="1400"/>
+            </a:pPr>
+            <a:r>
+              <a:rPr lang="en-US" sz="1200" dirty="0">
+                <a:solidFill>
+                  <a:schemeClr val="lt1"/>
+                </a:solidFill>
+              </a:rPr>
+              <a:t>User’s Local Repo</a:t>
+            </a:r>
+            <a:endParaRPr lang="en-US" sz="1200" dirty="0"/>
+          </a:p>
+          <a:p>
+            <a:pPr lvl="0" algn="ctr">
+              <a:buSzPts val="1400"/>
+            </a:pPr>
+            <a:r>
+              <a:rPr lang="en-US" sz="1200" dirty="0">
+                <a:solidFill>
+                  <a:schemeClr val="lt1"/>
+                </a:solidFill>
+              </a:rPr>
+              <a:t>Working Directory</a:t>
+            </a:r>
+          </a:p>
+          <a:p>
+            <a:pPr marL="0" marR="0" lvl="0" indent="0" algn="ctr" rtl="0">
+              <a:lnSpc>
+                <a:spcPct val="100000"/>
+              </a:lnSpc>
+              <a:spcBef>
+                <a:spcPts val="0"/>
+              </a:spcBef>
+              <a:spcAft>
+                <a:spcPts val="0"/>
+              </a:spcAft>
+              <a:buClr>
+                <a:srgbClr val="000000"/>
+              </a:buClr>
+              <a:buSzPts val="1400"/>
+              <a:buFont typeface="Arial"/>
+              <a:buNone/>
+            </a:pPr>
+            <a:r>
+              <a:rPr lang="en-US" sz="1200" b="0" i="0" u="none" strike="noStrike" cap="none" dirty="0">
+                <a:solidFill>
+                  <a:schemeClr val="lt1"/>
+                </a:solidFill>
+                <a:latin typeface="Arial"/>
+                <a:ea typeface="Arial"/>
+                <a:cs typeface="Arial"/>
+                <a:sym typeface="Arial"/>
+              </a:rPr>
+              <a:t>(branch lesson-3)</a:t>
+            </a:r>
+            <a:endParaRPr sz="1200" b="0" i="0" u="none" strike="noStrike" cap="none" dirty="0">
+              <a:solidFill>
+                <a:srgbClr val="000000"/>
+              </a:solidFill>
+              <a:latin typeface="Arial"/>
+              <a:ea typeface="Arial"/>
+              <a:cs typeface="Arial"/>
+              <a:sym typeface="Arial"/>
+            </a:endParaRPr>
+          </a:p>
+          <a:p>
+            <a:pPr marL="0" marR="0" lvl="0" indent="0" algn="ctr" rtl="0">
+              <a:lnSpc>
+                <a:spcPct val="100000"/>
+              </a:lnSpc>
+              <a:spcBef>
+                <a:spcPts val="0"/>
+              </a:spcBef>
+              <a:spcAft>
+                <a:spcPts val="0"/>
+              </a:spcAft>
+              <a:buClr>
+                <a:srgbClr val="000000"/>
+              </a:buClr>
+              <a:buSzPts val="1400"/>
+              <a:buFont typeface="Arial"/>
+              <a:buNone/>
+            </a:pPr>
+            <a:endParaRPr sz="1400" b="0" i="0" u="none" strike="noStrike" cap="none" dirty="0">
+              <a:solidFill>
+                <a:schemeClr val="lt1"/>
+              </a:solidFill>
+              <a:latin typeface="Arial"/>
+              <a:ea typeface="Arial"/>
+              <a:cs typeface="Arial"/>
+              <a:sym typeface="Arial"/>
+            </a:endParaRPr>
+          </a:p>
+        </p:txBody>
+      </p:sp>
+      <p:cxnSp>
+        <p:nvCxnSpPr>
+          <p:cNvPr id="49" name="Google Shape;244;p23">
+            <a:extLst>
+              <a:ext uri="{FF2B5EF4-FFF2-40B4-BE49-F238E27FC236}">
+                <a16:creationId xmlns:a16="http://schemas.microsoft.com/office/drawing/2014/main" id="{011FD446-8CBB-DB70-E19F-002FDFE90B93}"/>
+              </a:ext>
+            </a:extLst>
+          </p:cNvPr>
+          <p:cNvCxnSpPr>
+            <a:cxnSpLocks/>
+            <a:stCxn id="48" idx="1"/>
+            <a:endCxn id="47" idx="3"/>
+          </p:cNvCxnSpPr>
+          <p:nvPr/>
+        </p:nvCxnSpPr>
+        <p:spPr>
+          <a:xfrm flipH="1" flipV="1">
+            <a:off x="2285050" y="3241391"/>
+            <a:ext cx="3909007" cy="3613"/>
+          </a:xfrm>
+          <a:prstGeom prst="straightConnector1">
+            <a:avLst/>
+          </a:prstGeom>
+          <a:noFill/>
+          <a:ln w="9525" cap="flat" cmpd="sng">
+            <a:solidFill>
+              <a:srgbClr val="3B7FF2"/>
+            </a:solidFill>
+            <a:prstDash val="solid"/>
+            <a:round/>
+            <a:headEnd type="none" w="sm" len="sm"/>
+            <a:tailEnd type="triangle" w="med" len="med"/>
+          </a:ln>
+        </p:spPr>
+      </p:cxnSp>
+      <p:sp>
+        <p:nvSpPr>
+          <p:cNvPr id="50" name="Google Shape;245;p23">
+            <a:extLst>
+              <a:ext uri="{FF2B5EF4-FFF2-40B4-BE49-F238E27FC236}">
+                <a16:creationId xmlns:a16="http://schemas.microsoft.com/office/drawing/2014/main" id="{CF8A92F4-9D64-C9E2-5677-C7181EE97A2F}"/>
+              </a:ext>
+            </a:extLst>
+          </p:cNvPr>
+          <p:cNvSpPr txBox="1"/>
+          <p:nvPr/>
+        </p:nvSpPr>
+        <p:spPr>
+          <a:xfrm>
+            <a:off x="5207091" y="2935910"/>
+            <a:ext cx="1010476" cy="307777"/>
+          </a:xfrm>
+          <a:prstGeom prst="rect">
+            <a:avLst/>
+          </a:prstGeom>
+          <a:noFill/>
+          <a:ln>
+            <a:noFill/>
+          </a:ln>
+        </p:spPr>
+        <p:txBody>
+          <a:bodyPr spcFirstLastPara="1" wrap="square" lIns="91425" tIns="45700" rIns="91425" bIns="45700" anchor="t" anchorCtr="0">
+            <a:spAutoFit/>
+          </a:bodyPr>
+          <a:lstStyle/>
+          <a:p>
+            <a:pPr marL="0" marR="0" lvl="0" indent="0" algn="l" rtl="0">
+              <a:lnSpc>
+                <a:spcPct val="100000"/>
+              </a:lnSpc>
+              <a:spcBef>
+                <a:spcPts val="0"/>
+              </a:spcBef>
+              <a:spcAft>
+                <a:spcPts val="0"/>
+              </a:spcAft>
+              <a:buClr>
+                <a:srgbClr val="000000"/>
+              </a:buClr>
+              <a:buSzPts val="1400"/>
+              <a:buFont typeface="Arial"/>
+              <a:buNone/>
+            </a:pPr>
+            <a:r>
+              <a:rPr lang="en-US" sz="1400" b="1" i="0" u="none" strike="noStrike" cap="none" dirty="0">
+                <a:solidFill>
+                  <a:srgbClr val="000000"/>
+                </a:solidFill>
+                <a:latin typeface="Arial"/>
+                <a:ea typeface="Arial"/>
+                <a:cs typeface="Arial"/>
+                <a:sym typeface="Arial"/>
+              </a:rPr>
+              <a:t>PUSH</a:t>
+            </a:r>
+            <a:endParaRPr sz="1400" b="0" i="0" u="none" strike="noStrike" cap="none" dirty="0">
+              <a:solidFill>
+                <a:srgbClr val="000000"/>
+              </a:solidFill>
+              <a:latin typeface="Arial"/>
+              <a:ea typeface="Arial"/>
+              <a:cs typeface="Arial"/>
+              <a:sym typeface="Arial"/>
+            </a:endParaRPr>
+          </a:p>
+        </p:txBody>
+      </p:sp>
+      <p:sp>
+        <p:nvSpPr>
+          <p:cNvPr id="51" name="Google Shape;246;p23">
+            <a:extLst>
+              <a:ext uri="{FF2B5EF4-FFF2-40B4-BE49-F238E27FC236}">
+                <a16:creationId xmlns:a16="http://schemas.microsoft.com/office/drawing/2014/main" id="{BC5A95E9-D3AE-87CD-0BC1-5EDBC5CE4DA3}"/>
+              </a:ext>
+            </a:extLst>
+          </p:cNvPr>
+          <p:cNvSpPr/>
+          <p:nvPr/>
+        </p:nvSpPr>
+        <p:spPr>
+          <a:xfrm>
+            <a:off x="559617" y="4197528"/>
+            <a:ext cx="1725433" cy="651673"/>
+          </a:xfrm>
+          <a:prstGeom prst="roundRect">
+            <a:avLst>
+              <a:gd name="adj" fmla="val 16667"/>
+            </a:avLst>
+          </a:prstGeom>
+          <a:solidFill>
+            <a:schemeClr val="accent1"/>
+          </a:solidFill>
+          <a:ln w="25400" cap="flat" cmpd="sng">
+            <a:solidFill>
+              <a:srgbClr val="1B3867"/>
+            </a:solidFill>
+            <a:prstDash val="solid"/>
+            <a:round/>
+            <a:headEnd type="none" w="sm" len="sm"/>
+            <a:tailEnd type="none" w="sm" len="sm"/>
+          </a:ln>
+        </p:spPr>
+        <p:txBody>
+          <a:bodyPr spcFirstLastPara="1" wrap="square" lIns="91425" tIns="45700" rIns="91425" bIns="45700" anchor="ctr" anchorCtr="0">
+            <a:noAutofit/>
+          </a:bodyPr>
+          <a:lstStyle/>
+          <a:p>
+            <a:pPr marL="0" marR="0" lvl="0" indent="0" algn="ctr" rtl="0">
+              <a:lnSpc>
+                <a:spcPct val="100000"/>
+              </a:lnSpc>
+              <a:spcBef>
+                <a:spcPts val="0"/>
+              </a:spcBef>
+              <a:spcAft>
+                <a:spcPts val="0"/>
+              </a:spcAft>
+              <a:buClr>
+                <a:srgbClr val="000000"/>
+              </a:buClr>
+              <a:buSzPts val="1400"/>
+              <a:buFont typeface="Arial"/>
+              <a:buNone/>
+            </a:pPr>
+            <a:r>
+              <a:rPr lang="en-US" sz="1200" b="0" i="0" u="none" strike="noStrike" cap="none" dirty="0">
+                <a:solidFill>
+                  <a:schemeClr val="lt1"/>
+                </a:solidFill>
+                <a:latin typeface="Arial"/>
+                <a:ea typeface="Arial"/>
+                <a:cs typeface="Arial"/>
+                <a:sym typeface="Arial"/>
+              </a:rPr>
+              <a:t>User’s </a:t>
+            </a:r>
+            <a:r>
+              <a:rPr lang="en-US" sz="1200" b="0" i="0" u="none" strike="noStrike" cap="none" dirty="0" err="1">
+                <a:solidFill>
+                  <a:schemeClr val="lt1"/>
+                </a:solidFill>
+                <a:latin typeface="Arial"/>
+                <a:ea typeface="Arial"/>
+                <a:cs typeface="Arial"/>
+                <a:sym typeface="Arial"/>
+              </a:rPr>
+              <a:t>Github</a:t>
+            </a:r>
+            <a:r>
+              <a:rPr lang="en-US" sz="1200" b="0" i="0" u="none" strike="noStrike" cap="none" dirty="0">
+                <a:solidFill>
+                  <a:schemeClr val="lt1"/>
+                </a:solidFill>
+                <a:latin typeface="Arial"/>
+                <a:ea typeface="Arial"/>
+                <a:cs typeface="Arial"/>
+                <a:sym typeface="Arial"/>
+              </a:rPr>
+              <a:t> Repo</a:t>
+            </a:r>
+            <a:endParaRPr sz="1200" b="0" i="0" u="none" strike="noStrike" cap="none" dirty="0">
+              <a:solidFill>
+                <a:srgbClr val="000000"/>
+              </a:solidFill>
+              <a:latin typeface="Arial"/>
+              <a:ea typeface="Arial"/>
+              <a:cs typeface="Arial"/>
+              <a:sym typeface="Arial"/>
+            </a:endParaRPr>
+          </a:p>
+          <a:p>
+            <a:pPr lvl="0" algn="ctr">
+              <a:buSzPts val="1400"/>
+            </a:pPr>
+            <a:r>
+              <a:rPr lang="en-US" sz="1200" b="0" i="0" u="none" strike="noStrike" cap="none" dirty="0">
+                <a:solidFill>
+                  <a:schemeClr val="lt1"/>
+                </a:solidFill>
+                <a:latin typeface="Arial"/>
+                <a:ea typeface="Arial"/>
+                <a:cs typeface="Arial"/>
+                <a:sym typeface="Arial"/>
+              </a:rPr>
+              <a:t>(</a:t>
+            </a:r>
+            <a:r>
+              <a:rPr lang="en-US" sz="1200" dirty="0">
+                <a:solidFill>
+                  <a:schemeClr val="lt1"/>
+                </a:solidFill>
+              </a:rPr>
+              <a:t>main</a:t>
+            </a:r>
+            <a:r>
+              <a:rPr lang="en-US" sz="1200" b="0" i="0" u="none" strike="noStrike" cap="none" dirty="0">
+                <a:solidFill>
+                  <a:schemeClr val="lt1"/>
+                </a:solidFill>
+                <a:latin typeface="Arial"/>
+                <a:ea typeface="Arial"/>
+                <a:cs typeface="Arial"/>
+                <a:sym typeface="Arial"/>
+              </a:rPr>
+              <a:t>)</a:t>
+            </a:r>
+            <a:endParaRPr sz="1200" b="0" i="0" u="none" strike="noStrike" cap="none" dirty="0">
+              <a:solidFill>
+                <a:srgbClr val="000000"/>
+              </a:solidFill>
+              <a:latin typeface="Arial"/>
+              <a:ea typeface="Arial"/>
+              <a:cs typeface="Arial"/>
+              <a:sym typeface="Arial"/>
+            </a:endParaRPr>
+          </a:p>
+        </p:txBody>
+      </p:sp>
+      <p:cxnSp>
+        <p:nvCxnSpPr>
+          <p:cNvPr id="52" name="Google Shape;247;p23">
+            <a:extLst>
+              <a:ext uri="{FF2B5EF4-FFF2-40B4-BE49-F238E27FC236}">
+                <a16:creationId xmlns:a16="http://schemas.microsoft.com/office/drawing/2014/main" id="{0B59A57E-727B-F05C-ACE3-151706F9EE02}"/>
+              </a:ext>
+            </a:extLst>
+          </p:cNvPr>
+          <p:cNvCxnSpPr>
+            <a:cxnSpLocks/>
+          </p:cNvCxnSpPr>
+          <p:nvPr/>
+        </p:nvCxnSpPr>
+        <p:spPr>
+          <a:xfrm>
+            <a:off x="1422333" y="3588281"/>
+            <a:ext cx="0" cy="609247"/>
+          </a:xfrm>
+          <a:prstGeom prst="straightConnector1">
+            <a:avLst/>
+          </a:prstGeom>
+          <a:noFill/>
+          <a:ln w="9525" cap="flat" cmpd="sng">
+            <a:solidFill>
+              <a:srgbClr val="3B7FF2"/>
+            </a:solidFill>
+            <a:prstDash val="solid"/>
+            <a:round/>
+            <a:headEnd type="none" w="sm" len="sm"/>
+            <a:tailEnd type="triangle" w="med" len="med"/>
+          </a:ln>
+        </p:spPr>
+      </p:cxnSp>
+      <p:sp>
+        <p:nvSpPr>
+          <p:cNvPr id="53" name="Google Shape;248;p23">
+            <a:extLst>
+              <a:ext uri="{FF2B5EF4-FFF2-40B4-BE49-F238E27FC236}">
+                <a16:creationId xmlns:a16="http://schemas.microsoft.com/office/drawing/2014/main" id="{BB37DD0D-A7D0-C0DC-DA47-89537DDC7362}"/>
+              </a:ext>
+            </a:extLst>
+          </p:cNvPr>
+          <p:cNvSpPr txBox="1"/>
+          <p:nvPr/>
+        </p:nvSpPr>
+        <p:spPr>
+          <a:xfrm>
+            <a:off x="1457826" y="3719864"/>
+            <a:ext cx="1010476" cy="307777"/>
+          </a:xfrm>
+          <a:prstGeom prst="rect">
+            <a:avLst/>
+          </a:prstGeom>
+          <a:noFill/>
+          <a:ln>
+            <a:noFill/>
+          </a:ln>
+        </p:spPr>
+        <p:txBody>
+          <a:bodyPr spcFirstLastPara="1" wrap="square" lIns="91425" tIns="45700" rIns="91425" bIns="45700" anchor="t" anchorCtr="0">
+            <a:spAutoFit/>
+          </a:bodyPr>
+          <a:lstStyle/>
+          <a:p>
+            <a:pPr marL="0" marR="0" lvl="0" indent="0" algn="l" rtl="0">
+              <a:lnSpc>
+                <a:spcPct val="100000"/>
+              </a:lnSpc>
+              <a:spcBef>
+                <a:spcPts val="0"/>
+              </a:spcBef>
+              <a:spcAft>
+                <a:spcPts val="0"/>
+              </a:spcAft>
+              <a:buClr>
+                <a:srgbClr val="000000"/>
+              </a:buClr>
+              <a:buSzPts val="1400"/>
+              <a:buFont typeface="Arial"/>
+              <a:buNone/>
+            </a:pPr>
+            <a:r>
+              <a:rPr lang="en-US" sz="1400" b="1" i="0" u="none" strike="noStrike" cap="none" dirty="0">
+                <a:solidFill>
+                  <a:srgbClr val="000000"/>
+                </a:solidFill>
+                <a:latin typeface="Arial"/>
+                <a:ea typeface="Arial"/>
+                <a:cs typeface="Arial"/>
+                <a:sym typeface="Arial"/>
+              </a:rPr>
+              <a:t>MERGE</a:t>
+            </a:r>
+            <a:endParaRPr sz="1400" b="0" i="0" u="none" strike="noStrike" cap="none" dirty="0">
+              <a:solidFill>
+                <a:srgbClr val="000000"/>
+              </a:solidFill>
+              <a:latin typeface="Arial"/>
+              <a:ea typeface="Arial"/>
+              <a:cs typeface="Arial"/>
+              <a:sym typeface="Arial"/>
+            </a:endParaRPr>
+          </a:p>
+        </p:txBody>
+      </p:sp>
+      <p:cxnSp>
+        <p:nvCxnSpPr>
+          <p:cNvPr id="54" name="Google Shape;249;p23">
+            <a:extLst>
+              <a:ext uri="{FF2B5EF4-FFF2-40B4-BE49-F238E27FC236}">
+                <a16:creationId xmlns:a16="http://schemas.microsoft.com/office/drawing/2014/main" id="{8E650D10-4D01-92E3-E03B-0922CB611F4D}"/>
+              </a:ext>
+            </a:extLst>
+          </p:cNvPr>
+          <p:cNvCxnSpPr>
+            <a:cxnSpLocks/>
+            <a:stCxn id="51" idx="3"/>
+            <a:endCxn id="46" idx="1"/>
+          </p:cNvCxnSpPr>
+          <p:nvPr/>
+        </p:nvCxnSpPr>
+        <p:spPr>
+          <a:xfrm>
+            <a:off x="2285050" y="4523365"/>
+            <a:ext cx="953044" cy="0"/>
+          </a:xfrm>
+          <a:prstGeom prst="straightConnector1">
+            <a:avLst/>
+          </a:prstGeom>
+          <a:noFill/>
+          <a:ln w="9525" cap="flat" cmpd="sng">
+            <a:solidFill>
+              <a:srgbClr val="3B7FF2"/>
+            </a:solidFill>
+            <a:prstDash val="solid"/>
+            <a:round/>
+            <a:headEnd type="none" w="sm" len="sm"/>
+            <a:tailEnd type="triangle" w="med" len="med"/>
+          </a:ln>
+        </p:spPr>
+      </p:cxnSp>
+      <p:sp>
+        <p:nvSpPr>
+          <p:cNvPr id="154" name="Google Shape;245;p23">
+            <a:extLst>
+              <a:ext uri="{FF2B5EF4-FFF2-40B4-BE49-F238E27FC236}">
+                <a16:creationId xmlns:a16="http://schemas.microsoft.com/office/drawing/2014/main" id="{F88DC82C-9E09-E83C-B243-7E4766410877}"/>
+              </a:ext>
+            </a:extLst>
+          </p:cNvPr>
+          <p:cNvSpPr txBox="1"/>
+          <p:nvPr/>
+        </p:nvSpPr>
+        <p:spPr>
+          <a:xfrm>
+            <a:off x="2427371" y="4244445"/>
+            <a:ext cx="1010476" cy="307777"/>
+          </a:xfrm>
+          <a:prstGeom prst="rect">
+            <a:avLst/>
+          </a:prstGeom>
+          <a:noFill/>
+          <a:ln>
+            <a:noFill/>
+          </a:ln>
+        </p:spPr>
+        <p:txBody>
+          <a:bodyPr spcFirstLastPara="1" wrap="square" lIns="91425" tIns="45700" rIns="91425" bIns="45700" anchor="t" anchorCtr="0">
+            <a:spAutoFit/>
+          </a:bodyPr>
+          <a:lstStyle/>
+          <a:p>
+            <a:pPr marL="0" marR="0" lvl="0" indent="0" algn="l" rtl="0">
+              <a:lnSpc>
+                <a:spcPct val="100000"/>
+              </a:lnSpc>
+              <a:spcBef>
+                <a:spcPts val="0"/>
+              </a:spcBef>
+              <a:spcAft>
+                <a:spcPts val="0"/>
+              </a:spcAft>
+              <a:buClr>
+                <a:srgbClr val="000000"/>
+              </a:buClr>
+              <a:buSzPts val="1400"/>
+              <a:buFont typeface="Arial"/>
+              <a:buNone/>
+            </a:pPr>
+            <a:r>
+              <a:rPr lang="en-US" sz="1400" b="1" i="0" u="none" strike="noStrike" cap="none" dirty="0">
+                <a:solidFill>
+                  <a:srgbClr val="000000"/>
+                </a:solidFill>
+                <a:latin typeface="Arial"/>
+                <a:ea typeface="Arial"/>
+                <a:cs typeface="Arial"/>
+                <a:sym typeface="Arial"/>
+              </a:rPr>
+              <a:t>PULL</a:t>
+            </a:r>
+            <a:endParaRPr sz="1400" b="0" i="0" u="none" strike="noStrike" cap="none" dirty="0">
+              <a:solidFill>
+                <a:srgbClr val="000000"/>
+              </a:solidFill>
+              <a:latin typeface="Arial"/>
+              <a:ea typeface="Arial"/>
+              <a:cs typeface="Arial"/>
+              <a:sym typeface="Arial"/>
+            </a:endParaRPr>
+          </a:p>
+        </p:txBody>
+      </p:sp>
+      <p:sp>
+        <p:nvSpPr>
+          <p:cNvPr id="2" name="Rectangle 1">
+            <a:extLst>
+              <a:ext uri="{FF2B5EF4-FFF2-40B4-BE49-F238E27FC236}">
+                <a16:creationId xmlns:a16="http://schemas.microsoft.com/office/drawing/2014/main" id="{559161AD-3CAF-0254-98DB-52FE4D3325CC}"/>
+              </a:ext>
+            </a:extLst>
+          </p:cNvPr>
+          <p:cNvSpPr/>
+          <p:nvPr/>
+        </p:nvSpPr>
+        <p:spPr>
+          <a:xfrm>
+            <a:off x="398315" y="2756820"/>
+            <a:ext cx="4710680" cy="2197697"/>
+          </a:xfrm>
+          <a:prstGeom prst="rect">
+            <a:avLst/>
+          </a:prstGeom>
+          <a:noFill/>
+          <a:ln>
+            <a:solidFill>
+              <a:srgbClr val="FF0000"/>
+            </a:solidFill>
+            <a:prstDash val="dash"/>
           </a:ln>
         </p:spPr>
         <p:style>
@@ -11819,801 +17840,14 @@
           <a:lstStyle/>
           <a:p>
             <a:pPr algn="ctr"/>
-            <a:r>
-              <a:rPr lang="en-US" sz="1000" dirty="0"/>
-              <a:t>Process A</a:t>
-            </a:r>
-          </a:p>
-          <a:p>
-            <a:pPr algn="ctr"/>
-            <a:r>
-              <a:rPr lang="en-US" sz="1000" dirty="0"/>
-              <a:t>Processing</a:t>
-            </a:r>
-          </a:p>
-        </p:txBody>
-      </p:sp>
-      <p:sp>
-        <p:nvSpPr>
-          <p:cNvPr id="27" name="Rectangle 26">
-            <a:extLst>
-              <a:ext uri="{FF2B5EF4-FFF2-40B4-BE49-F238E27FC236}">
-                <a16:creationId xmlns:a16="http://schemas.microsoft.com/office/drawing/2014/main" id="{427CD2BA-86AC-4EF9-F386-AC55B1D5145C}"/>
-              </a:ext>
-            </a:extLst>
-          </p:cNvPr>
-          <p:cNvSpPr/>
-          <p:nvPr/>
-        </p:nvSpPr>
-        <p:spPr>
-          <a:xfrm>
-            <a:off x="1353287" y="3533990"/>
-            <a:ext cx="914400" cy="457200"/>
-          </a:xfrm>
-          <a:prstGeom prst="rect">
-            <a:avLst/>
-          </a:prstGeom>
-          <a:ln>
-            <a:noFill/>
-          </a:ln>
-        </p:spPr>
-        <p:style>
-          <a:lnRef idx="2">
-            <a:schemeClr val="accent1">
-              <a:shade val="15000"/>
-            </a:schemeClr>
-          </a:lnRef>
-          <a:fillRef idx="1">
-            <a:schemeClr val="accent1"/>
-          </a:fillRef>
-          <a:effectRef idx="0">
-            <a:schemeClr val="accent1"/>
-          </a:effectRef>
-          <a:fontRef idx="minor">
-            <a:schemeClr val="lt1"/>
-          </a:fontRef>
-        </p:style>
-        <p:txBody>
-          <a:bodyPr rtlCol="0" anchor="ctr"/>
-          <a:lstStyle/>
-          <a:p>
-            <a:pPr algn="ctr"/>
-            <a:r>
-              <a:rPr lang="en-US" sz="1000" dirty="0"/>
-              <a:t>Process A</a:t>
-            </a:r>
-          </a:p>
-          <a:p>
-            <a:pPr algn="ctr"/>
-            <a:r>
-              <a:rPr lang="en-US" sz="1000" dirty="0"/>
-              <a:t>Processing</a:t>
-            </a:r>
+            <a:endParaRPr lang="en-US"/>
           </a:p>
         </p:txBody>
       </p:sp>
     </p:spTree>
     <p:extLst>
       <p:ext uri="{BB962C8B-B14F-4D97-AF65-F5344CB8AC3E}">
-        <p14:creationId xmlns:p14="http://schemas.microsoft.com/office/powerpoint/2010/main" val="2577660865"/>
-      </p:ext>
-    </p:extLst>
-  </p:cSld>
-  <p:clrMapOvr>
-    <a:masterClrMapping/>
-  </p:clrMapOvr>
-</p:sld>
-</file>
-
-<file path=ppt/slides/slide3.xml><?xml version="1.0" encoding="utf-8"?>
-<p:sld xmlns:a="http://schemas.openxmlformats.org/drawingml/2006/main" xmlns:r="http://schemas.openxmlformats.org/officeDocument/2006/relationships" xmlns:p="http://schemas.openxmlformats.org/presentationml/2006/main">
-  <p:cSld>
-    <p:spTree>
-      <p:nvGrpSpPr>
-        <p:cNvPr id="1" name="Shape 136">
-          <a:extLst>
-            <a:ext uri="{FF2B5EF4-FFF2-40B4-BE49-F238E27FC236}">
-              <a16:creationId xmlns:a16="http://schemas.microsoft.com/office/drawing/2014/main" id="{CA941D19-0AD2-7044-C126-30302E129D08}"/>
-            </a:ext>
-          </a:extLst>
-        </p:cNvPr>
-        <p:cNvGrpSpPr/>
-        <p:nvPr/>
-      </p:nvGrpSpPr>
-      <p:grpSpPr>
-        <a:xfrm>
-          <a:off x="0" y="0"/>
-          <a:ext cx="0" cy="0"/>
-          <a:chOff x="0" y="0"/>
-          <a:chExt cx="0" cy="0"/>
-        </a:xfrm>
-      </p:grpSpPr>
-      <p:sp>
-        <p:nvSpPr>
-          <p:cNvPr id="137" name="Google Shape;137;p14">
-            <a:extLst>
-              <a:ext uri="{FF2B5EF4-FFF2-40B4-BE49-F238E27FC236}">
-                <a16:creationId xmlns:a16="http://schemas.microsoft.com/office/drawing/2014/main" id="{2FB62182-889E-0A98-657E-ABDBE9665F19}"/>
-              </a:ext>
-            </a:extLst>
-          </p:cNvPr>
-          <p:cNvSpPr/>
-          <p:nvPr/>
-        </p:nvSpPr>
-        <p:spPr>
-          <a:xfrm>
-            <a:off x="938884" y="787888"/>
-            <a:ext cx="1725433" cy="659016"/>
-          </a:xfrm>
-          <a:prstGeom prst="roundRect">
-            <a:avLst>
-              <a:gd name="adj" fmla="val 16667"/>
-            </a:avLst>
-          </a:prstGeom>
-          <a:solidFill>
-            <a:srgbClr val="7030A0"/>
-          </a:solidFill>
-          <a:ln w="25400" cap="flat" cmpd="sng">
-            <a:solidFill>
-              <a:srgbClr val="1B3867"/>
-            </a:solidFill>
-            <a:prstDash val="solid"/>
-            <a:round/>
-            <a:headEnd type="none" w="sm" len="sm"/>
-            <a:tailEnd type="none" w="sm" len="sm"/>
-          </a:ln>
-        </p:spPr>
-        <p:txBody>
-          <a:bodyPr spcFirstLastPara="1" wrap="square" lIns="91425" tIns="45700" rIns="91425" bIns="45700" anchor="ctr" anchorCtr="0">
-            <a:noAutofit/>
-          </a:bodyPr>
-          <a:lstStyle/>
-          <a:p>
-            <a:pPr marL="0" marR="0" lvl="0" indent="0" algn="ctr" rtl="0">
-              <a:lnSpc>
-                <a:spcPct val="100000"/>
-              </a:lnSpc>
-              <a:spcBef>
-                <a:spcPts val="0"/>
-              </a:spcBef>
-              <a:spcAft>
-                <a:spcPts val="0"/>
-              </a:spcAft>
-              <a:buClr>
-                <a:srgbClr val="000000"/>
-              </a:buClr>
-              <a:buSzPts val="1400"/>
-              <a:buFont typeface="Arial"/>
-              <a:buNone/>
-            </a:pPr>
-            <a:r>
-              <a:rPr lang="en-US" sz="1200" b="0" i="0" u="none" strike="noStrike" cap="none" dirty="0">
-                <a:solidFill>
-                  <a:schemeClr val="lt1"/>
-                </a:solidFill>
-                <a:latin typeface="Arial"/>
-                <a:ea typeface="Arial"/>
-                <a:cs typeface="Arial"/>
-                <a:sym typeface="Arial"/>
-              </a:rPr>
-              <a:t>Process A</a:t>
-            </a:r>
-          </a:p>
-        </p:txBody>
-      </p:sp>
-      <p:cxnSp>
-        <p:nvCxnSpPr>
-          <p:cNvPr id="141" name="Google Shape;141;p14">
-            <a:extLst>
-              <a:ext uri="{FF2B5EF4-FFF2-40B4-BE49-F238E27FC236}">
-                <a16:creationId xmlns:a16="http://schemas.microsoft.com/office/drawing/2014/main" id="{C249BD12-0061-DB41-C369-1FCEFA9D5600}"/>
-              </a:ext>
-            </a:extLst>
-          </p:cNvPr>
-          <p:cNvCxnSpPr>
-            <a:cxnSpLocks/>
-          </p:cNvCxnSpPr>
-          <p:nvPr/>
-        </p:nvCxnSpPr>
-        <p:spPr>
-          <a:xfrm>
-            <a:off x="1810487" y="2343149"/>
-            <a:ext cx="3193244" cy="0"/>
-          </a:xfrm>
-          <a:prstGeom prst="straightConnector1">
-            <a:avLst/>
-          </a:prstGeom>
-          <a:noFill/>
-          <a:ln w="9525" cap="flat" cmpd="sng">
-            <a:solidFill>
-              <a:srgbClr val="3B7FF2"/>
-            </a:solidFill>
-            <a:prstDash val="solid"/>
-            <a:round/>
-            <a:headEnd type="none" w="sm" len="sm"/>
-            <a:tailEnd type="triangle" w="med" len="med"/>
-          </a:ln>
-        </p:spPr>
-      </p:cxnSp>
-      <p:cxnSp>
-        <p:nvCxnSpPr>
-          <p:cNvPr id="52" name="Google Shape;247;p23">
-            <a:extLst>
-              <a:ext uri="{FF2B5EF4-FFF2-40B4-BE49-F238E27FC236}">
-                <a16:creationId xmlns:a16="http://schemas.microsoft.com/office/drawing/2014/main" id="{97C6C08B-A0B6-60AB-7219-EFBC1B8AC3AD}"/>
-              </a:ext>
-            </a:extLst>
-          </p:cNvPr>
-          <p:cNvCxnSpPr>
-            <a:cxnSpLocks/>
-          </p:cNvCxnSpPr>
-          <p:nvPr/>
-        </p:nvCxnSpPr>
-        <p:spPr>
-          <a:xfrm flipH="1">
-            <a:off x="1795220" y="1446904"/>
-            <a:ext cx="6380" cy="3291351"/>
-          </a:xfrm>
-          <a:prstGeom prst="straightConnector1">
-            <a:avLst/>
-          </a:prstGeom>
-          <a:noFill/>
-          <a:ln w="9525" cap="flat" cmpd="sng">
-            <a:solidFill>
-              <a:srgbClr val="3B7FF2"/>
-            </a:solidFill>
-            <a:prstDash val="solid"/>
-            <a:round/>
-            <a:headEnd type="none" w="sm" len="sm"/>
-            <a:tailEnd type="triangle" w="med" len="med"/>
-          </a:ln>
-        </p:spPr>
-      </p:cxnSp>
-      <p:sp>
-        <p:nvSpPr>
-          <p:cNvPr id="3" name="Google Shape;137;p14">
-            <a:extLst>
-              <a:ext uri="{FF2B5EF4-FFF2-40B4-BE49-F238E27FC236}">
-                <a16:creationId xmlns:a16="http://schemas.microsoft.com/office/drawing/2014/main" id="{B3E56A40-F16C-3762-4477-F5EBBE4BF16D}"/>
-              </a:ext>
-            </a:extLst>
-          </p:cNvPr>
-          <p:cNvSpPr/>
-          <p:nvPr/>
-        </p:nvSpPr>
-        <p:spPr>
-          <a:xfrm>
-            <a:off x="4158787" y="787888"/>
-            <a:ext cx="1725433" cy="659016"/>
-          </a:xfrm>
-          <a:prstGeom prst="roundRect">
-            <a:avLst>
-              <a:gd name="adj" fmla="val 16667"/>
-            </a:avLst>
-          </a:prstGeom>
-          <a:solidFill>
-            <a:srgbClr val="00B0F0"/>
-          </a:solidFill>
-          <a:ln w="25400" cap="flat" cmpd="sng">
-            <a:solidFill>
-              <a:srgbClr val="1B3867"/>
-            </a:solidFill>
-            <a:prstDash val="solid"/>
-            <a:round/>
-            <a:headEnd type="none" w="sm" len="sm"/>
-            <a:tailEnd type="none" w="sm" len="sm"/>
-          </a:ln>
-        </p:spPr>
-        <p:txBody>
-          <a:bodyPr spcFirstLastPara="1" wrap="square" lIns="91425" tIns="45700" rIns="91425" bIns="45700" anchor="ctr" anchorCtr="0">
-            <a:noAutofit/>
-          </a:bodyPr>
-          <a:lstStyle/>
-          <a:p>
-            <a:pPr marL="0" marR="0" lvl="0" indent="0" algn="ctr" rtl="0">
-              <a:lnSpc>
-                <a:spcPct val="100000"/>
-              </a:lnSpc>
-              <a:spcBef>
-                <a:spcPts val="0"/>
-              </a:spcBef>
-              <a:spcAft>
-                <a:spcPts val="0"/>
-              </a:spcAft>
-              <a:buClr>
-                <a:srgbClr val="000000"/>
-              </a:buClr>
-              <a:buSzPts val="1400"/>
-              <a:buFont typeface="Arial"/>
-              <a:buNone/>
-            </a:pPr>
-            <a:r>
-              <a:rPr lang="en-US" sz="1200" b="0" i="0" u="none" strike="noStrike" cap="none" dirty="0">
-                <a:solidFill>
-                  <a:schemeClr val="lt1"/>
-                </a:solidFill>
-                <a:latin typeface="Arial"/>
-                <a:ea typeface="Arial"/>
-                <a:cs typeface="Arial"/>
-                <a:sym typeface="Arial"/>
-              </a:rPr>
-              <a:t>Process B</a:t>
-            </a:r>
-          </a:p>
-          <a:p>
-            <a:pPr marL="0" marR="0" lvl="0" indent="0" algn="ctr" rtl="0">
-              <a:lnSpc>
-                <a:spcPct val="100000"/>
-              </a:lnSpc>
-              <a:spcBef>
-                <a:spcPts val="0"/>
-              </a:spcBef>
-              <a:spcAft>
-                <a:spcPts val="0"/>
-              </a:spcAft>
-              <a:buClr>
-                <a:srgbClr val="000000"/>
-              </a:buClr>
-              <a:buSzPts val="1400"/>
-              <a:buFont typeface="Arial"/>
-              <a:buNone/>
-            </a:pPr>
-            <a:r>
-              <a:rPr lang="en-US" sz="1200" dirty="0">
-                <a:solidFill>
-                  <a:schemeClr val="lt1"/>
-                </a:solidFill>
-              </a:rPr>
-              <a:t>(could be local </a:t>
-            </a:r>
-          </a:p>
-          <a:p>
-            <a:pPr marL="0" marR="0" lvl="0" indent="0" algn="ctr" rtl="0">
-              <a:lnSpc>
-                <a:spcPct val="100000"/>
-              </a:lnSpc>
-              <a:spcBef>
-                <a:spcPts val="0"/>
-              </a:spcBef>
-              <a:spcAft>
-                <a:spcPts val="0"/>
-              </a:spcAft>
-              <a:buClr>
-                <a:srgbClr val="000000"/>
-              </a:buClr>
-              <a:buSzPts val="1400"/>
-              <a:buFont typeface="Arial"/>
-              <a:buNone/>
-            </a:pPr>
-            <a:r>
-              <a:rPr lang="en-US" sz="1200" dirty="0">
-                <a:solidFill>
-                  <a:schemeClr val="lt1"/>
-                </a:solidFill>
-              </a:rPr>
-              <a:t>or remote)</a:t>
-            </a:r>
-            <a:endParaRPr lang="en-US" sz="1200" b="0" i="0" u="none" strike="noStrike" cap="none" dirty="0">
-              <a:solidFill>
-                <a:schemeClr val="lt1"/>
-              </a:solidFill>
-              <a:latin typeface="Arial"/>
-              <a:ea typeface="Arial"/>
-              <a:cs typeface="Arial"/>
-              <a:sym typeface="Arial"/>
-            </a:endParaRPr>
-          </a:p>
-        </p:txBody>
-      </p:sp>
-      <p:sp>
-        <p:nvSpPr>
-          <p:cNvPr id="4" name="TextBox 3">
-            <a:extLst>
-              <a:ext uri="{FF2B5EF4-FFF2-40B4-BE49-F238E27FC236}">
-                <a16:creationId xmlns:a16="http://schemas.microsoft.com/office/drawing/2014/main" id="{52176130-8568-4E55-B8ED-32A45FC7329F}"/>
-              </a:ext>
-            </a:extLst>
-          </p:cNvPr>
-          <p:cNvSpPr txBox="1"/>
-          <p:nvPr/>
-        </p:nvSpPr>
-        <p:spPr>
-          <a:xfrm>
-            <a:off x="919174" y="187193"/>
-            <a:ext cx="4945336" cy="400110"/>
-          </a:xfrm>
-          <a:prstGeom prst="rect">
-            <a:avLst/>
-          </a:prstGeom>
-          <a:noFill/>
-        </p:spPr>
-        <p:txBody>
-          <a:bodyPr wrap="square" rtlCol="0">
-            <a:spAutoFit/>
-          </a:bodyPr>
-          <a:lstStyle/>
-          <a:p>
-            <a:pPr algn="ctr"/>
-            <a:r>
-              <a:rPr lang="en-US" sz="2000" b="1" dirty="0"/>
-              <a:t>Asynchronous Programming</a:t>
-            </a:r>
-          </a:p>
-        </p:txBody>
-      </p:sp>
-      <p:cxnSp>
-        <p:nvCxnSpPr>
-          <p:cNvPr id="8" name="Google Shape;247;p23">
-            <a:extLst>
-              <a:ext uri="{FF2B5EF4-FFF2-40B4-BE49-F238E27FC236}">
-                <a16:creationId xmlns:a16="http://schemas.microsoft.com/office/drawing/2014/main" id="{ED4AD922-24D0-0920-D861-762E309D8B23}"/>
-              </a:ext>
-            </a:extLst>
-          </p:cNvPr>
-          <p:cNvCxnSpPr>
-            <a:cxnSpLocks/>
-          </p:cNvCxnSpPr>
-          <p:nvPr/>
-        </p:nvCxnSpPr>
-        <p:spPr>
-          <a:xfrm>
-            <a:off x="5003731" y="1446904"/>
-            <a:ext cx="0" cy="3130291"/>
-          </a:xfrm>
-          <a:prstGeom prst="straightConnector1">
-            <a:avLst/>
-          </a:prstGeom>
-          <a:noFill/>
-          <a:ln w="9525" cap="flat" cmpd="sng">
-            <a:solidFill>
-              <a:srgbClr val="3B7FF2"/>
-            </a:solidFill>
-            <a:prstDash val="solid"/>
-            <a:round/>
-            <a:headEnd type="none" w="sm" len="sm"/>
-            <a:tailEnd type="triangle" w="med" len="med"/>
-          </a:ln>
-        </p:spPr>
-      </p:cxnSp>
-      <p:sp>
-        <p:nvSpPr>
-          <p:cNvPr id="10" name="TextBox 9">
-            <a:extLst>
-              <a:ext uri="{FF2B5EF4-FFF2-40B4-BE49-F238E27FC236}">
-                <a16:creationId xmlns:a16="http://schemas.microsoft.com/office/drawing/2014/main" id="{C4846C0C-94C8-1A3B-9376-9BDD717B0DB2}"/>
-              </a:ext>
-            </a:extLst>
-          </p:cNvPr>
-          <p:cNvSpPr txBox="1"/>
-          <p:nvPr/>
-        </p:nvSpPr>
-        <p:spPr>
-          <a:xfrm>
-            <a:off x="1810487" y="2071295"/>
-            <a:ext cx="3202130" cy="246221"/>
-          </a:xfrm>
-          <a:prstGeom prst="rect">
-            <a:avLst/>
-          </a:prstGeom>
-          <a:noFill/>
-        </p:spPr>
-        <p:txBody>
-          <a:bodyPr wrap="square" rtlCol="0">
-            <a:spAutoFit/>
-          </a:bodyPr>
-          <a:lstStyle/>
-          <a:p>
-            <a:pPr algn="ctr"/>
-            <a:r>
-              <a:rPr lang="en-US" sz="1000" dirty="0"/>
-              <a:t>Ask Process B to perform a task and report back</a:t>
-            </a:r>
-          </a:p>
-        </p:txBody>
-      </p:sp>
-      <p:cxnSp>
-        <p:nvCxnSpPr>
-          <p:cNvPr id="22" name="Google Shape;141;p14">
-            <a:extLst>
-              <a:ext uri="{FF2B5EF4-FFF2-40B4-BE49-F238E27FC236}">
-                <a16:creationId xmlns:a16="http://schemas.microsoft.com/office/drawing/2014/main" id="{46A8F945-DF27-43E3-972B-1D850D8FD57E}"/>
-              </a:ext>
-            </a:extLst>
-          </p:cNvPr>
-          <p:cNvCxnSpPr>
-            <a:cxnSpLocks/>
-          </p:cNvCxnSpPr>
-          <p:nvPr/>
-        </p:nvCxnSpPr>
-        <p:spPr>
-          <a:xfrm rot="10800000">
-            <a:off x="1795220" y="3449831"/>
-            <a:ext cx="3193244" cy="0"/>
-          </a:xfrm>
-          <a:prstGeom prst="straightConnector1">
-            <a:avLst/>
-          </a:prstGeom>
-          <a:noFill/>
-          <a:ln w="9525" cap="flat" cmpd="sng">
-            <a:solidFill>
-              <a:srgbClr val="3B7FF2"/>
-            </a:solidFill>
-            <a:prstDash val="solid"/>
-            <a:round/>
-            <a:headEnd type="none" w="sm" len="sm"/>
-            <a:tailEnd type="triangle" w="med" len="med"/>
-          </a:ln>
-        </p:spPr>
-      </p:cxnSp>
-      <p:sp>
-        <p:nvSpPr>
-          <p:cNvPr id="23" name="TextBox 22">
-            <a:extLst>
-              <a:ext uri="{FF2B5EF4-FFF2-40B4-BE49-F238E27FC236}">
-                <a16:creationId xmlns:a16="http://schemas.microsoft.com/office/drawing/2014/main" id="{00B01F52-4454-46FF-932F-92C720A98EED}"/>
-              </a:ext>
-            </a:extLst>
-          </p:cNvPr>
-          <p:cNvSpPr txBox="1"/>
-          <p:nvPr/>
-        </p:nvSpPr>
-        <p:spPr>
-          <a:xfrm>
-            <a:off x="1806044" y="3212327"/>
-            <a:ext cx="3202130" cy="246221"/>
-          </a:xfrm>
-          <a:prstGeom prst="rect">
-            <a:avLst/>
-          </a:prstGeom>
-          <a:noFill/>
-        </p:spPr>
-        <p:txBody>
-          <a:bodyPr wrap="square" rtlCol="0">
-            <a:spAutoFit/>
-          </a:bodyPr>
-          <a:lstStyle/>
-          <a:p>
-            <a:pPr algn="ctr"/>
-            <a:r>
-              <a:rPr lang="en-US" sz="1000" dirty="0"/>
-              <a:t>Process B has completed the task</a:t>
-            </a:r>
-          </a:p>
-        </p:txBody>
-      </p:sp>
-      <p:sp>
-        <p:nvSpPr>
-          <p:cNvPr id="24" name="Rectangle 23">
-            <a:extLst>
-              <a:ext uri="{FF2B5EF4-FFF2-40B4-BE49-F238E27FC236}">
-                <a16:creationId xmlns:a16="http://schemas.microsoft.com/office/drawing/2014/main" id="{E21F2A5F-52D4-493E-9894-40D0195DEDDE}"/>
-              </a:ext>
-            </a:extLst>
-          </p:cNvPr>
-          <p:cNvSpPr/>
-          <p:nvPr/>
-        </p:nvSpPr>
-        <p:spPr>
-          <a:xfrm>
-            <a:off x="4634348" y="2474106"/>
-            <a:ext cx="914400" cy="457200"/>
-          </a:xfrm>
-          <a:prstGeom prst="rect">
-            <a:avLst/>
-          </a:prstGeom>
-          <a:ln>
-            <a:noFill/>
-          </a:ln>
-        </p:spPr>
-        <p:style>
-          <a:lnRef idx="2">
-            <a:schemeClr val="accent1">
-              <a:shade val="15000"/>
-            </a:schemeClr>
-          </a:lnRef>
-          <a:fillRef idx="1">
-            <a:schemeClr val="accent1"/>
-          </a:fillRef>
-          <a:effectRef idx="0">
-            <a:schemeClr val="accent1"/>
-          </a:effectRef>
-          <a:fontRef idx="minor">
-            <a:schemeClr val="lt1"/>
-          </a:fontRef>
-        </p:style>
-        <p:txBody>
-          <a:bodyPr rtlCol="0" anchor="ctr"/>
-          <a:lstStyle/>
-          <a:p>
-            <a:pPr algn="ctr"/>
-            <a:r>
-              <a:rPr lang="en-US" sz="1000" dirty="0"/>
-              <a:t>Task</a:t>
-            </a:r>
-          </a:p>
-          <a:p>
-            <a:pPr algn="ctr"/>
-            <a:r>
-              <a:rPr lang="en-US" sz="1000" dirty="0"/>
-              <a:t>Execution</a:t>
-            </a:r>
-          </a:p>
-        </p:txBody>
-      </p:sp>
-      <p:sp>
-        <p:nvSpPr>
-          <p:cNvPr id="25" name="Rectangle 24">
-            <a:extLst>
-              <a:ext uri="{FF2B5EF4-FFF2-40B4-BE49-F238E27FC236}">
-                <a16:creationId xmlns:a16="http://schemas.microsoft.com/office/drawing/2014/main" id="{404A725A-ACB8-6863-C091-2CDBF4BB3A52}"/>
-              </a:ext>
-            </a:extLst>
-          </p:cNvPr>
-          <p:cNvSpPr/>
-          <p:nvPr/>
-        </p:nvSpPr>
-        <p:spPr>
-          <a:xfrm>
-            <a:off x="1338020" y="1526058"/>
-            <a:ext cx="914400" cy="457200"/>
-          </a:xfrm>
-          <a:prstGeom prst="rect">
-            <a:avLst/>
-          </a:prstGeom>
-          <a:ln>
-            <a:noFill/>
-          </a:ln>
-        </p:spPr>
-        <p:style>
-          <a:lnRef idx="2">
-            <a:schemeClr val="accent1">
-              <a:shade val="15000"/>
-            </a:schemeClr>
-          </a:lnRef>
-          <a:fillRef idx="1">
-            <a:schemeClr val="accent1"/>
-          </a:fillRef>
-          <a:effectRef idx="0">
-            <a:schemeClr val="accent1"/>
-          </a:effectRef>
-          <a:fontRef idx="minor">
-            <a:schemeClr val="lt1"/>
-          </a:fontRef>
-        </p:style>
-        <p:txBody>
-          <a:bodyPr rtlCol="0" anchor="ctr"/>
-          <a:lstStyle/>
-          <a:p>
-            <a:pPr algn="ctr"/>
-            <a:r>
-              <a:rPr lang="en-US" sz="1000" dirty="0"/>
-              <a:t>Process A</a:t>
-            </a:r>
-          </a:p>
-          <a:p>
-            <a:pPr algn="ctr"/>
-            <a:r>
-              <a:rPr lang="en-US" sz="1000" dirty="0"/>
-              <a:t>Processing</a:t>
-            </a:r>
-          </a:p>
-        </p:txBody>
-      </p:sp>
-      <p:sp>
-        <p:nvSpPr>
-          <p:cNvPr id="27" name="Rectangle 26">
-            <a:extLst>
-              <a:ext uri="{FF2B5EF4-FFF2-40B4-BE49-F238E27FC236}">
-                <a16:creationId xmlns:a16="http://schemas.microsoft.com/office/drawing/2014/main" id="{CF2CB37B-E75C-FAB0-2672-E8D2249D0953}"/>
-              </a:ext>
-            </a:extLst>
-          </p:cNvPr>
-          <p:cNvSpPr/>
-          <p:nvPr/>
-        </p:nvSpPr>
-        <p:spPr>
-          <a:xfrm>
-            <a:off x="896086" y="3651647"/>
-            <a:ext cx="1808017" cy="816441"/>
-          </a:xfrm>
-          <a:prstGeom prst="rect">
-            <a:avLst/>
-          </a:prstGeom>
-          <a:ln>
-            <a:noFill/>
-          </a:ln>
-        </p:spPr>
-        <p:style>
-          <a:lnRef idx="2">
-            <a:schemeClr val="accent1">
-              <a:shade val="15000"/>
-            </a:schemeClr>
-          </a:lnRef>
-          <a:fillRef idx="1">
-            <a:schemeClr val="accent1"/>
-          </a:fillRef>
-          <a:effectRef idx="0">
-            <a:schemeClr val="accent1"/>
-          </a:effectRef>
-          <a:fontRef idx="minor">
-            <a:schemeClr val="lt1"/>
-          </a:fontRef>
-        </p:style>
-        <p:txBody>
-          <a:bodyPr rtlCol="0" anchor="ctr"/>
-          <a:lstStyle/>
-          <a:p>
-            <a:pPr algn="ctr"/>
-            <a:r>
-              <a:rPr lang="en-US" sz="1000" dirty="0"/>
-              <a:t>Process A can now do whatever work is dependent on Process B Task</a:t>
-            </a:r>
-          </a:p>
-        </p:txBody>
-      </p:sp>
-      <p:sp>
-        <p:nvSpPr>
-          <p:cNvPr id="2" name="Rectangle 1">
-            <a:extLst>
-              <a:ext uri="{FF2B5EF4-FFF2-40B4-BE49-F238E27FC236}">
-                <a16:creationId xmlns:a16="http://schemas.microsoft.com/office/drawing/2014/main" id="{5E1FE2EB-68C1-8CB8-2D72-48D25F39128D}"/>
-              </a:ext>
-            </a:extLst>
-          </p:cNvPr>
-          <p:cNvSpPr/>
-          <p:nvPr/>
-        </p:nvSpPr>
-        <p:spPr>
-          <a:xfrm>
-            <a:off x="856298" y="2441582"/>
-            <a:ext cx="1808019" cy="762900"/>
-          </a:xfrm>
-          <a:prstGeom prst="rect">
-            <a:avLst/>
-          </a:prstGeom>
-          <a:ln>
-            <a:noFill/>
-          </a:ln>
-        </p:spPr>
-        <p:style>
-          <a:lnRef idx="2">
-            <a:schemeClr val="accent1">
-              <a:shade val="15000"/>
-            </a:schemeClr>
-          </a:lnRef>
-          <a:fillRef idx="1">
-            <a:schemeClr val="accent1"/>
-          </a:fillRef>
-          <a:effectRef idx="0">
-            <a:schemeClr val="accent1"/>
-          </a:effectRef>
-          <a:fontRef idx="minor">
-            <a:schemeClr val="lt1"/>
-          </a:fontRef>
-        </p:style>
-        <p:txBody>
-          <a:bodyPr rtlCol="0" anchor="ctr"/>
-          <a:lstStyle/>
-          <a:p>
-            <a:pPr algn="ctr"/>
-            <a:r>
-              <a:rPr lang="en-US" sz="1000" dirty="0"/>
-              <a:t>Process A</a:t>
-            </a:r>
-          </a:p>
-          <a:p>
-            <a:pPr algn="ctr"/>
-            <a:r>
-              <a:rPr lang="en-US" sz="1000" dirty="0"/>
-              <a:t>Continues working on other work not depend on Process B Task</a:t>
-            </a:r>
-          </a:p>
-        </p:txBody>
-      </p:sp>
-    </p:spTree>
-    <p:extLst>
-      <p:ext uri="{BB962C8B-B14F-4D97-AF65-F5344CB8AC3E}">
-        <p14:creationId xmlns:p14="http://schemas.microsoft.com/office/powerpoint/2010/main" val="661975633"/>
+        <p14:creationId xmlns:p14="http://schemas.microsoft.com/office/powerpoint/2010/main" val="3048683445"/>
       </p:ext>
     </p:extLst>
   </p:cSld>
